--- a/AI_Report/AI應用-不動產價格預測.pptx
+++ b/AI_Report/AI應用-不動產價格預測.pptx
@@ -9310,10 +9310,33 @@
           <a:p>
             <a:r>
               <a:rPr lang="zh-TW" altLang="en-US" dirty="0" smtClean="0"/>
-              <a:t>使用兩棵樹來預測一個人是否喜歡電腦遊戲的示意圖如下，小男孩和老人的預測值為兩棵樹預測值的加和。</a:t>
-            </a:r>
-          </a:p>
-          <a:p>
+              <a:t>使用兩棵樹來預測一個人是否喜歡電腦遊戲的示意圖</a:t>
+            </a:r>
+            <a:r>
+              <a:rPr lang="zh-TW" altLang="en-US" dirty="0" smtClean="0"/>
+              <a:t>如下。</a:t>
+            </a:r>
+            <a:endParaRPr lang="en-US" altLang="zh-TW" dirty="0" smtClean="0"/>
+          </a:p>
+          <a:p>
+            <a:r>
+              <a:rPr lang="zh-TW" altLang="en-US" dirty="0" smtClean="0"/>
+              <a:t>小</a:t>
+            </a:r>
+            <a:r>
+              <a:rPr lang="zh-TW" altLang="en-US" dirty="0" smtClean="0"/>
+              <a:t>男孩和老人的預測值為兩棵樹預測值的</a:t>
+            </a:r>
+            <a:r>
+              <a:rPr lang="zh-TW" altLang="en-US" dirty="0" smtClean="0"/>
+              <a:t>加總。</a:t>
+            </a:r>
+            <a:endParaRPr lang="zh-TW" altLang="en-US" dirty="0" smtClean="0"/>
+          </a:p>
+          <a:p>
+            <a:pPr marL="0" indent="0">
+              <a:buNone/>
+            </a:pPr>
             <a:r>
               <a:rPr lang="zh-TW" altLang="en-US" dirty="0" smtClean="0"/>
               <a:t/>
@@ -9554,11 +9577,7 @@
             </a:pPr>
             <a:r>
               <a:rPr lang="zh-TW" altLang="en-US" dirty="0" smtClean="0"/>
-              <a:t>分析模型標</a:t>
-            </a:r>
-            <a:r>
-              <a:rPr lang="zh-TW" altLang="en-US" dirty="0"/>
-              <a:t>準</a:t>
+              <a:t>模型評估指標</a:t>
             </a:r>
             <a:endParaRPr lang="en-US" altLang="zh-TW" dirty="0" smtClean="0"/>
           </a:p>
@@ -11129,7 +11148,15 @@
             <a:pPr algn="ctr"/>
             <a:r>
               <a:rPr lang="zh-TW" altLang="en-US" b="1" dirty="0" smtClean="0"/>
-              <a:t>分析模型標準</a:t>
+              <a:t>模型</a:t>
+            </a:r>
+            <a:r>
+              <a:rPr lang="zh-TW" altLang="en-US" b="1" dirty="0" smtClean="0"/>
+              <a:t>評估</a:t>
+            </a:r>
+            <a:r>
+              <a:rPr lang="zh-TW" altLang="en-US" b="1" dirty="0"/>
+              <a:t>指標</a:t>
             </a:r>
             <a:endParaRPr lang="zh-TW" altLang="en-US" b="1" dirty="0"/>
           </a:p>
@@ -11162,35 +11189,19 @@
           <a:p>
             <a:pPr lvl="1"/>
             <a:r>
-              <a:rPr lang="zh-TW" altLang="en-US" sz="1600" dirty="0" smtClean="0">
-                <a:solidFill>
-                  <a:srgbClr val="FF0000"/>
-                </a:solidFill>
-              </a:rPr>
+              <a:rPr lang="zh-TW" altLang="en-US" sz="1600" dirty="0" smtClean="0"/>
               <a:t>均</a:t>
             </a:r>
             <a:r>
-              <a:rPr lang="zh-TW" altLang="en-US" sz="1600" dirty="0">
-                <a:solidFill>
-                  <a:srgbClr val="FF0000"/>
-                </a:solidFill>
-              </a:rPr>
+              <a:rPr lang="zh-TW" altLang="en-US" sz="1600" dirty="0"/>
               <a:t>方</a:t>
             </a:r>
             <a:r>
-              <a:rPr lang="zh-TW" altLang="en-US" sz="1600" dirty="0" smtClean="0">
-                <a:solidFill>
-                  <a:srgbClr val="FF0000"/>
-                </a:solidFill>
-              </a:rPr>
+              <a:rPr lang="zh-TW" altLang="en-US" sz="1600" dirty="0" smtClean="0"/>
               <a:t>誤差</a:t>
             </a:r>
             <a:r>
-              <a:rPr lang="en-US" altLang="zh-TW" sz="1600" dirty="0" smtClean="0">
-                <a:solidFill>
-                  <a:srgbClr val="FF0000"/>
-                </a:solidFill>
-              </a:rPr>
+              <a:rPr lang="en-US" altLang="zh-TW" sz="1600" dirty="0" smtClean="0"/>
               <a:t>(MSE):</a:t>
             </a:r>
             <a:r>
@@ -11740,14 +11751,7 @@
                 <a:latin typeface="微軟正黑體" panose="020B0604030504040204" pitchFamily="34" charset="-120"/>
                 <a:ea typeface="微軟正黑體" panose="020B0604030504040204" pitchFamily="34" charset="-120"/>
               </a:rPr>
-              <a:t>分析模型標</a:t>
-            </a:r>
-            <a:r>
-              <a:rPr lang="zh-TW" altLang="en-US" sz="1600" dirty="0">
-                <a:latin typeface="微軟正黑體" panose="020B0604030504040204" pitchFamily="34" charset="-120"/>
-                <a:ea typeface="微軟正黑體" panose="020B0604030504040204" pitchFamily="34" charset="-120"/>
-              </a:rPr>
-              <a:t>準</a:t>
+              <a:t>模型評估指標</a:t>
             </a:r>
             <a:endParaRPr lang="zh-TW" altLang="en-US" sz="1600" dirty="0" smtClean="0">
               <a:latin typeface="微軟正黑體" panose="020B0604030504040204" pitchFamily="34" charset="-120"/>
@@ -14848,14 +14852,7 @@
                 <a:latin typeface="微軟正黑體" panose="020B0604030504040204" pitchFamily="34" charset="-120"/>
                 <a:ea typeface="微軟正黑體" panose="020B0604030504040204" pitchFamily="34" charset="-120"/>
               </a:rPr>
-              <a:t>填補缺失</a:t>
-            </a:r>
-            <a:r>
-              <a:rPr lang="zh-TW" altLang="en-US" sz="2600" dirty="0" smtClean="0">
-                <a:latin typeface="微軟正黑體" panose="020B0604030504040204" pitchFamily="34" charset="-120"/>
-                <a:ea typeface="微軟正黑體" panose="020B0604030504040204" pitchFamily="34" charset="-120"/>
-              </a:rPr>
-              <a:t>值</a:t>
+              <a:t>填補缺失值</a:t>
             </a:r>
             <a:endParaRPr lang="en-US" altLang="zh-TW" sz="2600" dirty="0">
               <a:latin typeface="微軟正黑體" panose="020B0604030504040204" pitchFamily="34" charset="-120"/>
@@ -15144,11 +15141,7 @@
           <a:p>
             <a:r>
               <a:rPr lang="zh-TW" altLang="en-US" dirty="0" smtClean="0"/>
-              <a:t>列出特徵值與房價的</a:t>
-            </a:r>
-            <a:r>
-              <a:rPr lang="zh-TW" altLang="en-US" dirty="0" smtClean="0"/>
-              <a:t>相關性</a:t>
+              <a:t>列出特徵值與房價的相關性</a:t>
             </a:r>
             <a:r>
               <a:rPr lang="zh-TW" altLang="en-US" dirty="0"/>
@@ -15159,11 +15152,7 @@
           <a:p>
             <a:r>
               <a:rPr lang="zh-TW" altLang="en-US" dirty="0" smtClean="0"/>
-              <a:t>數值</a:t>
-            </a:r>
-            <a:r>
-              <a:rPr lang="zh-TW" altLang="en-US" dirty="0" smtClean="0"/>
-              <a:t>越接近</a:t>
+              <a:t>數值越接近</a:t>
             </a:r>
             <a:r>
               <a:rPr lang="en-US" altLang="zh-TW" dirty="0" smtClean="0"/>
@@ -17536,7 +17525,19 @@
             <a:pPr lvl="1"/>
             <a:r>
               <a:rPr lang="zh-TW" altLang="en-US" sz="1600" dirty="0" smtClean="0"/>
-              <a:t>徵授信系統資料。</a:t>
+              <a:t>徵授信系統</a:t>
+            </a:r>
+            <a:r>
+              <a:rPr lang="zh-TW" altLang="en-US" sz="1600" dirty="0" smtClean="0"/>
+              <a:t>資料</a:t>
+            </a:r>
+            <a:r>
+              <a:rPr lang="en-US" altLang="zh-TW" sz="1600" dirty="0" smtClean="0"/>
+              <a:t>-</a:t>
+            </a:r>
+            <a:r>
+              <a:rPr lang="zh-TW" altLang="en-US" sz="1600" dirty="0" smtClean="0"/>
+              <a:t>不動產估價報告。</a:t>
             </a:r>
             <a:endParaRPr lang="en-US" altLang="zh-TW" sz="1600" dirty="0" smtClean="0"/>
           </a:p>
@@ -17743,6 +17744,30 @@
           </a:p>
         </p:txBody>
       </p:sp>
+      <p:pic>
+        <p:nvPicPr>
+          <p:cNvPr id="2" name="圖片 1"/>
+          <p:cNvPicPr>
+            <a:picLocks noChangeAspect="1"/>
+          </p:cNvPicPr>
+          <p:nvPr/>
+        </p:nvPicPr>
+        <p:blipFill>
+          <a:blip r:embed="rId2"/>
+          <a:stretch>
+            <a:fillRect/>
+          </a:stretch>
+        </p:blipFill>
+        <p:spPr>
+          <a:xfrm>
+            <a:off x="539552" y="3181414"/>
+            <a:ext cx="7419975" cy="3400425"/>
+          </a:xfrm>
+          <a:prstGeom prst="rect">
+            <a:avLst/>
+          </a:prstGeom>
+        </p:spPr>
+      </p:pic>
     </p:spTree>
     <p:extLst>
       <p:ext uri="{BB962C8B-B14F-4D97-AF65-F5344CB8AC3E}">
@@ -17836,7 +17861,6 @@
               <a:rPr lang="zh-TW" altLang="en-US" dirty="0" smtClean="0"/>
               <a:t>個特徵值。</a:t>
             </a:r>
-            <a:endParaRPr lang="zh-TW" altLang="en-US" dirty="0" smtClean="0"/>
           </a:p>
         </p:txBody>
       </p:sp>
@@ -18472,10 +18496,6 @@
                         </a:rPr>
                         <a:t>結構材料</a:t>
                       </a:r>
-                      <a:endParaRPr lang="zh-TW" altLang="en-US" sz="1200" dirty="0" smtClean="0">
-                        <a:latin typeface="微軟正黑體" panose="020B0604030504040204" pitchFamily="34" charset="-120"/>
-                        <a:ea typeface="微軟正黑體" panose="020B0604030504040204" pitchFamily="34" charset="-120"/>
-                      </a:endParaRPr>
                     </a:p>
                   </a:txBody>
                   <a:tcPr marL="91470" marR="91470" marT="45719" marB="45719"/>
@@ -20371,22 +20391,14 @@
           <a:p>
             <a:r>
               <a:rPr lang="zh-TW" altLang="en-US" dirty="0" smtClean="0"/>
-              <a:t>列出特徵值與房價的</a:t>
-            </a:r>
+              <a:t>列出特徵值與房價的相關性。</a:t>
+            </a:r>
+            <a:endParaRPr lang="en-US" altLang="zh-TW" dirty="0" smtClean="0"/>
+          </a:p>
+          <a:p>
             <a:r>
               <a:rPr lang="zh-TW" altLang="en-US" dirty="0" smtClean="0"/>
-              <a:t>相關性。</a:t>
-            </a:r>
-            <a:endParaRPr lang="en-US" altLang="zh-TW" dirty="0" smtClean="0"/>
-          </a:p>
-          <a:p>
-            <a:r>
-              <a:rPr lang="zh-TW" altLang="en-US" dirty="0" smtClean="0"/>
-              <a:t>數值</a:t>
-            </a:r>
-            <a:r>
-              <a:rPr lang="zh-TW" altLang="en-US" dirty="0" smtClean="0"/>
-              <a:t>越接近</a:t>
+              <a:t>數值越接近</a:t>
             </a:r>
             <a:r>
               <a:rPr lang="en-US" altLang="zh-TW" dirty="0" smtClean="0"/>
@@ -20854,14 +20866,6 @@
                         </a:rPr>
                         <a:t>車位總價</a:t>
                       </a:r>
-                      <a:endParaRPr lang="zh-TW" altLang="en-US" sz="1200" kern="1200" dirty="0" smtClean="0">
-                        <a:solidFill>
-                          <a:schemeClr val="dk1"/>
-                        </a:solidFill>
-                        <a:latin typeface="微軟正黑體" panose="020B0604030504040204" pitchFamily="34" charset="-120"/>
-                        <a:ea typeface="微軟正黑體" panose="020B0604030504040204" pitchFamily="34" charset="-120"/>
-                        <a:cs typeface="+mn-cs"/>
-                      </a:endParaRPr>
                     </a:p>
                   </a:txBody>
                   <a:tcPr marL="91451" marR="91451" marT="45728" marB="45728"/>
@@ -22298,11 +22302,7 @@
             </a:r>
             <a:r>
               <a:rPr lang="en-US" altLang="zh-TW" sz="1600" dirty="0" smtClean="0"/>
-              <a:t>(RMSE</a:t>
-            </a:r>
-            <a:r>
-              <a:rPr lang="en-US" altLang="zh-TW" sz="1600" dirty="0" smtClean="0"/>
-              <a:t>):</a:t>
+              <a:t>(RMSE):</a:t>
             </a:r>
             <a:r>
               <a:rPr lang="en-US" altLang="zh-TW" sz="1600" dirty="0" smtClean="0">
@@ -22317,19 +22317,11 @@
             <a:pPr lvl="1"/>
             <a:r>
               <a:rPr lang="zh-TW" altLang="en-US" sz="1600" dirty="0" smtClean="0"/>
-              <a:t>決定</a:t>
-            </a:r>
-            <a:r>
-              <a:rPr lang="zh-TW" altLang="en-US" sz="1600" dirty="0" smtClean="0"/>
-              <a:t>係數</a:t>
+              <a:t>決定係數</a:t>
             </a:r>
             <a:r>
               <a:rPr lang="en-US" altLang="zh-TW" sz="1600" dirty="0" smtClean="0"/>
-              <a:t>(R Squared</a:t>
-            </a:r>
-            <a:r>
-              <a:rPr lang="en-US" altLang="zh-TW" sz="1600" dirty="0" smtClean="0"/>
-              <a:t>):</a:t>
+              <a:t>(R Squared):</a:t>
             </a:r>
             <a:r>
               <a:rPr lang="en-US" altLang="zh-TW" sz="1600" dirty="0">
@@ -22547,7 +22539,15 @@
             </a:r>
             <a:r>
               <a:rPr lang="zh-TW" altLang="en-US" dirty="0" smtClean="0"/>
-              <a:t>比對。</a:t>
+              <a:t>比對，筆數</a:t>
+            </a:r>
+            <a:r>
+              <a:rPr lang="en-US" altLang="zh-TW" dirty="0" smtClean="0"/>
+              <a:t>:831</a:t>
+            </a:r>
+            <a:r>
+              <a:rPr lang="zh-TW" altLang="en-US" dirty="0" smtClean="0"/>
+              <a:t>。</a:t>
             </a:r>
             <a:endParaRPr lang="en-US" altLang="zh-TW" dirty="0" smtClean="0"/>
           </a:p>
@@ -22594,15 +22594,7 @@
                   <a:srgbClr val="FF0000"/>
                 </a:solidFill>
               </a:rPr>
-              <a:t>決定</a:t>
-            </a:r>
-            <a:r>
-              <a:rPr lang="zh-TW" altLang="en-US" sz="1600" dirty="0" smtClean="0">
-                <a:solidFill>
-                  <a:srgbClr val="FF0000"/>
-                </a:solidFill>
-              </a:rPr>
-              <a:t>係數</a:t>
+              <a:t>決定係數</a:t>
             </a:r>
             <a:r>
               <a:rPr lang="en-US" altLang="zh-TW" sz="1600" dirty="0">
@@ -31573,7 +31565,7 @@
         </p:nvSpPr>
         <p:spPr bwMode="auto">
           <a:xfrm>
-            <a:off x="4716463" y="4779963"/>
+            <a:off x="4788024" y="4637088"/>
             <a:ext cx="3959225" cy="738664"/>
           </a:xfrm>
           <a:prstGeom prst="rect">
@@ -32299,7 +32291,7 @@
         </p:nvSpPr>
         <p:spPr bwMode="auto">
           <a:xfrm>
-            <a:off x="815975" y="5076825"/>
+            <a:off x="1016348" y="4935538"/>
             <a:ext cx="3529013" cy="307975"/>
           </a:xfrm>
           <a:prstGeom prst="rect">
@@ -32442,7 +32434,7 @@
           </a:lstStyle>
           <a:p>
             <a:r>
-              <a:rPr lang="zh-TW" altLang="en-US" sz="1400" b="1" u="none">
+              <a:rPr lang="zh-TW" altLang="en-US" sz="1400" b="1" u="none" dirty="0">
                 <a:solidFill>
                   <a:srgbClr val="00B050"/>
                 </a:solidFill>
@@ -32452,7 +32444,7 @@
               <a:t>自我訓練 </a:t>
             </a:r>
             <a:r>
-              <a:rPr lang="en-US" altLang="zh-TW" sz="1400" b="1" u="none">
+              <a:rPr lang="en-US" altLang="zh-TW" sz="1400" b="1" u="none" dirty="0">
                 <a:solidFill>
                   <a:srgbClr val="00B050"/>
                 </a:solidFill>
@@ -33352,7 +33344,27 @@
           <a:p>
             <a:r>
               <a:rPr lang="zh-TW" altLang="en-US" dirty="0" smtClean="0"/>
-              <a:t>依照其坪數與成交價可以繪出下面的圖，每一個點代表一間房子的售價。</a:t>
+              <a:t>依照坪數</a:t>
+            </a:r>
+            <a:r>
+              <a:rPr lang="zh-TW" altLang="en-US" dirty="0" smtClean="0"/>
+              <a:t>與成交價可以繪出下面的圖，每一個點代表一間房子</a:t>
+            </a:r>
+            <a:r>
+              <a:rPr lang="zh-TW" altLang="en-US" dirty="0" smtClean="0"/>
+              <a:t>的</a:t>
+            </a:r>
+            <a:r>
+              <a:rPr lang="zh-TW" altLang="en-US" dirty="0" smtClean="0"/>
+              <a:t>成交</a:t>
+            </a:r>
+            <a:r>
+              <a:rPr lang="zh-TW" altLang="en-US" dirty="0"/>
+              <a:t>價</a:t>
+            </a:r>
+            <a:r>
+              <a:rPr lang="zh-TW" altLang="en-US" dirty="0" smtClean="0"/>
+              <a:t>。</a:t>
             </a:r>
             <a:endParaRPr lang="en-US" altLang="zh-TW" dirty="0" smtClean="0"/>
           </a:p>
@@ -35285,21 +35297,6 @@
 </file>
 
 <file path=customXml/item1.xml><?xml version="1.0" encoding="utf-8"?>
-<?mso-contentType ?>
-<FormTemplates xmlns="http://schemas.microsoft.com/sharepoint/v3/contenttype/forms">
-  <Display>DocumentLibraryForm</Display>
-  <Edit>DocumentLibraryForm</Edit>
-  <New>DocumentLibraryForm</New>
-</FormTemplates>
-</file>
-
-<file path=customXml/item2.xml><?xml version="1.0" encoding="utf-8"?>
-<p:properties xmlns:p="http://schemas.microsoft.com/office/2006/metadata/properties" xmlns:xsi="http://www.w3.org/2001/XMLSchema-instance" xmlns:pc="http://schemas.microsoft.com/office/infopath/2007/PartnerControls">
-  <documentManagement/>
-</p:properties>
-</file>
-
-<file path=customXml/item3.xml><?xml version="1.0" encoding="utf-8"?>
 <ct:contentTypeSchema xmlns:ct="http://schemas.microsoft.com/office/2006/metadata/contentType" xmlns:ma="http://schemas.microsoft.com/office/2006/metadata/properties/metaAttributes" ct:_="" ma:_="" ma:contentTypeName="文件" ma:contentTypeID="0x0101002F834950E6E8EC4987003F88DFC9B5CE" ma:contentTypeVersion="" ma:contentTypeDescription="建立新的文件。" ma:contentTypeScope="" ma:versionID="f8649297cceefdfdcd508960509e4249">
   <xsd:schema xmlns:xsd="http://www.w3.org/2001/XMLSchema" xmlns:xs="http://www.w3.org/2001/XMLSchema" xmlns:p="http://schemas.microsoft.com/office/2006/metadata/properties" targetNamespace="http://schemas.microsoft.com/office/2006/metadata/properties" ma:root="true" ma:fieldsID="684b3c36135c6fbac31a56fab451a81a">
     <xsd:element name="properties">
@@ -35413,10 +35410,33 @@
 </ct:contentTypeSchema>
 </file>
 
+<file path=customXml/item2.xml><?xml version="1.0" encoding="utf-8"?>
+<p:properties xmlns:p="http://schemas.microsoft.com/office/2006/metadata/properties" xmlns:xsi="http://www.w3.org/2001/XMLSchema-instance" xmlns:pc="http://schemas.microsoft.com/office/infopath/2007/PartnerControls">
+  <documentManagement/>
+</p:properties>
+</file>
+
+<file path=customXml/item3.xml><?xml version="1.0" encoding="utf-8"?>
+<?mso-contentType ?>
+<FormTemplates xmlns="http://schemas.microsoft.com/sharepoint/v3/contenttype/forms">
+  <Display>DocumentLibraryForm</Display>
+  <Edit>DocumentLibraryForm</Edit>
+  <New>DocumentLibraryForm</New>
+</FormTemplates>
+</file>
+
 <file path=customXml/itemProps1.xml><?xml version="1.0" encoding="utf-8"?>
-<ds:datastoreItem xmlns:ds="http://schemas.openxmlformats.org/officeDocument/2006/customXml" ds:itemID="{1A161D03-AEAF-454A-9930-BDD74521DECA}">
+<ds:datastoreItem xmlns:ds="http://schemas.openxmlformats.org/officeDocument/2006/customXml" ds:itemID="{DAA5427F-1FCE-4ABC-BDEE-5B390CA5416C}">
   <ds:schemaRefs>
-    <ds:schemaRef ds:uri="http://schemas.microsoft.com/sharepoint/v3/contenttype/forms"/>
+    <ds:schemaRef ds:uri="http://schemas.microsoft.com/office/2006/metadata/contentType"/>
+    <ds:schemaRef ds:uri="http://schemas.microsoft.com/office/2006/metadata/properties/metaAttributes"/>
+    <ds:schemaRef ds:uri="http://www.w3.org/2001/XMLSchema"/>
+    <ds:schemaRef ds:uri="http://schemas.microsoft.com/office/2006/metadata/properties"/>
+    <ds:schemaRef ds:uri="http://schemas.openxmlformats.org/package/2006/metadata/core-properties"/>
+    <ds:schemaRef ds:uri="http://purl.org/dc/elements/1.1/"/>
+    <ds:schemaRef ds:uri="http://purl.org/dc/terms/"/>
+    <ds:schemaRef ds:uri="http://schemas.microsoft.com/internal/obd"/>
+    <ds:schemaRef ds:uri="http://schemas.microsoft.com/office/infopath/2007/PartnerControls"/>
   </ds:schemaRefs>
 </ds:datastoreItem>
 </file>
@@ -35437,17 +35457,9 @@
 </file>
 
 <file path=customXml/itemProps3.xml><?xml version="1.0" encoding="utf-8"?>
-<ds:datastoreItem xmlns:ds="http://schemas.openxmlformats.org/officeDocument/2006/customXml" ds:itemID="{DAA5427F-1FCE-4ABC-BDEE-5B390CA5416C}">
+<ds:datastoreItem xmlns:ds="http://schemas.openxmlformats.org/officeDocument/2006/customXml" ds:itemID="{1A161D03-AEAF-454A-9930-BDD74521DECA}">
   <ds:schemaRefs>
-    <ds:schemaRef ds:uri="http://schemas.microsoft.com/office/2006/metadata/contentType"/>
-    <ds:schemaRef ds:uri="http://schemas.microsoft.com/office/2006/metadata/properties/metaAttributes"/>
-    <ds:schemaRef ds:uri="http://www.w3.org/2001/XMLSchema"/>
-    <ds:schemaRef ds:uri="http://schemas.microsoft.com/office/2006/metadata/properties"/>
-    <ds:schemaRef ds:uri="http://schemas.openxmlformats.org/package/2006/metadata/core-properties"/>
-    <ds:schemaRef ds:uri="http://purl.org/dc/elements/1.1/"/>
-    <ds:schemaRef ds:uri="http://purl.org/dc/terms/"/>
-    <ds:schemaRef ds:uri="http://schemas.microsoft.com/internal/obd"/>
-    <ds:schemaRef ds:uri="http://schemas.microsoft.com/office/infopath/2007/PartnerControls"/>
+    <ds:schemaRef ds:uri="http://schemas.microsoft.com/sharepoint/v3/contenttype/forms"/>
   </ds:schemaRefs>
 </ds:datastoreItem>
 </file>
--- a/AI_Report/AI應用-不動產價格預測.pptx
+++ b/AI_Report/AI應用-不動產價格預測.pptx
@@ -6,7 +6,7 @@
     <p:sldMasterId id="2147483703" r:id="rId5"/>
   </p:sldMasterIdLst>
   <p:notesMasterIdLst>
-    <p:notesMasterId r:id="rId46"/>
+    <p:notesMasterId r:id="rId47"/>
   </p:notesMasterIdLst>
   <p:sldIdLst>
     <p:sldId id="256" r:id="rId6"/>
@@ -35,20 +35,21 @@
     <p:sldId id="350" r:id="rId29"/>
     <p:sldId id="351" r:id="rId30"/>
     <p:sldId id="354" r:id="rId31"/>
-    <p:sldId id="319" r:id="rId32"/>
-    <p:sldId id="367" r:id="rId33"/>
-    <p:sldId id="357" r:id="rId34"/>
-    <p:sldId id="358" r:id="rId35"/>
-    <p:sldId id="359" r:id="rId36"/>
-    <p:sldId id="360" r:id="rId37"/>
-    <p:sldId id="363" r:id="rId38"/>
-    <p:sldId id="365" r:id="rId39"/>
-    <p:sldId id="370" r:id="rId40"/>
-    <p:sldId id="372" r:id="rId41"/>
-    <p:sldId id="371" r:id="rId42"/>
-    <p:sldId id="322" r:id="rId43"/>
-    <p:sldId id="314" r:id="rId44"/>
-    <p:sldId id="266" r:id="rId45"/>
+    <p:sldId id="373" r:id="rId32"/>
+    <p:sldId id="319" r:id="rId33"/>
+    <p:sldId id="367" r:id="rId34"/>
+    <p:sldId id="357" r:id="rId35"/>
+    <p:sldId id="358" r:id="rId36"/>
+    <p:sldId id="359" r:id="rId37"/>
+    <p:sldId id="360" r:id="rId38"/>
+    <p:sldId id="363" r:id="rId39"/>
+    <p:sldId id="365" r:id="rId40"/>
+    <p:sldId id="370" r:id="rId41"/>
+    <p:sldId id="372" r:id="rId42"/>
+    <p:sldId id="371" r:id="rId43"/>
+    <p:sldId id="322" r:id="rId44"/>
+    <p:sldId id="314" r:id="rId45"/>
+    <p:sldId id="266" r:id="rId46"/>
   </p:sldIdLst>
   <p:sldSz cx="9144000" cy="6859588"/>
   <p:notesSz cx="6797675" cy="9926638"/>
@@ -2439,7 +2440,7 @@
               <a:pPr>
                 <a:defRPr/>
               </a:pPr>
-              <a:t>36</a:t>
+              <a:t>37</a:t>
             </a:fld>
             <a:endParaRPr lang="zh-TW" altLang="en-US"/>
           </a:p>
@@ -2676,7 +2677,7 @@
               <a:pPr>
                 <a:defRPr/>
               </a:pPr>
-              <a:t>37</a:t>
+              <a:t>38</a:t>
             </a:fld>
             <a:endParaRPr lang="zh-TW" altLang="en-US"/>
           </a:p>
@@ -2930,7 +2931,7 @@
             <a:fld id="{DFB02F71-B921-4445-9FF7-71B182DB3C5B}" type="slidenum">
               <a:rPr lang="zh-TW" altLang="en-US" sz="1200" smtClean="0"/>
               <a:pPr/>
-              <a:t>39</a:t>
+              <a:t>40</a:t>
             </a:fld>
             <a:endParaRPr lang="zh-TW" altLang="en-US" sz="1200" smtClean="0"/>
           </a:p>
@@ -9310,28 +9311,15 @@
           <a:p>
             <a:r>
               <a:rPr lang="zh-TW" altLang="en-US" dirty="0" smtClean="0"/>
-              <a:t>使用兩棵樹來預測一個人是否喜歡電腦遊戲的示意圖</a:t>
-            </a:r>
+              <a:t>使用兩棵樹來預測一個人是否喜歡電腦遊戲的示意圖如下。</a:t>
+            </a:r>
+            <a:endParaRPr lang="en-US" altLang="zh-TW" dirty="0" smtClean="0"/>
+          </a:p>
+          <a:p>
             <a:r>
               <a:rPr lang="zh-TW" altLang="en-US" dirty="0" smtClean="0"/>
-              <a:t>如下。</a:t>
-            </a:r>
-            <a:endParaRPr lang="en-US" altLang="zh-TW" dirty="0" smtClean="0"/>
-          </a:p>
-          <a:p>
-            <a:r>
-              <a:rPr lang="zh-TW" altLang="en-US" dirty="0" smtClean="0"/>
-              <a:t>小</a:t>
-            </a:r>
-            <a:r>
-              <a:rPr lang="zh-TW" altLang="en-US" dirty="0" smtClean="0"/>
-              <a:t>男孩和老人的預測值為兩棵樹預測值的</a:t>
-            </a:r>
-            <a:r>
-              <a:rPr lang="zh-TW" altLang="en-US" dirty="0" smtClean="0"/>
-              <a:t>加總。</a:t>
-            </a:r>
-            <a:endParaRPr lang="zh-TW" altLang="en-US" dirty="0" smtClean="0"/>
+              <a:t>小男孩和老人的預測值為兩棵樹預測值的加總。</a:t>
+            </a:r>
           </a:p>
           <a:p>
             <a:pPr marL="0" indent="0">
@@ -11148,17 +11136,12 @@
             <a:pPr algn="ctr"/>
             <a:r>
               <a:rPr lang="zh-TW" altLang="en-US" b="1" dirty="0" smtClean="0"/>
-              <a:t>模型</a:t>
-            </a:r>
-            <a:r>
-              <a:rPr lang="zh-TW" altLang="en-US" b="1" dirty="0" smtClean="0"/>
-              <a:t>評估</a:t>
+              <a:t>模型評估</a:t>
             </a:r>
             <a:r>
               <a:rPr lang="zh-TW" altLang="en-US" b="1" dirty="0"/>
               <a:t>指標</a:t>
             </a:r>
-            <a:endParaRPr lang="zh-TW" altLang="en-US" b="1" dirty="0"/>
           </a:p>
         </p:txBody>
       </p:sp>
@@ -11753,10 +11736,6 @@
               </a:rPr>
               <a:t>模型評估指標</a:t>
             </a:r>
-            <a:endParaRPr lang="zh-TW" altLang="en-US" sz="1600" dirty="0" smtClean="0">
-              <a:latin typeface="微軟正黑體" panose="020B0604030504040204" pitchFamily="34" charset="-120"/>
-              <a:ea typeface="微軟正黑體" panose="020B0604030504040204" pitchFamily="34" charset="-120"/>
-            </a:endParaRPr>
           </a:p>
           <a:p>
             <a:pPr lvl="1">
@@ -16626,8 +16605,13 @@
                   <a:srgbClr val="FF0000"/>
                 </a:solidFill>
               </a:rPr>
-              <a:t>35638.024160526395</a:t>
-            </a:r>
+              <a:t>35638</a:t>
+            </a:r>
+            <a:endParaRPr lang="en-US" altLang="zh-TW" sz="1600" dirty="0" smtClean="0">
+              <a:solidFill>
+                <a:srgbClr val="FF0000"/>
+              </a:solidFill>
+            </a:endParaRPr>
           </a:p>
           <a:p>
             <a:pPr lvl="1"/>
@@ -16645,7 +16629,7 @@
                   <a:srgbClr val="FF0000"/>
                 </a:solidFill>
               </a:rPr>
-              <a:t>0.8219182768266571</a:t>
+              <a:t>0.82</a:t>
             </a:r>
             <a:endParaRPr lang="en-US" altLang="zh-TW" dirty="0" smtClean="0"/>
           </a:p>
@@ -16735,24 +16719,16 @@
           <a:bodyPr/>
           <a:lstStyle/>
           <a:p>
-            <a:pPr>
-              <a:defRPr/>
-            </a:pPr>
-            <a:r>
-              <a:rPr lang="zh-TW" altLang="en-US" smtClean="0"/>
-              <a:t>機密等級：            日期：</a:t>
-            </a:r>
-            <a:r>
-              <a:rPr lang="en-US" altLang="zh-TW" smtClean="0"/>
-              <a:t>2016/10/01</a:t>
-            </a:r>
-            <a:endParaRPr lang="zh-TW" altLang="en-US" smtClean="0"/>
-          </a:p>
-          <a:p>
-            <a:pPr>
-              <a:defRPr/>
-            </a:pPr>
-            <a:endParaRPr lang="zh-TW" altLang="en-US"/>
+            <a:pPr eaLnBrk="0" hangingPunct="0"/>
+            <a:r>
+              <a:rPr lang="zh-TW" altLang="en-US" dirty="0"/>
+              <a:t>機密等級：密            日期：</a:t>
+            </a:r>
+            <a:r>
+              <a:rPr lang="en-US" altLang="zh-TW" dirty="0"/>
+              <a:t>2020/07/22</a:t>
+            </a:r>
+            <a:endParaRPr lang="zh-TW" altLang="en-US" dirty="0"/>
           </a:p>
         </p:txBody>
       </p:sp>
@@ -16972,8 +16948,13 @@
                   <a:srgbClr val="FF0000"/>
                 </a:solidFill>
               </a:rPr>
-              <a:t>30263.75222688286</a:t>
-            </a:r>
+              <a:t>30263</a:t>
+            </a:r>
+            <a:endParaRPr lang="en-US" altLang="zh-TW" sz="1600" dirty="0" smtClean="0">
+              <a:solidFill>
+                <a:srgbClr val="FF0000"/>
+              </a:solidFill>
+            </a:endParaRPr>
           </a:p>
           <a:p>
             <a:pPr lvl="1"/>
@@ -16991,7 +16972,7 @@
                   <a:srgbClr val="FF0000"/>
                 </a:solidFill>
               </a:rPr>
-              <a:t>0.8715785234828328</a:t>
+              <a:t>0.87</a:t>
             </a:r>
             <a:endParaRPr lang="en-US" altLang="zh-TW" dirty="0" smtClean="0"/>
           </a:p>
@@ -17012,24 +16993,16 @@
           <a:bodyPr/>
           <a:lstStyle/>
           <a:p>
-            <a:pPr>
-              <a:defRPr/>
-            </a:pPr>
-            <a:r>
-              <a:rPr lang="zh-TW" altLang="en-US" smtClean="0"/>
-              <a:t>機密等級：            日期：</a:t>
-            </a:r>
-            <a:r>
-              <a:rPr lang="en-US" altLang="zh-TW" smtClean="0"/>
-              <a:t>2016/10/01</a:t>
-            </a:r>
-            <a:endParaRPr lang="zh-TW" altLang="en-US" smtClean="0"/>
-          </a:p>
-          <a:p>
-            <a:pPr>
-              <a:defRPr/>
-            </a:pPr>
-            <a:endParaRPr lang="zh-TW" altLang="en-US"/>
+            <a:pPr eaLnBrk="0" hangingPunct="0"/>
+            <a:r>
+              <a:rPr lang="zh-TW" altLang="en-US" dirty="0"/>
+              <a:t>機密等級：密            日期：</a:t>
+            </a:r>
+            <a:r>
+              <a:rPr lang="en-US" altLang="zh-TW" dirty="0"/>
+              <a:t>2020/07/22</a:t>
+            </a:r>
+            <a:endParaRPr lang="zh-TW" altLang="en-US" dirty="0"/>
           </a:p>
         </p:txBody>
       </p:sp>
@@ -17054,6 +17027,394 @@
 </file>
 
 <file path=ppt/slides/slide27.xml><?xml version="1.0" encoding="utf-8"?>
+<p:sld xmlns:a="http://schemas.openxmlformats.org/drawingml/2006/main" xmlns:r="http://schemas.openxmlformats.org/officeDocument/2006/relationships" xmlns:p="http://schemas.openxmlformats.org/presentationml/2006/main">
+  <p:cSld>
+    <p:spTree>
+      <p:nvGrpSpPr>
+        <p:cNvPr id="1" name=""/>
+        <p:cNvGrpSpPr/>
+        <p:nvPr/>
+      </p:nvGrpSpPr>
+      <p:grpSpPr>
+        <a:xfrm>
+          <a:off x="0" y="0"/>
+          <a:ext cx="0" cy="0"/>
+          <a:chOff x="0" y="0"/>
+          <a:chExt cx="0" cy="0"/>
+        </a:xfrm>
+      </p:grpSpPr>
+      <p:sp>
+        <p:nvSpPr>
+          <p:cNvPr id="2" name="標題 1"/>
+          <p:cNvSpPr>
+            <a:spLocks noGrp="1"/>
+          </p:cNvSpPr>
+          <p:nvPr>
+            <p:ph type="title"/>
+          </p:nvPr>
+        </p:nvSpPr>
+        <p:spPr/>
+        <p:txBody>
+          <a:bodyPr/>
+          <a:lstStyle/>
+          <a:p>
+            <a:pPr algn="ctr"/>
+            <a:r>
+              <a:rPr lang="zh-TW" altLang="en-US" b="1" dirty="0"/>
+              <a:t>波士頓房價</a:t>
+            </a:r>
+            <a:r>
+              <a:rPr lang="en-US" altLang="zh-TW" b="1" dirty="0" smtClean="0"/>
+              <a:t>-</a:t>
+            </a:r>
+            <a:r>
+              <a:rPr lang="zh-TW" altLang="en-US" b="1" dirty="0" smtClean="0"/>
+              <a:t>顯示預測值</a:t>
+            </a:r>
+            <a:r>
+              <a:rPr lang="en-US" altLang="zh-TW" b="1" dirty="0" smtClean="0"/>
+              <a:t>&amp;</a:t>
+            </a:r>
+            <a:r>
+              <a:rPr lang="zh-TW" altLang="en-US" b="1" dirty="0" smtClean="0"/>
+              <a:t>上傳結果</a:t>
+            </a:r>
+            <a:endParaRPr lang="zh-TW" altLang="en-US" dirty="0"/>
+          </a:p>
+        </p:txBody>
+      </p:sp>
+      <p:sp>
+        <p:nvSpPr>
+          <p:cNvPr id="3" name="內容版面配置區 2"/>
+          <p:cNvSpPr>
+            <a:spLocks noGrp="1"/>
+          </p:cNvSpPr>
+          <p:nvPr>
+            <p:ph sz="quarter" idx="10"/>
+          </p:nvPr>
+        </p:nvSpPr>
+        <p:spPr/>
+        <p:txBody>
+          <a:bodyPr/>
+          <a:lstStyle/>
+          <a:p>
+            <a:r>
+              <a:rPr lang="zh-TW" altLang="en-US" dirty="0" smtClean="0"/>
+              <a:t>顯示預測值。</a:t>
+            </a:r>
+            <a:endParaRPr lang="en-US" altLang="zh-TW" dirty="0" smtClean="0"/>
+          </a:p>
+          <a:p>
+            <a:endParaRPr lang="en-US" altLang="zh-TW" dirty="0"/>
+          </a:p>
+          <a:p>
+            <a:endParaRPr lang="en-US" altLang="zh-TW" dirty="0" smtClean="0"/>
+          </a:p>
+          <a:p>
+            <a:endParaRPr lang="en-US" altLang="zh-TW" dirty="0"/>
+          </a:p>
+          <a:p>
+            <a:endParaRPr lang="en-US" altLang="zh-TW" dirty="0" smtClean="0"/>
+          </a:p>
+          <a:p>
+            <a:endParaRPr lang="en-US" altLang="zh-TW" dirty="0"/>
+          </a:p>
+          <a:p>
+            <a:endParaRPr lang="en-US" altLang="zh-TW" dirty="0" smtClean="0"/>
+          </a:p>
+          <a:p>
+            <a:endParaRPr lang="en-US" altLang="zh-TW" dirty="0" smtClean="0"/>
+          </a:p>
+          <a:p>
+            <a:r>
+              <a:rPr lang="zh-TW" altLang="en-US" dirty="0" smtClean="0"/>
+              <a:t>上傳結果，排名</a:t>
+            </a:r>
+            <a:r>
+              <a:rPr lang="en-US" altLang="zh-TW" dirty="0" smtClean="0"/>
+              <a:t>:</a:t>
+            </a:r>
+            <a:r>
+              <a:rPr lang="en-US" altLang="zh-TW" dirty="0" smtClean="0">
+                <a:solidFill>
+                  <a:srgbClr val="FF0000"/>
+                </a:solidFill>
+              </a:rPr>
+              <a:t>1034</a:t>
+            </a:r>
+            <a:r>
+              <a:rPr lang="en-US" altLang="zh-TW" dirty="0" smtClean="0"/>
+              <a:t>/5075</a:t>
+            </a:r>
+            <a:r>
+              <a:rPr lang="zh-TW" altLang="en-US" dirty="0" smtClean="0"/>
+              <a:t>，分數</a:t>
+            </a:r>
+            <a:r>
+              <a:rPr lang="en-US" altLang="zh-TW" dirty="0" smtClean="0"/>
+              <a:t>:</a:t>
+            </a:r>
+            <a:r>
+              <a:rPr lang="en-US" altLang="zh-TW" dirty="0" smtClean="0">
+                <a:solidFill>
+                  <a:srgbClr val="FF0000"/>
+                </a:solidFill>
+              </a:rPr>
+              <a:t>0.12518</a:t>
+            </a:r>
+            <a:r>
+              <a:rPr lang="en-US" altLang="zh-TW" dirty="0" smtClean="0"/>
+              <a:t>(</a:t>
+            </a:r>
+            <a:r>
+              <a:rPr lang="zh-TW" altLang="en-US" dirty="0" smtClean="0"/>
+              <a:t>越小越好</a:t>
+            </a:r>
+            <a:r>
+              <a:rPr lang="en-US" altLang="zh-TW" dirty="0" smtClean="0"/>
+              <a:t>)</a:t>
+            </a:r>
+            <a:r>
+              <a:rPr lang="zh-TW" altLang="en-US" dirty="0" smtClean="0"/>
+              <a:t>。</a:t>
+            </a:r>
+            <a:endParaRPr lang="en-US" altLang="zh-TW" dirty="0" smtClean="0"/>
+          </a:p>
+          <a:p>
+            <a:endParaRPr lang="en-US" altLang="zh-TW" dirty="0" smtClean="0"/>
+          </a:p>
+          <a:p>
+            <a:endParaRPr lang="zh-TW" altLang="en-US" dirty="0"/>
+          </a:p>
+        </p:txBody>
+      </p:sp>
+      <p:sp>
+        <p:nvSpPr>
+          <p:cNvPr id="4" name="頁尾版面配置區 3"/>
+          <p:cNvSpPr>
+            <a:spLocks noGrp="1"/>
+          </p:cNvSpPr>
+          <p:nvPr>
+            <p:ph type="ftr" sz="quarter" idx="11"/>
+          </p:nvPr>
+        </p:nvSpPr>
+        <p:spPr/>
+        <p:txBody>
+          <a:bodyPr/>
+          <a:lstStyle/>
+          <a:p>
+            <a:pPr eaLnBrk="0" hangingPunct="0"/>
+            <a:r>
+              <a:rPr lang="zh-TW" altLang="en-US" dirty="0"/>
+              <a:t>機密等級：密            日期：</a:t>
+            </a:r>
+            <a:r>
+              <a:rPr lang="en-US" altLang="zh-TW" dirty="0"/>
+              <a:t>2020/07/22</a:t>
+            </a:r>
+            <a:endParaRPr lang="zh-TW" altLang="en-US" dirty="0"/>
+          </a:p>
+        </p:txBody>
+      </p:sp>
+      <p:pic>
+        <p:nvPicPr>
+          <p:cNvPr id="5" name="圖片 4"/>
+          <p:cNvPicPr>
+            <a:picLocks noChangeAspect="1"/>
+          </p:cNvPicPr>
+          <p:nvPr/>
+        </p:nvPicPr>
+        <p:blipFill>
+          <a:blip r:embed="rId2"/>
+          <a:stretch>
+            <a:fillRect/>
+          </a:stretch>
+        </p:blipFill>
+        <p:spPr>
+          <a:xfrm>
+            <a:off x="1115616" y="1557586"/>
+            <a:ext cx="2700770" cy="1822651"/>
+          </a:xfrm>
+          <a:prstGeom prst="rect">
+            <a:avLst/>
+          </a:prstGeom>
+        </p:spPr>
+      </p:pic>
+      <p:pic>
+        <p:nvPicPr>
+          <p:cNvPr id="6" name="圖片 5"/>
+          <p:cNvPicPr>
+            <a:picLocks noChangeAspect="1"/>
+          </p:cNvPicPr>
+          <p:nvPr/>
+        </p:nvPicPr>
+        <p:blipFill>
+          <a:blip r:embed="rId3"/>
+          <a:stretch>
+            <a:fillRect/>
+          </a:stretch>
+        </p:blipFill>
+        <p:spPr>
+          <a:xfrm>
+            <a:off x="971600" y="4275216"/>
+            <a:ext cx="7976393" cy="1138528"/>
+          </a:xfrm>
+          <a:prstGeom prst="rect">
+            <a:avLst/>
+          </a:prstGeom>
+        </p:spPr>
+      </p:pic>
+      <p:sp>
+        <p:nvSpPr>
+          <p:cNvPr id="8" name="矩形 7"/>
+          <p:cNvSpPr/>
+          <p:nvPr/>
+        </p:nvSpPr>
+        <p:spPr bwMode="auto">
+          <a:xfrm>
+            <a:off x="1134088" y="4329046"/>
+            <a:ext cx="432048" cy="236287"/>
+          </a:xfrm>
+          <a:prstGeom prst="rect">
+            <a:avLst/>
+          </a:prstGeom>
+          <a:noFill/>
+          <a:ln w="19050" cap="flat" cmpd="sng" algn="ctr">
+            <a:solidFill>
+              <a:srgbClr val="FF0000"/>
+            </a:solidFill>
+            <a:prstDash val="solid"/>
+            <a:round/>
+            <a:headEnd type="none" w="med" len="med"/>
+            <a:tailEnd type="none" w="med" len="med"/>
+          </a:ln>
+          <a:effectLst/>
+          <a:extLst/>
+        </p:spPr>
+        <p:txBody>
+          <a:bodyPr vert="horz" wrap="square" lIns="91440" tIns="45720" rIns="91440" bIns="45720" numCol="1" rtlCol="0" anchor="t" anchorCtr="0" compatLnSpc="1">
+            <a:prstTxWarp prst="textNoShape">
+              <a:avLst/>
+            </a:prstTxWarp>
+          </a:bodyPr>
+          <a:lstStyle/>
+          <a:p>
+            <a:pPr marL="0" marR="0" indent="0" algn="l" defTabSz="914400" rtl="0" eaLnBrk="1" fontAlgn="base" latinLnBrk="0" hangingPunct="1">
+              <a:lnSpc>
+                <a:spcPct val="100000"/>
+              </a:lnSpc>
+              <a:spcBef>
+                <a:spcPct val="0"/>
+              </a:spcBef>
+              <a:spcAft>
+                <a:spcPct val="0"/>
+              </a:spcAft>
+              <a:buClrTx/>
+              <a:buSzTx/>
+              <a:buFontTx/>
+              <a:buNone/>
+              <a:tabLst/>
+            </a:pPr>
+            <a:endParaRPr kumimoji="1" lang="zh-TW" altLang="en-US" sz="2400" b="0" i="0" u="sng" strike="noStrike" cap="none" normalizeH="0" baseline="0" smtClean="0">
+              <a:ln>
+                <a:noFill/>
+              </a:ln>
+              <a:solidFill>
+                <a:schemeClr val="tx1"/>
+              </a:solidFill>
+              <a:effectLst/>
+              <a:latin typeface="Times New Roman" pitchFamily="18" charset="0"/>
+              <a:ea typeface="新細明體" pitchFamily="18" charset="-120"/>
+            </a:endParaRPr>
+          </a:p>
+        </p:txBody>
+      </p:sp>
+      <p:sp>
+        <p:nvSpPr>
+          <p:cNvPr id="9" name="矩形 8"/>
+          <p:cNvSpPr/>
+          <p:nvPr/>
+        </p:nvSpPr>
+        <p:spPr bwMode="auto">
+          <a:xfrm>
+            <a:off x="6551216" y="4342902"/>
+            <a:ext cx="613072" cy="222432"/>
+          </a:xfrm>
+          <a:prstGeom prst="rect">
+            <a:avLst/>
+          </a:prstGeom>
+          <a:noFill/>
+          <a:ln w="19050" cap="flat" cmpd="sng" algn="ctr">
+            <a:solidFill>
+              <a:srgbClr val="FF0000"/>
+            </a:solidFill>
+            <a:prstDash val="solid"/>
+            <a:round/>
+            <a:headEnd type="none" w="med" len="med"/>
+            <a:tailEnd type="none" w="med" len="med"/>
+          </a:ln>
+          <a:effectLst/>
+          <a:extLst/>
+        </p:spPr>
+        <p:txBody>
+          <a:bodyPr vert="horz" wrap="square" lIns="91440" tIns="45720" rIns="91440" bIns="45720" numCol="1" rtlCol="0" anchor="t" anchorCtr="0" compatLnSpc="1">
+            <a:prstTxWarp prst="textNoShape">
+              <a:avLst/>
+            </a:prstTxWarp>
+          </a:bodyPr>
+          <a:lstStyle/>
+          <a:p>
+            <a:pPr marL="0" marR="0" indent="0" algn="l" defTabSz="914400" rtl="0" eaLnBrk="1" fontAlgn="base" latinLnBrk="0" hangingPunct="1">
+              <a:lnSpc>
+                <a:spcPct val="100000"/>
+              </a:lnSpc>
+              <a:spcBef>
+                <a:spcPct val="0"/>
+              </a:spcBef>
+              <a:spcAft>
+                <a:spcPct val="0"/>
+              </a:spcAft>
+              <a:buClrTx/>
+              <a:buSzTx/>
+              <a:buFontTx/>
+              <a:buNone/>
+              <a:tabLst/>
+            </a:pPr>
+            <a:endParaRPr kumimoji="1" lang="zh-TW" altLang="en-US" sz="2400" b="0" i="0" u="sng" strike="noStrike" cap="none" normalizeH="0" baseline="0" smtClean="0">
+              <a:ln>
+                <a:noFill/>
+              </a:ln>
+              <a:solidFill>
+                <a:schemeClr val="tx1"/>
+              </a:solidFill>
+              <a:effectLst/>
+              <a:latin typeface="Times New Roman" pitchFamily="18" charset="0"/>
+              <a:ea typeface="新細明體" pitchFamily="18" charset="-120"/>
+            </a:endParaRPr>
+          </a:p>
+        </p:txBody>
+      </p:sp>
+    </p:spTree>
+    <p:extLst>
+      <p:ext uri="{BB962C8B-B14F-4D97-AF65-F5344CB8AC3E}">
+        <p14:creationId xmlns:p14="http://schemas.microsoft.com/office/powerpoint/2010/main" val="2091784934"/>
+      </p:ext>
+    </p:extLst>
+  </p:cSld>
+  <p:clrMapOvr>
+    <a:masterClrMapping/>
+  </p:clrMapOvr>
+  <p:timing>
+    <p:tnLst>
+      <p:par>
+        <p:cTn id="1" dur="indefinite" restart="never" nodeType="tmRoot"/>
+      </p:par>
+    </p:tnLst>
+  </p:timing>
+</p:sld>
+</file>
+
+<file path=ppt/slides/slide28.xml><?xml version="1.0" encoding="utf-8"?>
 <p:sld xmlns:a="http://schemas.openxmlformats.org/drawingml/2006/main" xmlns:r="http://schemas.openxmlformats.org/officeDocument/2006/relationships" xmlns:p="http://schemas.openxmlformats.org/presentationml/2006/main" showMasterSp="0">
   <p:cSld>
     <p:bg>
@@ -17356,7 +17717,7 @@
 </p:sld>
 </file>
 
-<file path=ppt/slides/slide28.xml><?xml version="1.0" encoding="utf-8"?>
+<file path=ppt/slides/slide29.xml><?xml version="1.0" encoding="utf-8"?>
 <p:sld xmlns:a="http://schemas.openxmlformats.org/drawingml/2006/main" xmlns:r="http://schemas.openxmlformats.org/officeDocument/2006/relationships" xmlns:p="http://schemas.openxmlformats.org/presentationml/2006/main">
   <p:cSld>
     <p:spTree>
@@ -17525,11 +17886,7 @@
             <a:pPr lvl="1"/>
             <a:r>
               <a:rPr lang="zh-TW" altLang="en-US" sz="1600" dirty="0" smtClean="0"/>
-              <a:t>徵授信系統</a:t>
-            </a:r>
-            <a:r>
-              <a:rPr lang="zh-TW" altLang="en-US" sz="1600" dirty="0" smtClean="0"/>
-              <a:t>資料</a:t>
+              <a:t>徵授信系統資料</a:t>
             </a:r>
             <a:r>
               <a:rPr lang="en-US" altLang="zh-TW" sz="1600" dirty="0" smtClean="0"/>
@@ -17788,7 +18145,299 @@
 </p:sld>
 </file>
 
-<file path=ppt/slides/slide29.xml><?xml version="1.0" encoding="utf-8"?>
+<file path=ppt/slides/slide3.xml><?xml version="1.0" encoding="utf-8"?>
+<p:sld xmlns:a="http://schemas.openxmlformats.org/drawingml/2006/main" xmlns:r="http://schemas.openxmlformats.org/officeDocument/2006/relationships" xmlns:p="http://schemas.openxmlformats.org/presentationml/2006/main" showMasterSp="0">
+  <p:cSld>
+    <p:bg>
+      <p:bgPr>
+        <a:blipFill dpi="0" rotWithShape="0">
+          <a:blip r:embed="rId2"/>
+          <a:srcRect/>
+          <a:stretch>
+            <a:fillRect/>
+          </a:stretch>
+        </a:blipFill>
+        <a:effectLst/>
+      </p:bgPr>
+    </p:bg>
+    <p:spTree>
+      <p:nvGrpSpPr>
+        <p:cNvPr id="1" name=""/>
+        <p:cNvGrpSpPr/>
+        <p:nvPr/>
+      </p:nvGrpSpPr>
+      <p:grpSpPr>
+        <a:xfrm>
+          <a:off x="0" y="0"/>
+          <a:ext cx="0" cy="0"/>
+          <a:chOff x="0" y="0"/>
+          <a:chExt cx="0" cy="0"/>
+        </a:xfrm>
+      </p:grpSpPr>
+      <p:sp>
+        <p:nvSpPr>
+          <p:cNvPr id="204803" name="內容版面配置區 5"/>
+          <p:cNvSpPr>
+            <a:spLocks noGrp="1"/>
+          </p:cNvSpPr>
+          <p:nvPr>
+            <p:ph idx="4294967295"/>
+          </p:nvPr>
+        </p:nvSpPr>
+        <p:spPr bwMode="auto">
+          <a:xfrm>
+            <a:off x="1187450" y="1557338"/>
+            <a:ext cx="6559550" cy="3546475"/>
+          </a:xfrm>
+          <a:prstGeom prst="rect">
+            <a:avLst/>
+          </a:prstGeom>
+          <a:extLst>
+            <a:ext uri="{909E8E84-426E-40DD-AFC4-6F175D3DCCD1}">
+              <a14:hiddenFill xmlns:a14="http://schemas.microsoft.com/office/drawing/2010/main">
+                <a:solidFill>
+                  <a:srgbClr val="FFFFFF"/>
+                </a:solidFill>
+              </a14:hiddenFill>
+            </a:ext>
+            <a:ext uri="{91240B29-F687-4F45-9708-019B960494DF}">
+              <a14:hiddenLine xmlns:a14="http://schemas.microsoft.com/office/drawing/2010/main" w="9525">
+                <a:solidFill>
+                  <a:srgbClr val="000000"/>
+                </a:solidFill>
+                <a:miter lim="800000"/>
+                <a:headEnd/>
+                <a:tailEnd/>
+              </a14:hiddenLine>
+            </a:ext>
+          </a:extLst>
+        </p:spPr>
+        <p:txBody>
+          <a:bodyPr lIns="76782" tIns="38391" rIns="76782" bIns="38391" anchor="ctr"/>
+          <a:lstStyle/>
+          <a:p>
+            <a:pPr marL="0" indent="0" algn="ctr">
+              <a:lnSpc>
+                <a:spcPct val="150000"/>
+              </a:lnSpc>
+              <a:spcBef>
+                <a:spcPct val="0"/>
+              </a:spcBef>
+              <a:spcAft>
+                <a:spcPts val="504"/>
+              </a:spcAft>
+              <a:buFontTx/>
+              <a:buNone/>
+              <a:defRPr/>
+            </a:pPr>
+            <a:r>
+              <a:rPr lang="zh-TW" altLang="en-US" sz="3600" b="1" dirty="0" smtClean="0"/>
+              <a:t>研究目的</a:t>
+            </a:r>
+            <a:endParaRPr lang="en-US" altLang="zh-TW" sz="3600" b="1" dirty="0" smtClean="0"/>
+          </a:p>
+        </p:txBody>
+      </p:sp>
+      <p:sp>
+        <p:nvSpPr>
+          <p:cNvPr id="10243" name="頁尾版面配置區 1"/>
+          <p:cNvSpPr>
+            <a:spLocks noGrp="1"/>
+          </p:cNvSpPr>
+          <p:nvPr>
+            <p:ph type="ftr" sz="quarter" idx="11"/>
+          </p:nvPr>
+        </p:nvSpPr>
+        <p:spPr bwMode="auto">
+          <a:xfrm>
+            <a:off x="604838" y="6310313"/>
+            <a:ext cx="6783387" cy="287337"/>
+          </a:xfrm>
+          <a:noFill/>
+          <a:extLst>
+            <a:ext uri="{909E8E84-426E-40DD-AFC4-6F175D3DCCD1}">
+              <a14:hiddenFill xmlns:a14="http://schemas.microsoft.com/office/drawing/2010/main">
+                <a:solidFill>
+                  <a:srgbClr val="FFFFFF"/>
+                </a:solidFill>
+              </a14:hiddenFill>
+            </a:ext>
+            <a:ext uri="{91240B29-F687-4F45-9708-019B960494DF}">
+              <a14:hiddenLine xmlns:a14="http://schemas.microsoft.com/office/drawing/2010/main" w="9525">
+                <a:solidFill>
+                  <a:srgbClr val="000000"/>
+                </a:solidFill>
+                <a:miter lim="800000"/>
+                <a:headEnd/>
+                <a:tailEnd/>
+              </a14:hiddenLine>
+            </a:ext>
+          </a:extLst>
+        </p:spPr>
+        <p:txBody>
+          <a:bodyPr lIns="91440" tIns="45720" rIns="91440" bIns="45720"/>
+          <a:lstStyle>
+            <a:lvl1pPr>
+              <a:defRPr kumimoji="1" sz="2400" u="sng">
+                <a:solidFill>
+                  <a:schemeClr val="tx1"/>
+                </a:solidFill>
+                <a:latin typeface="Times New Roman" panose="02020603050405020304" pitchFamily="18" charset="0"/>
+                <a:ea typeface="新細明體" panose="02020500000000000000" pitchFamily="18" charset="-120"/>
+              </a:defRPr>
+            </a:lvl1pPr>
+            <a:lvl2pPr marL="742950" indent="-285750">
+              <a:defRPr kumimoji="1" sz="2400" u="sng">
+                <a:solidFill>
+                  <a:schemeClr val="tx1"/>
+                </a:solidFill>
+                <a:latin typeface="Times New Roman" panose="02020603050405020304" pitchFamily="18" charset="0"/>
+                <a:ea typeface="新細明體" panose="02020500000000000000" pitchFamily="18" charset="-120"/>
+              </a:defRPr>
+            </a:lvl2pPr>
+            <a:lvl3pPr marL="1143000" indent="-228600">
+              <a:defRPr kumimoji="1" sz="2400" u="sng">
+                <a:solidFill>
+                  <a:schemeClr val="tx1"/>
+                </a:solidFill>
+                <a:latin typeface="Times New Roman" panose="02020603050405020304" pitchFamily="18" charset="0"/>
+                <a:ea typeface="新細明體" panose="02020500000000000000" pitchFamily="18" charset="-120"/>
+              </a:defRPr>
+            </a:lvl3pPr>
+            <a:lvl4pPr marL="1600200" indent="-228600">
+              <a:defRPr kumimoji="1" sz="2400" u="sng">
+                <a:solidFill>
+                  <a:schemeClr val="tx1"/>
+                </a:solidFill>
+                <a:latin typeface="Times New Roman" panose="02020603050405020304" pitchFamily="18" charset="0"/>
+                <a:ea typeface="新細明體" panose="02020500000000000000" pitchFamily="18" charset="-120"/>
+              </a:defRPr>
+            </a:lvl4pPr>
+            <a:lvl5pPr marL="2057400" indent="-228600">
+              <a:defRPr kumimoji="1" sz="2400" u="sng">
+                <a:solidFill>
+                  <a:schemeClr val="tx1"/>
+                </a:solidFill>
+                <a:latin typeface="Times New Roman" panose="02020603050405020304" pitchFamily="18" charset="0"/>
+                <a:ea typeface="新細明體" panose="02020500000000000000" pitchFamily="18" charset="-120"/>
+              </a:defRPr>
+            </a:lvl5pPr>
+            <a:lvl6pPr marL="2514600" indent="-228600" eaLnBrk="0" fontAlgn="base" hangingPunct="0">
+              <a:spcBef>
+                <a:spcPct val="0"/>
+              </a:spcBef>
+              <a:spcAft>
+                <a:spcPct val="0"/>
+              </a:spcAft>
+              <a:defRPr kumimoji="1" sz="2400" u="sng">
+                <a:solidFill>
+                  <a:schemeClr val="tx1"/>
+                </a:solidFill>
+                <a:latin typeface="Times New Roman" panose="02020603050405020304" pitchFamily="18" charset="0"/>
+                <a:ea typeface="新細明體" panose="02020500000000000000" pitchFamily="18" charset="-120"/>
+              </a:defRPr>
+            </a:lvl6pPr>
+            <a:lvl7pPr marL="2971800" indent="-228600" eaLnBrk="0" fontAlgn="base" hangingPunct="0">
+              <a:spcBef>
+                <a:spcPct val="0"/>
+              </a:spcBef>
+              <a:spcAft>
+                <a:spcPct val="0"/>
+              </a:spcAft>
+              <a:defRPr kumimoji="1" sz="2400" u="sng">
+                <a:solidFill>
+                  <a:schemeClr val="tx1"/>
+                </a:solidFill>
+                <a:latin typeface="Times New Roman" panose="02020603050405020304" pitchFamily="18" charset="0"/>
+                <a:ea typeface="新細明體" panose="02020500000000000000" pitchFamily="18" charset="-120"/>
+              </a:defRPr>
+            </a:lvl7pPr>
+            <a:lvl8pPr marL="3429000" indent="-228600" eaLnBrk="0" fontAlgn="base" hangingPunct="0">
+              <a:spcBef>
+                <a:spcPct val="0"/>
+              </a:spcBef>
+              <a:spcAft>
+                <a:spcPct val="0"/>
+              </a:spcAft>
+              <a:defRPr kumimoji="1" sz="2400" u="sng">
+                <a:solidFill>
+                  <a:schemeClr val="tx1"/>
+                </a:solidFill>
+                <a:latin typeface="Times New Roman" panose="02020603050405020304" pitchFamily="18" charset="0"/>
+                <a:ea typeface="新細明體" panose="02020500000000000000" pitchFamily="18" charset="-120"/>
+              </a:defRPr>
+            </a:lvl8pPr>
+            <a:lvl9pPr marL="3886200" indent="-228600" eaLnBrk="0" fontAlgn="base" hangingPunct="0">
+              <a:spcBef>
+                <a:spcPct val="0"/>
+              </a:spcBef>
+              <a:spcAft>
+                <a:spcPct val="0"/>
+              </a:spcAft>
+              <a:defRPr kumimoji="1" sz="2400" u="sng">
+                <a:solidFill>
+                  <a:schemeClr val="tx1"/>
+                </a:solidFill>
+                <a:latin typeface="Times New Roman" panose="02020603050405020304" pitchFamily="18" charset="0"/>
+                <a:ea typeface="新細明體" panose="02020500000000000000" pitchFamily="18" charset="-120"/>
+              </a:defRPr>
+            </a:lvl9pPr>
+          </a:lstStyle>
+          <a:p>
+            <a:pPr eaLnBrk="0" hangingPunct="0">
+              <a:lnSpc>
+                <a:spcPct val="100000"/>
+              </a:lnSpc>
+              <a:spcBef>
+                <a:spcPct val="0"/>
+              </a:spcBef>
+            </a:pPr>
+            <a:r>
+              <a:rPr lang="zh-TW" altLang="en-US" sz="900" u="none" smtClean="0">
+                <a:solidFill>
+                  <a:schemeClr val="bg1"/>
+                </a:solidFill>
+                <a:latin typeface="微軟正黑體" panose="020B0604030504040204" pitchFamily="34" charset="-120"/>
+                <a:ea typeface="微軟正黑體" panose="020B0604030504040204" pitchFamily="34" charset="-120"/>
+              </a:rPr>
+              <a:t>機密等級：密            日期：</a:t>
+            </a:r>
+            <a:r>
+              <a:rPr lang="en-US" altLang="zh-TW" sz="900" u="none" smtClean="0">
+                <a:solidFill>
+                  <a:schemeClr val="bg1"/>
+                </a:solidFill>
+                <a:latin typeface="微軟正黑體" panose="020B0604030504040204" pitchFamily="34" charset="-120"/>
+                <a:ea typeface="微軟正黑體" panose="020B0604030504040204" pitchFamily="34" charset="-120"/>
+              </a:rPr>
+              <a:t>2020/07/22</a:t>
+            </a:r>
+            <a:endParaRPr lang="zh-TW" altLang="en-US" sz="900" u="none" smtClean="0">
+              <a:solidFill>
+                <a:schemeClr val="bg1"/>
+              </a:solidFill>
+              <a:latin typeface="微軟正黑體" panose="020B0604030504040204" pitchFamily="34" charset="-120"/>
+              <a:ea typeface="微軟正黑體" panose="020B0604030504040204" pitchFamily="34" charset="-120"/>
+            </a:endParaRPr>
+          </a:p>
+        </p:txBody>
+      </p:sp>
+    </p:spTree>
+  </p:cSld>
+  <p:clrMapOvr>
+    <a:masterClrMapping/>
+  </p:clrMapOvr>
+  <p:timing>
+    <p:tnLst>
+      <p:par>
+        <p:cTn id="1" dur="indefinite" restart="never" nodeType="tmRoot"/>
+      </p:par>
+    </p:tnLst>
+  </p:timing>
+</p:sld>
+</file>
+
+<file path=ppt/slides/slide30.xml><?xml version="1.0" encoding="utf-8"?>
 <p:sld xmlns:a="http://schemas.openxmlformats.org/drawingml/2006/main" xmlns:r="http://schemas.openxmlformats.org/officeDocument/2006/relationships" xmlns:p="http://schemas.openxmlformats.org/presentationml/2006/main">
   <p:cSld>
     <p:spTree>
@@ -19569,299 +20218,7 @@
 </p:sld>
 </file>
 
-<file path=ppt/slides/slide3.xml><?xml version="1.0" encoding="utf-8"?>
-<p:sld xmlns:a="http://schemas.openxmlformats.org/drawingml/2006/main" xmlns:r="http://schemas.openxmlformats.org/officeDocument/2006/relationships" xmlns:p="http://schemas.openxmlformats.org/presentationml/2006/main" showMasterSp="0">
-  <p:cSld>
-    <p:bg>
-      <p:bgPr>
-        <a:blipFill dpi="0" rotWithShape="0">
-          <a:blip r:embed="rId2"/>
-          <a:srcRect/>
-          <a:stretch>
-            <a:fillRect/>
-          </a:stretch>
-        </a:blipFill>
-        <a:effectLst/>
-      </p:bgPr>
-    </p:bg>
-    <p:spTree>
-      <p:nvGrpSpPr>
-        <p:cNvPr id="1" name=""/>
-        <p:cNvGrpSpPr/>
-        <p:nvPr/>
-      </p:nvGrpSpPr>
-      <p:grpSpPr>
-        <a:xfrm>
-          <a:off x="0" y="0"/>
-          <a:ext cx="0" cy="0"/>
-          <a:chOff x="0" y="0"/>
-          <a:chExt cx="0" cy="0"/>
-        </a:xfrm>
-      </p:grpSpPr>
-      <p:sp>
-        <p:nvSpPr>
-          <p:cNvPr id="204803" name="內容版面配置區 5"/>
-          <p:cNvSpPr>
-            <a:spLocks noGrp="1"/>
-          </p:cNvSpPr>
-          <p:nvPr>
-            <p:ph idx="4294967295"/>
-          </p:nvPr>
-        </p:nvSpPr>
-        <p:spPr bwMode="auto">
-          <a:xfrm>
-            <a:off x="1187450" y="1557338"/>
-            <a:ext cx="6559550" cy="3546475"/>
-          </a:xfrm>
-          <a:prstGeom prst="rect">
-            <a:avLst/>
-          </a:prstGeom>
-          <a:extLst>
-            <a:ext uri="{909E8E84-426E-40DD-AFC4-6F175D3DCCD1}">
-              <a14:hiddenFill xmlns:a14="http://schemas.microsoft.com/office/drawing/2010/main">
-                <a:solidFill>
-                  <a:srgbClr val="FFFFFF"/>
-                </a:solidFill>
-              </a14:hiddenFill>
-            </a:ext>
-            <a:ext uri="{91240B29-F687-4F45-9708-019B960494DF}">
-              <a14:hiddenLine xmlns:a14="http://schemas.microsoft.com/office/drawing/2010/main" w="9525">
-                <a:solidFill>
-                  <a:srgbClr val="000000"/>
-                </a:solidFill>
-                <a:miter lim="800000"/>
-                <a:headEnd/>
-                <a:tailEnd/>
-              </a14:hiddenLine>
-            </a:ext>
-          </a:extLst>
-        </p:spPr>
-        <p:txBody>
-          <a:bodyPr lIns="76782" tIns="38391" rIns="76782" bIns="38391" anchor="ctr"/>
-          <a:lstStyle/>
-          <a:p>
-            <a:pPr marL="0" indent="0" algn="ctr">
-              <a:lnSpc>
-                <a:spcPct val="150000"/>
-              </a:lnSpc>
-              <a:spcBef>
-                <a:spcPct val="0"/>
-              </a:spcBef>
-              <a:spcAft>
-                <a:spcPts val="504"/>
-              </a:spcAft>
-              <a:buFontTx/>
-              <a:buNone/>
-              <a:defRPr/>
-            </a:pPr>
-            <a:r>
-              <a:rPr lang="zh-TW" altLang="en-US" sz="3600" b="1" dirty="0" smtClean="0"/>
-              <a:t>研究目的</a:t>
-            </a:r>
-            <a:endParaRPr lang="en-US" altLang="zh-TW" sz="3600" b="1" dirty="0" smtClean="0"/>
-          </a:p>
-        </p:txBody>
-      </p:sp>
-      <p:sp>
-        <p:nvSpPr>
-          <p:cNvPr id="10243" name="頁尾版面配置區 1"/>
-          <p:cNvSpPr>
-            <a:spLocks noGrp="1"/>
-          </p:cNvSpPr>
-          <p:nvPr>
-            <p:ph type="ftr" sz="quarter" idx="11"/>
-          </p:nvPr>
-        </p:nvSpPr>
-        <p:spPr bwMode="auto">
-          <a:xfrm>
-            <a:off x="604838" y="6310313"/>
-            <a:ext cx="6783387" cy="287337"/>
-          </a:xfrm>
-          <a:noFill/>
-          <a:extLst>
-            <a:ext uri="{909E8E84-426E-40DD-AFC4-6F175D3DCCD1}">
-              <a14:hiddenFill xmlns:a14="http://schemas.microsoft.com/office/drawing/2010/main">
-                <a:solidFill>
-                  <a:srgbClr val="FFFFFF"/>
-                </a:solidFill>
-              </a14:hiddenFill>
-            </a:ext>
-            <a:ext uri="{91240B29-F687-4F45-9708-019B960494DF}">
-              <a14:hiddenLine xmlns:a14="http://schemas.microsoft.com/office/drawing/2010/main" w="9525">
-                <a:solidFill>
-                  <a:srgbClr val="000000"/>
-                </a:solidFill>
-                <a:miter lim="800000"/>
-                <a:headEnd/>
-                <a:tailEnd/>
-              </a14:hiddenLine>
-            </a:ext>
-          </a:extLst>
-        </p:spPr>
-        <p:txBody>
-          <a:bodyPr lIns="91440" tIns="45720" rIns="91440" bIns="45720"/>
-          <a:lstStyle>
-            <a:lvl1pPr>
-              <a:defRPr kumimoji="1" sz="2400" u="sng">
-                <a:solidFill>
-                  <a:schemeClr val="tx1"/>
-                </a:solidFill>
-                <a:latin typeface="Times New Roman" panose="02020603050405020304" pitchFamily="18" charset="0"/>
-                <a:ea typeface="新細明體" panose="02020500000000000000" pitchFamily="18" charset="-120"/>
-              </a:defRPr>
-            </a:lvl1pPr>
-            <a:lvl2pPr marL="742950" indent="-285750">
-              <a:defRPr kumimoji="1" sz="2400" u="sng">
-                <a:solidFill>
-                  <a:schemeClr val="tx1"/>
-                </a:solidFill>
-                <a:latin typeface="Times New Roman" panose="02020603050405020304" pitchFamily="18" charset="0"/>
-                <a:ea typeface="新細明體" panose="02020500000000000000" pitchFamily="18" charset="-120"/>
-              </a:defRPr>
-            </a:lvl2pPr>
-            <a:lvl3pPr marL="1143000" indent="-228600">
-              <a:defRPr kumimoji="1" sz="2400" u="sng">
-                <a:solidFill>
-                  <a:schemeClr val="tx1"/>
-                </a:solidFill>
-                <a:latin typeface="Times New Roman" panose="02020603050405020304" pitchFamily="18" charset="0"/>
-                <a:ea typeface="新細明體" panose="02020500000000000000" pitchFamily="18" charset="-120"/>
-              </a:defRPr>
-            </a:lvl3pPr>
-            <a:lvl4pPr marL="1600200" indent="-228600">
-              <a:defRPr kumimoji="1" sz="2400" u="sng">
-                <a:solidFill>
-                  <a:schemeClr val="tx1"/>
-                </a:solidFill>
-                <a:latin typeface="Times New Roman" panose="02020603050405020304" pitchFamily="18" charset="0"/>
-                <a:ea typeface="新細明體" panose="02020500000000000000" pitchFamily="18" charset="-120"/>
-              </a:defRPr>
-            </a:lvl4pPr>
-            <a:lvl5pPr marL="2057400" indent="-228600">
-              <a:defRPr kumimoji="1" sz="2400" u="sng">
-                <a:solidFill>
-                  <a:schemeClr val="tx1"/>
-                </a:solidFill>
-                <a:latin typeface="Times New Roman" panose="02020603050405020304" pitchFamily="18" charset="0"/>
-                <a:ea typeface="新細明體" panose="02020500000000000000" pitchFamily="18" charset="-120"/>
-              </a:defRPr>
-            </a:lvl5pPr>
-            <a:lvl6pPr marL="2514600" indent="-228600" eaLnBrk="0" fontAlgn="base" hangingPunct="0">
-              <a:spcBef>
-                <a:spcPct val="0"/>
-              </a:spcBef>
-              <a:spcAft>
-                <a:spcPct val="0"/>
-              </a:spcAft>
-              <a:defRPr kumimoji="1" sz="2400" u="sng">
-                <a:solidFill>
-                  <a:schemeClr val="tx1"/>
-                </a:solidFill>
-                <a:latin typeface="Times New Roman" panose="02020603050405020304" pitchFamily="18" charset="0"/>
-                <a:ea typeface="新細明體" panose="02020500000000000000" pitchFamily="18" charset="-120"/>
-              </a:defRPr>
-            </a:lvl6pPr>
-            <a:lvl7pPr marL="2971800" indent="-228600" eaLnBrk="0" fontAlgn="base" hangingPunct="0">
-              <a:spcBef>
-                <a:spcPct val="0"/>
-              </a:spcBef>
-              <a:spcAft>
-                <a:spcPct val="0"/>
-              </a:spcAft>
-              <a:defRPr kumimoji="1" sz="2400" u="sng">
-                <a:solidFill>
-                  <a:schemeClr val="tx1"/>
-                </a:solidFill>
-                <a:latin typeface="Times New Roman" panose="02020603050405020304" pitchFamily="18" charset="0"/>
-                <a:ea typeface="新細明體" panose="02020500000000000000" pitchFamily="18" charset="-120"/>
-              </a:defRPr>
-            </a:lvl7pPr>
-            <a:lvl8pPr marL="3429000" indent="-228600" eaLnBrk="0" fontAlgn="base" hangingPunct="0">
-              <a:spcBef>
-                <a:spcPct val="0"/>
-              </a:spcBef>
-              <a:spcAft>
-                <a:spcPct val="0"/>
-              </a:spcAft>
-              <a:defRPr kumimoji="1" sz="2400" u="sng">
-                <a:solidFill>
-                  <a:schemeClr val="tx1"/>
-                </a:solidFill>
-                <a:latin typeface="Times New Roman" panose="02020603050405020304" pitchFamily="18" charset="0"/>
-                <a:ea typeface="新細明體" panose="02020500000000000000" pitchFamily="18" charset="-120"/>
-              </a:defRPr>
-            </a:lvl8pPr>
-            <a:lvl9pPr marL="3886200" indent="-228600" eaLnBrk="0" fontAlgn="base" hangingPunct="0">
-              <a:spcBef>
-                <a:spcPct val="0"/>
-              </a:spcBef>
-              <a:spcAft>
-                <a:spcPct val="0"/>
-              </a:spcAft>
-              <a:defRPr kumimoji="1" sz="2400" u="sng">
-                <a:solidFill>
-                  <a:schemeClr val="tx1"/>
-                </a:solidFill>
-                <a:latin typeface="Times New Roman" panose="02020603050405020304" pitchFamily="18" charset="0"/>
-                <a:ea typeface="新細明體" panose="02020500000000000000" pitchFamily="18" charset="-120"/>
-              </a:defRPr>
-            </a:lvl9pPr>
-          </a:lstStyle>
-          <a:p>
-            <a:pPr eaLnBrk="0" hangingPunct="0">
-              <a:lnSpc>
-                <a:spcPct val="100000"/>
-              </a:lnSpc>
-              <a:spcBef>
-                <a:spcPct val="0"/>
-              </a:spcBef>
-            </a:pPr>
-            <a:r>
-              <a:rPr lang="zh-TW" altLang="en-US" sz="900" u="none" smtClean="0">
-                <a:solidFill>
-                  <a:schemeClr val="bg1"/>
-                </a:solidFill>
-                <a:latin typeface="微軟正黑體" panose="020B0604030504040204" pitchFamily="34" charset="-120"/>
-                <a:ea typeface="微軟正黑體" panose="020B0604030504040204" pitchFamily="34" charset="-120"/>
-              </a:rPr>
-              <a:t>機密等級：密            日期：</a:t>
-            </a:r>
-            <a:r>
-              <a:rPr lang="en-US" altLang="zh-TW" sz="900" u="none" smtClean="0">
-                <a:solidFill>
-                  <a:schemeClr val="bg1"/>
-                </a:solidFill>
-                <a:latin typeface="微軟正黑體" panose="020B0604030504040204" pitchFamily="34" charset="-120"/>
-                <a:ea typeface="微軟正黑體" panose="020B0604030504040204" pitchFamily="34" charset="-120"/>
-              </a:rPr>
-              <a:t>2020/07/22</a:t>
-            </a:r>
-            <a:endParaRPr lang="zh-TW" altLang="en-US" sz="900" u="none" smtClean="0">
-              <a:solidFill>
-                <a:schemeClr val="bg1"/>
-              </a:solidFill>
-              <a:latin typeface="微軟正黑體" panose="020B0604030504040204" pitchFamily="34" charset="-120"/>
-              <a:ea typeface="微軟正黑體" panose="020B0604030504040204" pitchFamily="34" charset="-120"/>
-            </a:endParaRPr>
-          </a:p>
-        </p:txBody>
-      </p:sp>
-    </p:spTree>
-  </p:cSld>
-  <p:clrMapOvr>
-    <a:masterClrMapping/>
-  </p:clrMapOvr>
-  <p:timing>
-    <p:tnLst>
-      <p:par>
-        <p:cTn id="1" dur="indefinite" restart="never" nodeType="tmRoot"/>
-      </p:par>
-    </p:tnLst>
-  </p:timing>
-</p:sld>
-</file>
-
-<file path=ppt/slides/slide30.xml><?xml version="1.0" encoding="utf-8"?>
+<file path=ppt/slides/slide31.xml><?xml version="1.0" encoding="utf-8"?>
 <p:sld xmlns:a="http://schemas.openxmlformats.org/drawingml/2006/main" xmlns:r="http://schemas.openxmlformats.org/officeDocument/2006/relationships" xmlns:p="http://schemas.openxmlformats.org/presentationml/2006/main">
   <p:cSld>
     <p:spTree>
@@ -20309,7 +20666,7 @@
 </p:sld>
 </file>
 
-<file path=ppt/slides/slide31.xml><?xml version="1.0" encoding="utf-8"?>
+<file path=ppt/slides/slide32.xml><?xml version="1.0" encoding="utf-8"?>
 <p:sld xmlns:a="http://schemas.openxmlformats.org/drawingml/2006/main" xmlns:r="http://schemas.openxmlformats.org/officeDocument/2006/relationships" xmlns:p="http://schemas.openxmlformats.org/presentationml/2006/main">
   <p:cSld>
     <p:spTree>
@@ -21897,260 +22254,6 @@
 </p:sld>
 </file>
 
-<file path=ppt/slides/slide32.xml><?xml version="1.0" encoding="utf-8"?>
-<p:sld xmlns:a="http://schemas.openxmlformats.org/drawingml/2006/main" xmlns:r="http://schemas.openxmlformats.org/officeDocument/2006/relationships" xmlns:p="http://schemas.openxmlformats.org/presentationml/2006/main">
-  <p:cSld>
-    <p:spTree>
-      <p:nvGrpSpPr>
-        <p:cNvPr id="1" name=""/>
-        <p:cNvGrpSpPr/>
-        <p:nvPr/>
-      </p:nvGrpSpPr>
-      <p:grpSpPr>
-        <a:xfrm>
-          <a:off x="0" y="0"/>
-          <a:ext cx="0" cy="0"/>
-          <a:chOff x="0" y="0"/>
-          <a:chExt cx="0" cy="0"/>
-        </a:xfrm>
-      </p:grpSpPr>
-      <p:sp>
-        <p:nvSpPr>
-          <p:cNvPr id="2" name="標題 1"/>
-          <p:cNvSpPr>
-            <a:spLocks noGrp="1"/>
-          </p:cNvSpPr>
-          <p:nvPr>
-            <p:ph type="title"/>
-          </p:nvPr>
-        </p:nvSpPr>
-        <p:spPr/>
-        <p:txBody>
-          <a:bodyPr/>
-          <a:lstStyle/>
-          <a:p>
-            <a:pPr algn="ctr"/>
-            <a:r>
-              <a:rPr lang="zh-TW" altLang="en-US" sz="2800" b="1" dirty="0">
-                <a:solidFill>
-                  <a:schemeClr val="tx1"/>
-                </a:solidFill>
-              </a:rPr>
-              <a:t>放款資料</a:t>
-            </a:r>
-            <a:r>
-              <a:rPr lang="en-US" altLang="zh-TW" sz="2800" b="1" dirty="0">
-                <a:solidFill>
-                  <a:schemeClr val="tx1"/>
-                </a:solidFill>
-              </a:rPr>
-              <a:t>-</a:t>
-            </a:r>
-            <a:r>
-              <a:rPr lang="zh-TW" altLang="en-US" sz="2800" b="1" dirty="0" smtClean="0">
-                <a:solidFill>
-                  <a:schemeClr val="tx1"/>
-                </a:solidFill>
-              </a:rPr>
-              <a:t>建立模型</a:t>
-            </a:r>
-            <a:endParaRPr lang="zh-TW" altLang="en-US" sz="2800" b="1" dirty="0">
-              <a:solidFill>
-                <a:schemeClr val="tx1"/>
-              </a:solidFill>
-            </a:endParaRPr>
-          </a:p>
-        </p:txBody>
-      </p:sp>
-      <p:sp>
-        <p:nvSpPr>
-          <p:cNvPr id="3" name="內容版面配置區 2"/>
-          <p:cNvSpPr>
-            <a:spLocks noGrp="1"/>
-          </p:cNvSpPr>
-          <p:nvPr>
-            <p:ph sz="quarter" idx="10"/>
-          </p:nvPr>
-        </p:nvSpPr>
-        <p:spPr/>
-        <p:txBody>
-          <a:bodyPr/>
-          <a:lstStyle/>
-          <a:p>
-            <a:r>
-              <a:rPr lang="zh-TW" altLang="en-US" dirty="0" smtClean="0"/>
-              <a:t>採用線性回歸</a:t>
-            </a:r>
-            <a:r>
-              <a:rPr lang="en-US" altLang="zh-TW" dirty="0" smtClean="0"/>
-              <a:t>(</a:t>
-            </a:r>
-            <a:r>
-              <a:rPr lang="en-US" altLang="zh-TW" dirty="0" err="1" smtClean="0"/>
-              <a:t>LinearRegression</a:t>
-            </a:r>
-            <a:r>
-              <a:rPr lang="en-US" altLang="zh-TW" dirty="0" smtClean="0"/>
-              <a:t>)</a:t>
-            </a:r>
-            <a:r>
-              <a:rPr lang="zh-TW" altLang="en-US" dirty="0" smtClean="0"/>
-              <a:t>建立模型。</a:t>
-            </a:r>
-            <a:endParaRPr lang="en-US" altLang="zh-TW" dirty="0" smtClean="0"/>
-          </a:p>
-          <a:p>
-            <a:endParaRPr lang="en-US" altLang="zh-TW" dirty="0"/>
-          </a:p>
-          <a:p>
-            <a:endParaRPr lang="en-US" altLang="zh-TW" dirty="0" smtClean="0"/>
-          </a:p>
-          <a:p>
-            <a:endParaRPr lang="en-US" altLang="zh-TW" dirty="0"/>
-          </a:p>
-          <a:p>
-            <a:endParaRPr lang="en-US" altLang="zh-TW" dirty="0" smtClean="0"/>
-          </a:p>
-          <a:p>
-            <a:endParaRPr lang="en-US" altLang="zh-TW" dirty="0"/>
-          </a:p>
-          <a:p>
-            <a:endParaRPr lang="en-US" altLang="zh-TW" dirty="0" smtClean="0"/>
-          </a:p>
-          <a:p>
-            <a:endParaRPr lang="en-US" altLang="zh-TW" dirty="0"/>
-          </a:p>
-          <a:p>
-            <a:endParaRPr lang="en-US" altLang="zh-TW" dirty="0" smtClean="0"/>
-          </a:p>
-          <a:p>
-            <a:endParaRPr lang="en-US" altLang="zh-TW" dirty="0"/>
-          </a:p>
-          <a:p>
-            <a:endParaRPr lang="en-US" altLang="zh-TW" dirty="0" smtClean="0"/>
-          </a:p>
-          <a:p>
-            <a:r>
-              <a:rPr lang="zh-TW" altLang="en-US" dirty="0" smtClean="0"/>
-              <a:t>結果分析</a:t>
-            </a:r>
-            <a:r>
-              <a:rPr lang="en-US" altLang="zh-TW" dirty="0" smtClean="0"/>
-              <a:t>:</a:t>
-            </a:r>
-          </a:p>
-          <a:p>
-            <a:pPr lvl="1"/>
-            <a:r>
-              <a:rPr lang="zh-TW" altLang="en-US" sz="1600" dirty="0" smtClean="0"/>
-              <a:t>均方根誤差</a:t>
-            </a:r>
-            <a:r>
-              <a:rPr lang="en-US" altLang="zh-TW" sz="1600" dirty="0" smtClean="0"/>
-              <a:t>(RMSE):</a:t>
-            </a:r>
-            <a:r>
-              <a:rPr lang="en-US" altLang="zh-TW" sz="1600" dirty="0" smtClean="0">
-                <a:solidFill>
-                  <a:srgbClr val="FF0000"/>
-                </a:solidFill>
-              </a:rPr>
-              <a:t>11134449.034585163</a:t>
-            </a:r>
-          </a:p>
-          <a:p>
-            <a:pPr lvl="1"/>
-            <a:r>
-              <a:rPr lang="zh-TW" altLang="en-US" sz="1600" dirty="0" smtClean="0"/>
-              <a:t>決定係數</a:t>
-            </a:r>
-            <a:r>
-              <a:rPr lang="en-US" altLang="zh-TW" sz="1600" dirty="0" smtClean="0"/>
-              <a:t>(R Squared):</a:t>
-            </a:r>
-            <a:r>
-              <a:rPr lang="en-US" altLang="zh-TW" sz="1600" dirty="0" smtClean="0">
-                <a:solidFill>
-                  <a:srgbClr val="FF0000"/>
-                </a:solidFill>
-              </a:rPr>
-              <a:t>0.2926889673932246</a:t>
-            </a:r>
-            <a:endParaRPr lang="zh-TW" altLang="en-US" dirty="0"/>
-          </a:p>
-        </p:txBody>
-      </p:sp>
-      <p:sp>
-        <p:nvSpPr>
-          <p:cNvPr id="4" name="頁尾版面配置區 3"/>
-          <p:cNvSpPr>
-            <a:spLocks noGrp="1"/>
-          </p:cNvSpPr>
-          <p:nvPr>
-            <p:ph type="ftr" sz="quarter" idx="11"/>
-          </p:nvPr>
-        </p:nvSpPr>
-        <p:spPr/>
-        <p:txBody>
-          <a:bodyPr/>
-          <a:lstStyle/>
-          <a:p>
-            <a:r>
-              <a:rPr lang="zh-TW" altLang="en-US" dirty="0"/>
-              <a:t>機密等級：密            日期：</a:t>
-            </a:r>
-            <a:r>
-              <a:rPr lang="en-US" altLang="zh-TW" dirty="0"/>
-              <a:t>2020/07/22</a:t>
-            </a:r>
-            <a:endParaRPr lang="zh-TW" altLang="en-US" dirty="0"/>
-          </a:p>
-        </p:txBody>
-      </p:sp>
-      <p:pic>
-        <p:nvPicPr>
-          <p:cNvPr id="8" name="圖片 7"/>
-          <p:cNvPicPr>
-            <a:picLocks noChangeAspect="1"/>
-          </p:cNvPicPr>
-          <p:nvPr/>
-        </p:nvPicPr>
-        <p:blipFill>
-          <a:blip r:embed="rId2"/>
-          <a:stretch>
-            <a:fillRect/>
-          </a:stretch>
-        </p:blipFill>
-        <p:spPr>
-          <a:xfrm>
-            <a:off x="1331640" y="1557586"/>
-            <a:ext cx="5328592" cy="3224896"/>
-          </a:xfrm>
-          <a:prstGeom prst="rect">
-            <a:avLst/>
-          </a:prstGeom>
-        </p:spPr>
-      </p:pic>
-    </p:spTree>
-    <p:extLst>
-      <p:ext uri="{BB962C8B-B14F-4D97-AF65-F5344CB8AC3E}">
-        <p14:creationId xmlns:p14="http://schemas.microsoft.com/office/powerpoint/2010/main" val="3030548858"/>
-      </p:ext>
-    </p:extLst>
-  </p:cSld>
-  <p:clrMapOvr>
-    <a:masterClrMapping/>
-  </p:clrMapOvr>
-  <p:timing>
-    <p:tnLst>
-      <p:par>
-        <p:cTn id="1" dur="indefinite" restart="never" nodeType="tmRoot"/>
-      </p:par>
-    </p:tnLst>
-  </p:timing>
-</p:sld>
-</file>
-
 <file path=ppt/slides/slide33.xml><?xml version="1.0" encoding="utf-8"?>
 <p:sld xmlns:a="http://schemas.openxmlformats.org/drawingml/2006/main" xmlns:r="http://schemas.openxmlformats.org/officeDocument/2006/relationships" xmlns:p="http://schemas.openxmlformats.org/presentationml/2006/main">
   <p:cSld>
@@ -22206,16 +22309,13 @@
                   <a:schemeClr val="tx1"/>
                 </a:solidFill>
               </a:rPr>
-              <a:t>換模</a:t>
-            </a:r>
-            <a:r>
-              <a:rPr lang="zh-TW" altLang="en-US" sz="2800" b="1" dirty="0">
-                <a:solidFill>
-                  <a:schemeClr val="tx1"/>
-                </a:solidFill>
-              </a:rPr>
-              <a:t>型</a:t>
-            </a:r>
+              <a:t>建立模型</a:t>
+            </a:r>
+            <a:endParaRPr lang="zh-TW" altLang="en-US" sz="2800" b="1" dirty="0">
+              <a:solidFill>
+                <a:schemeClr val="tx1"/>
+              </a:solidFill>
+            </a:endParaRPr>
           </a:p>
         </p:txBody>
       </p:sp>
@@ -22236,15 +22336,23 @@
           <a:p>
             <a:r>
               <a:rPr lang="zh-TW" altLang="en-US" dirty="0" smtClean="0"/>
-              <a:t>採用</a:t>
+              <a:t>採用線性回歸</a:t>
+            </a:r>
+            <a:r>
+              <a:rPr lang="en-US" altLang="zh-TW" dirty="0" smtClean="0"/>
+              <a:t>(</a:t>
             </a:r>
             <a:r>
               <a:rPr lang="en-US" altLang="zh-TW" dirty="0" err="1" smtClean="0"/>
-              <a:t>XGBoost</a:t>
+              <a:t>LinearRegression</a:t>
+            </a:r>
+            <a:r>
+              <a:rPr lang="en-US" altLang="zh-TW" dirty="0" smtClean="0"/>
+              <a:t>)</a:t>
             </a:r>
             <a:r>
               <a:rPr lang="zh-TW" altLang="en-US" dirty="0" smtClean="0"/>
-              <a:t>算法。</a:t>
+              <a:t>建立模型。</a:t>
             </a:r>
             <a:endParaRPr lang="en-US" altLang="zh-TW" dirty="0" smtClean="0"/>
           </a:p>
@@ -22276,12 +22384,6 @@
             <a:endParaRPr lang="en-US" altLang="zh-TW" dirty="0"/>
           </a:p>
           <a:p>
-            <a:endParaRPr lang="en-US" altLang="zh-TW" dirty="0" smtClean="0"/>
-          </a:p>
-          <a:p>
-            <a:pPr marL="0" indent="0">
-              <a:buNone/>
-            </a:pPr>
             <a:endParaRPr lang="en-US" altLang="zh-TW" dirty="0" smtClean="0"/>
           </a:p>
           <a:p>
@@ -22310,8 +22412,21 @@
                   <a:srgbClr val="FF0000"/>
                 </a:solidFill>
               </a:rPr>
-              <a:t>5890080.367241798</a:t>
-            </a:r>
+              <a:t>11134449</a:t>
+            </a:r>
+            <a:r>
+              <a:rPr lang="en-US" altLang="zh-TW" sz="1600" dirty="0" smtClean="0"/>
+              <a:t>(</a:t>
+            </a:r>
+            <a:r>
+              <a:rPr lang="zh-TW" altLang="en-US" sz="1600" dirty="0" smtClean="0"/>
+              <a:t>一千多萬</a:t>
+            </a:r>
+            <a:r>
+              <a:rPr lang="en-US" altLang="zh-TW" sz="1600" dirty="0" smtClean="0"/>
+              <a:t>)</a:t>
+            </a:r>
+            <a:endParaRPr lang="en-US" altLang="zh-TW" sz="1600" dirty="0" smtClean="0"/>
           </a:p>
           <a:p>
             <a:pPr lvl="1"/>
@@ -22324,14 +22439,14 @@
               <a:t>(R Squared):</a:t>
             </a:r>
             <a:r>
-              <a:rPr lang="en-US" altLang="zh-TW" sz="1600" dirty="0">
+              <a:rPr lang="en-US" altLang="zh-TW" sz="1600" dirty="0" smtClean="0">
                 <a:solidFill>
                   <a:srgbClr val="FF0000"/>
                 </a:solidFill>
               </a:rPr>
-              <a:t>0.8020682748637776</a:t>
-            </a:r>
-            <a:endParaRPr lang="en-US" altLang="zh-TW" dirty="0" smtClean="0"/>
+              <a:t>0.29</a:t>
+            </a:r>
+            <a:endParaRPr lang="zh-TW" altLang="en-US" dirty="0"/>
           </a:p>
         </p:txBody>
       </p:sp>
@@ -22364,7 +22479,7 @@
       </p:sp>
       <p:pic>
         <p:nvPicPr>
-          <p:cNvPr id="6" name="圖片 5"/>
+          <p:cNvPr id="8" name="圖片 7"/>
           <p:cNvPicPr>
             <a:picLocks noChangeAspect="1"/>
           </p:cNvPicPr>
@@ -22378,8 +22493,8 @@
         </p:blipFill>
         <p:spPr>
           <a:xfrm>
-            <a:off x="3131840" y="1215728"/>
-            <a:ext cx="5798133" cy="4165035"/>
+            <a:off x="1331640" y="1557586"/>
+            <a:ext cx="5328592" cy="3224896"/>
           </a:xfrm>
           <a:prstGeom prst="rect">
             <a:avLst/>
@@ -22389,7 +22504,7 @@
     </p:spTree>
     <p:extLst>
       <p:ext uri="{BB962C8B-B14F-4D97-AF65-F5344CB8AC3E}">
-        <p14:creationId xmlns:p14="http://schemas.microsoft.com/office/powerpoint/2010/main" val="1798180457"/>
+        <p14:creationId xmlns:p14="http://schemas.microsoft.com/office/powerpoint/2010/main" val="3030548858"/>
       </p:ext>
     </p:extLst>
   </p:cSld>
@@ -22461,13 +22576,16 @@
                   <a:schemeClr val="tx1"/>
                 </a:solidFill>
               </a:rPr>
-              <a:t>預測資料</a:t>
-            </a:r>
-            <a:endParaRPr lang="zh-TW" altLang="en-US" sz="2800" b="1" dirty="0">
-              <a:solidFill>
-                <a:schemeClr val="tx1"/>
-              </a:solidFill>
-            </a:endParaRPr>
+              <a:t>換模</a:t>
+            </a:r>
+            <a:r>
+              <a:rPr lang="zh-TW" altLang="en-US" sz="2800" b="1" dirty="0">
+                <a:solidFill>
+                  <a:schemeClr val="tx1"/>
+                </a:solidFill>
+              </a:rPr>
+              <a:t>型</a:t>
+            </a:r>
           </a:p>
         </p:txBody>
       </p:sp>
@@ -22488,6 +22606,271 @@
           <a:p>
             <a:r>
               <a:rPr lang="zh-TW" altLang="en-US" dirty="0" smtClean="0"/>
+              <a:t>採用</a:t>
+            </a:r>
+            <a:r>
+              <a:rPr lang="en-US" altLang="zh-TW" dirty="0" err="1" smtClean="0"/>
+              <a:t>XGBoost</a:t>
+            </a:r>
+            <a:r>
+              <a:rPr lang="zh-TW" altLang="en-US" dirty="0" smtClean="0"/>
+              <a:t>算法。</a:t>
+            </a:r>
+            <a:endParaRPr lang="en-US" altLang="zh-TW" dirty="0" smtClean="0"/>
+          </a:p>
+          <a:p>
+            <a:endParaRPr lang="en-US" altLang="zh-TW" dirty="0"/>
+          </a:p>
+          <a:p>
+            <a:endParaRPr lang="en-US" altLang="zh-TW" dirty="0" smtClean="0"/>
+          </a:p>
+          <a:p>
+            <a:endParaRPr lang="en-US" altLang="zh-TW" dirty="0"/>
+          </a:p>
+          <a:p>
+            <a:endParaRPr lang="en-US" altLang="zh-TW" dirty="0" smtClean="0"/>
+          </a:p>
+          <a:p>
+            <a:endParaRPr lang="en-US" altLang="zh-TW" dirty="0"/>
+          </a:p>
+          <a:p>
+            <a:endParaRPr lang="en-US" altLang="zh-TW" dirty="0" smtClean="0"/>
+          </a:p>
+          <a:p>
+            <a:endParaRPr lang="en-US" altLang="zh-TW" dirty="0"/>
+          </a:p>
+          <a:p>
+            <a:endParaRPr lang="en-US" altLang="zh-TW" dirty="0" smtClean="0"/>
+          </a:p>
+          <a:p>
+            <a:endParaRPr lang="en-US" altLang="zh-TW" dirty="0"/>
+          </a:p>
+          <a:p>
+            <a:endParaRPr lang="en-US" altLang="zh-TW" dirty="0" smtClean="0"/>
+          </a:p>
+          <a:p>
+            <a:pPr marL="0" indent="0">
+              <a:buNone/>
+            </a:pPr>
+            <a:endParaRPr lang="en-US" altLang="zh-TW" dirty="0" smtClean="0"/>
+          </a:p>
+          <a:p>
+            <a:r>
+              <a:rPr lang="zh-TW" altLang="en-US" dirty="0" smtClean="0"/>
+              <a:t>結果分析</a:t>
+            </a:r>
+            <a:r>
+              <a:rPr lang="en-US" altLang="zh-TW" dirty="0" smtClean="0"/>
+              <a:t>:</a:t>
+            </a:r>
+          </a:p>
+          <a:p>
+            <a:pPr lvl="1"/>
+            <a:r>
+              <a:rPr lang="zh-TW" altLang="en-US" sz="1600" dirty="0" smtClean="0"/>
+              <a:t>均方根誤差</a:t>
+            </a:r>
+            <a:r>
+              <a:rPr lang="en-US" altLang="zh-TW" sz="1600" dirty="0" smtClean="0"/>
+              <a:t>(RMSE):</a:t>
+            </a:r>
+            <a:r>
+              <a:rPr lang="en-US" altLang="zh-TW" sz="1600" dirty="0" smtClean="0">
+                <a:solidFill>
+                  <a:srgbClr val="FF0000"/>
+                </a:solidFill>
+              </a:rPr>
+              <a:t>5890080</a:t>
+            </a:r>
+            <a:r>
+              <a:rPr lang="en-US" altLang="zh-TW" sz="1600" dirty="0" smtClean="0"/>
+              <a:t>(</a:t>
+            </a:r>
+            <a:r>
+              <a:rPr lang="zh-TW" altLang="en-US" sz="1600" dirty="0" smtClean="0"/>
+              <a:t>接近六百萬</a:t>
+            </a:r>
+            <a:r>
+              <a:rPr lang="en-US" altLang="zh-TW" sz="1600" dirty="0" smtClean="0"/>
+              <a:t>)</a:t>
+            </a:r>
+            <a:endParaRPr lang="en-US" altLang="zh-TW" sz="1600" dirty="0" smtClean="0"/>
+          </a:p>
+          <a:p>
+            <a:pPr lvl="1"/>
+            <a:r>
+              <a:rPr lang="zh-TW" altLang="en-US" sz="1600" dirty="0" smtClean="0"/>
+              <a:t>決定係數</a:t>
+            </a:r>
+            <a:r>
+              <a:rPr lang="en-US" altLang="zh-TW" sz="1600" dirty="0" smtClean="0"/>
+              <a:t>(R Squared):</a:t>
+            </a:r>
+            <a:r>
+              <a:rPr lang="en-US" altLang="zh-TW" sz="1600" dirty="0" smtClean="0">
+                <a:solidFill>
+                  <a:srgbClr val="FF0000"/>
+                </a:solidFill>
+              </a:rPr>
+              <a:t>0.80</a:t>
+            </a:r>
+            <a:endParaRPr lang="en-US" altLang="zh-TW" dirty="0" smtClean="0"/>
+          </a:p>
+        </p:txBody>
+      </p:sp>
+      <p:sp>
+        <p:nvSpPr>
+          <p:cNvPr id="4" name="頁尾版面配置區 3"/>
+          <p:cNvSpPr>
+            <a:spLocks noGrp="1"/>
+          </p:cNvSpPr>
+          <p:nvPr>
+            <p:ph type="ftr" sz="quarter" idx="11"/>
+          </p:nvPr>
+        </p:nvSpPr>
+        <p:spPr/>
+        <p:txBody>
+          <a:bodyPr/>
+          <a:lstStyle/>
+          <a:p>
+            <a:r>
+              <a:rPr lang="zh-TW" altLang="en-US" dirty="0"/>
+              <a:t>機密等級：密            日期：</a:t>
+            </a:r>
+            <a:r>
+              <a:rPr lang="en-US" altLang="zh-TW" dirty="0"/>
+              <a:t>2020/07/22</a:t>
+            </a:r>
+            <a:endParaRPr lang="zh-TW" altLang="en-US" dirty="0"/>
+          </a:p>
+        </p:txBody>
+      </p:sp>
+      <p:pic>
+        <p:nvPicPr>
+          <p:cNvPr id="6" name="圖片 5"/>
+          <p:cNvPicPr>
+            <a:picLocks noChangeAspect="1"/>
+          </p:cNvPicPr>
+          <p:nvPr/>
+        </p:nvPicPr>
+        <p:blipFill>
+          <a:blip r:embed="rId2"/>
+          <a:stretch>
+            <a:fillRect/>
+          </a:stretch>
+        </p:blipFill>
+        <p:spPr>
+          <a:xfrm>
+            <a:off x="3131840" y="1215728"/>
+            <a:ext cx="5798133" cy="4165035"/>
+          </a:xfrm>
+          <a:prstGeom prst="rect">
+            <a:avLst/>
+          </a:prstGeom>
+        </p:spPr>
+      </p:pic>
+    </p:spTree>
+    <p:extLst>
+      <p:ext uri="{BB962C8B-B14F-4D97-AF65-F5344CB8AC3E}">
+        <p14:creationId xmlns:p14="http://schemas.microsoft.com/office/powerpoint/2010/main" val="1798180457"/>
+      </p:ext>
+    </p:extLst>
+  </p:cSld>
+  <p:clrMapOvr>
+    <a:masterClrMapping/>
+  </p:clrMapOvr>
+  <p:timing>
+    <p:tnLst>
+      <p:par>
+        <p:cTn id="1" dur="indefinite" restart="never" nodeType="tmRoot"/>
+      </p:par>
+    </p:tnLst>
+  </p:timing>
+</p:sld>
+</file>
+
+<file path=ppt/slides/slide35.xml><?xml version="1.0" encoding="utf-8"?>
+<p:sld xmlns:a="http://schemas.openxmlformats.org/drawingml/2006/main" xmlns:r="http://schemas.openxmlformats.org/officeDocument/2006/relationships" xmlns:p="http://schemas.openxmlformats.org/presentationml/2006/main">
+  <p:cSld>
+    <p:spTree>
+      <p:nvGrpSpPr>
+        <p:cNvPr id="1" name=""/>
+        <p:cNvGrpSpPr/>
+        <p:nvPr/>
+      </p:nvGrpSpPr>
+      <p:grpSpPr>
+        <a:xfrm>
+          <a:off x="0" y="0"/>
+          <a:ext cx="0" cy="0"/>
+          <a:chOff x="0" y="0"/>
+          <a:chExt cx="0" cy="0"/>
+        </a:xfrm>
+      </p:grpSpPr>
+      <p:sp>
+        <p:nvSpPr>
+          <p:cNvPr id="2" name="標題 1"/>
+          <p:cNvSpPr>
+            <a:spLocks noGrp="1"/>
+          </p:cNvSpPr>
+          <p:nvPr>
+            <p:ph type="title"/>
+          </p:nvPr>
+        </p:nvSpPr>
+        <p:spPr/>
+        <p:txBody>
+          <a:bodyPr/>
+          <a:lstStyle/>
+          <a:p>
+            <a:pPr algn="ctr"/>
+            <a:r>
+              <a:rPr lang="zh-TW" altLang="en-US" sz="2800" b="1" dirty="0">
+                <a:solidFill>
+                  <a:schemeClr val="tx1"/>
+                </a:solidFill>
+              </a:rPr>
+              <a:t>放款資料</a:t>
+            </a:r>
+            <a:r>
+              <a:rPr lang="en-US" altLang="zh-TW" sz="2800" b="1" dirty="0">
+                <a:solidFill>
+                  <a:schemeClr val="tx1"/>
+                </a:solidFill>
+              </a:rPr>
+              <a:t>-</a:t>
+            </a:r>
+            <a:r>
+              <a:rPr lang="zh-TW" altLang="en-US" sz="2800" b="1" dirty="0" smtClean="0">
+                <a:solidFill>
+                  <a:schemeClr val="tx1"/>
+                </a:solidFill>
+              </a:rPr>
+              <a:t>預測資料</a:t>
+            </a:r>
+            <a:endParaRPr lang="zh-TW" altLang="en-US" sz="2800" b="1" dirty="0">
+              <a:solidFill>
+                <a:schemeClr val="tx1"/>
+              </a:solidFill>
+            </a:endParaRPr>
+          </a:p>
+        </p:txBody>
+      </p:sp>
+      <p:sp>
+        <p:nvSpPr>
+          <p:cNvPr id="3" name="內容版面配置區 2"/>
+          <p:cNvSpPr>
+            <a:spLocks noGrp="1"/>
+          </p:cNvSpPr>
+          <p:nvPr>
+            <p:ph sz="quarter" idx="10"/>
+          </p:nvPr>
+        </p:nvSpPr>
+        <p:spPr/>
+        <p:txBody>
+          <a:bodyPr/>
+          <a:lstStyle/>
+          <a:p>
+            <a:r>
+              <a:rPr lang="zh-TW" altLang="en-US" dirty="0" smtClean="0"/>
               <a:t>依據測試資料預測房價。</a:t>
             </a:r>
             <a:endParaRPr lang="en-US" altLang="zh-TW" dirty="0" smtClean="0"/>
@@ -22583,8 +22966,21 @@
                   <a:srgbClr val="FF0000"/>
                 </a:solidFill>
               </a:rPr>
-              <a:t>4585202.496181172</a:t>
-            </a:r>
+              <a:t>4585202</a:t>
+            </a:r>
+            <a:r>
+              <a:rPr lang="en-US" altLang="zh-TW" sz="1600" dirty="0" smtClean="0"/>
+              <a:t>(</a:t>
+            </a:r>
+            <a:r>
+              <a:rPr lang="zh-TW" altLang="en-US" sz="1600" dirty="0" smtClean="0"/>
+              <a:t>四百多萬</a:t>
+            </a:r>
+            <a:r>
+              <a:rPr lang="en-US" altLang="zh-TW" sz="1600" dirty="0" smtClean="0"/>
+              <a:t>)</a:t>
+            </a:r>
+            <a:endParaRPr lang="en-US" altLang="zh-TW" sz="1600" dirty="0" smtClean="0"/>
           </a:p>
           <a:p>
             <a:pPr lvl="1"/>
@@ -22618,7 +23014,15 @@
                   <a:srgbClr val="FF0000"/>
                 </a:solidFill>
               </a:rPr>
-              <a:t>):0.7644754642669672</a:t>
+              <a:t>):</a:t>
+            </a:r>
+            <a:r>
+              <a:rPr lang="en-US" altLang="zh-TW" sz="1600" dirty="0" smtClean="0">
+                <a:solidFill>
+                  <a:srgbClr val="FF0000"/>
+                </a:solidFill>
+              </a:rPr>
+              <a:t>0.76</a:t>
             </a:r>
             <a:endParaRPr lang="en-US" altLang="zh-TW" dirty="0"/>
           </a:p>
@@ -22698,7 +23102,7 @@
 </p:sld>
 </file>
 
-<file path=ppt/slides/slide35.xml><?xml version="1.0" encoding="utf-8"?>
+<file path=ppt/slides/slide36.xml><?xml version="1.0" encoding="utf-8"?>
 <p:sld xmlns:a="http://schemas.openxmlformats.org/drawingml/2006/main" xmlns:r="http://schemas.openxmlformats.org/officeDocument/2006/relationships" xmlns:p="http://schemas.openxmlformats.org/presentationml/2006/main" showMasterSp="0">
   <p:cSld>
     <p:bg>
@@ -23024,7 +23428,7 @@
 </p:sld>
 </file>
 
-<file path=ppt/slides/slide36.xml><?xml version="1.0" encoding="utf-8"?>
+<file path=ppt/slides/slide37.xml><?xml version="1.0" encoding="utf-8"?>
 <p:sld xmlns:a="http://schemas.openxmlformats.org/drawingml/2006/main" xmlns:r="http://schemas.openxmlformats.org/officeDocument/2006/relationships" xmlns:p="http://schemas.openxmlformats.org/presentationml/2006/main">
   <p:cSld>
     <p:spTree>
@@ -23208,7 +23612,7 @@
           <p:nvPr>
             <p:extLst>
               <p:ext uri="{D42A27DB-BD31-4B8C-83A1-F6EECF244321}">
-                <p14:modId xmlns:p14="http://schemas.microsoft.com/office/powerpoint/2010/main" val="1378036084"/>
+                <p14:modId xmlns:p14="http://schemas.microsoft.com/office/powerpoint/2010/main" val="4044287076"/>
               </p:ext>
             </p:extLst>
           </p:nvPr>
@@ -23267,7 +23671,7 @@
                       <a:endParaRPr lang="zh-TW" altLang="en-US" dirty="0"/>
                     </a:p>
                   </a:txBody>
-                  <a:tcPr/>
+                  <a:tcPr anchor="ctr"/>
                 </a:tc>
                 <a:tc>
                   <a:txBody>
@@ -23277,12 +23681,12 @@
                       <a:pPr algn="ctr"/>
                       <a:r>
                         <a:rPr lang="zh-TW" altLang="en-US" dirty="0" smtClean="0"/>
-                        <a:t>評價方式</a:t>
+                        <a:t>評估方式</a:t>
                       </a:r>
                       <a:endParaRPr lang="zh-TW" altLang="en-US" dirty="0"/>
                     </a:p>
                   </a:txBody>
-                  <a:tcPr/>
+                  <a:tcPr anchor="ctr"/>
                 </a:tc>
                 <a:tc>
                   <a:txBody>
@@ -23297,7 +23701,7 @@
                       <a:endParaRPr lang="zh-TW" altLang="en-US" dirty="0"/>
                     </a:p>
                   </a:txBody>
-                  <a:tcPr/>
+                  <a:tcPr anchor="ctr"/>
                 </a:tc>
                 <a:tc>
                   <a:txBody>
@@ -23312,7 +23716,7 @@
                       <a:endParaRPr lang="zh-TW" altLang="en-US" dirty="0"/>
                     </a:p>
                   </a:txBody>
-                  <a:tcPr/>
+                  <a:tcPr anchor="ctr"/>
                 </a:tc>
                 <a:extLst>
                   <a:ext uri="{0D108BD9-81ED-4DB2-BD59-A6C34878D82A}">
@@ -23349,7 +23753,7 @@
                       <a:endParaRPr lang="zh-TW" altLang="en-US" dirty="0"/>
                     </a:p>
                   </a:txBody>
-                  <a:tcPr/>
+                  <a:tcPr anchor="ctr"/>
                 </a:tc>
                 <a:tc>
                   <a:txBody>
@@ -23364,7 +23768,7 @@
                       <a:endParaRPr lang="zh-TW" altLang="en-US" dirty="0"/>
                     </a:p>
                   </a:txBody>
-                  <a:tcPr/>
+                  <a:tcPr anchor="ctr"/>
                 </a:tc>
                 <a:tc>
                   <a:txBody>
@@ -23379,7 +23783,7 @@
                       <a:endParaRPr lang="zh-TW" altLang="en-US" dirty="0"/>
                     </a:p>
                   </a:txBody>
-                  <a:tcPr/>
+                  <a:tcPr anchor="ctr"/>
                 </a:tc>
                 <a:extLst>
                   <a:ext uri="{0D108BD9-81ED-4DB2-BD59-A6C34878D82A}">
@@ -23412,7 +23816,7 @@
                       <a:endParaRPr lang="zh-TW" altLang="en-US" dirty="0"/>
                     </a:p>
                   </a:txBody>
-                  <a:tcPr/>
+                  <a:tcPr anchor="ctr"/>
                 </a:tc>
                 <a:tc>
                   <a:txBody>
@@ -23427,7 +23831,7 @@
                       <a:endParaRPr lang="zh-TW" altLang="en-US" dirty="0"/>
                     </a:p>
                   </a:txBody>
-                  <a:tcPr/>
+                  <a:tcPr anchor="ctr"/>
                 </a:tc>
                 <a:tc>
                   <a:txBody>
@@ -23442,7 +23846,7 @@
                       <a:endParaRPr lang="zh-TW" altLang="en-US" dirty="0"/>
                     </a:p>
                   </a:txBody>
-                  <a:tcPr/>
+                  <a:tcPr anchor="ctr"/>
                 </a:tc>
                 <a:extLst>
                   <a:ext uri="{0D108BD9-81ED-4DB2-BD59-A6C34878D82A}">
@@ -23495,7 +23899,7 @@
                       <a:endParaRPr lang="zh-TW" altLang="en-US" dirty="0"/>
                     </a:p>
                   </a:txBody>
-                  <a:tcPr/>
+                  <a:tcPr anchor="ctr"/>
                 </a:tc>
                 <a:tc>
                   <a:txBody>
@@ -23510,7 +23914,7 @@
                       <a:endParaRPr lang="zh-TW" altLang="en-US" dirty="0"/>
                     </a:p>
                   </a:txBody>
-                  <a:tcPr/>
+                  <a:tcPr anchor="ctr"/>
                 </a:tc>
                 <a:tc>
                   <a:txBody>
@@ -23524,7 +23928,7 @@
                       </a:r>
                     </a:p>
                   </a:txBody>
-                  <a:tcPr/>
+                  <a:tcPr anchor="ctr"/>
                 </a:tc>
                 <a:extLst>
                   <a:ext uri="{0D108BD9-81ED-4DB2-BD59-A6C34878D82A}">
@@ -23557,7 +23961,7 @@
                       <a:endParaRPr lang="zh-TW" altLang="en-US" dirty="0"/>
                     </a:p>
                   </a:txBody>
-                  <a:tcPr/>
+                  <a:tcPr anchor="ctr"/>
                 </a:tc>
                 <a:tc>
                   <a:txBody>
@@ -23572,7 +23976,7 @@
                       <a:endParaRPr lang="zh-TW" altLang="en-US" dirty="0"/>
                     </a:p>
                   </a:txBody>
-                  <a:tcPr/>
+                  <a:tcPr anchor="ctr"/>
                 </a:tc>
                 <a:tc>
                   <a:txBody>
@@ -23587,7 +23991,7 @@
                       <a:endParaRPr lang="zh-TW" altLang="en-US" dirty="0"/>
                     </a:p>
                   </a:txBody>
-                  <a:tcPr/>
+                  <a:tcPr anchor="ctr"/>
                 </a:tc>
                 <a:extLst>
                   <a:ext uri="{0D108BD9-81ED-4DB2-BD59-A6C34878D82A}">
@@ -23608,7 +24012,7 @@
           <p:nvPr>
             <p:extLst>
               <p:ext uri="{D42A27DB-BD31-4B8C-83A1-F6EECF244321}">
-                <p14:modId xmlns:p14="http://schemas.microsoft.com/office/powerpoint/2010/main" val="512860692"/>
+                <p14:modId xmlns:p14="http://schemas.microsoft.com/office/powerpoint/2010/main" val="1615171194"/>
               </p:ext>
             </p:extLst>
           </p:nvPr>
@@ -23669,7 +24073,7 @@
                       <a:endParaRPr lang="zh-TW" altLang="en-US" dirty="0"/>
                     </a:p>
                   </a:txBody>
-                  <a:tcPr/>
+                  <a:tcPr anchor="ctr"/>
                 </a:tc>
                 <a:tc>
                   <a:txBody>
@@ -23684,7 +24088,7 @@
                       <a:endParaRPr lang="zh-TW" altLang="en-US" dirty="0"/>
                     </a:p>
                   </a:txBody>
-                  <a:tcPr/>
+                  <a:tcPr anchor="ctr"/>
                 </a:tc>
                 <a:tc>
                   <a:txBody>
@@ -23714,7 +24118,7 @@
                       </a:r>
                     </a:p>
                   </a:txBody>
-                  <a:tcPr/>
+                  <a:tcPr anchor="ctr"/>
                 </a:tc>
                 <a:tc>
                   <a:txBody>
@@ -23729,7 +24133,7 @@
                       <a:endParaRPr lang="zh-TW" altLang="en-US" dirty="0"/>
                     </a:p>
                   </a:txBody>
-                  <a:tcPr/>
+                  <a:tcPr anchor="ctr"/>
                 </a:tc>
                 <a:tc>
                   <a:txBody>
@@ -23748,7 +24152,7 @@
                       <a:endParaRPr lang="zh-TW" altLang="en-US" dirty="0"/>
                     </a:p>
                   </a:txBody>
-                  <a:tcPr/>
+                  <a:tcPr anchor="ctr"/>
                 </a:tc>
                 <a:extLst>
                   <a:ext uri="{0D108BD9-81ED-4DB2-BD59-A6C34878D82A}">
@@ -23785,7 +24189,7 @@
                       </a:r>
                     </a:p>
                   </a:txBody>
-                  <a:tcPr/>
+                  <a:tcPr anchor="ctr"/>
                 </a:tc>
                 <a:tc>
                   <a:txBody>
@@ -23800,7 +24204,7 @@
                       <a:endParaRPr lang="zh-TW" altLang="en-US" dirty="0"/>
                     </a:p>
                   </a:txBody>
-                  <a:tcPr/>
+                  <a:tcPr anchor="ctr"/>
                 </a:tc>
                 <a:tc>
                   <a:txBody>
@@ -23823,7 +24227,7 @@
                       <a:endParaRPr lang="zh-TW" altLang="en-US" dirty="0"/>
                     </a:p>
                   </a:txBody>
-                  <a:tcPr/>
+                  <a:tcPr anchor="ctr"/>
                 </a:tc>
                 <a:tc>
                   <a:txBody>
@@ -23838,7 +24242,7 @@
                       <a:endParaRPr lang="zh-TW" altLang="en-US" dirty="0"/>
                     </a:p>
                   </a:txBody>
-                  <a:tcPr/>
+                  <a:tcPr anchor="ctr"/>
                 </a:tc>
                 <a:tc>
                   <a:txBody>
@@ -23853,7 +24257,7 @@
                       <a:endParaRPr lang="zh-TW" altLang="en-US" dirty="0"/>
                     </a:p>
                   </a:txBody>
-                  <a:tcPr/>
+                  <a:tcPr anchor="ctr"/>
                 </a:tc>
                 <a:extLst>
                   <a:ext uri="{0D108BD9-81ED-4DB2-BD59-A6C34878D82A}">
@@ -23890,7 +24294,7 @@
                       </a:r>
                     </a:p>
                   </a:txBody>
-                  <a:tcPr/>
+                  <a:tcPr anchor="ctr"/>
                 </a:tc>
                 <a:tc>
                   <a:txBody>
@@ -23905,7 +24309,7 @@
                       <a:endParaRPr lang="zh-TW" altLang="en-US" dirty="0"/>
                     </a:p>
                   </a:txBody>
-                  <a:tcPr/>
+                  <a:tcPr anchor="ctr"/>
                 </a:tc>
                 <a:tc>
                   <a:txBody>
@@ -23915,12 +24319,12 @@
                       <a:pPr algn="r"/>
                       <a:r>
                         <a:rPr lang="en-US" altLang="zh-TW" dirty="0" smtClean="0"/>
-                        <a:t>20</a:t>
+                        <a:t>21</a:t>
                       </a:r>
                       <a:endParaRPr lang="zh-TW" altLang="en-US" dirty="0"/>
                     </a:p>
                   </a:txBody>
-                  <a:tcPr/>
+                  <a:tcPr anchor="ctr"/>
                 </a:tc>
                 <a:tc>
                   <a:txBody>
@@ -23935,7 +24339,7 @@
                       <a:endParaRPr lang="zh-TW" altLang="en-US" dirty="0"/>
                     </a:p>
                   </a:txBody>
-                  <a:tcPr/>
+                  <a:tcPr anchor="ctr"/>
                 </a:tc>
                 <a:tc>
                   <a:txBody>
@@ -23950,7 +24354,7 @@
                       <a:endParaRPr lang="zh-TW" altLang="en-US" dirty="0"/>
                     </a:p>
                   </a:txBody>
-                  <a:tcPr/>
+                  <a:tcPr anchor="ctr"/>
                 </a:tc>
                 <a:extLst>
                   <a:ext uri="{0D108BD9-81ED-4DB2-BD59-A6C34878D82A}">
@@ -23982,7 +24386,7 @@
 </p:sld>
 </file>
 
-<file path=ppt/slides/slide37.xml><?xml version="1.0" encoding="utf-8"?>
+<file path=ppt/slides/slide38.xml><?xml version="1.0" encoding="utf-8"?>
 <p:sld xmlns:a="http://schemas.openxmlformats.org/drawingml/2006/main" xmlns:r="http://schemas.openxmlformats.org/officeDocument/2006/relationships" xmlns:p="http://schemas.openxmlformats.org/presentationml/2006/main">
   <p:cSld>
     <p:spTree>
@@ -27100,7 +27504,7 @@
 </p:sld>
 </file>
 
-<file path=ppt/slides/slide38.xml><?xml version="1.0" encoding="utf-8"?>
+<file path=ppt/slides/slide39.xml><?xml version="1.0" encoding="utf-8"?>
 <p:sld xmlns:a="http://schemas.openxmlformats.org/drawingml/2006/main" xmlns:r="http://schemas.openxmlformats.org/officeDocument/2006/relationships" xmlns:p="http://schemas.openxmlformats.org/presentationml/2006/main" showMasterSp="0">
   <p:cSld>
     <p:bg>
@@ -27373,425 +27777,6 @@
               <a:latin typeface="微軟正黑體" panose="020B0604030504040204" pitchFamily="34" charset="-120"/>
               <a:ea typeface="微軟正黑體" panose="020B0604030504040204" pitchFamily="34" charset="-120"/>
             </a:endParaRPr>
-          </a:p>
-        </p:txBody>
-      </p:sp>
-    </p:spTree>
-  </p:cSld>
-  <p:clrMapOvr>
-    <a:masterClrMapping/>
-  </p:clrMapOvr>
-  <p:timing>
-    <p:tnLst>
-      <p:par>
-        <p:cTn id="1" dur="indefinite" restart="never" nodeType="tmRoot"/>
-      </p:par>
-    </p:tnLst>
-  </p:timing>
-</p:sld>
-</file>
-
-<file path=ppt/slides/slide39.xml><?xml version="1.0" encoding="utf-8"?>
-<p:sld xmlns:a="http://schemas.openxmlformats.org/drawingml/2006/main" xmlns:r="http://schemas.openxmlformats.org/officeDocument/2006/relationships" xmlns:p="http://schemas.openxmlformats.org/presentationml/2006/main">
-  <p:cSld>
-    <p:spTree>
-      <p:nvGrpSpPr>
-        <p:cNvPr id="1" name=""/>
-        <p:cNvGrpSpPr/>
-        <p:nvPr/>
-      </p:nvGrpSpPr>
-      <p:grpSpPr>
-        <a:xfrm>
-          <a:off x="0" y="0"/>
-          <a:ext cx="0" cy="0"/>
-          <a:chOff x="0" y="0"/>
-          <a:chExt cx="0" cy="0"/>
-        </a:xfrm>
-      </p:grpSpPr>
-      <p:sp>
-        <p:nvSpPr>
-          <p:cNvPr id="69634" name="標題 1"/>
-          <p:cNvSpPr>
-            <a:spLocks noGrp="1"/>
-          </p:cNvSpPr>
-          <p:nvPr>
-            <p:ph type="title"/>
-          </p:nvPr>
-        </p:nvSpPr>
-        <p:spPr>
-          <a:xfrm>
-            <a:off x="2109788" y="155575"/>
-            <a:ext cx="6246812" cy="538163"/>
-          </a:xfrm>
-          <a:noFill/>
-          <a:ln/>
-          <a:extLst>
-            <a:ext uri="{909E8E84-426E-40DD-AFC4-6F175D3DCCD1}">
-              <a14:hiddenFill xmlns:a14="http://schemas.microsoft.com/office/drawing/2010/main">
-                <a:solidFill>
-                  <a:srgbClr val="FFFFFF"/>
-                </a:solidFill>
-              </a14:hiddenFill>
-            </a:ext>
-            <a:ext uri="{91240B29-F687-4F45-9708-019B960494DF}">
-              <a14:hiddenLine xmlns:a14="http://schemas.microsoft.com/office/drawing/2010/main" w="9525">
-                <a:solidFill>
-                  <a:srgbClr val="000000"/>
-                </a:solidFill>
-                <a:miter lim="800000"/>
-                <a:headEnd/>
-                <a:tailEnd/>
-              </a14:hiddenLine>
-            </a:ext>
-          </a:extLst>
-        </p:spPr>
-        <p:txBody>
-          <a:bodyPr vert="horz" wrap="square" lIns="91440" tIns="45720" rIns="91440" bIns="45720" numCol="1" anchor="t" anchorCtr="0" compatLnSpc="1">
-            <a:prstTxWarp prst="textNoShape">
-              <a:avLst/>
-            </a:prstTxWarp>
-          </a:bodyPr>
-          <a:lstStyle/>
-          <a:p>
-            <a:pPr algn="ctr"/>
-            <a:r>
-              <a:rPr lang="zh-TW" altLang="en-US" b="1" dirty="0" smtClean="0"/>
-              <a:t>未來展望</a:t>
-            </a:r>
-          </a:p>
-        </p:txBody>
-      </p:sp>
-      <p:sp>
-        <p:nvSpPr>
-          <p:cNvPr id="47107" name="內容版面配置區 2"/>
-          <p:cNvSpPr>
-            <a:spLocks noGrp="1"/>
-          </p:cNvSpPr>
-          <p:nvPr>
-            <p:ph sz="quarter" idx="10"/>
-          </p:nvPr>
-        </p:nvSpPr>
-        <p:spPr bwMode="auto">
-          <a:xfrm>
-            <a:off x="601663" y="1196975"/>
-            <a:ext cx="7993062" cy="5111750"/>
-          </a:xfrm>
-          <a:extLst>
-            <a:ext uri="{909E8E84-426E-40DD-AFC4-6F175D3DCCD1}">
-              <a14:hiddenFill xmlns:a14="http://schemas.microsoft.com/office/drawing/2010/main">
-                <a:solidFill>
-                  <a:srgbClr val="FFFFFF"/>
-                </a:solidFill>
-              </a14:hiddenFill>
-            </a:ext>
-            <a:ext uri="{91240B29-F687-4F45-9708-019B960494DF}">
-              <a14:hiddenLine xmlns:a14="http://schemas.microsoft.com/office/drawing/2010/main" w="9525">
-                <a:solidFill>
-                  <a:srgbClr val="000000"/>
-                </a:solidFill>
-                <a:miter lim="800000"/>
-                <a:headEnd/>
-                <a:tailEnd/>
-              </a14:hiddenLine>
-            </a:ext>
-          </a:extLst>
-        </p:spPr>
-        <p:txBody>
-          <a:bodyPr vert="horz" wrap="square" lIns="91440" tIns="45720" rIns="91440" bIns="45720" numCol="1" anchor="t" anchorCtr="0" compatLnSpc="1">
-            <a:prstTxWarp prst="textNoShape">
-              <a:avLst/>
-            </a:prstTxWarp>
-          </a:bodyPr>
-          <a:lstStyle/>
-          <a:p>
-            <a:pPr>
-              <a:defRPr/>
-            </a:pPr>
-            <a:r>
-              <a:rPr lang="zh-TW" altLang="en-US" dirty="0" smtClean="0"/>
-              <a:t>持續提升準確度降低誤差值。</a:t>
-            </a:r>
-            <a:endParaRPr lang="en-US" altLang="zh-TW" dirty="0" smtClean="0"/>
-          </a:p>
-          <a:p>
-            <a:pPr>
-              <a:defRPr/>
-            </a:pPr>
-            <a:endParaRPr lang="en-US" altLang="zh-TW" dirty="0"/>
-          </a:p>
-          <a:p>
-            <a:pPr>
-              <a:defRPr/>
-            </a:pPr>
-            <a:r>
-              <a:rPr lang="zh-TW" altLang="en-US" dirty="0" smtClean="0"/>
-              <a:t>提供放款鑑價專員作參考依據。</a:t>
-            </a:r>
-            <a:endParaRPr lang="en-US" altLang="zh-TW" dirty="0" smtClean="0"/>
-          </a:p>
-          <a:p>
-            <a:pPr>
-              <a:defRPr/>
-            </a:pPr>
-            <a:endParaRPr lang="en-US" altLang="zh-TW" dirty="0"/>
-          </a:p>
-          <a:p>
-            <a:pPr>
-              <a:defRPr/>
-            </a:pPr>
-            <a:r>
-              <a:rPr lang="zh-TW" altLang="en-US" dirty="0" smtClean="0"/>
-              <a:t>未來與實價登錄的資料進行分析。</a:t>
-            </a:r>
-            <a:endParaRPr lang="en-US" altLang="zh-TW" dirty="0" smtClean="0"/>
-          </a:p>
-          <a:p>
-            <a:pPr>
-              <a:defRPr/>
-            </a:pPr>
-            <a:endParaRPr lang="en-US" altLang="zh-TW" dirty="0" smtClean="0"/>
-          </a:p>
-          <a:p>
-            <a:pPr>
-              <a:defRPr/>
-            </a:pPr>
-            <a:r>
-              <a:rPr lang="zh-TW" altLang="en-US" dirty="0" smtClean="0"/>
-              <a:t>與現行房貸</a:t>
-            </a:r>
-            <a:r>
-              <a:rPr lang="en-US" altLang="zh-TW" dirty="0" smtClean="0"/>
-              <a:t>PD</a:t>
-            </a:r>
-            <a:r>
-              <a:rPr lang="zh-TW" altLang="en-US" dirty="0" smtClean="0"/>
-              <a:t>模型</a:t>
-            </a:r>
-            <a:r>
-              <a:rPr lang="en-US" altLang="zh-TW" dirty="0" smtClean="0"/>
-              <a:t>(</a:t>
-            </a:r>
-            <a:r>
-              <a:rPr lang="zh-TW" altLang="en-US" dirty="0" smtClean="0"/>
-              <a:t>進件、行為</a:t>
-            </a:r>
-            <a:r>
-              <a:rPr lang="en-US" altLang="zh-TW" dirty="0" smtClean="0"/>
-              <a:t>)</a:t>
-            </a:r>
-            <a:r>
-              <a:rPr lang="zh-TW" altLang="en-US" dirty="0" smtClean="0"/>
-              <a:t>進行結合。</a:t>
-            </a:r>
-            <a:endParaRPr lang="en-US" altLang="zh-TW" dirty="0"/>
-          </a:p>
-          <a:p>
-            <a:pPr marL="0" indent="0">
-              <a:buFontTx/>
-              <a:buNone/>
-              <a:defRPr/>
-            </a:pPr>
-            <a:endParaRPr lang="zh-TW" altLang="en-US" dirty="0" smtClean="0"/>
-          </a:p>
-          <a:p>
-            <a:pPr>
-              <a:defRPr/>
-            </a:pPr>
-            <a:r>
-              <a:rPr lang="zh-TW" altLang="en-US" dirty="0" smtClean="0"/>
-              <a:t>持續性專案</a:t>
-            </a:r>
-            <a:r>
-              <a:rPr lang="en-US" altLang="zh-TW" dirty="0" smtClean="0"/>
-              <a:t>-</a:t>
-            </a:r>
-            <a:r>
-              <a:rPr lang="zh-TW" altLang="en-US" dirty="0" smtClean="0"/>
-              <a:t>未來有新的實習生進來，可持續完善模型。</a:t>
-            </a:r>
-            <a:endParaRPr lang="en-US" altLang="zh-TW" dirty="0" smtClean="0"/>
-          </a:p>
-          <a:p>
-            <a:pPr>
-              <a:defRPr/>
-            </a:pPr>
-            <a:endParaRPr lang="en-US" altLang="zh-TW" dirty="0" smtClean="0"/>
-          </a:p>
-          <a:p>
-            <a:pPr>
-              <a:defRPr/>
-            </a:pPr>
-            <a:r>
-              <a:rPr lang="zh-TW" altLang="en-US" dirty="0" smtClean="0"/>
-              <a:t>請實習生將資訊帶回學校分享，若有興趣同學可以進來學</a:t>
-            </a:r>
-            <a:r>
-              <a:rPr lang="zh-TW" altLang="en-US" dirty="0"/>
-              <a:t>習</a:t>
-            </a:r>
-            <a:r>
-              <a:rPr lang="zh-TW" altLang="en-US" dirty="0" smtClean="0"/>
-              <a:t>該專案，藉以吸引更多實習生。</a:t>
-            </a:r>
-          </a:p>
-        </p:txBody>
-      </p:sp>
-      <p:sp>
-        <p:nvSpPr>
-          <p:cNvPr id="69636" name="頁尾版面配置區 3"/>
-          <p:cNvSpPr>
-            <a:spLocks noGrp="1"/>
-          </p:cNvSpPr>
-          <p:nvPr>
-            <p:ph type="ftr" sz="quarter" idx="11"/>
-          </p:nvPr>
-        </p:nvSpPr>
-        <p:spPr bwMode="auto">
-          <a:noFill/>
-          <a:extLst>
-            <a:ext uri="{909E8E84-426E-40DD-AFC4-6F175D3DCCD1}">
-              <a14:hiddenFill xmlns:a14="http://schemas.microsoft.com/office/drawing/2010/main">
-                <a:solidFill>
-                  <a:srgbClr val="FFFFFF"/>
-                </a:solidFill>
-              </a14:hiddenFill>
-            </a:ext>
-            <a:ext uri="{91240B29-F687-4F45-9708-019B960494DF}">
-              <a14:hiddenLine xmlns:a14="http://schemas.microsoft.com/office/drawing/2010/main" w="9525">
-                <a:solidFill>
-                  <a:srgbClr val="000000"/>
-                </a:solidFill>
-                <a:miter lim="800000"/>
-                <a:headEnd/>
-                <a:tailEnd/>
-              </a14:hiddenLine>
-            </a:ext>
-          </a:extLst>
-        </p:spPr>
-        <p:txBody>
-          <a:bodyPr/>
-          <a:lstStyle>
-            <a:lvl1pPr>
-              <a:defRPr kumimoji="1" sz="2400" u="sng">
-                <a:solidFill>
-                  <a:schemeClr val="tx1"/>
-                </a:solidFill>
-                <a:latin typeface="Times New Roman" panose="02020603050405020304" pitchFamily="18" charset="0"/>
-                <a:ea typeface="新細明體" panose="02020500000000000000" pitchFamily="18" charset="-120"/>
-              </a:defRPr>
-            </a:lvl1pPr>
-            <a:lvl2pPr marL="742950" indent="-285750">
-              <a:defRPr kumimoji="1" sz="2400" u="sng">
-                <a:solidFill>
-                  <a:schemeClr val="tx1"/>
-                </a:solidFill>
-                <a:latin typeface="Times New Roman" panose="02020603050405020304" pitchFamily="18" charset="0"/>
-                <a:ea typeface="新細明體" panose="02020500000000000000" pitchFamily="18" charset="-120"/>
-              </a:defRPr>
-            </a:lvl2pPr>
-            <a:lvl3pPr marL="1143000" indent="-228600">
-              <a:defRPr kumimoji="1" sz="2400" u="sng">
-                <a:solidFill>
-                  <a:schemeClr val="tx1"/>
-                </a:solidFill>
-                <a:latin typeface="Times New Roman" panose="02020603050405020304" pitchFamily="18" charset="0"/>
-                <a:ea typeface="新細明體" panose="02020500000000000000" pitchFamily="18" charset="-120"/>
-              </a:defRPr>
-            </a:lvl3pPr>
-            <a:lvl4pPr marL="1600200" indent="-228600">
-              <a:defRPr kumimoji="1" sz="2400" u="sng">
-                <a:solidFill>
-                  <a:schemeClr val="tx1"/>
-                </a:solidFill>
-                <a:latin typeface="Times New Roman" panose="02020603050405020304" pitchFamily="18" charset="0"/>
-                <a:ea typeface="新細明體" panose="02020500000000000000" pitchFamily="18" charset="-120"/>
-              </a:defRPr>
-            </a:lvl4pPr>
-            <a:lvl5pPr marL="2057400" indent="-228600">
-              <a:defRPr kumimoji="1" sz="2400" u="sng">
-                <a:solidFill>
-                  <a:schemeClr val="tx1"/>
-                </a:solidFill>
-                <a:latin typeface="Times New Roman" panose="02020603050405020304" pitchFamily="18" charset="0"/>
-                <a:ea typeface="新細明體" panose="02020500000000000000" pitchFamily="18" charset="-120"/>
-              </a:defRPr>
-            </a:lvl5pPr>
-            <a:lvl6pPr marL="2514600" indent="-228600" eaLnBrk="0" fontAlgn="base" hangingPunct="0">
-              <a:spcBef>
-                <a:spcPct val="0"/>
-              </a:spcBef>
-              <a:spcAft>
-                <a:spcPct val="0"/>
-              </a:spcAft>
-              <a:defRPr kumimoji="1" sz="2400" u="sng">
-                <a:solidFill>
-                  <a:schemeClr val="tx1"/>
-                </a:solidFill>
-                <a:latin typeface="Times New Roman" panose="02020603050405020304" pitchFamily="18" charset="0"/>
-                <a:ea typeface="新細明體" panose="02020500000000000000" pitchFamily="18" charset="-120"/>
-              </a:defRPr>
-            </a:lvl6pPr>
-            <a:lvl7pPr marL="2971800" indent="-228600" eaLnBrk="0" fontAlgn="base" hangingPunct="0">
-              <a:spcBef>
-                <a:spcPct val="0"/>
-              </a:spcBef>
-              <a:spcAft>
-                <a:spcPct val="0"/>
-              </a:spcAft>
-              <a:defRPr kumimoji="1" sz="2400" u="sng">
-                <a:solidFill>
-                  <a:schemeClr val="tx1"/>
-                </a:solidFill>
-                <a:latin typeface="Times New Roman" panose="02020603050405020304" pitchFamily="18" charset="0"/>
-                <a:ea typeface="新細明體" panose="02020500000000000000" pitchFamily="18" charset="-120"/>
-              </a:defRPr>
-            </a:lvl7pPr>
-            <a:lvl8pPr marL="3429000" indent="-228600" eaLnBrk="0" fontAlgn="base" hangingPunct="0">
-              <a:spcBef>
-                <a:spcPct val="0"/>
-              </a:spcBef>
-              <a:spcAft>
-                <a:spcPct val="0"/>
-              </a:spcAft>
-              <a:defRPr kumimoji="1" sz="2400" u="sng">
-                <a:solidFill>
-                  <a:schemeClr val="tx1"/>
-                </a:solidFill>
-                <a:latin typeface="Times New Roman" panose="02020603050405020304" pitchFamily="18" charset="0"/>
-                <a:ea typeface="新細明體" panose="02020500000000000000" pitchFamily="18" charset="-120"/>
-              </a:defRPr>
-            </a:lvl8pPr>
-            <a:lvl9pPr marL="3886200" indent="-228600" eaLnBrk="0" fontAlgn="base" hangingPunct="0">
-              <a:spcBef>
-                <a:spcPct val="0"/>
-              </a:spcBef>
-              <a:spcAft>
-                <a:spcPct val="0"/>
-              </a:spcAft>
-              <a:defRPr kumimoji="1" sz="2400" u="sng">
-                <a:solidFill>
-                  <a:schemeClr val="tx1"/>
-                </a:solidFill>
-                <a:latin typeface="Times New Roman" panose="02020603050405020304" pitchFamily="18" charset="0"/>
-                <a:ea typeface="新細明體" panose="02020500000000000000" pitchFamily="18" charset="-120"/>
-              </a:defRPr>
-            </a:lvl9pPr>
-          </a:lstStyle>
-          <a:p>
-            <a:r>
-              <a:rPr lang="zh-TW" altLang="en-US" sz="900" u="none" smtClean="0">
-                <a:latin typeface="微軟正黑體" panose="020B0604030504040204" pitchFamily="34" charset="-120"/>
-                <a:ea typeface="微軟正黑體" panose="020B0604030504040204" pitchFamily="34" charset="-120"/>
-              </a:rPr>
-              <a:t>機密等級：密            日期：</a:t>
-            </a:r>
-            <a:r>
-              <a:rPr lang="en-US" altLang="zh-TW" sz="900" u="none" smtClean="0">
-                <a:latin typeface="微軟正黑體" panose="020B0604030504040204" pitchFamily="34" charset="-120"/>
-                <a:ea typeface="微軟正黑體" panose="020B0604030504040204" pitchFamily="34" charset="-120"/>
-              </a:rPr>
-              <a:t>2020/07/22</a:t>
-            </a:r>
           </a:p>
         </p:txBody>
       </p:sp>
@@ -30242,6 +30227,425 @@
 </file>
 
 <file path=ppt/slides/slide40.xml><?xml version="1.0" encoding="utf-8"?>
+<p:sld xmlns:a="http://schemas.openxmlformats.org/drawingml/2006/main" xmlns:r="http://schemas.openxmlformats.org/officeDocument/2006/relationships" xmlns:p="http://schemas.openxmlformats.org/presentationml/2006/main">
+  <p:cSld>
+    <p:spTree>
+      <p:nvGrpSpPr>
+        <p:cNvPr id="1" name=""/>
+        <p:cNvGrpSpPr/>
+        <p:nvPr/>
+      </p:nvGrpSpPr>
+      <p:grpSpPr>
+        <a:xfrm>
+          <a:off x="0" y="0"/>
+          <a:ext cx="0" cy="0"/>
+          <a:chOff x="0" y="0"/>
+          <a:chExt cx="0" cy="0"/>
+        </a:xfrm>
+      </p:grpSpPr>
+      <p:sp>
+        <p:nvSpPr>
+          <p:cNvPr id="69634" name="標題 1"/>
+          <p:cNvSpPr>
+            <a:spLocks noGrp="1"/>
+          </p:cNvSpPr>
+          <p:nvPr>
+            <p:ph type="title"/>
+          </p:nvPr>
+        </p:nvSpPr>
+        <p:spPr>
+          <a:xfrm>
+            <a:off x="2109788" y="155575"/>
+            <a:ext cx="6246812" cy="538163"/>
+          </a:xfrm>
+          <a:noFill/>
+          <a:ln/>
+          <a:extLst>
+            <a:ext uri="{909E8E84-426E-40DD-AFC4-6F175D3DCCD1}">
+              <a14:hiddenFill xmlns:a14="http://schemas.microsoft.com/office/drawing/2010/main">
+                <a:solidFill>
+                  <a:srgbClr val="FFFFFF"/>
+                </a:solidFill>
+              </a14:hiddenFill>
+            </a:ext>
+            <a:ext uri="{91240B29-F687-4F45-9708-019B960494DF}">
+              <a14:hiddenLine xmlns:a14="http://schemas.microsoft.com/office/drawing/2010/main" w="9525">
+                <a:solidFill>
+                  <a:srgbClr val="000000"/>
+                </a:solidFill>
+                <a:miter lim="800000"/>
+                <a:headEnd/>
+                <a:tailEnd/>
+              </a14:hiddenLine>
+            </a:ext>
+          </a:extLst>
+        </p:spPr>
+        <p:txBody>
+          <a:bodyPr vert="horz" wrap="square" lIns="91440" tIns="45720" rIns="91440" bIns="45720" numCol="1" anchor="t" anchorCtr="0" compatLnSpc="1">
+            <a:prstTxWarp prst="textNoShape">
+              <a:avLst/>
+            </a:prstTxWarp>
+          </a:bodyPr>
+          <a:lstStyle/>
+          <a:p>
+            <a:pPr algn="ctr"/>
+            <a:r>
+              <a:rPr lang="zh-TW" altLang="en-US" b="1" dirty="0" smtClean="0"/>
+              <a:t>未來展望</a:t>
+            </a:r>
+          </a:p>
+        </p:txBody>
+      </p:sp>
+      <p:sp>
+        <p:nvSpPr>
+          <p:cNvPr id="47107" name="內容版面配置區 2"/>
+          <p:cNvSpPr>
+            <a:spLocks noGrp="1"/>
+          </p:cNvSpPr>
+          <p:nvPr>
+            <p:ph sz="quarter" idx="10"/>
+          </p:nvPr>
+        </p:nvSpPr>
+        <p:spPr bwMode="auto">
+          <a:xfrm>
+            <a:off x="601663" y="1196975"/>
+            <a:ext cx="7993062" cy="5111750"/>
+          </a:xfrm>
+          <a:extLst>
+            <a:ext uri="{909E8E84-426E-40DD-AFC4-6F175D3DCCD1}">
+              <a14:hiddenFill xmlns:a14="http://schemas.microsoft.com/office/drawing/2010/main">
+                <a:solidFill>
+                  <a:srgbClr val="FFFFFF"/>
+                </a:solidFill>
+              </a14:hiddenFill>
+            </a:ext>
+            <a:ext uri="{91240B29-F687-4F45-9708-019B960494DF}">
+              <a14:hiddenLine xmlns:a14="http://schemas.microsoft.com/office/drawing/2010/main" w="9525">
+                <a:solidFill>
+                  <a:srgbClr val="000000"/>
+                </a:solidFill>
+                <a:miter lim="800000"/>
+                <a:headEnd/>
+                <a:tailEnd/>
+              </a14:hiddenLine>
+            </a:ext>
+          </a:extLst>
+        </p:spPr>
+        <p:txBody>
+          <a:bodyPr vert="horz" wrap="square" lIns="91440" tIns="45720" rIns="91440" bIns="45720" numCol="1" anchor="t" anchorCtr="0" compatLnSpc="1">
+            <a:prstTxWarp prst="textNoShape">
+              <a:avLst/>
+            </a:prstTxWarp>
+          </a:bodyPr>
+          <a:lstStyle/>
+          <a:p>
+            <a:pPr>
+              <a:defRPr/>
+            </a:pPr>
+            <a:r>
+              <a:rPr lang="zh-TW" altLang="en-US" dirty="0" smtClean="0"/>
+              <a:t>持續提升準確度降低誤差值。</a:t>
+            </a:r>
+            <a:endParaRPr lang="en-US" altLang="zh-TW" dirty="0" smtClean="0"/>
+          </a:p>
+          <a:p>
+            <a:pPr>
+              <a:defRPr/>
+            </a:pPr>
+            <a:endParaRPr lang="en-US" altLang="zh-TW" dirty="0"/>
+          </a:p>
+          <a:p>
+            <a:pPr>
+              <a:defRPr/>
+            </a:pPr>
+            <a:r>
+              <a:rPr lang="zh-TW" altLang="en-US" dirty="0" smtClean="0"/>
+              <a:t>提供放款鑑價專員作參考依據。</a:t>
+            </a:r>
+            <a:endParaRPr lang="en-US" altLang="zh-TW" dirty="0" smtClean="0"/>
+          </a:p>
+          <a:p>
+            <a:pPr>
+              <a:defRPr/>
+            </a:pPr>
+            <a:endParaRPr lang="en-US" altLang="zh-TW" dirty="0"/>
+          </a:p>
+          <a:p>
+            <a:pPr>
+              <a:defRPr/>
+            </a:pPr>
+            <a:r>
+              <a:rPr lang="zh-TW" altLang="en-US" dirty="0" smtClean="0"/>
+              <a:t>未來與實價登錄的資料進行分析。</a:t>
+            </a:r>
+            <a:endParaRPr lang="en-US" altLang="zh-TW" dirty="0" smtClean="0"/>
+          </a:p>
+          <a:p>
+            <a:pPr>
+              <a:defRPr/>
+            </a:pPr>
+            <a:endParaRPr lang="en-US" altLang="zh-TW" dirty="0" smtClean="0"/>
+          </a:p>
+          <a:p>
+            <a:pPr>
+              <a:defRPr/>
+            </a:pPr>
+            <a:r>
+              <a:rPr lang="zh-TW" altLang="en-US" dirty="0" smtClean="0"/>
+              <a:t>與現行房貸</a:t>
+            </a:r>
+            <a:r>
+              <a:rPr lang="en-US" altLang="zh-TW" dirty="0" smtClean="0"/>
+              <a:t>PD</a:t>
+            </a:r>
+            <a:r>
+              <a:rPr lang="zh-TW" altLang="en-US" dirty="0" smtClean="0"/>
+              <a:t>模型</a:t>
+            </a:r>
+            <a:r>
+              <a:rPr lang="en-US" altLang="zh-TW" dirty="0" smtClean="0"/>
+              <a:t>(</a:t>
+            </a:r>
+            <a:r>
+              <a:rPr lang="zh-TW" altLang="en-US" dirty="0" smtClean="0"/>
+              <a:t>進件、行為</a:t>
+            </a:r>
+            <a:r>
+              <a:rPr lang="en-US" altLang="zh-TW" dirty="0" smtClean="0"/>
+              <a:t>)</a:t>
+            </a:r>
+            <a:r>
+              <a:rPr lang="zh-TW" altLang="en-US" dirty="0" smtClean="0"/>
+              <a:t>進行結合。</a:t>
+            </a:r>
+            <a:endParaRPr lang="en-US" altLang="zh-TW" dirty="0"/>
+          </a:p>
+          <a:p>
+            <a:pPr marL="0" indent="0">
+              <a:buFontTx/>
+              <a:buNone/>
+              <a:defRPr/>
+            </a:pPr>
+            <a:endParaRPr lang="zh-TW" altLang="en-US" dirty="0" smtClean="0"/>
+          </a:p>
+          <a:p>
+            <a:pPr>
+              <a:defRPr/>
+            </a:pPr>
+            <a:r>
+              <a:rPr lang="zh-TW" altLang="en-US" dirty="0" smtClean="0"/>
+              <a:t>持續性專案</a:t>
+            </a:r>
+            <a:r>
+              <a:rPr lang="en-US" altLang="zh-TW" dirty="0" smtClean="0"/>
+              <a:t>-</a:t>
+            </a:r>
+            <a:r>
+              <a:rPr lang="zh-TW" altLang="en-US" dirty="0" smtClean="0"/>
+              <a:t>未來有新的實習生進來，可持續完善模型。</a:t>
+            </a:r>
+            <a:endParaRPr lang="en-US" altLang="zh-TW" dirty="0" smtClean="0"/>
+          </a:p>
+          <a:p>
+            <a:pPr>
+              <a:defRPr/>
+            </a:pPr>
+            <a:endParaRPr lang="en-US" altLang="zh-TW" dirty="0" smtClean="0"/>
+          </a:p>
+          <a:p>
+            <a:pPr>
+              <a:defRPr/>
+            </a:pPr>
+            <a:r>
+              <a:rPr lang="zh-TW" altLang="en-US" dirty="0" smtClean="0"/>
+              <a:t>請實習生將資訊帶回學校分享，若有興趣同學可以進來學</a:t>
+            </a:r>
+            <a:r>
+              <a:rPr lang="zh-TW" altLang="en-US" dirty="0"/>
+              <a:t>習</a:t>
+            </a:r>
+            <a:r>
+              <a:rPr lang="zh-TW" altLang="en-US" dirty="0" smtClean="0"/>
+              <a:t>該專案，藉以吸引更多實習生。</a:t>
+            </a:r>
+          </a:p>
+        </p:txBody>
+      </p:sp>
+      <p:sp>
+        <p:nvSpPr>
+          <p:cNvPr id="69636" name="頁尾版面配置區 3"/>
+          <p:cNvSpPr>
+            <a:spLocks noGrp="1"/>
+          </p:cNvSpPr>
+          <p:nvPr>
+            <p:ph type="ftr" sz="quarter" idx="11"/>
+          </p:nvPr>
+        </p:nvSpPr>
+        <p:spPr bwMode="auto">
+          <a:noFill/>
+          <a:extLst>
+            <a:ext uri="{909E8E84-426E-40DD-AFC4-6F175D3DCCD1}">
+              <a14:hiddenFill xmlns:a14="http://schemas.microsoft.com/office/drawing/2010/main">
+                <a:solidFill>
+                  <a:srgbClr val="FFFFFF"/>
+                </a:solidFill>
+              </a14:hiddenFill>
+            </a:ext>
+            <a:ext uri="{91240B29-F687-4F45-9708-019B960494DF}">
+              <a14:hiddenLine xmlns:a14="http://schemas.microsoft.com/office/drawing/2010/main" w="9525">
+                <a:solidFill>
+                  <a:srgbClr val="000000"/>
+                </a:solidFill>
+                <a:miter lim="800000"/>
+                <a:headEnd/>
+                <a:tailEnd/>
+              </a14:hiddenLine>
+            </a:ext>
+          </a:extLst>
+        </p:spPr>
+        <p:txBody>
+          <a:bodyPr/>
+          <a:lstStyle>
+            <a:lvl1pPr>
+              <a:defRPr kumimoji="1" sz="2400" u="sng">
+                <a:solidFill>
+                  <a:schemeClr val="tx1"/>
+                </a:solidFill>
+                <a:latin typeface="Times New Roman" panose="02020603050405020304" pitchFamily="18" charset="0"/>
+                <a:ea typeface="新細明體" panose="02020500000000000000" pitchFamily="18" charset="-120"/>
+              </a:defRPr>
+            </a:lvl1pPr>
+            <a:lvl2pPr marL="742950" indent="-285750">
+              <a:defRPr kumimoji="1" sz="2400" u="sng">
+                <a:solidFill>
+                  <a:schemeClr val="tx1"/>
+                </a:solidFill>
+                <a:latin typeface="Times New Roman" panose="02020603050405020304" pitchFamily="18" charset="0"/>
+                <a:ea typeface="新細明體" panose="02020500000000000000" pitchFamily="18" charset="-120"/>
+              </a:defRPr>
+            </a:lvl2pPr>
+            <a:lvl3pPr marL="1143000" indent="-228600">
+              <a:defRPr kumimoji="1" sz="2400" u="sng">
+                <a:solidFill>
+                  <a:schemeClr val="tx1"/>
+                </a:solidFill>
+                <a:latin typeface="Times New Roman" panose="02020603050405020304" pitchFamily="18" charset="0"/>
+                <a:ea typeface="新細明體" panose="02020500000000000000" pitchFamily="18" charset="-120"/>
+              </a:defRPr>
+            </a:lvl3pPr>
+            <a:lvl4pPr marL="1600200" indent="-228600">
+              <a:defRPr kumimoji="1" sz="2400" u="sng">
+                <a:solidFill>
+                  <a:schemeClr val="tx1"/>
+                </a:solidFill>
+                <a:latin typeface="Times New Roman" panose="02020603050405020304" pitchFamily="18" charset="0"/>
+                <a:ea typeface="新細明體" panose="02020500000000000000" pitchFamily="18" charset="-120"/>
+              </a:defRPr>
+            </a:lvl4pPr>
+            <a:lvl5pPr marL="2057400" indent="-228600">
+              <a:defRPr kumimoji="1" sz="2400" u="sng">
+                <a:solidFill>
+                  <a:schemeClr val="tx1"/>
+                </a:solidFill>
+                <a:latin typeface="Times New Roman" panose="02020603050405020304" pitchFamily="18" charset="0"/>
+                <a:ea typeface="新細明體" panose="02020500000000000000" pitchFamily="18" charset="-120"/>
+              </a:defRPr>
+            </a:lvl5pPr>
+            <a:lvl6pPr marL="2514600" indent="-228600" eaLnBrk="0" fontAlgn="base" hangingPunct="0">
+              <a:spcBef>
+                <a:spcPct val="0"/>
+              </a:spcBef>
+              <a:spcAft>
+                <a:spcPct val="0"/>
+              </a:spcAft>
+              <a:defRPr kumimoji="1" sz="2400" u="sng">
+                <a:solidFill>
+                  <a:schemeClr val="tx1"/>
+                </a:solidFill>
+                <a:latin typeface="Times New Roman" panose="02020603050405020304" pitchFamily="18" charset="0"/>
+                <a:ea typeface="新細明體" panose="02020500000000000000" pitchFamily="18" charset="-120"/>
+              </a:defRPr>
+            </a:lvl6pPr>
+            <a:lvl7pPr marL="2971800" indent="-228600" eaLnBrk="0" fontAlgn="base" hangingPunct="0">
+              <a:spcBef>
+                <a:spcPct val="0"/>
+              </a:spcBef>
+              <a:spcAft>
+                <a:spcPct val="0"/>
+              </a:spcAft>
+              <a:defRPr kumimoji="1" sz="2400" u="sng">
+                <a:solidFill>
+                  <a:schemeClr val="tx1"/>
+                </a:solidFill>
+                <a:latin typeface="Times New Roman" panose="02020603050405020304" pitchFamily="18" charset="0"/>
+                <a:ea typeface="新細明體" panose="02020500000000000000" pitchFamily="18" charset="-120"/>
+              </a:defRPr>
+            </a:lvl7pPr>
+            <a:lvl8pPr marL="3429000" indent="-228600" eaLnBrk="0" fontAlgn="base" hangingPunct="0">
+              <a:spcBef>
+                <a:spcPct val="0"/>
+              </a:spcBef>
+              <a:spcAft>
+                <a:spcPct val="0"/>
+              </a:spcAft>
+              <a:defRPr kumimoji="1" sz="2400" u="sng">
+                <a:solidFill>
+                  <a:schemeClr val="tx1"/>
+                </a:solidFill>
+                <a:latin typeface="Times New Roman" panose="02020603050405020304" pitchFamily="18" charset="0"/>
+                <a:ea typeface="新細明體" panose="02020500000000000000" pitchFamily="18" charset="-120"/>
+              </a:defRPr>
+            </a:lvl8pPr>
+            <a:lvl9pPr marL="3886200" indent="-228600" eaLnBrk="0" fontAlgn="base" hangingPunct="0">
+              <a:spcBef>
+                <a:spcPct val="0"/>
+              </a:spcBef>
+              <a:spcAft>
+                <a:spcPct val="0"/>
+              </a:spcAft>
+              <a:defRPr kumimoji="1" sz="2400" u="sng">
+                <a:solidFill>
+                  <a:schemeClr val="tx1"/>
+                </a:solidFill>
+                <a:latin typeface="Times New Roman" panose="02020603050405020304" pitchFamily="18" charset="0"/>
+                <a:ea typeface="新細明體" panose="02020500000000000000" pitchFamily="18" charset="-120"/>
+              </a:defRPr>
+            </a:lvl9pPr>
+          </a:lstStyle>
+          <a:p>
+            <a:r>
+              <a:rPr lang="zh-TW" altLang="en-US" sz="900" u="none" smtClean="0">
+                <a:latin typeface="微軟正黑體" panose="020B0604030504040204" pitchFamily="34" charset="-120"/>
+                <a:ea typeface="微軟正黑體" panose="020B0604030504040204" pitchFamily="34" charset="-120"/>
+              </a:rPr>
+              <a:t>機密等級：密            日期：</a:t>
+            </a:r>
+            <a:r>
+              <a:rPr lang="en-US" altLang="zh-TW" sz="900" u="none" smtClean="0">
+                <a:latin typeface="微軟正黑體" panose="020B0604030504040204" pitchFamily="34" charset="-120"/>
+                <a:ea typeface="微軟正黑體" panose="020B0604030504040204" pitchFamily="34" charset="-120"/>
+              </a:rPr>
+              <a:t>2020/07/22</a:t>
+            </a:r>
+          </a:p>
+        </p:txBody>
+      </p:sp>
+    </p:spTree>
+  </p:cSld>
+  <p:clrMapOvr>
+    <a:masterClrMapping/>
+  </p:clrMapOvr>
+  <p:timing>
+    <p:tnLst>
+      <p:par>
+        <p:cTn id="1" dur="indefinite" restart="never" nodeType="tmRoot"/>
+      </p:par>
+    </p:tnLst>
+  </p:timing>
+</p:sld>
+</file>
+
+<file path=ppt/slides/slide41.xml><?xml version="1.0" encoding="utf-8"?>
 <p:sld xmlns:a="http://schemas.openxmlformats.org/drawingml/2006/main" xmlns:r="http://schemas.openxmlformats.org/officeDocument/2006/relationships" xmlns:p="http://schemas.openxmlformats.org/presentationml/2006/main" showMasterSp="0">
   <p:cSld>
     <p:bg>
@@ -33344,19 +33748,7 @@
           <a:p>
             <a:r>
               <a:rPr lang="zh-TW" altLang="en-US" dirty="0" smtClean="0"/>
-              <a:t>依照坪數</a:t>
-            </a:r>
-            <a:r>
-              <a:rPr lang="zh-TW" altLang="en-US" dirty="0" smtClean="0"/>
-              <a:t>與成交價可以繪出下面的圖，每一個點代表一間房子</a:t>
-            </a:r>
-            <a:r>
-              <a:rPr lang="zh-TW" altLang="en-US" dirty="0" smtClean="0"/>
-              <a:t>的</a:t>
-            </a:r>
-            <a:r>
-              <a:rPr lang="zh-TW" altLang="en-US" dirty="0" smtClean="0"/>
-              <a:t>成交</a:t>
+              <a:t>依照坪數與成交價可以繪出下面的圖，每一個點代表一間房子的成交</a:t>
             </a:r>
             <a:r>
               <a:rPr lang="zh-TW" altLang="en-US" dirty="0"/>
@@ -35297,6 +35689,21 @@
 </file>
 
 <file path=customXml/item1.xml><?xml version="1.0" encoding="utf-8"?>
+<p:properties xmlns:p="http://schemas.microsoft.com/office/2006/metadata/properties" xmlns:xsi="http://www.w3.org/2001/XMLSchema-instance" xmlns:pc="http://schemas.microsoft.com/office/infopath/2007/PartnerControls">
+  <documentManagement/>
+</p:properties>
+</file>
+
+<file path=customXml/item2.xml><?xml version="1.0" encoding="utf-8"?>
+<?mso-contentType ?>
+<FormTemplates xmlns="http://schemas.microsoft.com/sharepoint/v3/contenttype/forms">
+  <Display>DocumentLibraryForm</Display>
+  <Edit>DocumentLibraryForm</Edit>
+  <New>DocumentLibraryForm</New>
+</FormTemplates>
+</file>
+
+<file path=customXml/item3.xml><?xml version="1.0" encoding="utf-8"?>
 <ct:contentTypeSchema xmlns:ct="http://schemas.microsoft.com/office/2006/metadata/contentType" xmlns:ma="http://schemas.microsoft.com/office/2006/metadata/properties/metaAttributes" ct:_="" ma:_="" ma:contentTypeName="文件" ma:contentTypeID="0x0101002F834950E6E8EC4987003F88DFC9B5CE" ma:contentTypeVersion="" ma:contentTypeDescription="建立新的文件。" ma:contentTypeScope="" ma:versionID="f8649297cceefdfdcd508960509e4249">
   <xsd:schema xmlns:xsd="http://www.w3.org/2001/XMLSchema" xmlns:xs="http://www.w3.org/2001/XMLSchema" xmlns:p="http://schemas.microsoft.com/office/2006/metadata/properties" targetNamespace="http://schemas.microsoft.com/office/2006/metadata/properties" ma:root="true" ma:fieldsID="684b3c36135c6fbac31a56fab451a81a">
     <xsd:element name="properties">
@@ -35410,38 +35817,7 @@
 </ct:contentTypeSchema>
 </file>
 
-<file path=customXml/item2.xml><?xml version="1.0" encoding="utf-8"?>
-<p:properties xmlns:p="http://schemas.microsoft.com/office/2006/metadata/properties" xmlns:xsi="http://www.w3.org/2001/XMLSchema-instance" xmlns:pc="http://schemas.microsoft.com/office/infopath/2007/PartnerControls">
-  <documentManagement/>
-</p:properties>
-</file>
-
-<file path=customXml/item3.xml><?xml version="1.0" encoding="utf-8"?>
-<?mso-contentType ?>
-<FormTemplates xmlns="http://schemas.microsoft.com/sharepoint/v3/contenttype/forms">
-  <Display>DocumentLibraryForm</Display>
-  <Edit>DocumentLibraryForm</Edit>
-  <New>DocumentLibraryForm</New>
-</FormTemplates>
-</file>
-
 <file path=customXml/itemProps1.xml><?xml version="1.0" encoding="utf-8"?>
-<ds:datastoreItem xmlns:ds="http://schemas.openxmlformats.org/officeDocument/2006/customXml" ds:itemID="{DAA5427F-1FCE-4ABC-BDEE-5B390CA5416C}">
-  <ds:schemaRefs>
-    <ds:schemaRef ds:uri="http://schemas.microsoft.com/office/2006/metadata/contentType"/>
-    <ds:schemaRef ds:uri="http://schemas.microsoft.com/office/2006/metadata/properties/metaAttributes"/>
-    <ds:schemaRef ds:uri="http://www.w3.org/2001/XMLSchema"/>
-    <ds:schemaRef ds:uri="http://schemas.microsoft.com/office/2006/metadata/properties"/>
-    <ds:schemaRef ds:uri="http://schemas.openxmlformats.org/package/2006/metadata/core-properties"/>
-    <ds:schemaRef ds:uri="http://purl.org/dc/elements/1.1/"/>
-    <ds:schemaRef ds:uri="http://purl.org/dc/terms/"/>
-    <ds:schemaRef ds:uri="http://schemas.microsoft.com/internal/obd"/>
-    <ds:schemaRef ds:uri="http://schemas.microsoft.com/office/infopath/2007/PartnerControls"/>
-  </ds:schemaRefs>
-</ds:datastoreItem>
-</file>
-
-<file path=customXml/itemProps2.xml><?xml version="1.0" encoding="utf-8"?>
 <ds:datastoreItem xmlns:ds="http://schemas.openxmlformats.org/officeDocument/2006/customXml" ds:itemID="{2644028D-06C8-4BE5-961F-162173EF2CF0}">
   <ds:schemaRefs>
     <ds:schemaRef ds:uri="http://schemas.microsoft.com/office/2006/documentManagement/types"/>
@@ -35456,10 +35832,26 @@
 </ds:datastoreItem>
 </file>
 
-<file path=customXml/itemProps3.xml><?xml version="1.0" encoding="utf-8"?>
+<file path=customXml/itemProps2.xml><?xml version="1.0" encoding="utf-8"?>
 <ds:datastoreItem xmlns:ds="http://schemas.openxmlformats.org/officeDocument/2006/customXml" ds:itemID="{1A161D03-AEAF-454A-9930-BDD74521DECA}">
   <ds:schemaRefs>
     <ds:schemaRef ds:uri="http://schemas.microsoft.com/sharepoint/v3/contenttype/forms"/>
   </ds:schemaRefs>
 </ds:datastoreItem>
+</file>
+
+<file path=customXml/itemProps3.xml><?xml version="1.0" encoding="utf-8"?>
+<ds:datastoreItem xmlns:ds="http://schemas.openxmlformats.org/officeDocument/2006/customXml" ds:itemID="{DAA5427F-1FCE-4ABC-BDEE-5B390CA5416C}">
+  <ds:schemaRefs>
+    <ds:schemaRef ds:uri="http://schemas.microsoft.com/office/2006/metadata/contentType"/>
+    <ds:schemaRef ds:uri="http://schemas.microsoft.com/office/2006/metadata/properties/metaAttributes"/>
+    <ds:schemaRef ds:uri="http://www.w3.org/2001/XMLSchema"/>
+    <ds:schemaRef ds:uri="http://schemas.microsoft.com/office/2006/metadata/properties"/>
+    <ds:schemaRef ds:uri="http://schemas.openxmlformats.org/package/2006/metadata/core-properties"/>
+    <ds:schemaRef ds:uri="http://purl.org/dc/elements/1.1/"/>
+    <ds:schemaRef ds:uri="http://purl.org/dc/terms/"/>
+    <ds:schemaRef ds:uri="http://schemas.microsoft.com/internal/obd"/>
+    <ds:schemaRef ds:uri="http://schemas.microsoft.com/office/infopath/2007/PartnerControls"/>
+  </ds:schemaRefs>
+</ds:datastoreItem>
 </file>
--- a/AI_Report/AI應用-不動產價格預測.pptx
+++ b/AI_Report/AI應用-不動產價格預測.pptx
@@ -44,7 +44,7 @@
     <p:sldId id="360" r:id="rId38"/>
     <p:sldId id="363" r:id="rId39"/>
     <p:sldId id="365" r:id="rId40"/>
-    <p:sldId id="370" r:id="rId41"/>
+    <p:sldId id="374" r:id="rId41"/>
     <p:sldId id="372" r:id="rId42"/>
     <p:sldId id="371" r:id="rId43"/>
     <p:sldId id="322" r:id="rId44"/>
@@ -9019,19 +9019,35 @@
           <a:lstStyle/>
           <a:p>
             <a:r>
-              <a:rPr lang="zh-TW" altLang="en-US" u="none" dirty="0" smtClean="0"/>
+              <a:rPr lang="zh-TW" altLang="en-US" u="none" dirty="0" smtClean="0">
+                <a:solidFill>
+                  <a:srgbClr val="FF0000"/>
+                </a:solidFill>
+              </a:rPr>
               <a:t>第</a:t>
             </a:r>
             <a:r>
-              <a:rPr lang="en-US" altLang="zh-TW" u="none" dirty="0" smtClean="0"/>
+              <a:rPr lang="en-US" altLang="zh-TW" u="none" dirty="0" smtClean="0">
+                <a:solidFill>
+                  <a:srgbClr val="FF0000"/>
+                </a:solidFill>
+              </a:rPr>
               <a:t>t</a:t>
             </a:r>
             <a:r>
-              <a:rPr lang="zh-TW" altLang="en-US" u="none" dirty="0" smtClean="0"/>
+              <a:rPr lang="zh-TW" altLang="en-US" u="none" dirty="0" smtClean="0">
+                <a:solidFill>
+                  <a:srgbClr val="FF0000"/>
+                </a:solidFill>
+              </a:rPr>
               <a:t>輪模型</a:t>
             </a:r>
             <a:r>
-              <a:rPr lang="zh-TW" altLang="en-US" u="none" dirty="0"/>
+              <a:rPr lang="zh-TW" altLang="en-US" u="none" dirty="0">
+                <a:solidFill>
+                  <a:srgbClr val="FF0000"/>
+                </a:solidFill>
+              </a:rPr>
               <a:t>預測</a:t>
             </a:r>
           </a:p>
@@ -9060,18 +9076,34 @@
           <a:lstStyle/>
           <a:p>
             <a:r>
-              <a:rPr lang="zh-TW" altLang="en-US" u="none" dirty="0" smtClean="0"/>
+              <a:rPr lang="zh-TW" altLang="en-US" u="none" dirty="0" smtClean="0">
+                <a:solidFill>
+                  <a:srgbClr val="FF0000"/>
+                </a:solidFill>
+              </a:rPr>
               <a:t>保留前面</a:t>
             </a:r>
             <a:r>
-              <a:rPr lang="en-US" altLang="zh-TW" u="none" dirty="0" smtClean="0"/>
+              <a:rPr lang="en-US" altLang="zh-TW" u="none" dirty="0" smtClean="0">
+                <a:solidFill>
+                  <a:srgbClr val="FF0000"/>
+                </a:solidFill>
+              </a:rPr>
               <a:t>t-1</a:t>
             </a:r>
             <a:r>
-              <a:rPr lang="zh-TW" altLang="en-US" u="none" dirty="0" smtClean="0"/>
+              <a:rPr lang="zh-TW" altLang="en-US" u="none" dirty="0" smtClean="0">
+                <a:solidFill>
+                  <a:srgbClr val="FF0000"/>
+                </a:solidFill>
+              </a:rPr>
               <a:t>輪的模型預測</a:t>
             </a:r>
-            <a:endParaRPr lang="zh-TW" altLang="en-US" u="none" dirty="0"/>
+            <a:endParaRPr lang="zh-TW" altLang="en-US" u="none" dirty="0">
+              <a:solidFill>
+                <a:srgbClr val="FF0000"/>
+              </a:solidFill>
+            </a:endParaRPr>
           </a:p>
         </p:txBody>
       </p:sp>
@@ -9098,10 +9130,18 @@
           <a:lstStyle/>
           <a:p>
             <a:r>
-              <a:rPr lang="zh-TW" altLang="en-US" u="none" dirty="0" smtClean="0"/>
+              <a:rPr lang="zh-TW" altLang="en-US" u="none" dirty="0" smtClean="0">
+                <a:solidFill>
+                  <a:srgbClr val="FF0000"/>
+                </a:solidFill>
+              </a:rPr>
               <a:t>加入一個新的函數</a:t>
             </a:r>
-            <a:endParaRPr lang="zh-TW" altLang="en-US" u="none" dirty="0"/>
+            <a:endParaRPr lang="zh-TW" altLang="en-US" u="none" dirty="0">
+              <a:solidFill>
+                <a:srgbClr val="FF0000"/>
+              </a:solidFill>
+            </a:endParaRPr>
           </a:p>
         </p:txBody>
       </p:sp>
@@ -11994,9 +12034,47 @@
             </a:pPr>
             <a:r>
               <a:rPr lang="zh-TW" altLang="en-US" sz="2200" dirty="0" smtClean="0"/>
-              <a:t>結論分析</a:t>
+              <a:t>結論</a:t>
+            </a:r>
+            <a:r>
+              <a:rPr lang="zh-TW" altLang="en-US" sz="2200" dirty="0" smtClean="0"/>
+              <a:t>分析</a:t>
             </a:r>
             <a:endParaRPr lang="en-US" altLang="zh-TW" sz="2200" dirty="0" smtClean="0"/>
+          </a:p>
+          <a:p>
+            <a:pPr lvl="1">
+              <a:buFont typeface="Wingdings" panose="05000000000000000000" pitchFamily="2" charset="2"/>
+              <a:buChar char="Ø"/>
+            </a:pPr>
+            <a:r>
+              <a:rPr lang="zh-TW" altLang="en-US" sz="1600" dirty="0" smtClean="0"/>
+              <a:t>波士頓房價</a:t>
+            </a:r>
+            <a:r>
+              <a:rPr lang="en-US" altLang="zh-TW" sz="1600" dirty="0" smtClean="0"/>
+              <a:t>vs</a:t>
+            </a:r>
+            <a:r>
+              <a:rPr lang="zh-TW" altLang="en-US" sz="1600" dirty="0" smtClean="0"/>
+              <a:t>放款資料</a:t>
+            </a:r>
+            <a:endParaRPr lang="en-US" altLang="zh-TW" sz="1600" dirty="0" smtClean="0"/>
+          </a:p>
+          <a:p>
+            <a:pPr lvl="1">
+              <a:buFont typeface="Wingdings" panose="05000000000000000000" pitchFamily="2" charset="2"/>
+              <a:buChar char="Ø"/>
+            </a:pPr>
+            <a:r>
+              <a:rPr lang="zh-TW" altLang="en-US" sz="1600" dirty="0" smtClean="0"/>
+              <a:t>總</a:t>
+            </a:r>
+            <a:r>
+              <a:rPr lang="zh-TW" altLang="en-US" sz="1600" dirty="0"/>
+              <a:t>結</a:t>
+            </a:r>
+            <a:endParaRPr lang="en-US" altLang="zh-TW" sz="1600" dirty="0" smtClean="0"/>
           </a:p>
           <a:p>
             <a:pPr>
@@ -15138,8 +15216,16 @@
               <a:t>1</a:t>
             </a:r>
             <a:r>
+              <a:rPr lang="zh-TW" altLang="en-US" dirty="0"/>
+              <a:t>相關性</a:t>
+            </a:r>
+            <a:r>
               <a:rPr lang="zh-TW" altLang="en-US" dirty="0" smtClean="0"/>
-              <a:t>關聯性越高。</a:t>
+              <a:t>越</a:t>
+            </a:r>
+            <a:r>
+              <a:rPr lang="zh-TW" altLang="en-US" dirty="0" smtClean="0"/>
+              <a:t>高。</a:t>
             </a:r>
             <a:endParaRPr lang="zh-TW" altLang="en-US" dirty="0"/>
           </a:p>
@@ -16607,11 +16693,6 @@
               </a:rPr>
               <a:t>35638</a:t>
             </a:r>
-            <a:endParaRPr lang="en-US" altLang="zh-TW" sz="1600" dirty="0" smtClean="0">
-              <a:solidFill>
-                <a:srgbClr val="FF0000"/>
-              </a:solidFill>
-            </a:endParaRPr>
           </a:p>
           <a:p>
             <a:pPr lvl="1"/>
@@ -16950,11 +17031,6 @@
               </a:rPr>
               <a:t>30263</a:t>
             </a:r>
-            <a:endParaRPr lang="en-US" altLang="zh-TW" sz="1600" dirty="0" smtClean="0">
-              <a:solidFill>
-                <a:srgbClr val="FF0000"/>
-              </a:solidFill>
-            </a:endParaRPr>
           </a:p>
           <a:p>
             <a:pPr lvl="1"/>
@@ -18772,7 +18848,7 @@
           <p:nvPr>
             <p:extLst>
               <p:ext uri="{D42A27DB-BD31-4B8C-83A1-F6EECF244321}">
-                <p14:modId xmlns:p14="http://schemas.microsoft.com/office/powerpoint/2010/main" val="1393739007"/>
+                <p14:modId xmlns:p14="http://schemas.microsoft.com/office/powerpoint/2010/main" val="2200212109"/>
               </p:ext>
             </p:extLst>
           </p:nvPr>
@@ -19076,7 +19152,35 @@
                           <a:latin typeface="微軟正黑體" panose="020B0604030504040204" pitchFamily="34" charset="-120"/>
                           <a:ea typeface="微軟正黑體" panose="020B0604030504040204" pitchFamily="34" charset="-120"/>
                         </a:rPr>
-                        <a:t>登記原因</a:t>
+                        <a:t>登記</a:t>
+                      </a:r>
+                      <a:r>
+                        <a:rPr lang="zh-TW" altLang="en-US" sz="1200" dirty="0" smtClean="0">
+                          <a:latin typeface="微軟正黑體" panose="020B0604030504040204" pitchFamily="34" charset="-120"/>
+                          <a:ea typeface="微軟正黑體" panose="020B0604030504040204" pitchFamily="34" charset="-120"/>
+                        </a:rPr>
+                        <a:t>原因</a:t>
+                      </a:r>
+                      <a:r>
+                        <a:rPr lang="en-US" altLang="zh-TW" sz="1200" dirty="0" smtClean="0">
+                          <a:latin typeface="微軟正黑體" panose="020B0604030504040204" pitchFamily="34" charset="-120"/>
+                          <a:ea typeface="微軟正黑體" panose="020B0604030504040204" pitchFamily="34" charset="-120"/>
+                        </a:rPr>
+                        <a:t>(</a:t>
+                      </a:r>
+                      <a:r>
+                        <a:rPr lang="zh-TW" altLang="en-US" sz="1200" dirty="0" smtClean="0">
+                          <a:latin typeface="微軟正黑體" panose="020B0604030504040204" pitchFamily="34" charset="-120"/>
+                          <a:ea typeface="微軟正黑體" panose="020B0604030504040204" pitchFamily="34" charset="-120"/>
+                        </a:rPr>
+                        <a:t>買賣、繼承、贈與</a:t>
+                      </a:r>
+                      <a:r>
+                        <a:rPr lang="en-US" altLang="zh-TW" sz="1200" dirty="0" smtClean="0">
+                          <a:latin typeface="微軟正黑體" panose="020B0604030504040204" pitchFamily="34" charset="-120"/>
+                          <a:ea typeface="微軟正黑體" panose="020B0604030504040204" pitchFamily="34" charset="-120"/>
+                        </a:rPr>
+                        <a:t>)</a:t>
                       </a:r>
                       <a:endParaRPr lang="zh-TW" altLang="en-US" sz="1200" dirty="0">
                         <a:latin typeface="微軟正黑體" panose="020B0604030504040204" pitchFamily="34" charset="-120"/>
@@ -19143,8 +19247,40 @@
                           <a:latin typeface="微軟正黑體" panose="020B0604030504040204" pitchFamily="34" charset="-120"/>
                           <a:ea typeface="微軟正黑體" panose="020B0604030504040204" pitchFamily="34" charset="-120"/>
                         </a:rPr>
-                        <a:t>結構材料</a:t>
+                        <a:t>結構</a:t>
                       </a:r>
+                      <a:r>
+                        <a:rPr lang="zh-TW" altLang="en-US" sz="1200" dirty="0" smtClean="0">
+                          <a:latin typeface="微軟正黑體" panose="020B0604030504040204" pitchFamily="34" charset="-120"/>
+                          <a:ea typeface="微軟正黑體" panose="020B0604030504040204" pitchFamily="34" charset="-120"/>
+                        </a:rPr>
+                        <a:t>材料</a:t>
+                      </a:r>
+                      <a:r>
+                        <a:rPr lang="en-US" altLang="zh-TW" sz="1200" dirty="0" smtClean="0">
+                          <a:latin typeface="微軟正黑體" panose="020B0604030504040204" pitchFamily="34" charset="-120"/>
+                          <a:ea typeface="微軟正黑體" panose="020B0604030504040204" pitchFamily="34" charset="-120"/>
+                        </a:rPr>
+                        <a:t>(</a:t>
+                      </a:r>
+                      <a:r>
+                        <a:rPr lang="zh-TW" altLang="en-US" sz="1200" dirty="0" smtClean="0">
+                          <a:latin typeface="微軟正黑體" panose="020B0604030504040204" pitchFamily="34" charset="-120"/>
+                          <a:ea typeface="微軟正黑體" panose="020B0604030504040204" pitchFamily="34" charset="-120"/>
+                        </a:rPr>
+                        <a:t>木造、鋼造</a:t>
+                      </a:r>
+                      <a:r>
+                        <a:rPr lang="en-US" altLang="zh-TW" sz="1200" dirty="0" smtClean="0">
+                          <a:latin typeface="微軟正黑體" panose="020B0604030504040204" pitchFamily="34" charset="-120"/>
+                          <a:ea typeface="微軟正黑體" panose="020B0604030504040204" pitchFamily="34" charset="-120"/>
+                        </a:rPr>
+                        <a:t>)</a:t>
+                      </a:r>
+                      <a:endParaRPr lang="zh-TW" altLang="en-US" sz="1200" dirty="0" smtClean="0">
+                        <a:latin typeface="微軟正黑體" panose="020B0604030504040204" pitchFamily="34" charset="-120"/>
+                        <a:ea typeface="微軟正黑體" panose="020B0604030504040204" pitchFamily="34" charset="-120"/>
+                      </a:endParaRPr>
                     </a:p>
                   </a:txBody>
                   <a:tcPr marL="91470" marR="91470" marT="45719" marB="45719"/>
@@ -19344,7 +19480,35 @@
                           <a:latin typeface="微軟正黑體" panose="020B0604030504040204" pitchFamily="34" charset="-120"/>
                           <a:ea typeface="微軟正黑體" panose="020B0604030504040204" pitchFamily="34" charset="-120"/>
                         </a:rPr>
-                        <a:t>使用狀況</a:t>
+                        <a:t>使用</a:t>
+                      </a:r>
+                      <a:r>
+                        <a:rPr lang="zh-TW" altLang="en-US" sz="1200" dirty="0" smtClean="0">
+                          <a:latin typeface="微軟正黑體" panose="020B0604030504040204" pitchFamily="34" charset="-120"/>
+                          <a:ea typeface="微軟正黑體" panose="020B0604030504040204" pitchFamily="34" charset="-120"/>
+                        </a:rPr>
+                        <a:t>狀況</a:t>
+                      </a:r>
+                      <a:r>
+                        <a:rPr lang="en-US" altLang="zh-TW" sz="1200" dirty="0" smtClean="0">
+                          <a:latin typeface="微軟正黑體" panose="020B0604030504040204" pitchFamily="34" charset="-120"/>
+                          <a:ea typeface="微軟正黑體" panose="020B0604030504040204" pitchFamily="34" charset="-120"/>
+                        </a:rPr>
+                        <a:t>(</a:t>
+                      </a:r>
+                      <a:r>
+                        <a:rPr lang="zh-TW" altLang="en-US" sz="1200" dirty="0" smtClean="0">
+                          <a:latin typeface="微軟正黑體" panose="020B0604030504040204" pitchFamily="34" charset="-120"/>
+                          <a:ea typeface="微軟正黑體" panose="020B0604030504040204" pitchFamily="34" charset="-120"/>
+                        </a:rPr>
+                        <a:t>自住、投資</a:t>
+                      </a:r>
+                      <a:r>
+                        <a:rPr lang="en-US" altLang="zh-TW" sz="1200" dirty="0" smtClean="0">
+                          <a:latin typeface="微軟正黑體" panose="020B0604030504040204" pitchFamily="34" charset="-120"/>
+                          <a:ea typeface="微軟正黑體" panose="020B0604030504040204" pitchFamily="34" charset="-120"/>
+                        </a:rPr>
+                        <a:t>)</a:t>
                       </a:r>
                       <a:endParaRPr lang="zh-TW" altLang="en-US" sz="1200" dirty="0">
                         <a:latin typeface="微軟正黑體" panose="020B0604030504040204" pitchFamily="34" charset="-120"/>
@@ -19421,14 +19585,14 @@
           <p:nvPr>
             <p:extLst>
               <p:ext uri="{D42A27DB-BD31-4B8C-83A1-F6EECF244321}">
-                <p14:modId xmlns:p14="http://schemas.microsoft.com/office/powerpoint/2010/main" val="1500933976"/>
+                <p14:modId xmlns:p14="http://schemas.microsoft.com/office/powerpoint/2010/main" val="2538078479"/>
               </p:ext>
             </p:extLst>
           </p:nvPr>
         </p:nvGraphicFramePr>
         <p:xfrm>
           <a:off x="4623991" y="1604961"/>
-          <a:ext cx="3673475" cy="3913066"/>
+          <a:ext cx="3673475" cy="4012711"/>
         </p:xfrm>
         <a:graphic>
           <a:graphicData uri="http://schemas.openxmlformats.org/drawingml/2006/table">
@@ -19691,7 +19855,35 @@
                           <a:latin typeface="微軟正黑體" panose="020B0604030504040204" pitchFamily="34" charset="-120"/>
                           <a:ea typeface="微軟正黑體" panose="020B0604030504040204" pitchFamily="34" charset="-120"/>
                         </a:rPr>
-                        <a:t>都市別</a:t>
+                        <a:t>都市</a:t>
+                      </a:r>
+                      <a:r>
+                        <a:rPr lang="zh-TW" altLang="en-US" sz="1200" dirty="0" smtClean="0">
+                          <a:latin typeface="微軟正黑體" panose="020B0604030504040204" pitchFamily="34" charset="-120"/>
+                          <a:ea typeface="微軟正黑體" panose="020B0604030504040204" pitchFamily="34" charset="-120"/>
+                        </a:rPr>
+                        <a:t>別</a:t>
+                      </a:r>
+                      <a:r>
+                        <a:rPr lang="en-US" altLang="zh-TW" sz="1200" dirty="0" smtClean="0">
+                          <a:latin typeface="微軟正黑體" panose="020B0604030504040204" pitchFamily="34" charset="-120"/>
+                          <a:ea typeface="微軟正黑體" panose="020B0604030504040204" pitchFamily="34" charset="-120"/>
+                        </a:rPr>
+                        <a:t>(</a:t>
+                      </a:r>
+                      <a:r>
+                        <a:rPr lang="zh-TW" altLang="en-US" sz="1200" dirty="0" smtClean="0">
+                          <a:latin typeface="微軟正黑體" panose="020B0604030504040204" pitchFamily="34" charset="-120"/>
+                          <a:ea typeface="微軟正黑體" panose="020B0604030504040204" pitchFamily="34" charset="-120"/>
+                        </a:rPr>
+                        <a:t>台北市、新北市、高雄市</a:t>
+                      </a:r>
+                      <a:r>
+                        <a:rPr lang="en-US" altLang="zh-TW" sz="1200" dirty="0" smtClean="0">
+                          <a:latin typeface="微軟正黑體" panose="020B0604030504040204" pitchFamily="34" charset="-120"/>
+                          <a:ea typeface="微軟正黑體" panose="020B0604030504040204" pitchFamily="34" charset="-120"/>
+                        </a:rPr>
+                        <a:t>)</a:t>
                       </a:r>
                       <a:endParaRPr lang="zh-TW" altLang="en-US" sz="1200" dirty="0">
                         <a:latin typeface="微軟正黑體" panose="020B0604030504040204" pitchFamily="34" charset="-120"/>
@@ -19752,7 +19944,35 @@
                           <a:latin typeface="微軟正黑體" panose="020B0604030504040204" pitchFamily="34" charset="-120"/>
                           <a:ea typeface="微軟正黑體" panose="020B0604030504040204" pitchFamily="34" charset="-120"/>
                         </a:rPr>
-                        <a:t>地區別</a:t>
+                        <a:t>地區</a:t>
+                      </a:r>
+                      <a:r>
+                        <a:rPr lang="zh-TW" altLang="en-US" sz="1200" dirty="0" smtClean="0">
+                          <a:latin typeface="微軟正黑體" panose="020B0604030504040204" pitchFamily="34" charset="-120"/>
+                          <a:ea typeface="微軟正黑體" panose="020B0604030504040204" pitchFamily="34" charset="-120"/>
+                        </a:rPr>
+                        <a:t>別</a:t>
+                      </a:r>
+                      <a:r>
+                        <a:rPr lang="en-US" altLang="zh-TW" sz="1200" dirty="0" smtClean="0">
+                          <a:latin typeface="微軟正黑體" panose="020B0604030504040204" pitchFamily="34" charset="-120"/>
+                          <a:ea typeface="微軟正黑體" panose="020B0604030504040204" pitchFamily="34" charset="-120"/>
+                        </a:rPr>
+                        <a:t>(</a:t>
+                      </a:r>
+                      <a:r>
+                        <a:rPr lang="zh-TW" altLang="en-US" sz="1200" dirty="0" smtClean="0">
+                          <a:latin typeface="微軟正黑體" panose="020B0604030504040204" pitchFamily="34" charset="-120"/>
+                          <a:ea typeface="微軟正黑體" panose="020B0604030504040204" pitchFamily="34" charset="-120"/>
+                        </a:rPr>
+                        <a:t>松山區、大安區</a:t>
+                      </a:r>
+                      <a:r>
+                        <a:rPr lang="en-US" altLang="zh-TW" sz="1200" dirty="0" smtClean="0">
+                          <a:latin typeface="微軟正黑體" panose="020B0604030504040204" pitchFamily="34" charset="-120"/>
+                          <a:ea typeface="微軟正黑體" panose="020B0604030504040204" pitchFamily="34" charset="-120"/>
+                        </a:rPr>
+                        <a:t>)</a:t>
                       </a:r>
                       <a:endParaRPr lang="zh-TW" altLang="en-US" sz="1200" dirty="0">
                         <a:latin typeface="微軟正黑體" panose="020B0604030504040204" pitchFamily="34" charset="-120"/>
@@ -22309,7 +22529,47 @@
                   <a:schemeClr val="tx1"/>
                 </a:solidFill>
               </a:rPr>
-              <a:t>建立模型</a:t>
+              <a:t>建立</a:t>
+            </a:r>
+            <a:r>
+              <a:rPr lang="zh-TW" altLang="en-US" sz="2800" b="1" dirty="0">
+                <a:solidFill>
+                  <a:schemeClr val="tx1"/>
+                </a:solidFill>
+              </a:rPr>
+              <a:t>與</a:t>
+            </a:r>
+            <a:r>
+              <a:rPr lang="zh-TW" altLang="en-US" sz="2800" b="1" dirty="0" smtClean="0">
+                <a:solidFill>
+                  <a:schemeClr val="tx1"/>
+                </a:solidFill>
+              </a:rPr>
+              <a:t>分</a:t>
+            </a:r>
+            <a:r>
+              <a:rPr lang="zh-TW" altLang="en-US" sz="2800" b="1" dirty="0">
+                <a:solidFill>
+                  <a:schemeClr val="tx1"/>
+                </a:solidFill>
+              </a:rPr>
+              <a:t>析</a:t>
+            </a:r>
+            <a:r>
+              <a:rPr lang="zh-TW" altLang="en-US" sz="2800" b="1" dirty="0" smtClean="0">
+                <a:solidFill>
+                  <a:schemeClr val="tx1"/>
+                </a:solidFill>
+              </a:rPr>
+              <a:t>模型</a:t>
+            </a:r>
+            <a:r>
+              <a:rPr lang="en-US" altLang="zh-TW" sz="2800" b="1" dirty="0" smtClean="0">
+                <a:solidFill>
+                  <a:schemeClr val="tx1"/>
+                </a:solidFill>
+              </a:rPr>
+              <a:t>-1</a:t>
             </a:r>
             <a:endParaRPr lang="zh-TW" altLang="en-US" sz="2800" b="1" dirty="0">
               <a:solidFill>
@@ -22426,7 +22686,6 @@
               <a:rPr lang="en-US" altLang="zh-TW" sz="1600" dirty="0" smtClean="0"/>
               <a:t>)</a:t>
             </a:r>
-            <a:endParaRPr lang="en-US" altLang="zh-TW" sz="1600" dirty="0" smtClean="0"/>
           </a:p>
           <a:p>
             <a:pPr lvl="1"/>
@@ -22563,7 +22822,7 @@
               <a:t>放款資料</a:t>
             </a:r>
             <a:r>
-              <a:rPr lang="en-US" altLang="zh-TW" sz="2800" b="1" dirty="0">
+              <a:rPr lang="en-US" altLang="zh-TW" sz="2800" b="1" dirty="0" smtClean="0">
                 <a:solidFill>
                   <a:schemeClr val="tx1"/>
                 </a:solidFill>
@@ -22576,7 +22835,7 @@
                   <a:schemeClr val="tx1"/>
                 </a:solidFill>
               </a:rPr>
-              <a:t>換模</a:t>
+              <a:t>建立</a:t>
             </a:r>
             <a:r>
               <a:rPr lang="zh-TW" altLang="en-US" sz="2800" b="1" dirty="0">
@@ -22584,8 +22843,29 @@
                   <a:schemeClr val="tx1"/>
                 </a:solidFill>
               </a:rPr>
-              <a:t>型</a:t>
-            </a:r>
+              <a:t>與分析</a:t>
+            </a:r>
+            <a:r>
+              <a:rPr lang="zh-TW" altLang="en-US" sz="2800" b="1" dirty="0" smtClean="0">
+                <a:solidFill>
+                  <a:schemeClr val="tx1"/>
+                </a:solidFill>
+              </a:rPr>
+              <a:t>模型</a:t>
+            </a:r>
+            <a:r>
+              <a:rPr lang="en-US" altLang="zh-TW" sz="2800" b="1" dirty="0" smtClean="0">
+                <a:solidFill>
+                  <a:schemeClr val="tx1"/>
+                </a:solidFill>
+              </a:rPr>
+              <a:t>-2</a:t>
+            </a:r>
+            <a:endParaRPr lang="zh-TW" altLang="en-US" sz="2800" b="1" dirty="0">
+              <a:solidFill>
+                <a:schemeClr val="tx1"/>
+              </a:solidFill>
+            </a:endParaRPr>
           </a:p>
         </p:txBody>
       </p:sp>
@@ -22694,7 +22974,6 @@
               <a:rPr lang="en-US" altLang="zh-TW" sz="1600" dirty="0" smtClean="0"/>
               <a:t>)</a:t>
             </a:r>
-            <a:endParaRPr lang="en-US" altLang="zh-TW" sz="1600" dirty="0" smtClean="0"/>
           </a:p>
           <a:p>
             <a:pPr lvl="1"/>
@@ -22980,7 +23259,6 @@
               <a:rPr lang="en-US" altLang="zh-TW" sz="1600" dirty="0" smtClean="0"/>
               <a:t>)</a:t>
             </a:r>
-            <a:endParaRPr lang="en-US" altLang="zh-TW" sz="1600" dirty="0" smtClean="0"/>
           </a:p>
           <a:p>
             <a:pPr lvl="1"/>
@@ -23133,7 +23411,7 @@
       </p:grpSpPr>
       <p:sp>
         <p:nvSpPr>
-          <p:cNvPr id="68610" name="內容版面配置區 5"/>
+          <p:cNvPr id="204803" name="內容版面配置區 5"/>
           <p:cNvSpPr>
             <a:spLocks noGrp="1"/>
           </p:cNvSpPr>
@@ -23143,13 +23421,12 @@
         </p:nvSpPr>
         <p:spPr bwMode="auto">
           <a:xfrm>
-            <a:off x="1187450" y="1557338"/>
-            <a:ext cx="6559550" cy="3546475"/>
+            <a:off x="3059832" y="765498"/>
+            <a:ext cx="6559550" cy="4392612"/>
           </a:xfrm>
           <a:prstGeom prst="rect">
             <a:avLst/>
           </a:prstGeom>
-          <a:noFill/>
           <a:extLst>
             <a:ext uri="{909E8E84-426E-40DD-AFC4-6F175D3DCCD1}">
               <a14:hiddenFill xmlns:a14="http://schemas.microsoft.com/office/drawing/2010/main">
@@ -23174,7 +23451,7 @@
           <a:bodyPr lIns="76782" tIns="38391" rIns="76782" bIns="38391" anchor="ctr"/>
           <a:lstStyle/>
           <a:p>
-            <a:pPr marL="0" indent="0" algn="ctr">
+            <a:pPr marL="0" indent="0">
               <a:lnSpc>
                 <a:spcPct val="150000"/>
               </a:lnSpc>
@@ -23182,21 +23459,77 @@
                 <a:spcPct val="0"/>
               </a:spcBef>
               <a:spcAft>
-                <a:spcPts val="500"/>
+                <a:spcPts val="504"/>
               </a:spcAft>
               <a:buFontTx/>
               <a:buNone/>
+              <a:defRPr/>
             </a:pPr>
             <a:r>
               <a:rPr lang="zh-TW" altLang="en-US" sz="3600" b="1" dirty="0" smtClean="0"/>
               <a:t>結論分析</a:t>
             </a:r>
+            <a:endParaRPr lang="en-US" altLang="zh-TW" sz="3600" b="1" dirty="0" smtClean="0"/>
+          </a:p>
+          <a:p>
+            <a:pPr marL="287933" indent="-287933">
+              <a:lnSpc>
+                <a:spcPct val="150000"/>
+              </a:lnSpc>
+              <a:spcBef>
+                <a:spcPct val="0"/>
+              </a:spcBef>
+              <a:spcAft>
+                <a:spcPts val="504"/>
+              </a:spcAft>
+              <a:buFont typeface="Wingdings" panose="05000000000000000000" pitchFamily="2" charset="2"/>
+              <a:buChar char="Ø"/>
+              <a:defRPr/>
+            </a:pPr>
+            <a:r>
+              <a:rPr lang="zh-TW" altLang="en-US" dirty="0"/>
+              <a:t>波士頓房價</a:t>
+            </a:r>
+            <a:r>
+              <a:rPr lang="en-US" altLang="zh-TW" dirty="0"/>
+              <a:t>vs</a:t>
+            </a:r>
+            <a:r>
+              <a:rPr lang="zh-TW" altLang="en-US" dirty="0"/>
+              <a:t>放款</a:t>
+            </a:r>
+            <a:r>
+              <a:rPr lang="zh-TW" altLang="en-US" dirty="0" smtClean="0"/>
+              <a:t>資料</a:t>
+            </a:r>
+            <a:endParaRPr lang="en-US" altLang="zh-TW" dirty="0" smtClean="0"/>
+          </a:p>
+          <a:p>
+            <a:pPr marL="287933" indent="-287933">
+              <a:lnSpc>
+                <a:spcPct val="150000"/>
+              </a:lnSpc>
+              <a:spcBef>
+                <a:spcPct val="0"/>
+              </a:spcBef>
+              <a:spcAft>
+                <a:spcPts val="504"/>
+              </a:spcAft>
+              <a:buFont typeface="Wingdings" panose="05000000000000000000" pitchFamily="2" charset="2"/>
+              <a:buChar char="Ø"/>
+              <a:defRPr/>
+            </a:pPr>
+            <a:r>
+              <a:rPr lang="zh-TW" altLang="en-US" dirty="0" smtClean="0"/>
+              <a:t>總結</a:t>
+            </a:r>
+            <a:endParaRPr lang="en-US" altLang="zh-TW" dirty="0" smtClean="0"/>
           </a:p>
         </p:txBody>
       </p:sp>
       <p:sp>
         <p:nvSpPr>
-          <p:cNvPr id="68611" name="頁尾版面配置區 1"/>
+          <p:cNvPr id="31747" name="頁尾版面配置區 1"/>
           <p:cNvSpPr>
             <a:spLocks noGrp="1"/>
           </p:cNvSpPr>
@@ -23411,7 +23744,7 @@
     </p:spTree>
     <p:extLst>
       <p:ext uri="{BB962C8B-B14F-4D97-AF65-F5344CB8AC3E}">
-        <p14:creationId xmlns:p14="http://schemas.microsoft.com/office/powerpoint/2010/main" val="3630835103"/>
+        <p14:creationId xmlns:p14="http://schemas.microsoft.com/office/powerpoint/2010/main" val="2164766827"/>
       </p:ext>
     </p:extLst>
   </p:cSld>
@@ -24420,9 +24753,10 @@
           <a:p>
             <a:pPr algn="ctr"/>
             <a:r>
-              <a:rPr lang="zh-TW" altLang="en-US" b="1" dirty="0"/>
-              <a:t>結論分析</a:t>
-            </a:r>
+              <a:rPr lang="zh-TW" altLang="en-US" b="1" dirty="0" smtClean="0"/>
+              <a:t>總結</a:t>
+            </a:r>
+            <a:endParaRPr lang="zh-TW" altLang="en-US" b="1" dirty="0"/>
           </a:p>
         </p:txBody>
       </p:sp>
@@ -35689,21 +36023,6 @@
 </file>
 
 <file path=customXml/item1.xml><?xml version="1.0" encoding="utf-8"?>
-<p:properties xmlns:p="http://schemas.microsoft.com/office/2006/metadata/properties" xmlns:xsi="http://www.w3.org/2001/XMLSchema-instance" xmlns:pc="http://schemas.microsoft.com/office/infopath/2007/PartnerControls">
-  <documentManagement/>
-</p:properties>
-</file>
-
-<file path=customXml/item2.xml><?xml version="1.0" encoding="utf-8"?>
-<?mso-contentType ?>
-<FormTemplates xmlns="http://schemas.microsoft.com/sharepoint/v3/contenttype/forms">
-  <Display>DocumentLibraryForm</Display>
-  <Edit>DocumentLibraryForm</Edit>
-  <New>DocumentLibraryForm</New>
-</FormTemplates>
-</file>
-
-<file path=customXml/item3.xml><?xml version="1.0" encoding="utf-8"?>
 <ct:contentTypeSchema xmlns:ct="http://schemas.microsoft.com/office/2006/metadata/contentType" xmlns:ma="http://schemas.microsoft.com/office/2006/metadata/properties/metaAttributes" ct:_="" ma:_="" ma:contentTypeName="文件" ma:contentTypeID="0x0101002F834950E6E8EC4987003F88DFC9B5CE" ma:contentTypeVersion="" ma:contentTypeDescription="建立新的文件。" ma:contentTypeScope="" ma:versionID="f8649297cceefdfdcd508960509e4249">
   <xsd:schema xmlns:xsd="http://www.w3.org/2001/XMLSchema" xmlns:xs="http://www.w3.org/2001/XMLSchema" xmlns:p="http://schemas.microsoft.com/office/2006/metadata/properties" targetNamespace="http://schemas.microsoft.com/office/2006/metadata/properties" ma:root="true" ma:fieldsID="684b3c36135c6fbac31a56fab451a81a">
     <xsd:element name="properties">
@@ -35817,17 +36136,33 @@
 </ct:contentTypeSchema>
 </file>
 
+<file path=customXml/item2.xml><?xml version="1.0" encoding="utf-8"?>
+<?mso-contentType ?>
+<FormTemplates xmlns="http://schemas.microsoft.com/sharepoint/v3/contenttype/forms">
+  <Display>DocumentLibraryForm</Display>
+  <Edit>DocumentLibraryForm</Edit>
+  <New>DocumentLibraryForm</New>
+</FormTemplates>
+</file>
+
+<file path=customXml/item3.xml><?xml version="1.0" encoding="utf-8"?>
+<p:properties xmlns:p="http://schemas.microsoft.com/office/2006/metadata/properties" xmlns:xsi="http://www.w3.org/2001/XMLSchema-instance" xmlns:pc="http://schemas.microsoft.com/office/infopath/2007/PartnerControls">
+  <documentManagement/>
+</p:properties>
+</file>
+
 <file path=customXml/itemProps1.xml><?xml version="1.0" encoding="utf-8"?>
-<ds:datastoreItem xmlns:ds="http://schemas.openxmlformats.org/officeDocument/2006/customXml" ds:itemID="{2644028D-06C8-4BE5-961F-162173EF2CF0}">
+<ds:datastoreItem xmlns:ds="http://schemas.openxmlformats.org/officeDocument/2006/customXml" ds:itemID="{DAA5427F-1FCE-4ABC-BDEE-5B390CA5416C}">
   <ds:schemaRefs>
-    <ds:schemaRef ds:uri="http://schemas.microsoft.com/office/2006/documentManagement/types"/>
-    <ds:schemaRef ds:uri="http://purl.org/dc/dcmitype/"/>
+    <ds:schemaRef ds:uri="http://schemas.microsoft.com/office/2006/metadata/contentType"/>
+    <ds:schemaRef ds:uri="http://schemas.microsoft.com/office/2006/metadata/properties/metaAttributes"/>
+    <ds:schemaRef ds:uri="http://www.w3.org/2001/XMLSchema"/>
+    <ds:schemaRef ds:uri="http://schemas.microsoft.com/office/2006/metadata/properties"/>
+    <ds:schemaRef ds:uri="http://schemas.openxmlformats.org/package/2006/metadata/core-properties"/>
+    <ds:schemaRef ds:uri="http://purl.org/dc/elements/1.1/"/>
     <ds:schemaRef ds:uri="http://purl.org/dc/terms/"/>
-    <ds:schemaRef ds:uri="http://purl.org/dc/elements/1.1/"/>
-    <ds:schemaRef ds:uri="http://www.w3.org/XML/1998/namespace"/>
-    <ds:schemaRef ds:uri="http://schemas.microsoft.com/office/2006/metadata/properties"/>
+    <ds:schemaRef ds:uri="http://schemas.microsoft.com/internal/obd"/>
     <ds:schemaRef ds:uri="http://schemas.microsoft.com/office/infopath/2007/PartnerControls"/>
-    <ds:schemaRef ds:uri="http://schemas.openxmlformats.org/package/2006/metadata/core-properties"/>
   </ds:schemaRefs>
 </ds:datastoreItem>
 </file>
@@ -35841,17 +36176,16 @@
 </file>
 
 <file path=customXml/itemProps3.xml><?xml version="1.0" encoding="utf-8"?>
-<ds:datastoreItem xmlns:ds="http://schemas.openxmlformats.org/officeDocument/2006/customXml" ds:itemID="{DAA5427F-1FCE-4ABC-BDEE-5B390CA5416C}">
+<ds:datastoreItem xmlns:ds="http://schemas.openxmlformats.org/officeDocument/2006/customXml" ds:itemID="{2644028D-06C8-4BE5-961F-162173EF2CF0}">
   <ds:schemaRefs>
-    <ds:schemaRef ds:uri="http://schemas.microsoft.com/office/2006/metadata/contentType"/>
-    <ds:schemaRef ds:uri="http://schemas.microsoft.com/office/2006/metadata/properties/metaAttributes"/>
-    <ds:schemaRef ds:uri="http://www.w3.org/2001/XMLSchema"/>
+    <ds:schemaRef ds:uri="http://schemas.microsoft.com/office/2006/documentManagement/types"/>
+    <ds:schemaRef ds:uri="http://purl.org/dc/dcmitype/"/>
+    <ds:schemaRef ds:uri="http://purl.org/dc/terms/"/>
+    <ds:schemaRef ds:uri="http://purl.org/dc/elements/1.1/"/>
+    <ds:schemaRef ds:uri="http://www.w3.org/XML/1998/namespace"/>
     <ds:schemaRef ds:uri="http://schemas.microsoft.com/office/2006/metadata/properties"/>
+    <ds:schemaRef ds:uri="http://schemas.microsoft.com/office/infopath/2007/PartnerControls"/>
     <ds:schemaRef ds:uri="http://schemas.openxmlformats.org/package/2006/metadata/core-properties"/>
-    <ds:schemaRef ds:uri="http://purl.org/dc/elements/1.1/"/>
-    <ds:schemaRef ds:uri="http://purl.org/dc/terms/"/>
-    <ds:schemaRef ds:uri="http://schemas.microsoft.com/internal/obd"/>
-    <ds:schemaRef ds:uri="http://schemas.microsoft.com/office/infopath/2007/PartnerControls"/>
   </ds:schemaRefs>
 </ds:datastoreItem>
 </file>
--- a/AI_Report/AI應用-不動產價格預測.pptx
+++ b/AI_Report/AI應用-不動產價格預測.pptx
@@ -12034,11 +12034,7 @@
             </a:pPr>
             <a:r>
               <a:rPr lang="zh-TW" altLang="en-US" sz="2200" dirty="0" smtClean="0"/>
-              <a:t>結論</a:t>
-            </a:r>
-            <a:r>
-              <a:rPr lang="zh-TW" altLang="en-US" sz="2200" dirty="0" smtClean="0"/>
-              <a:t>分析</a:t>
+              <a:t>結論分析</a:t>
             </a:r>
             <a:endParaRPr lang="en-US" altLang="zh-TW" sz="2200" dirty="0" smtClean="0"/>
           </a:p>
@@ -14947,32 +14943,39 @@
           <a:p>
             <a:pPr lvl="2"/>
             <a:r>
-              <a:rPr lang="zh-TW" altLang="en-US" sz="2000" dirty="0" smtClean="0">
+              <a:rPr lang="zh-TW" altLang="en-US" sz="2000" dirty="0">
                 <a:latin typeface="微軟正黑體" panose="020B0604030504040204" pitchFamily="34" charset="-120"/>
                 <a:ea typeface="微軟正黑體" panose="020B0604030504040204" pitchFamily="34" charset="-120"/>
               </a:rPr>
-              <a:t>數字補</a:t>
-            </a:r>
-            <a:r>
-              <a:rPr lang="en-US" altLang="zh-TW" sz="2000" dirty="0">
+              <a:t>數字平均值寫入</a:t>
+            </a:r>
+            <a:endParaRPr lang="en-US" altLang="zh-TW" sz="2000" dirty="0">
+              <a:latin typeface="微軟正黑體" panose="020B0604030504040204" pitchFamily="34" charset="-120"/>
+              <a:ea typeface="微軟正黑體" panose="020B0604030504040204" pitchFamily="34" charset="-120"/>
+            </a:endParaRPr>
+          </a:p>
+          <a:p>
+            <a:pPr lvl="2"/>
+            <a:r>
+              <a:rPr lang="zh-TW" altLang="en-US" sz="2000" dirty="0">
                 <a:latin typeface="微軟正黑體" panose="020B0604030504040204" pitchFamily="34" charset="-120"/>
                 <a:ea typeface="微軟正黑體" panose="020B0604030504040204" pitchFamily="34" charset="-120"/>
               </a:rPr>
-              <a:t>0</a:t>
-            </a:r>
-            <a:endParaRPr lang="en-US" altLang="zh-TW" sz="2000" dirty="0" smtClean="0">
-              <a:latin typeface="微軟正黑體" panose="020B0604030504040204" pitchFamily="34" charset="-120"/>
-              <a:ea typeface="微軟正黑體" panose="020B0604030504040204" pitchFamily="34" charset="-120"/>
-            </a:endParaRPr>
-          </a:p>
-          <a:p>
-            <a:pPr lvl="2"/>
-            <a:r>
-              <a:rPr lang="zh-TW" altLang="en-US" sz="2000" dirty="0" smtClean="0">
+              <a:t>字串以最常出現的字</a:t>
+            </a:r>
+            <a:r>
+              <a:rPr lang="zh-TW" altLang="en-US" sz="2000">
                 <a:latin typeface="微軟正黑體" panose="020B0604030504040204" pitchFamily="34" charset="-120"/>
                 <a:ea typeface="微軟正黑體" panose="020B0604030504040204" pitchFamily="34" charset="-120"/>
               </a:rPr>
-              <a:t>字串以最常出現的字回寫</a:t>
+              <a:t>回</a:t>
+            </a:r>
+            <a:r>
+              <a:rPr lang="zh-TW" altLang="en-US" sz="2000" smtClean="0">
+                <a:latin typeface="微軟正黑體" panose="020B0604030504040204" pitchFamily="34" charset="-120"/>
+                <a:ea typeface="微軟正黑體" panose="020B0604030504040204" pitchFamily="34" charset="-120"/>
+              </a:rPr>
+              <a:t>寫</a:t>
             </a:r>
             <a:endParaRPr lang="en-US" altLang="zh-TW" sz="2000" dirty="0" smtClean="0">
               <a:latin typeface="微軟正黑體" panose="020B0604030504040204" pitchFamily="34" charset="-120"/>
@@ -15221,11 +15224,7 @@
             </a:r>
             <a:r>
               <a:rPr lang="zh-TW" altLang="en-US" dirty="0" smtClean="0"/>
-              <a:t>越</a:t>
-            </a:r>
-            <a:r>
-              <a:rPr lang="zh-TW" altLang="en-US" dirty="0" smtClean="0"/>
-              <a:t>高。</a:t>
+              <a:t>越高。</a:t>
             </a:r>
             <a:endParaRPr lang="zh-TW" altLang="en-US" dirty="0"/>
           </a:p>
@@ -19152,14 +19151,7 @@
                           <a:latin typeface="微軟正黑體" panose="020B0604030504040204" pitchFamily="34" charset="-120"/>
                           <a:ea typeface="微軟正黑體" panose="020B0604030504040204" pitchFamily="34" charset="-120"/>
                         </a:rPr>
-                        <a:t>登記</a:t>
-                      </a:r>
-                      <a:r>
-                        <a:rPr lang="zh-TW" altLang="en-US" sz="1200" dirty="0" smtClean="0">
-                          <a:latin typeface="微軟正黑體" panose="020B0604030504040204" pitchFamily="34" charset="-120"/>
-                          <a:ea typeface="微軟正黑體" panose="020B0604030504040204" pitchFamily="34" charset="-120"/>
-                        </a:rPr>
-                        <a:t>原因</a:t>
+                        <a:t>登記原因</a:t>
                       </a:r>
                       <a:r>
                         <a:rPr lang="en-US" altLang="zh-TW" sz="1200" dirty="0" smtClean="0">
@@ -19247,14 +19239,7 @@
                           <a:latin typeface="微軟正黑體" panose="020B0604030504040204" pitchFamily="34" charset="-120"/>
                           <a:ea typeface="微軟正黑體" panose="020B0604030504040204" pitchFamily="34" charset="-120"/>
                         </a:rPr>
-                        <a:t>結構</a:t>
-                      </a:r>
-                      <a:r>
-                        <a:rPr lang="zh-TW" altLang="en-US" sz="1200" dirty="0" smtClean="0">
-                          <a:latin typeface="微軟正黑體" panose="020B0604030504040204" pitchFamily="34" charset="-120"/>
-                          <a:ea typeface="微軟正黑體" panose="020B0604030504040204" pitchFamily="34" charset="-120"/>
-                        </a:rPr>
-                        <a:t>材料</a:t>
+                        <a:t>結構材料</a:t>
                       </a:r>
                       <a:r>
                         <a:rPr lang="en-US" altLang="zh-TW" sz="1200" dirty="0" smtClean="0">
@@ -19480,14 +19465,7 @@
                           <a:latin typeface="微軟正黑體" panose="020B0604030504040204" pitchFamily="34" charset="-120"/>
                           <a:ea typeface="微軟正黑體" panose="020B0604030504040204" pitchFamily="34" charset="-120"/>
                         </a:rPr>
-                        <a:t>使用</a:t>
-                      </a:r>
-                      <a:r>
-                        <a:rPr lang="zh-TW" altLang="en-US" sz="1200" dirty="0" smtClean="0">
-                          <a:latin typeface="微軟正黑體" panose="020B0604030504040204" pitchFamily="34" charset="-120"/>
-                          <a:ea typeface="微軟正黑體" panose="020B0604030504040204" pitchFamily="34" charset="-120"/>
-                        </a:rPr>
-                        <a:t>狀況</a:t>
+                        <a:t>使用狀況</a:t>
                       </a:r>
                       <a:r>
                         <a:rPr lang="en-US" altLang="zh-TW" sz="1200" dirty="0" smtClean="0">
@@ -19855,14 +19833,7 @@
                           <a:latin typeface="微軟正黑體" panose="020B0604030504040204" pitchFamily="34" charset="-120"/>
                           <a:ea typeface="微軟正黑體" panose="020B0604030504040204" pitchFamily="34" charset="-120"/>
                         </a:rPr>
-                        <a:t>都市</a:t>
-                      </a:r>
-                      <a:r>
-                        <a:rPr lang="zh-TW" altLang="en-US" sz="1200" dirty="0" smtClean="0">
-                          <a:latin typeface="微軟正黑體" panose="020B0604030504040204" pitchFamily="34" charset="-120"/>
-                          <a:ea typeface="微軟正黑體" panose="020B0604030504040204" pitchFamily="34" charset="-120"/>
-                        </a:rPr>
-                        <a:t>別</a:t>
+                        <a:t>都市別</a:t>
                       </a:r>
                       <a:r>
                         <a:rPr lang="en-US" altLang="zh-TW" sz="1200" dirty="0" smtClean="0">
@@ -19944,14 +19915,7 @@
                           <a:latin typeface="微軟正黑體" panose="020B0604030504040204" pitchFamily="34" charset="-120"/>
                           <a:ea typeface="微軟正黑體" panose="020B0604030504040204" pitchFamily="34" charset="-120"/>
                         </a:rPr>
-                        <a:t>地區</a:t>
-                      </a:r>
-                      <a:r>
-                        <a:rPr lang="zh-TW" altLang="en-US" sz="1200" dirty="0" smtClean="0">
-                          <a:latin typeface="微軟正黑體" panose="020B0604030504040204" pitchFamily="34" charset="-120"/>
-                          <a:ea typeface="微軟正黑體" panose="020B0604030504040204" pitchFamily="34" charset="-120"/>
-                        </a:rPr>
-                        <a:t>別</a:t>
+                        <a:t>地區別</a:t>
                       </a:r>
                       <a:r>
                         <a:rPr lang="en-US" altLang="zh-TW" sz="1200" dirty="0" smtClean="0">
@@ -20656,14 +20620,7 @@
                 <a:latin typeface="微軟正黑體" panose="020B0604030504040204" pitchFamily="34" charset="-120"/>
                 <a:ea typeface="微軟正黑體" panose="020B0604030504040204" pitchFamily="34" charset="-120"/>
               </a:rPr>
-              <a:t>數字補</a:t>
-            </a:r>
-            <a:r>
-              <a:rPr lang="en-US" altLang="zh-TW" dirty="0">
-                <a:latin typeface="微軟正黑體" panose="020B0604030504040204" pitchFamily="34" charset="-120"/>
-                <a:ea typeface="微軟正黑體" panose="020B0604030504040204" pitchFamily="34" charset="-120"/>
-              </a:rPr>
-              <a:t>0</a:t>
+              <a:t>數字平均值寫入</a:t>
             </a:r>
             <a:endParaRPr lang="en-US" altLang="zh-TW" dirty="0" smtClean="0">
               <a:latin typeface="微軟正黑體" panose="020B0604030504040204" pitchFamily="34" charset="-120"/>
@@ -20677,7 +20634,14 @@
                 <a:latin typeface="微軟正黑體" panose="020B0604030504040204" pitchFamily="34" charset="-120"/>
                 <a:ea typeface="微軟正黑體" panose="020B0604030504040204" pitchFamily="34" charset="-120"/>
               </a:rPr>
-              <a:t>字串以最常出現的字回寫</a:t>
+              <a:t>字串</a:t>
+            </a:r>
+            <a:r>
+              <a:rPr lang="zh-TW" altLang="en-US" dirty="0" smtClean="0">
+                <a:latin typeface="微軟正黑體" panose="020B0604030504040204" pitchFamily="34" charset="-120"/>
+                <a:ea typeface="微軟正黑體" panose="020B0604030504040204" pitchFamily="34" charset="-120"/>
+              </a:rPr>
+              <a:t>以最常出現的字回寫</a:t>
             </a:r>
             <a:endParaRPr lang="en-US" altLang="zh-TW" dirty="0" smtClean="0">
               <a:latin typeface="微軟正黑體" panose="020B0604030504040204" pitchFamily="34" charset="-120"/>
@@ -36023,6 +35987,21 @@
 </file>
 
 <file path=customXml/item1.xml><?xml version="1.0" encoding="utf-8"?>
+<p:properties xmlns:p="http://schemas.microsoft.com/office/2006/metadata/properties" xmlns:xsi="http://www.w3.org/2001/XMLSchema-instance" xmlns:pc="http://schemas.microsoft.com/office/infopath/2007/PartnerControls">
+  <documentManagement/>
+</p:properties>
+</file>
+
+<file path=customXml/item2.xml><?xml version="1.0" encoding="utf-8"?>
+<?mso-contentType ?>
+<FormTemplates xmlns="http://schemas.microsoft.com/sharepoint/v3/contenttype/forms">
+  <Display>DocumentLibraryForm</Display>
+  <Edit>DocumentLibraryForm</Edit>
+  <New>DocumentLibraryForm</New>
+</FormTemplates>
+</file>
+
+<file path=customXml/item3.xml><?xml version="1.0" encoding="utf-8"?>
 <ct:contentTypeSchema xmlns:ct="http://schemas.microsoft.com/office/2006/metadata/contentType" xmlns:ma="http://schemas.microsoft.com/office/2006/metadata/properties/metaAttributes" ct:_="" ma:_="" ma:contentTypeName="文件" ma:contentTypeID="0x0101002F834950E6E8EC4987003F88DFC9B5CE" ma:contentTypeVersion="" ma:contentTypeDescription="建立新的文件。" ma:contentTypeScope="" ma:versionID="f8649297cceefdfdcd508960509e4249">
   <xsd:schema xmlns:xsd="http://www.w3.org/2001/XMLSchema" xmlns:xs="http://www.w3.org/2001/XMLSchema" xmlns:p="http://schemas.microsoft.com/office/2006/metadata/properties" targetNamespace="http://schemas.microsoft.com/office/2006/metadata/properties" ma:root="true" ma:fieldsID="684b3c36135c6fbac31a56fab451a81a">
     <xsd:element name="properties">
@@ -36136,22 +36115,30 @@
 </ct:contentTypeSchema>
 </file>
 
-<file path=customXml/item2.xml><?xml version="1.0" encoding="utf-8"?>
-<?mso-contentType ?>
-<FormTemplates xmlns="http://schemas.microsoft.com/sharepoint/v3/contenttype/forms">
-  <Display>DocumentLibraryForm</Display>
-  <Edit>DocumentLibraryForm</Edit>
-  <New>DocumentLibraryForm</New>
-</FormTemplates>
+<file path=customXml/itemProps1.xml><?xml version="1.0" encoding="utf-8"?>
+<ds:datastoreItem xmlns:ds="http://schemas.openxmlformats.org/officeDocument/2006/customXml" ds:itemID="{2644028D-06C8-4BE5-961F-162173EF2CF0}">
+  <ds:schemaRefs>
+    <ds:schemaRef ds:uri="http://schemas.microsoft.com/office/2006/documentManagement/types"/>
+    <ds:schemaRef ds:uri="http://purl.org/dc/dcmitype/"/>
+    <ds:schemaRef ds:uri="http://purl.org/dc/terms/"/>
+    <ds:schemaRef ds:uri="http://purl.org/dc/elements/1.1/"/>
+    <ds:schemaRef ds:uri="http://www.w3.org/XML/1998/namespace"/>
+    <ds:schemaRef ds:uri="http://schemas.microsoft.com/office/2006/metadata/properties"/>
+    <ds:schemaRef ds:uri="http://schemas.microsoft.com/office/infopath/2007/PartnerControls"/>
+    <ds:schemaRef ds:uri="http://schemas.openxmlformats.org/package/2006/metadata/core-properties"/>
+  </ds:schemaRefs>
+</ds:datastoreItem>
 </file>
 
-<file path=customXml/item3.xml><?xml version="1.0" encoding="utf-8"?>
-<p:properties xmlns:p="http://schemas.microsoft.com/office/2006/metadata/properties" xmlns:xsi="http://www.w3.org/2001/XMLSchema-instance" xmlns:pc="http://schemas.microsoft.com/office/infopath/2007/PartnerControls">
-  <documentManagement/>
-</p:properties>
+<file path=customXml/itemProps2.xml><?xml version="1.0" encoding="utf-8"?>
+<ds:datastoreItem xmlns:ds="http://schemas.openxmlformats.org/officeDocument/2006/customXml" ds:itemID="{1A161D03-AEAF-454A-9930-BDD74521DECA}">
+  <ds:schemaRefs>
+    <ds:schemaRef ds:uri="http://schemas.microsoft.com/sharepoint/v3/contenttype/forms"/>
+  </ds:schemaRefs>
+</ds:datastoreItem>
 </file>
 
-<file path=customXml/itemProps1.xml><?xml version="1.0" encoding="utf-8"?>
+<file path=customXml/itemProps3.xml><?xml version="1.0" encoding="utf-8"?>
 <ds:datastoreItem xmlns:ds="http://schemas.openxmlformats.org/officeDocument/2006/customXml" ds:itemID="{DAA5427F-1FCE-4ABC-BDEE-5B390CA5416C}">
   <ds:schemaRefs>
     <ds:schemaRef ds:uri="http://schemas.microsoft.com/office/2006/metadata/contentType"/>
@@ -36165,27 +36152,4 @@
     <ds:schemaRef ds:uri="http://schemas.microsoft.com/office/infopath/2007/PartnerControls"/>
   </ds:schemaRefs>
 </ds:datastoreItem>
-</file>
-
-<file path=customXml/itemProps2.xml><?xml version="1.0" encoding="utf-8"?>
-<ds:datastoreItem xmlns:ds="http://schemas.openxmlformats.org/officeDocument/2006/customXml" ds:itemID="{1A161D03-AEAF-454A-9930-BDD74521DECA}">
-  <ds:schemaRefs>
-    <ds:schemaRef ds:uri="http://schemas.microsoft.com/sharepoint/v3/contenttype/forms"/>
-  </ds:schemaRefs>
-</ds:datastoreItem>
-</file>
-
-<file path=customXml/itemProps3.xml><?xml version="1.0" encoding="utf-8"?>
-<ds:datastoreItem xmlns:ds="http://schemas.openxmlformats.org/officeDocument/2006/customXml" ds:itemID="{2644028D-06C8-4BE5-961F-162173EF2CF0}">
-  <ds:schemaRefs>
-    <ds:schemaRef ds:uri="http://schemas.microsoft.com/office/2006/documentManagement/types"/>
-    <ds:schemaRef ds:uri="http://purl.org/dc/dcmitype/"/>
-    <ds:schemaRef ds:uri="http://purl.org/dc/terms/"/>
-    <ds:schemaRef ds:uri="http://purl.org/dc/elements/1.1/"/>
-    <ds:schemaRef ds:uri="http://www.w3.org/XML/1998/namespace"/>
-    <ds:schemaRef ds:uri="http://schemas.microsoft.com/office/2006/metadata/properties"/>
-    <ds:schemaRef ds:uri="http://schemas.microsoft.com/office/infopath/2007/PartnerControls"/>
-    <ds:schemaRef ds:uri="http://schemas.openxmlformats.org/package/2006/metadata/core-properties"/>
-  </ds:schemaRefs>
-</ds:datastoreItem>
 </file>
--- a/AI_Report/AI應用-不動產價格預測.pptx
+++ b/AI_Report/AI應用-不動產價格預測.pptx
@@ -16814,7 +16814,7 @@
       </p:sp>
       <p:pic>
         <p:nvPicPr>
-          <p:cNvPr id="5" name="圖片 4"/>
+          <p:cNvPr id="7" name="圖片 6"/>
           <p:cNvPicPr>
             <a:picLocks noChangeAspect="1"/>
           </p:cNvPicPr>
@@ -16828,8 +16828,8 @@
         </p:blipFill>
         <p:spPr>
           <a:xfrm>
-            <a:off x="899592" y="1557586"/>
-            <a:ext cx="5880748" cy="3663239"/>
+            <a:off x="3275856" y="1485578"/>
+            <a:ext cx="5535091" cy="3633399"/>
           </a:xfrm>
           <a:prstGeom prst="rect">
             <a:avLst/>
@@ -16873,30 +16873,122 @@
           <a:chExt cx="0" cy="0"/>
         </a:xfrm>
       </p:grpSpPr>
-      <p:pic>
-        <p:nvPicPr>
-          <p:cNvPr id="5" name="圖片 4"/>
-          <p:cNvPicPr>
-            <a:picLocks noChangeAspect="1"/>
-          </p:cNvPicPr>
-          <p:nvPr/>
-        </p:nvPicPr>
-        <p:blipFill>
-          <a:blip r:embed="rId2"/>
-          <a:stretch>
-            <a:fillRect/>
-          </a:stretch>
-        </p:blipFill>
-        <p:spPr>
-          <a:xfrm>
-            <a:off x="1043609" y="1485578"/>
-            <a:ext cx="6033288" cy="3744416"/>
-          </a:xfrm>
-          <a:prstGeom prst="rect">
-            <a:avLst/>
-          </a:prstGeom>
-        </p:spPr>
-      </p:pic>
+      <p:sp>
+        <p:nvSpPr>
+          <p:cNvPr id="3" name="內容版面配置區 2"/>
+          <p:cNvSpPr>
+            <a:spLocks noGrp="1"/>
+          </p:cNvSpPr>
+          <p:nvPr>
+            <p:ph sz="quarter" idx="10"/>
+          </p:nvPr>
+        </p:nvSpPr>
+        <p:spPr/>
+        <p:txBody>
+          <a:bodyPr/>
+          <a:lstStyle/>
+          <a:p>
+            <a:r>
+              <a:rPr lang="zh-TW" altLang="en-US" dirty="0" smtClean="0"/>
+              <a:t>採用</a:t>
+            </a:r>
+            <a:r>
+              <a:rPr lang="en-US" altLang="zh-TW" dirty="0" err="1" smtClean="0"/>
+              <a:t>XGBoost</a:t>
+            </a:r>
+            <a:r>
+              <a:rPr lang="zh-TW" altLang="en-US" dirty="0" smtClean="0"/>
+              <a:t>算法。</a:t>
+            </a:r>
+            <a:endParaRPr lang="en-US" altLang="zh-TW" dirty="0" smtClean="0"/>
+          </a:p>
+          <a:p>
+            <a:endParaRPr lang="en-US" altLang="zh-TW" dirty="0"/>
+          </a:p>
+          <a:p>
+            <a:endParaRPr lang="en-US" altLang="zh-TW" dirty="0" smtClean="0"/>
+          </a:p>
+          <a:p>
+            <a:endParaRPr lang="en-US" altLang="zh-TW" dirty="0"/>
+          </a:p>
+          <a:p>
+            <a:endParaRPr lang="en-US" altLang="zh-TW" dirty="0" smtClean="0"/>
+          </a:p>
+          <a:p>
+            <a:endParaRPr lang="en-US" altLang="zh-TW" dirty="0"/>
+          </a:p>
+          <a:p>
+            <a:endParaRPr lang="en-US" altLang="zh-TW" dirty="0" smtClean="0"/>
+          </a:p>
+          <a:p>
+            <a:endParaRPr lang="en-US" altLang="zh-TW" dirty="0"/>
+          </a:p>
+          <a:p>
+            <a:endParaRPr lang="en-US" altLang="zh-TW" dirty="0" smtClean="0"/>
+          </a:p>
+          <a:p>
+            <a:endParaRPr lang="en-US" altLang="zh-TW" dirty="0"/>
+          </a:p>
+          <a:p>
+            <a:endParaRPr lang="en-US" altLang="zh-TW" dirty="0" smtClean="0"/>
+          </a:p>
+          <a:p>
+            <a:pPr marL="0" indent="0">
+              <a:buNone/>
+            </a:pPr>
+            <a:endParaRPr lang="en-US" altLang="zh-TW" dirty="0" smtClean="0"/>
+          </a:p>
+          <a:p>
+            <a:r>
+              <a:rPr lang="zh-TW" altLang="en-US" dirty="0" smtClean="0"/>
+              <a:t>結果分析</a:t>
+            </a:r>
+            <a:r>
+              <a:rPr lang="en-US" altLang="zh-TW" dirty="0" smtClean="0"/>
+              <a:t>:</a:t>
+            </a:r>
+          </a:p>
+          <a:p>
+            <a:pPr lvl="1"/>
+            <a:r>
+              <a:rPr lang="zh-TW" altLang="en-US" sz="1600" dirty="0" smtClean="0"/>
+              <a:t>均方根誤差</a:t>
+            </a:r>
+            <a:r>
+              <a:rPr lang="en-US" altLang="zh-TW" sz="1600" dirty="0" smtClean="0"/>
+              <a:t>(RMSE):</a:t>
+            </a:r>
+            <a:r>
+              <a:rPr lang="en-US" altLang="zh-TW" sz="1600" dirty="0" smtClean="0">
+                <a:solidFill>
+                  <a:srgbClr val="FF0000"/>
+                </a:solidFill>
+              </a:rPr>
+              <a:t>30263</a:t>
+            </a:r>
+          </a:p>
+          <a:p>
+            <a:pPr lvl="1"/>
+            <a:r>
+              <a:rPr lang="zh-TW" altLang="en-US" sz="1600" dirty="0" smtClean="0"/>
+              <a:t>決定係數</a:t>
+            </a:r>
+            <a:r>
+              <a:rPr lang="en-US" altLang="zh-TW" sz="1600" dirty="0" smtClean="0"/>
+              <a:t>(R Squared):</a:t>
+            </a:r>
+            <a:r>
+              <a:rPr lang="en-US" altLang="zh-TW" sz="1600" dirty="0" smtClean="0">
+                <a:solidFill>
+                  <a:srgbClr val="FF0000"/>
+                </a:solidFill>
+              </a:rPr>
+              <a:t>0.87</a:t>
+            </a:r>
+            <a:endParaRPr lang="en-US" altLang="zh-TW" dirty="0" smtClean="0"/>
+          </a:p>
+        </p:txBody>
+      </p:sp>
       <p:sp>
         <p:nvSpPr>
           <p:cNvPr id="2" name="標題 1"/>
@@ -16934,122 +17026,6 @@
               <a:t>-2</a:t>
             </a:r>
             <a:endParaRPr lang="zh-TW" altLang="en-US" b="1" dirty="0"/>
-          </a:p>
-        </p:txBody>
-      </p:sp>
-      <p:sp>
-        <p:nvSpPr>
-          <p:cNvPr id="3" name="內容版面配置區 2"/>
-          <p:cNvSpPr>
-            <a:spLocks noGrp="1"/>
-          </p:cNvSpPr>
-          <p:nvPr>
-            <p:ph sz="quarter" idx="10"/>
-          </p:nvPr>
-        </p:nvSpPr>
-        <p:spPr/>
-        <p:txBody>
-          <a:bodyPr/>
-          <a:lstStyle/>
-          <a:p>
-            <a:r>
-              <a:rPr lang="zh-TW" altLang="en-US" dirty="0" smtClean="0"/>
-              <a:t>採用</a:t>
-            </a:r>
-            <a:r>
-              <a:rPr lang="en-US" altLang="zh-TW" dirty="0" err="1" smtClean="0"/>
-              <a:t>XGBoost</a:t>
-            </a:r>
-            <a:r>
-              <a:rPr lang="zh-TW" altLang="en-US" dirty="0" smtClean="0"/>
-              <a:t>算法。</a:t>
-            </a:r>
-            <a:endParaRPr lang="en-US" altLang="zh-TW" dirty="0" smtClean="0"/>
-          </a:p>
-          <a:p>
-            <a:endParaRPr lang="en-US" altLang="zh-TW" dirty="0"/>
-          </a:p>
-          <a:p>
-            <a:endParaRPr lang="en-US" altLang="zh-TW" dirty="0" smtClean="0"/>
-          </a:p>
-          <a:p>
-            <a:endParaRPr lang="en-US" altLang="zh-TW" dirty="0"/>
-          </a:p>
-          <a:p>
-            <a:endParaRPr lang="en-US" altLang="zh-TW" dirty="0" smtClean="0"/>
-          </a:p>
-          <a:p>
-            <a:endParaRPr lang="en-US" altLang="zh-TW" dirty="0"/>
-          </a:p>
-          <a:p>
-            <a:endParaRPr lang="en-US" altLang="zh-TW" dirty="0" smtClean="0"/>
-          </a:p>
-          <a:p>
-            <a:endParaRPr lang="en-US" altLang="zh-TW" dirty="0"/>
-          </a:p>
-          <a:p>
-            <a:endParaRPr lang="en-US" altLang="zh-TW" dirty="0" smtClean="0"/>
-          </a:p>
-          <a:p>
-            <a:endParaRPr lang="en-US" altLang="zh-TW" dirty="0"/>
-          </a:p>
-          <a:p>
-            <a:endParaRPr lang="en-US" altLang="zh-TW" dirty="0" smtClean="0"/>
-          </a:p>
-          <a:p>
-            <a:pPr marL="0" indent="0">
-              <a:buNone/>
-            </a:pPr>
-            <a:endParaRPr lang="en-US" altLang="zh-TW" dirty="0" smtClean="0"/>
-          </a:p>
-          <a:p>
-            <a:r>
-              <a:rPr lang="zh-TW" altLang="en-US" dirty="0" smtClean="0"/>
-              <a:t>結果分析</a:t>
-            </a:r>
-            <a:r>
-              <a:rPr lang="en-US" altLang="zh-TW" dirty="0" smtClean="0"/>
-              <a:t>:</a:t>
-            </a:r>
-          </a:p>
-          <a:p>
-            <a:pPr lvl="1"/>
-            <a:r>
-              <a:rPr lang="zh-TW" altLang="en-US" sz="1600" dirty="0" smtClean="0"/>
-              <a:t>均方根誤差</a:t>
-            </a:r>
-            <a:r>
-              <a:rPr lang="en-US" altLang="zh-TW" sz="1600" dirty="0" smtClean="0"/>
-              <a:t>(RMSE):</a:t>
-            </a:r>
-            <a:r>
-              <a:rPr lang="en-US" altLang="zh-TW" sz="1600" dirty="0" smtClean="0">
-                <a:solidFill>
-                  <a:srgbClr val="FF0000"/>
-                </a:solidFill>
-              </a:rPr>
-              <a:t>30263</a:t>
-            </a:r>
-          </a:p>
-          <a:p>
-            <a:pPr lvl="1"/>
-            <a:r>
-              <a:rPr lang="zh-TW" altLang="en-US" sz="1600" dirty="0" smtClean="0"/>
-              <a:t>決定係數</a:t>
-            </a:r>
-            <a:r>
-              <a:rPr lang="en-US" altLang="zh-TW" sz="1600" dirty="0" smtClean="0"/>
-              <a:t>(R Squared):</a:t>
-            </a:r>
-            <a:r>
-              <a:rPr lang="en-US" altLang="zh-TW" sz="1600" dirty="0" smtClean="0">
-                <a:solidFill>
-                  <a:srgbClr val="FF0000"/>
-                </a:solidFill>
-              </a:rPr>
-              <a:t>0.87</a:t>
-            </a:r>
-            <a:endParaRPr lang="en-US" altLang="zh-TW" dirty="0" smtClean="0"/>
           </a:p>
         </p:txBody>
       </p:sp>
@@ -17081,6 +17057,30 @@
           </a:p>
         </p:txBody>
       </p:sp>
+      <p:pic>
+        <p:nvPicPr>
+          <p:cNvPr id="7" name="圖片 6"/>
+          <p:cNvPicPr>
+            <a:picLocks noChangeAspect="1"/>
+          </p:cNvPicPr>
+          <p:nvPr/>
+        </p:nvPicPr>
+        <p:blipFill>
+          <a:blip r:embed="rId2"/>
+          <a:stretch>
+            <a:fillRect/>
+          </a:stretch>
+        </p:blipFill>
+        <p:spPr>
+          <a:xfrm>
+            <a:off x="3131840" y="1413570"/>
+            <a:ext cx="5980507" cy="3768686"/>
+          </a:xfrm>
+          <a:prstGeom prst="rect">
+            <a:avLst/>
+          </a:prstGeom>
+        </p:spPr>
+      </p:pic>
     </p:spTree>
     <p:extLst>
       <p:ext uri="{BB962C8B-B14F-4D97-AF65-F5344CB8AC3E}">
@@ -20634,14 +20634,7 @@
                 <a:latin typeface="微軟正黑體" panose="020B0604030504040204" pitchFamily="34" charset="-120"/>
                 <a:ea typeface="微軟正黑體" panose="020B0604030504040204" pitchFamily="34" charset="-120"/>
               </a:rPr>
-              <a:t>字串</a:t>
-            </a:r>
-            <a:r>
-              <a:rPr lang="zh-TW" altLang="en-US" dirty="0" smtClean="0">
-                <a:latin typeface="微軟正黑體" panose="020B0604030504040204" pitchFamily="34" charset="-120"/>
-                <a:ea typeface="微軟正黑體" panose="020B0604030504040204" pitchFamily="34" charset="-120"/>
-              </a:rPr>
-              <a:t>以最常出現的字回寫</a:t>
+              <a:t>字串以最常出現的字回寫</a:t>
             </a:r>
             <a:endParaRPr lang="en-US" altLang="zh-TW" dirty="0" smtClean="0">
               <a:latin typeface="微軟正黑體" panose="020B0604030504040204" pitchFamily="34" charset="-120"/>
@@ -22560,23 +22553,15 @@
           <a:p>
             <a:r>
               <a:rPr lang="zh-TW" altLang="en-US" dirty="0" smtClean="0"/>
-              <a:t>採用線性回歸</a:t>
-            </a:r>
-            <a:r>
-              <a:rPr lang="en-US" altLang="zh-TW" dirty="0" smtClean="0"/>
-              <a:t>(</a:t>
-            </a:r>
-            <a:r>
-              <a:rPr lang="en-US" altLang="zh-TW" dirty="0" err="1" smtClean="0"/>
-              <a:t>LinearRegression</a:t>
-            </a:r>
-            <a:r>
-              <a:rPr lang="en-US" altLang="zh-TW" dirty="0" smtClean="0"/>
-              <a:t>)</a:t>
+              <a:t>採用線性</a:t>
             </a:r>
             <a:r>
               <a:rPr lang="zh-TW" altLang="en-US" dirty="0" smtClean="0"/>
-              <a:t>建立模型。</a:t>
+              <a:t>回歸建立</a:t>
+            </a:r>
+            <a:r>
+              <a:rPr lang="zh-TW" altLang="en-US" dirty="0" smtClean="0"/>
+              <a:t>模型。</a:t>
             </a:r>
             <a:endParaRPr lang="en-US" altLang="zh-TW" dirty="0" smtClean="0"/>
           </a:p>
@@ -22628,15 +22613,19 @@
             </a:r>
             <a:r>
               <a:rPr lang="en-US" altLang="zh-TW" sz="1600" dirty="0" smtClean="0"/>
-              <a:t>(RMSE):</a:t>
-            </a:r>
-            <a:r>
-              <a:rPr lang="en-US" altLang="zh-TW" sz="1600" dirty="0" smtClean="0">
+              <a:t>(RMSE</a:t>
+            </a:r>
+            <a:r>
+              <a:rPr lang="en-US" altLang="zh-TW" sz="1600" dirty="0" smtClean="0"/>
+              <a:t>):</a:t>
+            </a:r>
+            <a:r>
+              <a:rPr lang="en-US" altLang="zh-TW" sz="1600" dirty="0">
                 <a:solidFill>
                   <a:srgbClr val="FF0000"/>
                 </a:solidFill>
               </a:rPr>
-              <a:t>11134449</a:t>
+              <a:t>10353629 </a:t>
             </a:r>
             <a:r>
               <a:rPr lang="en-US" altLang="zh-TW" sz="1600" dirty="0" smtClean="0"/>
@@ -22667,7 +22656,7 @@
                   <a:srgbClr val="FF0000"/>
                 </a:solidFill>
               </a:rPr>
-              <a:t>0.29</a:t>
+              <a:t>0.35</a:t>
             </a:r>
             <a:endParaRPr lang="zh-TW" altLang="en-US" dirty="0"/>
           </a:p>
@@ -22702,7 +22691,7 @@
       </p:sp>
       <p:pic>
         <p:nvPicPr>
-          <p:cNvPr id="8" name="圖片 7"/>
+          <p:cNvPr id="6" name="圖片 5"/>
           <p:cNvPicPr>
             <a:picLocks noChangeAspect="1"/>
           </p:cNvPicPr>
@@ -22716,8 +22705,8 @@
         </p:blipFill>
         <p:spPr>
           <a:xfrm>
-            <a:off x="1331640" y="1557586"/>
-            <a:ext cx="5328592" cy="3224896"/>
+            <a:off x="3275856" y="1413570"/>
+            <a:ext cx="5742218" cy="3652596"/>
           </a:xfrm>
           <a:prstGeom prst="rect">
             <a:avLst/>
@@ -22916,7 +22905,11 @@
             </a:r>
             <a:r>
               <a:rPr lang="en-US" altLang="zh-TW" sz="1600" dirty="0" smtClean="0"/>
-              <a:t>(RMSE):</a:t>
+              <a:t>(RMSE</a:t>
+            </a:r>
+            <a:r>
+              <a:rPr lang="en-US" altLang="zh-TW" sz="1600" dirty="0" smtClean="0"/>
+              <a:t>):</a:t>
             </a:r>
             <a:r>
               <a:rPr lang="en-US" altLang="zh-TW" sz="1600" dirty="0" smtClean="0">
@@ -22924,7 +22917,7 @@
                   <a:srgbClr val="FF0000"/>
                 </a:solidFill>
               </a:rPr>
-              <a:t>5890080</a:t>
+              <a:t>6765913</a:t>
             </a:r>
             <a:r>
               <a:rPr lang="en-US" altLang="zh-TW" sz="1600" dirty="0" smtClean="0"/>
@@ -22932,12 +22925,13 @@
             </a:r>
             <a:r>
               <a:rPr lang="zh-TW" altLang="en-US" sz="1600" dirty="0" smtClean="0"/>
-              <a:t>接近六百萬</a:t>
+              <a:t>六百萬多萬</a:t>
             </a:r>
             <a:r>
               <a:rPr lang="en-US" altLang="zh-TW" sz="1600" dirty="0" smtClean="0"/>
               <a:t>)</a:t>
             </a:r>
+            <a:endParaRPr lang="en-US" altLang="zh-TW" sz="1600" dirty="0" smtClean="0"/>
           </a:p>
           <a:p>
             <a:pPr lvl="1"/>
@@ -22955,7 +22949,7 @@
                   <a:srgbClr val="FF0000"/>
                 </a:solidFill>
               </a:rPr>
-              <a:t>0.80</a:t>
+              <a:t>0.72</a:t>
             </a:r>
             <a:endParaRPr lang="en-US" altLang="zh-TW" dirty="0" smtClean="0"/>
           </a:p>
@@ -22990,7 +22984,7 @@
       </p:sp>
       <p:pic>
         <p:nvPicPr>
-          <p:cNvPr id="6" name="圖片 5"/>
+          <p:cNvPr id="7" name="圖片 6"/>
           <p:cNvPicPr>
             <a:picLocks noChangeAspect="1"/>
           </p:cNvPicPr>
@@ -23004,8 +22998,8 @@
         </p:blipFill>
         <p:spPr>
           <a:xfrm>
-            <a:off x="3131840" y="1215728"/>
-            <a:ext cx="5798133" cy="4165035"/>
+            <a:off x="3131840" y="1215649"/>
+            <a:ext cx="5956371" cy="3888432"/>
           </a:xfrm>
           <a:prstGeom prst="rect">
             <a:avLst/>
@@ -23143,8 +23137,14 @@
             <a:endParaRPr lang="en-US" altLang="zh-TW" dirty="0" smtClean="0"/>
           </a:p>
           <a:p>
-            <a:r>
-              <a:rPr lang="zh-TW" altLang="en-US" dirty="0"/>
+            <a:endParaRPr lang="en-US" altLang="zh-TW" dirty="0" smtClean="0"/>
+          </a:p>
+          <a:p>
+            <a:endParaRPr lang="en-US" altLang="zh-TW" dirty="0"/>
+          </a:p>
+          <a:p>
+            <a:r>
+              <a:rPr lang="zh-TW" altLang="en-US" dirty="0" smtClean="0"/>
               <a:t>與</a:t>
             </a:r>
             <a:r>
@@ -23165,7 +23165,18 @@
             </a:r>
             <a:r>
               <a:rPr lang="zh-TW" altLang="en-US" dirty="0" smtClean="0"/>
-              <a:t>比對，筆數</a:t>
+              <a:t>比對</a:t>
+            </a:r>
+            <a:endParaRPr lang="en-US" altLang="zh-TW" dirty="0" smtClean="0"/>
+          </a:p>
+          <a:p>
+            <a:r>
+              <a:rPr lang="zh-TW" altLang="en-US" dirty="0" smtClean="0"/>
+              <a:t>筆</a:t>
+            </a:r>
+            <a:r>
+              <a:rPr lang="zh-TW" altLang="en-US" dirty="0" smtClean="0"/>
+              <a:t>數</a:t>
             </a:r>
             <a:r>
               <a:rPr lang="en-US" altLang="zh-TW" dirty="0" smtClean="0"/>
@@ -23180,36 +23191,24 @@
           <a:p>
             <a:pPr lvl="1"/>
             <a:r>
-              <a:rPr lang="zh-TW" altLang="en-US" sz="1600" dirty="0" smtClean="0">
+              <a:rPr lang="zh-TW" altLang="en-US" sz="1600" dirty="0" smtClean="0"/>
+              <a:t>均方根誤差</a:t>
+            </a:r>
+            <a:r>
+              <a:rPr lang="en-US" altLang="zh-TW" sz="1600" dirty="0" smtClean="0"/>
+              <a:t>(RMSE</a:t>
+            </a:r>
+            <a:r>
+              <a:rPr lang="en-US" altLang="zh-TW" sz="1600" dirty="0"/>
+              <a:t>):</a:t>
+            </a:r>
+            <a:r>
+              <a:rPr lang="en-US" altLang="zh-TW" sz="1600" dirty="0">
                 <a:solidFill>
                   <a:srgbClr val="FF0000"/>
                 </a:solidFill>
               </a:rPr>
-              <a:t>均方根誤差</a:t>
-            </a:r>
-            <a:r>
-              <a:rPr lang="en-US" altLang="zh-TW" sz="1600" dirty="0" smtClean="0">
-                <a:solidFill>
-                  <a:srgbClr val="FF0000"/>
-                </a:solidFill>
-              </a:rPr>
-              <a:t>(RMSE</a:t>
-            </a:r>
-            <a:r>
-              <a:rPr lang="en-US" altLang="zh-TW" sz="1600" dirty="0">
-                <a:solidFill>
-                  <a:srgbClr val="FF0000"/>
-                </a:solidFill>
-              </a:rPr>
-              <a:t>):</a:t>
-            </a:r>
-            <a:r>
-              <a:rPr lang="en-US" altLang="zh-TW" sz="1600" dirty="0" smtClean="0">
-                <a:solidFill>
-                  <a:srgbClr val="FF0000"/>
-                </a:solidFill>
-              </a:rPr>
-              <a:t>4585202</a:t>
+              <a:t>4425863 </a:t>
             </a:r>
             <a:r>
               <a:rPr lang="en-US" altLang="zh-TW" sz="1600" dirty="0" smtClean="0"/>
@@ -23227,44 +23226,28 @@
           <a:p>
             <a:pPr lvl="1"/>
             <a:r>
-              <a:rPr lang="zh-TW" altLang="en-US" sz="1600" dirty="0" smtClean="0">
+              <a:rPr lang="zh-TW" altLang="en-US" sz="1600" dirty="0" smtClean="0"/>
+              <a:t>決定係數</a:t>
+            </a:r>
+            <a:r>
+              <a:rPr lang="en-US" altLang="zh-TW" sz="1600" dirty="0"/>
+              <a:t>(</a:t>
+            </a:r>
+            <a:r>
+              <a:rPr lang="en-US" altLang="zh-TW" sz="1600" dirty="0" smtClean="0"/>
+              <a:t>R Squared</a:t>
+            </a:r>
+            <a:r>
+              <a:rPr lang="en-US" altLang="zh-TW" sz="1600" dirty="0"/>
+              <a:t>):</a:t>
+            </a:r>
+            <a:r>
+              <a:rPr lang="en-US" altLang="zh-TW" sz="1600" dirty="0" smtClean="0">
                 <a:solidFill>
                   <a:srgbClr val="FF0000"/>
                 </a:solidFill>
               </a:rPr>
-              <a:t>決定係數</a:t>
-            </a:r>
-            <a:r>
-              <a:rPr lang="en-US" altLang="zh-TW" sz="1600" dirty="0">
-                <a:solidFill>
-                  <a:srgbClr val="FF0000"/>
-                </a:solidFill>
-              </a:rPr>
-              <a:t>(</a:t>
-            </a:r>
-            <a:r>
-              <a:rPr lang="en-US" altLang="zh-TW" sz="1600" dirty="0" smtClean="0">
-                <a:solidFill>
-                  <a:srgbClr val="FF0000"/>
-                </a:solidFill>
-              </a:rPr>
-              <a:t>R Squared</a:t>
-            </a:r>
-            <a:r>
-              <a:rPr lang="en-US" altLang="zh-TW" sz="1600" dirty="0">
-                <a:solidFill>
-                  <a:srgbClr val="FF0000"/>
-                </a:solidFill>
-              </a:rPr>
-              <a:t>):</a:t>
-            </a:r>
-            <a:r>
-              <a:rPr lang="en-US" altLang="zh-TW" sz="1600" dirty="0" smtClean="0">
-                <a:solidFill>
-                  <a:srgbClr val="FF0000"/>
-                </a:solidFill>
-              </a:rPr>
-              <a:t>0.76</a:t>
+              <a:t>0.78</a:t>
             </a:r>
             <a:endParaRPr lang="en-US" altLang="zh-TW" dirty="0"/>
           </a:p>
@@ -23318,6 +23301,30 @@
           <a:xfrm>
             <a:off x="1115616" y="1629594"/>
             <a:ext cx="2543175" cy="2238375"/>
+          </a:xfrm>
+          <a:prstGeom prst="rect">
+            <a:avLst/>
+          </a:prstGeom>
+        </p:spPr>
+      </p:pic>
+      <p:pic>
+        <p:nvPicPr>
+          <p:cNvPr id="5" name="圖片 4"/>
+          <p:cNvPicPr>
+            <a:picLocks noChangeAspect="1"/>
+          </p:cNvPicPr>
+          <p:nvPr/>
+        </p:nvPicPr>
+        <p:blipFill>
+          <a:blip r:embed="rId3"/>
+          <a:stretch>
+            <a:fillRect/>
+          </a:stretch>
+        </p:blipFill>
+        <p:spPr>
+          <a:xfrm>
+            <a:off x="4644008" y="1053529"/>
+            <a:ext cx="4229472" cy="3892013"/>
           </a:xfrm>
           <a:prstGeom prst="rect">
             <a:avLst/>
@@ -23909,7 +23916,7 @@
           <p:nvPr>
             <p:extLst>
               <p:ext uri="{D42A27DB-BD31-4B8C-83A1-F6EECF244321}">
-                <p14:modId xmlns:p14="http://schemas.microsoft.com/office/powerpoint/2010/main" val="4044287076"/>
+                <p14:modId xmlns:p14="http://schemas.microsoft.com/office/powerpoint/2010/main" val="2207781009"/>
               </p:ext>
             </p:extLst>
           </p:nvPr>
@@ -24075,7 +24082,7 @@
                       <a:pPr algn="r"/>
                       <a:r>
                         <a:rPr lang="en-US" altLang="zh-TW" dirty="0" smtClean="0"/>
-                        <a:t>11134449</a:t>
+                        <a:t>10353629</a:t>
                       </a:r>
                       <a:endParaRPr lang="zh-TW" altLang="en-US" dirty="0"/>
                     </a:p>
@@ -24138,7 +24145,7 @@
                       <a:pPr algn="r"/>
                       <a:r>
                         <a:rPr lang="en-US" altLang="zh-TW" dirty="0" smtClean="0"/>
-                        <a:t>0.29</a:t>
+                        <a:t>0.35</a:t>
                       </a:r>
                       <a:endParaRPr lang="zh-TW" altLang="en-US" dirty="0"/>
                     </a:p>
@@ -24221,8 +24228,9 @@
                       <a:pPr algn="r"/>
                       <a:r>
                         <a:rPr lang="en-US" altLang="zh-TW" dirty="0" smtClean="0"/>
-                        <a:t>5890080</a:t>
+                        <a:t>6765913</a:t>
                       </a:r>
+                      <a:endParaRPr lang="en-US" altLang="zh-TW" dirty="0" smtClean="0"/>
                     </a:p>
                   </a:txBody>
                   <a:tcPr anchor="ctr"/>
@@ -24283,7 +24291,7 @@
                       <a:pPr algn="r"/>
                       <a:r>
                         <a:rPr lang="en-US" altLang="zh-TW" dirty="0" smtClean="0"/>
-                        <a:t>0.80</a:t>
+                        <a:t>0.78</a:t>
                       </a:r>
                       <a:endParaRPr lang="zh-TW" altLang="en-US" dirty="0"/>
                     </a:p>
@@ -35987,12 +35995,6 @@
 </file>
 
 <file path=customXml/item1.xml><?xml version="1.0" encoding="utf-8"?>
-<p:properties xmlns:p="http://schemas.microsoft.com/office/2006/metadata/properties" xmlns:xsi="http://www.w3.org/2001/XMLSchema-instance" xmlns:pc="http://schemas.microsoft.com/office/infopath/2007/PartnerControls">
-  <documentManagement/>
-</p:properties>
-</file>
-
-<file path=customXml/item2.xml><?xml version="1.0" encoding="utf-8"?>
 <?mso-contentType ?>
 <FormTemplates xmlns="http://schemas.microsoft.com/sharepoint/v3/contenttype/forms">
   <Display>DocumentLibraryForm</Display>
@@ -36001,7 +36003,7 @@
 </FormTemplates>
 </file>
 
-<file path=customXml/item3.xml><?xml version="1.0" encoding="utf-8"?>
+<file path=customXml/item2.xml><?xml version="1.0" encoding="utf-8"?>
 <ct:contentTypeSchema xmlns:ct="http://schemas.microsoft.com/office/2006/metadata/contentType" xmlns:ma="http://schemas.microsoft.com/office/2006/metadata/properties/metaAttributes" ct:_="" ma:_="" ma:contentTypeName="文件" ma:contentTypeID="0x0101002F834950E6E8EC4987003F88DFC9B5CE" ma:contentTypeVersion="" ma:contentTypeDescription="建立新的文件。" ma:contentTypeScope="" ma:versionID="f8649297cceefdfdcd508960509e4249">
   <xsd:schema xmlns:xsd="http://www.w3.org/2001/XMLSchema" xmlns:xs="http://www.w3.org/2001/XMLSchema" xmlns:p="http://schemas.microsoft.com/office/2006/metadata/properties" targetNamespace="http://schemas.microsoft.com/office/2006/metadata/properties" ma:root="true" ma:fieldsID="684b3c36135c6fbac31a56fab451a81a">
     <xsd:element name="properties">
@@ -36115,22 +36117,13 @@
 </ct:contentTypeSchema>
 </file>
 
-<file path=customXml/itemProps1.xml><?xml version="1.0" encoding="utf-8"?>
-<ds:datastoreItem xmlns:ds="http://schemas.openxmlformats.org/officeDocument/2006/customXml" ds:itemID="{2644028D-06C8-4BE5-961F-162173EF2CF0}">
-  <ds:schemaRefs>
-    <ds:schemaRef ds:uri="http://schemas.microsoft.com/office/2006/documentManagement/types"/>
-    <ds:schemaRef ds:uri="http://purl.org/dc/dcmitype/"/>
-    <ds:schemaRef ds:uri="http://purl.org/dc/terms/"/>
-    <ds:schemaRef ds:uri="http://purl.org/dc/elements/1.1/"/>
-    <ds:schemaRef ds:uri="http://www.w3.org/XML/1998/namespace"/>
-    <ds:schemaRef ds:uri="http://schemas.microsoft.com/office/2006/metadata/properties"/>
-    <ds:schemaRef ds:uri="http://schemas.microsoft.com/office/infopath/2007/PartnerControls"/>
-    <ds:schemaRef ds:uri="http://schemas.openxmlformats.org/package/2006/metadata/core-properties"/>
-  </ds:schemaRefs>
-</ds:datastoreItem>
+<file path=customXml/item3.xml><?xml version="1.0" encoding="utf-8"?>
+<p:properties xmlns:p="http://schemas.microsoft.com/office/2006/metadata/properties" xmlns:xsi="http://www.w3.org/2001/XMLSchema-instance" xmlns:pc="http://schemas.microsoft.com/office/infopath/2007/PartnerControls">
+  <documentManagement/>
+</p:properties>
 </file>
 
-<file path=customXml/itemProps2.xml><?xml version="1.0" encoding="utf-8"?>
+<file path=customXml/itemProps1.xml><?xml version="1.0" encoding="utf-8"?>
 <ds:datastoreItem xmlns:ds="http://schemas.openxmlformats.org/officeDocument/2006/customXml" ds:itemID="{1A161D03-AEAF-454A-9930-BDD74521DECA}">
   <ds:schemaRefs>
     <ds:schemaRef ds:uri="http://schemas.microsoft.com/sharepoint/v3/contenttype/forms"/>
@@ -36138,7 +36131,7 @@
 </ds:datastoreItem>
 </file>
 
-<file path=customXml/itemProps3.xml><?xml version="1.0" encoding="utf-8"?>
+<file path=customXml/itemProps2.xml><?xml version="1.0" encoding="utf-8"?>
 <ds:datastoreItem xmlns:ds="http://schemas.openxmlformats.org/officeDocument/2006/customXml" ds:itemID="{DAA5427F-1FCE-4ABC-BDEE-5B390CA5416C}">
   <ds:schemaRefs>
     <ds:schemaRef ds:uri="http://schemas.microsoft.com/office/2006/metadata/contentType"/>
@@ -36152,4 +36145,19 @@
     <ds:schemaRef ds:uri="http://schemas.microsoft.com/office/infopath/2007/PartnerControls"/>
   </ds:schemaRefs>
 </ds:datastoreItem>
+</file>
+
+<file path=customXml/itemProps3.xml><?xml version="1.0" encoding="utf-8"?>
+<ds:datastoreItem xmlns:ds="http://schemas.openxmlformats.org/officeDocument/2006/customXml" ds:itemID="{2644028D-06C8-4BE5-961F-162173EF2CF0}">
+  <ds:schemaRefs>
+    <ds:schemaRef ds:uri="http://schemas.microsoft.com/office/2006/documentManagement/types"/>
+    <ds:schemaRef ds:uri="http://purl.org/dc/dcmitype/"/>
+    <ds:schemaRef ds:uri="http://purl.org/dc/terms/"/>
+    <ds:schemaRef ds:uri="http://purl.org/dc/elements/1.1/"/>
+    <ds:schemaRef ds:uri="http://www.w3.org/XML/1998/namespace"/>
+    <ds:schemaRef ds:uri="http://schemas.microsoft.com/office/2006/metadata/properties"/>
+    <ds:schemaRef ds:uri="http://schemas.microsoft.com/office/infopath/2007/PartnerControls"/>
+    <ds:schemaRef ds:uri="http://schemas.openxmlformats.org/package/2006/metadata/core-properties"/>
+  </ds:schemaRefs>
+</ds:datastoreItem>
 </file>
--- a/AI_Report/AI應用-不動產價格預測.pptx
+++ b/AI_Report/AI應用-不動產價格預測.pptx
@@ -8752,15 +8752,7 @@
           <a:p>
             <a:r>
               <a:rPr lang="zh-TW" altLang="en-US" dirty="0" smtClean="0"/>
-              <a:t>得到一</a:t>
-            </a:r>
-            <a:r>
-              <a:rPr lang="zh-TW" altLang="en-US" dirty="0" smtClean="0"/>
-              <a:t>條差距為</a:t>
-            </a:r>
-            <a:r>
-              <a:rPr lang="zh-TW" altLang="en-US" dirty="0" smtClean="0"/>
-              <a:t>最小的直線，即可計算合理價格。</a:t>
+              <a:t>得到一條差距為最小的直線，即可計算合理價格。</a:t>
             </a:r>
             <a:endParaRPr lang="en-US" altLang="zh-TW" dirty="0" smtClean="0"/>
           </a:p>
@@ -10475,17 +10467,7 @@
                 <a:latin typeface="微軟正黑體" panose="020B0604030504040204" pitchFamily="34" charset="-120"/>
                 <a:ea typeface="微軟正黑體" panose="020B0604030504040204" pitchFamily="34" charset="-120"/>
               </a:rPr>
-              <a:t>資料</a:t>
-            </a:r>
-            <a:r>
-              <a:rPr lang="zh-TW" altLang="en-US" u="none" dirty="0" smtClean="0">
-                <a:solidFill>
-                  <a:schemeClr val="tx1"/>
-                </a:solidFill>
-                <a:latin typeface="微軟正黑體" panose="020B0604030504040204" pitchFamily="34" charset="-120"/>
-                <a:ea typeface="微軟正黑體" panose="020B0604030504040204" pitchFamily="34" charset="-120"/>
-              </a:rPr>
-              <a:t>收集</a:t>
+              <a:t>資料收集</a:t>
             </a:r>
             <a:endParaRPr lang="en-US" altLang="zh-TW" u="none" dirty="0" smtClean="0">
               <a:solidFill>
@@ -10837,13 +10819,6 @@
               </a:rPr>
               <a:t>Step5</a:t>
             </a:r>
-            <a:endParaRPr lang="en-US" altLang="zh-TW" u="none" dirty="0" smtClean="0">
-              <a:solidFill>
-                <a:schemeClr val="tx1"/>
-              </a:solidFill>
-              <a:latin typeface="微軟正黑體" panose="020B0604030504040204" pitchFamily="34" charset="-120"/>
-              <a:ea typeface="微軟正黑體" panose="020B0604030504040204" pitchFamily="34" charset="-120"/>
-            </a:endParaRPr>
           </a:p>
           <a:p>
             <a:pPr algn="ctr" eaLnBrk="1" hangingPunct="1">
@@ -16083,21 +16058,7 @@
                           <a:latin typeface="微軟正黑體" panose="020B0604030504040204" pitchFamily="34" charset="-120"/>
                           <a:ea typeface="微軟正黑體" panose="020B0604030504040204" pitchFamily="34" charset="-120"/>
                         </a:rPr>
-                        <a:t>房屋</a:t>
-                      </a:r>
-                      <a:r>
-                        <a:rPr lang="zh-TW" altLang="en-US" sz="1200" dirty="0" smtClean="0">
-                          <a:latin typeface="微軟正黑體" panose="020B0604030504040204" pitchFamily="34" charset="-120"/>
-                          <a:ea typeface="微軟正黑體" panose="020B0604030504040204" pitchFamily="34" charset="-120"/>
-                        </a:rPr>
-                        <a:t>整體</a:t>
-                      </a:r>
-                      <a:r>
-                        <a:rPr lang="zh-TW" altLang="en-US" sz="1200" dirty="0" smtClean="0">
-                          <a:latin typeface="微軟正黑體" panose="020B0604030504040204" pitchFamily="34" charset="-120"/>
-                          <a:ea typeface="微軟正黑體" panose="020B0604030504040204" pitchFamily="34" charset="-120"/>
-                        </a:rPr>
-                        <a:t>評價</a:t>
+                        <a:t>房屋整體評價</a:t>
                       </a:r>
                       <a:r>
                         <a:rPr lang="en-US" altLang="zh-TW" sz="1200" dirty="0" err="1" smtClean="0">
@@ -16152,21 +16113,7 @@
                           <a:latin typeface="微軟正黑體" panose="020B0604030504040204" pitchFamily="34" charset="-120"/>
                           <a:ea typeface="微軟正黑體" panose="020B0604030504040204" pitchFamily="34" charset="-120"/>
                         </a:rPr>
-                        <a:t>地面</a:t>
-                      </a:r>
-                      <a:r>
-                        <a:rPr lang="zh-TW" altLang="en-US" sz="1200" dirty="0" smtClean="0">
-                          <a:latin typeface="微軟正黑體" panose="020B0604030504040204" pitchFamily="34" charset="-120"/>
-                          <a:ea typeface="微軟正黑體" panose="020B0604030504040204" pitchFamily="34" charset="-120"/>
-                        </a:rPr>
-                        <a:t>上可居住</a:t>
-                      </a:r>
-                      <a:r>
-                        <a:rPr lang="zh-TW" altLang="en-US" sz="1200" dirty="0" smtClean="0">
-                          <a:latin typeface="微軟正黑體" panose="020B0604030504040204" pitchFamily="34" charset="-120"/>
-                          <a:ea typeface="微軟正黑體" panose="020B0604030504040204" pitchFamily="34" charset="-120"/>
-                        </a:rPr>
-                        <a:t>面積</a:t>
+                        <a:t>地面上可居住面積</a:t>
                       </a:r>
                       <a:r>
                         <a:rPr lang="en-US" altLang="zh-TW" sz="1200" dirty="0" err="1" smtClean="0">
@@ -16289,21 +16236,7 @@
                           <a:latin typeface="微軟正黑體" panose="020B0604030504040204" pitchFamily="34" charset="-120"/>
                           <a:ea typeface="微軟正黑體" panose="020B0604030504040204" pitchFamily="34" charset="-120"/>
                         </a:rPr>
-                        <a:t>一</a:t>
-                      </a:r>
-                      <a:r>
-                        <a:rPr lang="zh-TW" altLang="en-US" sz="1200" dirty="0" smtClean="0">
-                          <a:latin typeface="微軟正黑體" panose="020B0604030504040204" pitchFamily="34" charset="-120"/>
-                          <a:ea typeface="微軟正黑體" panose="020B0604030504040204" pitchFamily="34" charset="-120"/>
-                        </a:rPr>
-                        <a:t>樓</a:t>
-                      </a:r>
-                      <a:r>
-                        <a:rPr lang="zh-TW" altLang="en-US" sz="1200" dirty="0" smtClean="0">
-                          <a:latin typeface="微軟正黑體" panose="020B0604030504040204" pitchFamily="34" charset="-120"/>
-                          <a:ea typeface="微軟正黑體" panose="020B0604030504040204" pitchFamily="34" charset="-120"/>
-                        </a:rPr>
-                        <a:t>面積</a:t>
+                        <a:t>一樓面積</a:t>
                       </a:r>
                       <a:r>
                         <a:rPr lang="en-US" altLang="zh-TW" sz="1200" dirty="0" smtClean="0">
@@ -16585,14 +16518,7 @@
                           <a:latin typeface="微軟正黑體" panose="020B0604030504040204" pitchFamily="34" charset="-120"/>
                           <a:ea typeface="微軟正黑體" panose="020B0604030504040204" pitchFamily="34" charset="-120"/>
                         </a:rPr>
-                        <a:t>總</a:t>
-                      </a:r>
-                      <a:r>
-                        <a:rPr lang="zh-TW" altLang="en-US" sz="1200" dirty="0" smtClean="0">
-                          <a:latin typeface="微軟正黑體" panose="020B0604030504040204" pitchFamily="34" charset="-120"/>
-                          <a:ea typeface="微軟正黑體" panose="020B0604030504040204" pitchFamily="34" charset="-120"/>
-                        </a:rPr>
-                        <a:t>房間數</a:t>
+                        <a:t>總房間數</a:t>
                       </a:r>
                       <a:r>
                         <a:rPr lang="en-US" altLang="zh-TW" sz="1200" dirty="0" smtClean="0">
@@ -16687,21 +16613,7 @@
                           <a:latin typeface="微軟正黑體" panose="020B0604030504040204" pitchFamily="34" charset="-120"/>
                           <a:ea typeface="微軟正黑體" panose="020B0604030504040204" pitchFamily="34" charset="-120"/>
                         </a:rPr>
-                        <a:t>車庫</a:t>
-                      </a:r>
-                      <a:r>
-                        <a:rPr lang="zh-TW" altLang="en-US" sz="1200" dirty="0" smtClean="0">
-                          <a:latin typeface="微軟正黑體" panose="020B0604030504040204" pitchFamily="34" charset="-120"/>
-                          <a:ea typeface="微軟正黑體" panose="020B0604030504040204" pitchFamily="34" charset="-120"/>
-                        </a:rPr>
-                        <a:t>建造完成</a:t>
-                      </a:r>
-                      <a:r>
-                        <a:rPr lang="zh-TW" altLang="en-US" sz="1200" dirty="0" smtClean="0">
-                          <a:latin typeface="微軟正黑體" panose="020B0604030504040204" pitchFamily="34" charset="-120"/>
-                          <a:ea typeface="微軟正黑體" panose="020B0604030504040204" pitchFamily="34" charset="-120"/>
-                        </a:rPr>
-                        <a:t>年份</a:t>
+                        <a:t>車庫建造完成年份</a:t>
                       </a:r>
                       <a:r>
                         <a:rPr lang="en-US" altLang="zh-TW" sz="1200" dirty="0" err="1" smtClean="0">
@@ -16841,21 +16753,7 @@
                           <a:latin typeface="微軟正黑體" panose="020B0604030504040204" pitchFamily="34" charset="-120"/>
                           <a:ea typeface="微軟正黑體" panose="020B0604030504040204" pitchFamily="34" charset="-120"/>
                         </a:rPr>
-                        <a:t>開放式</a:t>
-                      </a:r>
-                      <a:r>
-                        <a:rPr lang="zh-TW" altLang="en-US" sz="1200" dirty="0" smtClean="0">
-                          <a:latin typeface="微軟正黑體" panose="020B0604030504040204" pitchFamily="34" charset="-120"/>
-                          <a:ea typeface="微軟正黑體" panose="020B0604030504040204" pitchFamily="34" charset="-120"/>
-                        </a:rPr>
-                        <a:t>門廊</a:t>
-                      </a:r>
-                      <a:r>
-                        <a:rPr lang="zh-TW" altLang="en-US" sz="1200" dirty="0" smtClean="0">
-                          <a:latin typeface="微軟正黑體" panose="020B0604030504040204" pitchFamily="34" charset="-120"/>
-                          <a:ea typeface="微軟正黑體" panose="020B0604030504040204" pitchFamily="34" charset="-120"/>
-                        </a:rPr>
-                        <a:t>面積</a:t>
+                        <a:t>開放式門廊面積</a:t>
                       </a:r>
                       <a:r>
                         <a:rPr lang="en-US" altLang="zh-TW" sz="1200" dirty="0" err="1" smtClean="0">
@@ -17021,21 +16919,7 @@
                           <a:latin typeface="微軟正黑體" panose="020B0604030504040204" pitchFamily="34" charset="-120"/>
                           <a:ea typeface="微軟正黑體" panose="020B0604030504040204" pitchFamily="34" charset="-120"/>
                         </a:rPr>
-                        <a:t>鋪設</a:t>
-                      </a:r>
-                      <a:r>
-                        <a:rPr lang="zh-TW" altLang="en-US" sz="1200" dirty="0" smtClean="0">
-                          <a:latin typeface="微軟正黑體" panose="020B0604030504040204" pitchFamily="34" charset="-120"/>
-                          <a:ea typeface="微軟正黑體" panose="020B0604030504040204" pitchFamily="34" charset="-120"/>
-                        </a:rPr>
-                        <a:t>磚石</a:t>
-                      </a:r>
-                      <a:r>
-                        <a:rPr lang="zh-TW" altLang="en-US" sz="1200" dirty="0" smtClean="0">
-                          <a:latin typeface="微軟正黑體" panose="020B0604030504040204" pitchFamily="34" charset="-120"/>
-                          <a:ea typeface="微軟正黑體" panose="020B0604030504040204" pitchFamily="34" charset="-120"/>
-                        </a:rPr>
-                        <a:t>面積</a:t>
+                        <a:t>鋪設磚石面積</a:t>
                       </a:r>
                       <a:r>
                         <a:rPr lang="en-US" altLang="zh-TW" sz="1200" dirty="0" err="1" smtClean="0">
@@ -21786,7 +21670,7 @@
         </p:nvGraphicFramePr>
         <p:xfrm>
           <a:off x="5969929" y="868792"/>
-          <a:ext cx="3077460" cy="5784343"/>
+          <a:ext cx="3077460" cy="5801932"/>
         </p:xfrm>
         <a:graphic>
           <a:graphicData uri="http://schemas.openxmlformats.org/drawingml/2006/table">
@@ -21999,29 +21883,7 @@
                           <a:ea typeface="微軟正黑體" panose="020B0604030504040204" pitchFamily="34" charset="-120"/>
                           <a:cs typeface="+mn-cs"/>
                         </a:rPr>
-                        <a:t>主</a:t>
-                      </a:r>
-                      <a:r>
-                        <a:rPr lang="zh-TW" altLang="en-US" sz="1200" kern="1200" dirty="0" smtClean="0">
-                          <a:solidFill>
-                            <a:schemeClr val="dk1"/>
-                          </a:solidFill>
-                          <a:latin typeface="微軟正黑體" panose="020B0604030504040204" pitchFamily="34" charset="-120"/>
-                          <a:ea typeface="微軟正黑體" panose="020B0604030504040204" pitchFamily="34" charset="-120"/>
-                          <a:cs typeface="+mn-cs"/>
-                        </a:rPr>
-                        <a:t>建物</a:t>
-                      </a:r>
-                      <a:r>
-                        <a:rPr lang="zh-TW" altLang="en-US" sz="1200" kern="1200" dirty="0" smtClean="0">
-                          <a:solidFill>
-                            <a:schemeClr val="dk1"/>
-                          </a:solidFill>
-                          <a:latin typeface="微軟正黑體" panose="020B0604030504040204" pitchFamily="34" charset="-120"/>
-                          <a:ea typeface="微軟正黑體" panose="020B0604030504040204" pitchFamily="34" charset="-120"/>
-                          <a:cs typeface="+mn-cs"/>
-                        </a:rPr>
-                        <a:t>坪數</a:t>
+                        <a:t>主建物坪數</a:t>
                       </a:r>
                       <a:r>
                         <a:rPr lang="en-US" altLang="zh-TW" sz="1200" kern="1200" dirty="0" smtClean="0">
@@ -22107,29 +21969,7 @@
                           <a:ea typeface="微軟正黑體" panose="020B0604030504040204" pitchFamily="34" charset="-120"/>
                           <a:cs typeface="+mn-cs"/>
                         </a:rPr>
-                        <a:t>臨</a:t>
-                      </a:r>
-                      <a:r>
-                        <a:rPr lang="zh-TW" altLang="en-US" sz="1200" kern="1200" dirty="0" smtClean="0">
-                          <a:solidFill>
-                            <a:schemeClr val="dk1"/>
-                          </a:solidFill>
-                          <a:latin typeface="微軟正黑體" panose="020B0604030504040204" pitchFamily="34" charset="-120"/>
-                          <a:ea typeface="微軟正黑體" panose="020B0604030504040204" pitchFamily="34" charset="-120"/>
-                          <a:cs typeface="+mn-cs"/>
-                        </a:rPr>
-                        <a:t>路</a:t>
-                      </a:r>
-                      <a:r>
-                        <a:rPr lang="zh-TW" altLang="en-US" sz="1200" kern="1200" dirty="0" smtClean="0">
-                          <a:solidFill>
-                            <a:schemeClr val="dk1"/>
-                          </a:solidFill>
-                          <a:latin typeface="微軟正黑體" panose="020B0604030504040204" pitchFamily="34" charset="-120"/>
-                          <a:ea typeface="微軟正黑體" panose="020B0604030504040204" pitchFamily="34" charset="-120"/>
-                          <a:cs typeface="+mn-cs"/>
-                        </a:rPr>
-                        <a:t>寬度</a:t>
+                        <a:t>臨路寬度</a:t>
                       </a:r>
                       <a:r>
                         <a:rPr lang="en-US" altLang="zh-TW" sz="1200" kern="1200" dirty="0" err="1" smtClean="0">
@@ -22231,29 +22071,7 @@
                           <a:ea typeface="微軟正黑體" panose="020B0604030504040204" pitchFamily="34" charset="-120"/>
                           <a:cs typeface="+mn-cs"/>
                         </a:rPr>
-                        <a:t>車</a:t>
-                      </a:r>
-                      <a:r>
-                        <a:rPr lang="zh-TW" altLang="en-US" sz="1200" kern="1200" dirty="0" smtClean="0">
-                          <a:solidFill>
-                            <a:schemeClr val="dk1"/>
-                          </a:solidFill>
-                          <a:latin typeface="微軟正黑體" panose="020B0604030504040204" pitchFamily="34" charset="-120"/>
-                          <a:ea typeface="微軟正黑體" panose="020B0604030504040204" pitchFamily="34" charset="-120"/>
-                          <a:cs typeface="+mn-cs"/>
-                        </a:rPr>
-                        <a:t>位</a:t>
-                      </a:r>
-                      <a:r>
-                        <a:rPr lang="zh-TW" altLang="en-US" sz="1200" kern="1200" dirty="0" smtClean="0">
-                          <a:solidFill>
-                            <a:schemeClr val="dk1"/>
-                          </a:solidFill>
-                          <a:latin typeface="微軟正黑體" panose="020B0604030504040204" pitchFamily="34" charset="-120"/>
-                          <a:ea typeface="微軟正黑體" panose="020B0604030504040204" pitchFamily="34" charset="-120"/>
-                          <a:cs typeface="+mn-cs"/>
-                        </a:rPr>
-                        <a:t>總價</a:t>
+                        <a:t>車位總價</a:t>
                       </a:r>
                       <a:r>
                         <a:rPr lang="en-US" altLang="zh-TW" sz="1200" kern="1200" dirty="0" err="1" smtClean="0">
@@ -22357,29 +22175,7 @@
                           <a:ea typeface="微軟正黑體" panose="020B0604030504040204" pitchFamily="34" charset="-120"/>
                           <a:cs typeface="+mn-cs"/>
                         </a:rPr>
-                        <a:t>附屬</a:t>
-                      </a:r>
-                      <a:r>
-                        <a:rPr lang="zh-TW" altLang="en-US" sz="1200" kern="1200" dirty="0" smtClean="0">
-                          <a:solidFill>
-                            <a:schemeClr val="dk1"/>
-                          </a:solidFill>
-                          <a:latin typeface="微軟正黑體" panose="020B0604030504040204" pitchFamily="34" charset="-120"/>
-                          <a:ea typeface="微軟正黑體" panose="020B0604030504040204" pitchFamily="34" charset="-120"/>
-                          <a:cs typeface="+mn-cs"/>
-                        </a:rPr>
-                        <a:t>建物</a:t>
-                      </a:r>
-                      <a:r>
-                        <a:rPr lang="zh-TW" altLang="en-US" sz="1200" kern="1200" dirty="0" smtClean="0">
-                          <a:solidFill>
-                            <a:schemeClr val="dk1"/>
-                          </a:solidFill>
-                          <a:latin typeface="微軟正黑體" panose="020B0604030504040204" pitchFamily="34" charset="-120"/>
-                          <a:ea typeface="微軟正黑體" panose="020B0604030504040204" pitchFamily="34" charset="-120"/>
-                          <a:cs typeface="+mn-cs"/>
-                        </a:rPr>
-                        <a:t>坪數</a:t>
+                        <a:t>附屬建物坪數</a:t>
                       </a:r>
                       <a:r>
                         <a:rPr lang="en-US" altLang="zh-TW" sz="1200" kern="1200" dirty="0" smtClean="0">
@@ -23141,29 +22937,7 @@
                           <a:ea typeface="微軟正黑體" panose="020B0604030504040204" pitchFamily="34" charset="-120"/>
                           <a:cs typeface="+mn-cs"/>
                         </a:rPr>
-                        <a:t>車</a:t>
-                      </a:r>
-                      <a:r>
-                        <a:rPr lang="zh-TW" altLang="en-US" sz="1200" kern="1200" dirty="0" smtClean="0">
-                          <a:solidFill>
-                            <a:schemeClr val="dk1"/>
-                          </a:solidFill>
-                          <a:latin typeface="微軟正黑體" panose="020B0604030504040204" pitchFamily="34" charset="-120"/>
-                          <a:ea typeface="微軟正黑體" panose="020B0604030504040204" pitchFamily="34" charset="-120"/>
-                          <a:cs typeface="+mn-cs"/>
-                        </a:rPr>
-                        <a:t>位</a:t>
-                      </a:r>
-                      <a:r>
-                        <a:rPr lang="zh-TW" altLang="en-US" sz="1200" kern="1200" dirty="0" smtClean="0">
-                          <a:solidFill>
-                            <a:schemeClr val="dk1"/>
-                          </a:solidFill>
-                          <a:latin typeface="微軟正黑體" panose="020B0604030504040204" pitchFamily="34" charset="-120"/>
-                          <a:ea typeface="微軟正黑體" panose="020B0604030504040204" pitchFamily="34" charset="-120"/>
-                          <a:cs typeface="+mn-cs"/>
-                        </a:rPr>
-                        <a:t>坪數</a:t>
+                        <a:t>車位坪數</a:t>
                       </a:r>
                       <a:r>
                         <a:rPr lang="en-US" altLang="zh-TW" sz="1200" kern="1200" dirty="0" err="1" smtClean="0">
@@ -23526,12 +23300,12 @@
               <a:t>(RMSE):</a:t>
             </a:r>
             <a:r>
-              <a:rPr lang="en-US" altLang="zh-TW" sz="1600" dirty="0">
+              <a:rPr lang="en-US" altLang="zh-TW" sz="1600" dirty="0" smtClean="0">
                 <a:solidFill>
                   <a:srgbClr val="FF0000"/>
                 </a:solidFill>
               </a:rPr>
-              <a:t>10353629 </a:t>
+              <a:t>10353629</a:t>
             </a:r>
             <a:r>
               <a:rPr lang="en-US" altLang="zh-TW" sz="1600" dirty="0" smtClean="0"/>
@@ -27899,8 +27673,8 @@
         </p:nvSpPr>
         <p:spPr>
           <a:xfrm>
-            <a:off x="2394957" y="5475593"/>
-            <a:ext cx="1839652" cy="830997"/>
+            <a:off x="2531105" y="5709791"/>
+            <a:ext cx="1839652" cy="461665"/>
           </a:xfrm>
           <a:prstGeom prst="rect">
             <a:avLst/>
@@ -27915,7 +27689,7 @@
           <a:p>
             <a:pPr algn="ctr"/>
             <a:r>
-              <a:rPr lang="zh-TW" altLang="en-US" u="none" dirty="0" smtClean="0">
+              <a:rPr lang="zh-TW" altLang="en-US" u="none" dirty="0">
                 <a:solidFill>
                   <a:schemeClr val="bg1"/>
                 </a:solidFill>
@@ -27923,31 +27697,9 @@
                 <a:ea typeface="微軟正黑體" panose="020B0604030504040204" pitchFamily="34" charset="-120"/>
                 <a:cs typeface="Tahoma" panose="020B0604030504040204" pitchFamily="34" charset="0"/>
               </a:rPr>
-              <a:t>未找到關鍵</a:t>
-            </a:r>
-            <a:endParaRPr lang="en-US" altLang="zh-TW" u="none" dirty="0" smtClean="0">
-              <a:solidFill>
-                <a:schemeClr val="bg1"/>
-              </a:solidFill>
-              <a:latin typeface="微軟正黑體" panose="020B0604030504040204" pitchFamily="34" charset="-120"/>
-              <a:ea typeface="微軟正黑體" panose="020B0604030504040204" pitchFamily="34" charset="-120"/>
-              <a:cs typeface="Tahoma" panose="020B0604030504040204" pitchFamily="34" charset="0"/>
-            </a:endParaRPr>
-          </a:p>
-          <a:p>
-            <a:pPr algn="ctr"/>
-            <a:r>
-              <a:rPr lang="zh-TW" altLang="en-US" u="none" dirty="0" smtClean="0">
-                <a:solidFill>
-                  <a:schemeClr val="bg1"/>
-                </a:solidFill>
-                <a:latin typeface="微軟正黑體" panose="020B0604030504040204" pitchFamily="34" charset="-120"/>
-                <a:ea typeface="微軟正黑體" panose="020B0604030504040204" pitchFamily="34" charset="-120"/>
-                <a:cs typeface="Tahoma" panose="020B0604030504040204" pitchFamily="34" charset="0"/>
-              </a:rPr>
-              <a:t>特徵值</a:t>
-            </a:r>
-            <a:endParaRPr lang="zh-CN" altLang="en-US" u="none" dirty="0" smtClean="0">
+              <a:t>調整模型</a:t>
+            </a:r>
+            <a:endParaRPr lang="zh-CN" altLang="en-US" u="none" dirty="0">
               <a:solidFill>
                 <a:schemeClr val="bg1"/>
               </a:solidFill>
@@ -35207,35 +34959,21 @@
                 <a:latin typeface="微軟正黑體" panose="020B0604030504040204" pitchFamily="34" charset="-120"/>
                 <a:ea typeface="微軟正黑體" panose="020B0604030504040204" pitchFamily="34" charset="-120"/>
               </a:rPr>
-              <a:t>學習</a:t>
-            </a:r>
+              <a:t>學習資料分析</a:t>
+            </a:r>
+            <a:endParaRPr lang="en-US" altLang="zh-TW" u="none" dirty="0">
+              <a:latin typeface="微軟正黑體" panose="020B0604030504040204" pitchFamily="34" charset="-120"/>
+              <a:ea typeface="微軟正黑體" panose="020B0604030504040204" pitchFamily="34" charset="-120"/>
+            </a:endParaRPr>
+          </a:p>
+          <a:p>
+            <a:pPr algn="ctr"/>
             <a:r>
               <a:rPr lang="zh-TW" altLang="en-US" u="none" dirty="0">
                 <a:latin typeface="微軟正黑體" panose="020B0604030504040204" pitchFamily="34" charset="-120"/>
                 <a:ea typeface="微軟正黑體" panose="020B0604030504040204" pitchFamily="34" charset="-120"/>
               </a:rPr>
-              <a:t>資料分析</a:t>
-            </a:r>
-            <a:endParaRPr lang="en-US" altLang="zh-TW" u="none" dirty="0">
-              <a:latin typeface="微軟正黑體" panose="020B0604030504040204" pitchFamily="34" charset="-120"/>
-              <a:ea typeface="微軟正黑體" panose="020B0604030504040204" pitchFamily="34" charset="-120"/>
-            </a:endParaRPr>
-          </a:p>
-          <a:p>
-            <a:pPr algn="ctr"/>
-            <a:r>
-              <a:rPr lang="zh-TW" altLang="en-US" u="none" dirty="0">
-                <a:latin typeface="微軟正黑體" panose="020B0604030504040204" pitchFamily="34" charset="-120"/>
-                <a:ea typeface="微軟正黑體" panose="020B0604030504040204" pitchFamily="34" charset="-120"/>
-              </a:rPr>
-              <a:t>與</a:t>
-            </a:r>
-            <a:r>
-              <a:rPr lang="zh-TW" altLang="en-US" u="none" dirty="0">
-                <a:latin typeface="微軟正黑體" panose="020B0604030504040204" pitchFamily="34" charset="-120"/>
-                <a:ea typeface="微軟正黑體" panose="020B0604030504040204" pitchFamily="34" charset="-120"/>
-              </a:rPr>
-              <a:t>處理</a:t>
+              <a:t>與處理</a:t>
             </a:r>
           </a:p>
         </p:txBody>
@@ -36651,11 +36389,7 @@
             </a:pPr>
             <a:r>
               <a:rPr lang="zh-TW" altLang="en-US" dirty="0" smtClean="0"/>
-              <a:t>未來利用實價登錄資料分析</a:t>
-            </a:r>
-            <a:r>
-              <a:rPr lang="zh-TW" altLang="en-US" dirty="0" smtClean="0"/>
-              <a:t>。</a:t>
+              <a:t>未來利用實價登錄資料分析。</a:t>
             </a:r>
             <a:endParaRPr lang="en-US" altLang="zh-TW" dirty="0" smtClean="0"/>
           </a:p>
@@ -36745,13 +36479,8 @@
             </a:r>
             <a:r>
               <a:rPr lang="zh-TW" altLang="en-US" dirty="0" smtClean="0"/>
-              <a:t>該</a:t>
-            </a:r>
-            <a:r>
-              <a:rPr lang="zh-TW" altLang="en-US" dirty="0" smtClean="0"/>
-              <a:t>專案。</a:t>
-            </a:r>
-            <a:endParaRPr lang="zh-TW" altLang="en-US" dirty="0" smtClean="0"/>
+              <a:t>該專案。</a:t>
+            </a:r>
           </a:p>
         </p:txBody>
       </p:sp>

--- a/AI_Report/AI應用-不動產價格預測.pptx
+++ b/AI_Report/AI應用-不動產價格預測.pptx
@@ -6,7 +6,7 @@
     <p:sldMasterId id="2147483703" r:id="rId5"/>
   </p:sldMasterIdLst>
   <p:notesMasterIdLst>
-    <p:notesMasterId r:id="rId47"/>
+    <p:notesMasterId r:id="rId48"/>
   </p:notesMasterIdLst>
   <p:sldIdLst>
     <p:sldId id="256" r:id="rId6"/>
@@ -43,13 +43,14 @@
     <p:sldId id="359" r:id="rId37"/>
     <p:sldId id="360" r:id="rId38"/>
     <p:sldId id="363" r:id="rId39"/>
-    <p:sldId id="365" r:id="rId40"/>
-    <p:sldId id="374" r:id="rId41"/>
-    <p:sldId id="372" r:id="rId42"/>
-    <p:sldId id="371" r:id="rId43"/>
-    <p:sldId id="322" r:id="rId44"/>
-    <p:sldId id="314" r:id="rId45"/>
-    <p:sldId id="266" r:id="rId46"/>
+    <p:sldId id="376" r:id="rId40"/>
+    <p:sldId id="365" r:id="rId41"/>
+    <p:sldId id="374" r:id="rId42"/>
+    <p:sldId id="372" r:id="rId43"/>
+    <p:sldId id="371" r:id="rId44"/>
+    <p:sldId id="322" r:id="rId45"/>
+    <p:sldId id="314" r:id="rId46"/>
+    <p:sldId id="266" r:id="rId47"/>
   </p:sldIdLst>
   <p:sldSz cx="9144000" cy="6859588"/>
   <p:notesSz cx="6797675" cy="9926638"/>
@@ -2601,7 +2602,7 @@
               <a:pPr>
                 <a:defRPr/>
               </a:pPr>
-              <a:t>37</a:t>
+              <a:t>38</a:t>
             </a:fld>
             <a:endParaRPr lang="zh-TW" altLang="en-US"/>
           </a:p>
@@ -2838,7 +2839,7 @@
               <a:pPr>
                 <a:defRPr/>
               </a:pPr>
-              <a:t>38</a:t>
+              <a:t>39</a:t>
             </a:fld>
             <a:endParaRPr lang="zh-TW" altLang="en-US"/>
           </a:p>
@@ -3092,7 +3093,7 @@
             <a:fld id="{DFB02F71-B921-4445-9FF7-71B182DB3C5B}" type="slidenum">
               <a:rPr lang="zh-TW" altLang="en-US" sz="1200" smtClean="0"/>
               <a:pPr/>
-              <a:t>40</a:t>
+              <a:t>41</a:t>
             </a:fld>
             <a:endParaRPr lang="zh-TW" altLang="en-US" sz="1200" smtClean="0"/>
           </a:p>
@@ -23140,6 +23141,30 @@
           <a:chExt cx="0" cy="0"/>
         </a:xfrm>
       </p:grpSpPr>
+      <p:pic>
+        <p:nvPicPr>
+          <p:cNvPr id="6" name="圖片 5"/>
+          <p:cNvPicPr>
+            <a:picLocks noChangeAspect="1"/>
+          </p:cNvPicPr>
+          <p:nvPr/>
+        </p:nvPicPr>
+        <p:blipFill>
+          <a:blip r:embed="rId2"/>
+          <a:stretch>
+            <a:fillRect/>
+          </a:stretch>
+        </p:blipFill>
+        <p:spPr>
+          <a:xfrm>
+            <a:off x="2905100" y="1413570"/>
+            <a:ext cx="6112974" cy="3888432"/>
+          </a:xfrm>
+          <a:prstGeom prst="rect">
+            <a:avLst/>
+          </a:prstGeom>
+        </p:spPr>
+      </p:pic>
       <p:sp>
         <p:nvSpPr>
           <p:cNvPr id="2" name="標題 1"/>
@@ -23280,9 +23305,16 @@
             <a:endParaRPr lang="en-US" altLang="zh-TW" dirty="0" smtClean="0"/>
           </a:p>
           <a:p>
+            <a:endParaRPr lang="en-US" altLang="zh-TW" dirty="0" smtClean="0"/>
+          </a:p>
+          <a:p>
             <a:r>
               <a:rPr lang="zh-TW" altLang="en-US" dirty="0" smtClean="0"/>
-              <a:t>結果分析</a:t>
+              <a:t>結果</a:t>
+            </a:r>
+            <a:r>
+              <a:rPr lang="zh-TW" altLang="en-US" dirty="0" smtClean="0"/>
+              <a:t>分析</a:t>
             </a:r>
             <a:r>
               <a:rPr lang="en-US" altLang="zh-TW" dirty="0" smtClean="0"/>
@@ -23369,30 +23401,6 @@
           </a:p>
         </p:txBody>
       </p:sp>
-      <p:pic>
-        <p:nvPicPr>
-          <p:cNvPr id="6" name="圖片 5"/>
-          <p:cNvPicPr>
-            <a:picLocks noChangeAspect="1"/>
-          </p:cNvPicPr>
-          <p:nvPr/>
-        </p:nvPicPr>
-        <p:blipFill>
-          <a:blip r:embed="rId2"/>
-          <a:stretch>
-            <a:fillRect/>
-          </a:stretch>
-        </p:blipFill>
-        <p:spPr>
-          <a:xfrm>
-            <a:off x="3275856" y="1413570"/>
-            <a:ext cx="5742218" cy="3652596"/>
-          </a:xfrm>
-          <a:prstGeom prst="rect">
-            <a:avLst/>
-          </a:prstGeom>
-        </p:spPr>
-      </p:pic>
     </p:spTree>
     <p:extLst>
       <p:ext uri="{BB962C8B-B14F-4D97-AF65-F5344CB8AC3E}">
@@ -23624,7 +23632,7 @@
                   <a:srgbClr val="FF0000"/>
                 </a:solidFill>
               </a:rPr>
-              <a:t>0.67</a:t>
+              <a:t>0.59</a:t>
             </a:r>
             <a:endParaRPr lang="en-US" altLang="zh-TW" dirty="0" smtClean="0"/>
           </a:p>
@@ -23718,6 +23726,30 @@
           <a:chExt cx="0" cy="0"/>
         </a:xfrm>
       </p:grpSpPr>
+      <p:pic>
+        <p:nvPicPr>
+          <p:cNvPr id="5" name="圖片 4"/>
+          <p:cNvPicPr>
+            <a:picLocks noChangeAspect="1"/>
+          </p:cNvPicPr>
+          <p:nvPr/>
+        </p:nvPicPr>
+        <p:blipFill>
+          <a:blip r:embed="rId2"/>
+          <a:stretch>
+            <a:fillRect/>
+          </a:stretch>
+        </p:blipFill>
+        <p:spPr>
+          <a:xfrm>
+            <a:off x="3135734" y="1829468"/>
+            <a:ext cx="5984737" cy="3847331"/>
+          </a:xfrm>
+          <a:prstGeom prst="rect">
+            <a:avLst/>
+          </a:prstGeom>
+        </p:spPr>
+      </p:pic>
       <p:sp>
         <p:nvSpPr>
           <p:cNvPr id="2" name="標題 1"/>
@@ -23751,18 +23783,22 @@
               <a:t>-</a:t>
             </a:r>
             <a:r>
-              <a:rPr lang="zh-TW" altLang="en-US" sz="2800" b="1" dirty="0" smtClean="0">
+              <a:rPr lang="zh-TW" altLang="en-US" sz="2800" b="1" dirty="0">
                 <a:solidFill>
                   <a:schemeClr val="tx1"/>
                 </a:solidFill>
               </a:rPr>
-              <a:t>預測資料</a:t>
-            </a:r>
-            <a:endParaRPr lang="zh-TW" altLang="en-US" sz="2800" b="1" dirty="0">
-              <a:solidFill>
-                <a:schemeClr val="tx1"/>
-              </a:solidFill>
-            </a:endParaRPr>
+              <a:t>建立與分析模型</a:t>
+            </a:r>
+            <a:r>
+              <a:rPr lang="en-US" altLang="zh-TW" sz="2800" b="1" dirty="0" smtClean="0">
+                <a:solidFill>
+                  <a:schemeClr val="tx1"/>
+                </a:solidFill>
+              </a:rPr>
+              <a:t>-3</a:t>
+            </a:r>
+            <a:endParaRPr lang="zh-TW" altLang="en-US" sz="2800" dirty="0"/>
           </a:p>
         </p:txBody>
       </p:sp>
@@ -23782,6 +23818,278 @@
           <a:lstStyle/>
           <a:p>
             <a:r>
+              <a:rPr lang="zh-TW" altLang="en-US" dirty="0"/>
+              <a:t>採用</a:t>
+            </a:r>
+            <a:r>
+              <a:rPr lang="en-US" altLang="zh-TW" dirty="0" err="1"/>
+              <a:t>XGBoost</a:t>
+            </a:r>
+            <a:r>
+              <a:rPr lang="zh-TW" altLang="en-US" dirty="0"/>
+              <a:t>算法。</a:t>
+            </a:r>
+            <a:endParaRPr lang="en-US" altLang="zh-TW" dirty="0"/>
+          </a:p>
+          <a:p>
+            <a:r>
+              <a:rPr lang="zh-TW" altLang="en-US" dirty="0" smtClean="0"/>
+              <a:t>排除房價高於</a:t>
+            </a:r>
+            <a:r>
+              <a:rPr lang="en-US" altLang="zh-TW" dirty="0" smtClean="0"/>
+              <a:t>8000</a:t>
+            </a:r>
+            <a:r>
+              <a:rPr lang="zh-TW" altLang="en-US" dirty="0" smtClean="0"/>
+              <a:t>萬及低於</a:t>
+            </a:r>
+            <a:r>
+              <a:rPr lang="en-US" altLang="zh-TW" dirty="0" smtClean="0"/>
+              <a:t>300</a:t>
+            </a:r>
+            <a:r>
+              <a:rPr lang="zh-TW" altLang="en-US" dirty="0" smtClean="0"/>
+              <a:t>萬的資料。</a:t>
+            </a:r>
+            <a:endParaRPr lang="en-US" altLang="zh-TW" dirty="0" smtClean="0"/>
+          </a:p>
+          <a:p>
+            <a:r>
+              <a:rPr lang="zh-TW" altLang="en-US" dirty="0" smtClean="0"/>
+              <a:t>增加都市別權重，提升六都。</a:t>
+            </a:r>
+            <a:endParaRPr lang="en-US" altLang="zh-TW" dirty="0" smtClean="0"/>
+          </a:p>
+          <a:p>
+            <a:endParaRPr lang="en-US" altLang="zh-TW" dirty="0"/>
+          </a:p>
+          <a:p>
+            <a:endParaRPr lang="en-US" altLang="zh-TW" dirty="0" smtClean="0"/>
+          </a:p>
+          <a:p>
+            <a:endParaRPr lang="en-US" altLang="zh-TW" dirty="0"/>
+          </a:p>
+          <a:p>
+            <a:endParaRPr lang="en-US" altLang="zh-TW" dirty="0" smtClean="0"/>
+          </a:p>
+          <a:p>
+            <a:endParaRPr lang="en-US" altLang="zh-TW" dirty="0"/>
+          </a:p>
+          <a:p>
+            <a:endParaRPr lang="en-US" altLang="zh-TW" dirty="0" smtClean="0"/>
+          </a:p>
+          <a:p>
+            <a:endParaRPr lang="en-US" altLang="zh-TW" dirty="0"/>
+          </a:p>
+          <a:p>
+            <a:endParaRPr lang="en-US" altLang="zh-TW" dirty="0" smtClean="0"/>
+          </a:p>
+          <a:p>
+            <a:endParaRPr lang="en-US" altLang="zh-TW" dirty="0"/>
+          </a:p>
+          <a:p>
+            <a:r>
+              <a:rPr lang="zh-TW" altLang="en-US" dirty="0"/>
+              <a:t>結果分析</a:t>
+            </a:r>
+            <a:r>
+              <a:rPr lang="en-US" altLang="zh-TW" dirty="0"/>
+              <a:t>:</a:t>
+            </a:r>
+          </a:p>
+          <a:p>
+            <a:pPr lvl="1"/>
+            <a:r>
+              <a:rPr lang="zh-TW" altLang="en-US" sz="1600" dirty="0"/>
+              <a:t>均方根誤差</a:t>
+            </a:r>
+            <a:r>
+              <a:rPr lang="en-US" altLang="zh-TW" sz="1600" dirty="0"/>
+              <a:t>(RMSE</a:t>
+            </a:r>
+            <a:r>
+              <a:rPr lang="en-US" altLang="zh-TW" sz="1600" dirty="0" smtClean="0"/>
+              <a:t>):</a:t>
+            </a:r>
+            <a:r>
+              <a:rPr lang="en-US" altLang="zh-TW" sz="1600" dirty="0" smtClean="0">
+                <a:solidFill>
+                  <a:srgbClr val="FF0000"/>
+                </a:solidFill>
+              </a:rPr>
+              <a:t>1244003</a:t>
+            </a:r>
+            <a:r>
+              <a:rPr lang="en-US" altLang="zh-TW" sz="1600" dirty="0" smtClean="0"/>
+              <a:t>(</a:t>
+            </a:r>
+            <a:r>
+              <a:rPr lang="zh-TW" altLang="en-US" sz="1600" dirty="0" smtClean="0"/>
+              <a:t>一百二十多萬</a:t>
+            </a:r>
+            <a:r>
+              <a:rPr lang="en-US" altLang="zh-TW" sz="1600" dirty="0" smtClean="0"/>
+              <a:t>)</a:t>
+            </a:r>
+            <a:endParaRPr lang="en-US" altLang="zh-TW" sz="1600" dirty="0"/>
+          </a:p>
+          <a:p>
+            <a:pPr lvl="1"/>
+            <a:r>
+              <a:rPr lang="zh-TW" altLang="en-US" sz="1600" dirty="0"/>
+              <a:t>決定係數</a:t>
+            </a:r>
+            <a:r>
+              <a:rPr lang="en-US" altLang="zh-TW" sz="1600" dirty="0"/>
+              <a:t>(R Squared):</a:t>
+            </a:r>
+            <a:r>
+              <a:rPr lang="en-US" altLang="zh-TW" sz="1600" dirty="0" smtClean="0">
+                <a:solidFill>
+                  <a:srgbClr val="FF0000"/>
+                </a:solidFill>
+              </a:rPr>
+              <a:t>0.79</a:t>
+            </a:r>
+            <a:endParaRPr lang="en-US" altLang="zh-TW" dirty="0"/>
+          </a:p>
+          <a:p>
+            <a:endParaRPr lang="zh-TW" altLang="en-US" dirty="0"/>
+          </a:p>
+        </p:txBody>
+      </p:sp>
+      <p:sp>
+        <p:nvSpPr>
+          <p:cNvPr id="4" name="頁尾版面配置區 3"/>
+          <p:cNvSpPr>
+            <a:spLocks noGrp="1"/>
+          </p:cNvSpPr>
+          <p:nvPr>
+            <p:ph type="ftr" sz="quarter" idx="11"/>
+          </p:nvPr>
+        </p:nvSpPr>
+        <p:spPr/>
+        <p:txBody>
+          <a:bodyPr/>
+          <a:lstStyle/>
+          <a:p>
+            <a:pPr>
+              <a:defRPr/>
+            </a:pPr>
+            <a:r>
+              <a:rPr lang="zh-TW" altLang="en-US" smtClean="0"/>
+              <a:t>機密等級：密            日期：</a:t>
+            </a:r>
+            <a:r>
+              <a:rPr lang="en-US" altLang="zh-TW" smtClean="0"/>
+              <a:t>2019/12/18</a:t>
+            </a:r>
+            <a:endParaRPr lang="zh-TW" altLang="en-US" dirty="0"/>
+          </a:p>
+        </p:txBody>
+      </p:sp>
+    </p:spTree>
+    <p:extLst>
+      <p:ext uri="{BB962C8B-B14F-4D97-AF65-F5344CB8AC3E}">
+        <p14:creationId xmlns:p14="http://schemas.microsoft.com/office/powerpoint/2010/main" val="6032023"/>
+      </p:ext>
+    </p:extLst>
+  </p:cSld>
+  <p:clrMapOvr>
+    <a:masterClrMapping/>
+  </p:clrMapOvr>
+  <p:timing>
+    <p:tnLst>
+      <p:par>
+        <p:cTn id="1" dur="indefinite" restart="never" nodeType="tmRoot"/>
+      </p:par>
+    </p:tnLst>
+  </p:timing>
+</p:sld>
+</file>
+
+<file path=ppt/slides/slide36.xml><?xml version="1.0" encoding="utf-8"?>
+<p:sld xmlns:a="http://schemas.openxmlformats.org/drawingml/2006/main" xmlns:r="http://schemas.openxmlformats.org/officeDocument/2006/relationships" xmlns:p="http://schemas.openxmlformats.org/presentationml/2006/main">
+  <p:cSld>
+    <p:spTree>
+      <p:nvGrpSpPr>
+        <p:cNvPr id="1" name=""/>
+        <p:cNvGrpSpPr/>
+        <p:nvPr/>
+      </p:nvGrpSpPr>
+      <p:grpSpPr>
+        <a:xfrm>
+          <a:off x="0" y="0"/>
+          <a:ext cx="0" cy="0"/>
+          <a:chOff x="0" y="0"/>
+          <a:chExt cx="0" cy="0"/>
+        </a:xfrm>
+      </p:grpSpPr>
+      <p:sp>
+        <p:nvSpPr>
+          <p:cNvPr id="2" name="標題 1"/>
+          <p:cNvSpPr>
+            <a:spLocks noGrp="1"/>
+          </p:cNvSpPr>
+          <p:nvPr>
+            <p:ph type="title"/>
+          </p:nvPr>
+        </p:nvSpPr>
+        <p:spPr/>
+        <p:txBody>
+          <a:bodyPr/>
+          <a:lstStyle/>
+          <a:p>
+            <a:pPr algn="ctr"/>
+            <a:r>
+              <a:rPr lang="zh-TW" altLang="en-US" sz="2800" b="1" dirty="0">
+                <a:solidFill>
+                  <a:schemeClr val="tx1"/>
+                </a:solidFill>
+              </a:rPr>
+              <a:t>放款資料</a:t>
+            </a:r>
+            <a:r>
+              <a:rPr lang="en-US" altLang="zh-TW" sz="2800" b="1" dirty="0">
+                <a:solidFill>
+                  <a:schemeClr val="tx1"/>
+                </a:solidFill>
+              </a:rPr>
+              <a:t>-</a:t>
+            </a:r>
+            <a:r>
+              <a:rPr lang="zh-TW" altLang="en-US" sz="2800" b="1" dirty="0" smtClean="0">
+                <a:solidFill>
+                  <a:schemeClr val="tx1"/>
+                </a:solidFill>
+              </a:rPr>
+              <a:t>預測資料</a:t>
+            </a:r>
+            <a:endParaRPr lang="zh-TW" altLang="en-US" sz="2800" b="1" dirty="0">
+              <a:solidFill>
+                <a:schemeClr val="tx1"/>
+              </a:solidFill>
+            </a:endParaRPr>
+          </a:p>
+        </p:txBody>
+      </p:sp>
+      <p:sp>
+        <p:nvSpPr>
+          <p:cNvPr id="3" name="內容版面配置區 2"/>
+          <p:cNvSpPr>
+            <a:spLocks noGrp="1"/>
+          </p:cNvSpPr>
+          <p:nvPr>
+            <p:ph sz="quarter" idx="10"/>
+          </p:nvPr>
+        </p:nvSpPr>
+        <p:spPr/>
+        <p:txBody>
+          <a:bodyPr/>
+          <a:lstStyle/>
+          <a:p>
+            <a:r>
               <a:rPr lang="zh-TW" altLang="en-US" dirty="0" smtClean="0"/>
               <a:t>依據測試資料預測房價。</a:t>
             </a:r>
@@ -23866,55 +24174,72 @@
               <a:t>(RMSE</a:t>
             </a:r>
             <a:r>
+              <a:rPr lang="en-US" altLang="zh-TW" sz="1600" dirty="0" smtClean="0"/>
+              <a:t>):</a:t>
+            </a:r>
+            <a:r>
+              <a:rPr lang="en-US" altLang="zh-TW" sz="1600" dirty="0" smtClean="0">
+                <a:solidFill>
+                  <a:srgbClr val="FF0000"/>
+                </a:solidFill>
+              </a:rPr>
+              <a:t>1</a:t>
+            </a:r>
+            <a:r>
+              <a:rPr lang="en-US" altLang="zh-TW" sz="1600" dirty="0" smtClean="0">
+                <a:solidFill>
+                  <a:srgbClr val="FF0000"/>
+                </a:solidFill>
+              </a:rPr>
+              <a:t>6</a:t>
+            </a:r>
+            <a:r>
+              <a:rPr lang="en-US" altLang="zh-TW" sz="1600" dirty="0" smtClean="0">
+                <a:solidFill>
+                  <a:srgbClr val="FF0000"/>
+                </a:solidFill>
+              </a:rPr>
+              <a:t>25863</a:t>
+            </a:r>
+            <a:r>
+              <a:rPr lang="en-US" altLang="zh-TW" sz="1600" dirty="0" smtClean="0"/>
+              <a:t>(</a:t>
+            </a:r>
+            <a:r>
+              <a:rPr lang="zh-TW" altLang="en-US" sz="1600" dirty="0" smtClean="0"/>
+              <a:t>一百六十多萬</a:t>
+            </a:r>
+            <a:r>
+              <a:rPr lang="en-US" altLang="zh-TW" sz="1600" dirty="0" smtClean="0"/>
+              <a:t>)</a:t>
+            </a:r>
+            <a:endParaRPr lang="en-US" altLang="zh-TW" sz="1600" dirty="0" smtClean="0"/>
+          </a:p>
+          <a:p>
+            <a:pPr lvl="1"/>
+            <a:r>
+              <a:rPr lang="zh-TW" altLang="en-US" sz="1600" dirty="0" smtClean="0"/>
+              <a:t>決定係數</a:t>
+            </a:r>
+            <a:r>
+              <a:rPr lang="en-US" altLang="zh-TW" sz="1600" dirty="0"/>
+              <a:t>(</a:t>
+            </a:r>
+            <a:r>
+              <a:rPr lang="en-US" altLang="zh-TW" sz="1600" dirty="0" smtClean="0"/>
+              <a:t>R Squared</a:t>
+            </a:r>
+            <a:r>
               <a:rPr lang="en-US" altLang="zh-TW" sz="1600" dirty="0"/>
               <a:t>):</a:t>
             </a:r>
             <a:r>
-              <a:rPr lang="en-US" altLang="zh-TW" sz="1600" dirty="0">
+              <a:rPr lang="en-US" altLang="zh-TW" sz="1600" dirty="0" smtClean="0">
                 <a:solidFill>
                   <a:srgbClr val="FF0000"/>
                 </a:solidFill>
               </a:rPr>
-              <a:t>4425863 </a:t>
-            </a:r>
-            <a:r>
-              <a:rPr lang="en-US" altLang="zh-TW" sz="1600" dirty="0" smtClean="0"/>
-              <a:t>(</a:t>
-            </a:r>
-            <a:r>
-              <a:rPr lang="zh-TW" altLang="en-US" sz="1600" dirty="0" smtClean="0"/>
-              <a:t>四百多萬</a:t>
-            </a:r>
-            <a:r>
-              <a:rPr lang="en-US" altLang="zh-TW" sz="1600" dirty="0" smtClean="0"/>
-              <a:t>)</a:t>
-            </a:r>
-          </a:p>
-          <a:p>
-            <a:pPr lvl="1"/>
-            <a:r>
-              <a:rPr lang="zh-TW" altLang="en-US" sz="1600" dirty="0" smtClean="0"/>
-              <a:t>決定係數</a:t>
-            </a:r>
-            <a:r>
-              <a:rPr lang="en-US" altLang="zh-TW" sz="1600" dirty="0"/>
-              <a:t>(</a:t>
-            </a:r>
-            <a:r>
-              <a:rPr lang="en-US" altLang="zh-TW" sz="1600" dirty="0" smtClean="0"/>
-              <a:t>R Squared</a:t>
-            </a:r>
-            <a:r>
-              <a:rPr lang="en-US" altLang="zh-TW" sz="1600" dirty="0"/>
-              <a:t>):</a:t>
-            </a:r>
-            <a:r>
-              <a:rPr lang="en-US" altLang="zh-TW" sz="1600" dirty="0" smtClean="0">
-                <a:solidFill>
-                  <a:srgbClr val="FF0000"/>
-                </a:solidFill>
-              </a:rPr>
-              <a:t>0.69</a:t>
+              <a:t>0.77</a:t>
             </a:r>
             <a:endParaRPr lang="en-US" altLang="zh-TW" dirty="0"/>
           </a:p>
@@ -24018,7 +24343,7 @@
 </p:sld>
 </file>
 
-<file path=ppt/slides/slide36.xml><?xml version="1.0" encoding="utf-8"?>
+<file path=ppt/slides/slide37.xml><?xml version="1.0" encoding="utf-8"?>
 <p:sld xmlns:a="http://schemas.openxmlformats.org/drawingml/2006/main" xmlns:r="http://schemas.openxmlformats.org/officeDocument/2006/relationships" xmlns:p="http://schemas.openxmlformats.org/presentationml/2006/main" showMasterSp="0">
   <p:cSld>
     <p:bg>
@@ -24399,7 +24724,7 @@
 </p:sld>
 </file>
 
-<file path=ppt/slides/slide37.xml><?xml version="1.0" encoding="utf-8"?>
+<file path=ppt/slides/slide38.xml><?xml version="1.0" encoding="utf-8"?>
 <p:sld xmlns:a="http://schemas.openxmlformats.org/drawingml/2006/main" xmlns:r="http://schemas.openxmlformats.org/officeDocument/2006/relationships" xmlns:p="http://schemas.openxmlformats.org/presentationml/2006/main">
   <p:cSld>
     <p:spTree>
@@ -24521,9 +24846,19 @@
             <a:endParaRPr lang="en-US" altLang="zh-TW" dirty="0" smtClean="0"/>
           </a:p>
           <a:p>
+            <a:endParaRPr lang="en-US" altLang="zh-TW" dirty="0" smtClean="0"/>
+          </a:p>
+          <a:p>
+            <a:endParaRPr lang="en-US" altLang="zh-TW" dirty="0" smtClean="0"/>
+          </a:p>
+          <a:p>
             <a:r>
               <a:rPr lang="zh-TW" altLang="en-US" dirty="0" smtClean="0"/>
-              <a:t>特徵值比較</a:t>
+              <a:t>特徵值</a:t>
+            </a:r>
+            <a:r>
+              <a:rPr lang="zh-TW" altLang="en-US" dirty="0" smtClean="0"/>
+              <a:t>比較</a:t>
             </a:r>
             <a:r>
               <a:rPr lang="en-US" altLang="zh-TW" dirty="0" smtClean="0"/>
@@ -24583,14 +24918,14 @@
           <p:nvPr>
             <p:extLst>
               <p:ext uri="{D42A27DB-BD31-4B8C-83A1-F6EECF244321}">
-                <p14:modId xmlns:p14="http://schemas.microsoft.com/office/powerpoint/2010/main" val="1824067128"/>
+                <p14:modId xmlns:p14="http://schemas.microsoft.com/office/powerpoint/2010/main" val="3802560467"/>
               </p:ext>
             </p:extLst>
           </p:nvPr>
         </p:nvGraphicFramePr>
         <p:xfrm>
           <a:off x="971600" y="1629594"/>
-          <a:ext cx="6696744" cy="2250940"/>
+          <a:ext cx="6696744" cy="3151316"/>
         </p:xfrm>
         <a:graphic>
           <a:graphicData uri="http://schemas.openxmlformats.org/drawingml/2006/table">
@@ -24635,6 +24970,14 @@
                     <a:lstStyle/>
                     <a:p>
                       <a:pPr algn="ctr"/>
+                      <a:r>
+                        <a:rPr lang="zh-TW" altLang="en-US" dirty="0" smtClean="0"/>
+                        <a:t>調整</a:t>
+                      </a:r>
+                      <a:r>
+                        <a:rPr lang="en-US" altLang="zh-TW" dirty="0" smtClean="0"/>
+                        <a:t>&amp;</a:t>
+                      </a:r>
                       <a:r>
                         <a:rPr lang="zh-TW" altLang="en-US" dirty="0" smtClean="0"/>
                         <a:t>模型</a:t>
@@ -24957,7 +25300,7 @@
                       <a:pPr algn="r"/>
                       <a:r>
                         <a:rPr lang="en-US" altLang="zh-TW" dirty="0" smtClean="0"/>
-                        <a:t>0.67</a:t>
+                        <a:t>0.59</a:t>
                       </a:r>
                       <a:endParaRPr lang="zh-TW" altLang="en-US" dirty="0"/>
                     </a:p>
@@ -24967,6 +25310,168 @@
                 <a:extLst>
                   <a:ext uri="{0D108BD9-81ED-4DB2-BD59-A6C34878D82A}">
                     <a16:rowId xmlns:a16="http://schemas.microsoft.com/office/drawing/2014/main" val="3284916780"/>
+                  </a:ext>
+                </a:extLst>
+              </a:tr>
+              <a:tr h="450188">
+                <a:tc rowSpan="2">
+                  <a:txBody>
+                    <a:bodyPr/>
+                    <a:lstStyle/>
+                    <a:p>
+                      <a:pPr marL="0" marR="0" indent="0" algn="ctr" defTabSz="767822" rtl="0" eaLnBrk="1" fontAlgn="auto" latinLnBrk="0" hangingPunct="1">
+                        <a:lnSpc>
+                          <a:spcPct val="100000"/>
+                        </a:lnSpc>
+                        <a:spcBef>
+                          <a:spcPts val="0"/>
+                        </a:spcBef>
+                        <a:spcAft>
+                          <a:spcPts val="0"/>
+                        </a:spcAft>
+                        <a:buClrTx/>
+                        <a:buSzTx/>
+                        <a:buFontTx/>
+                        <a:buNone/>
+                        <a:tabLst/>
+                        <a:defRPr/>
+                      </a:pPr>
+                      <a:r>
+                        <a:rPr lang="zh-TW" altLang="en-US" dirty="0" smtClean="0"/>
+                        <a:t>調整資料</a:t>
+                      </a:r>
+                      <a:endParaRPr lang="zh-TW" altLang="en-US" dirty="0" smtClean="0"/>
+                    </a:p>
+                  </a:txBody>
+                  <a:tcPr anchor="ctr"/>
+                </a:tc>
+                <a:tc>
+                  <a:txBody>
+                    <a:bodyPr/>
+                    <a:lstStyle/>
+                    <a:p>
+                      <a:pPr algn="ctr"/>
+                      <a:r>
+                        <a:rPr lang="zh-TW" altLang="en-US" sz="1400" dirty="0" smtClean="0"/>
+                        <a:t>均方根誤差</a:t>
+                      </a:r>
+                      <a:endParaRPr lang="zh-TW" altLang="en-US" dirty="0"/>
+                    </a:p>
+                  </a:txBody>
+                  <a:tcPr anchor="ctr"/>
+                </a:tc>
+                <a:tc>
+                  <a:txBody>
+                    <a:bodyPr/>
+                    <a:lstStyle/>
+                    <a:p>
+                      <a:pPr algn="r"/>
+                      <a:r>
+                        <a:rPr lang="en-US" altLang="zh-TW" dirty="0" smtClean="0"/>
+                        <a:t>n/a</a:t>
+                      </a:r>
+                      <a:endParaRPr lang="zh-TW" altLang="en-US" dirty="0"/>
+                    </a:p>
+                  </a:txBody>
+                  <a:tcPr anchor="ctr"/>
+                </a:tc>
+                <a:tc>
+                  <a:txBody>
+                    <a:bodyPr/>
+                    <a:lstStyle/>
+                    <a:p>
+                      <a:pPr algn="r"/>
+                      <a:r>
+                        <a:rPr lang="en-US" altLang="zh-TW" dirty="0" smtClean="0"/>
+                        <a:t>1244003</a:t>
+                      </a:r>
+                      <a:endParaRPr lang="zh-TW" altLang="en-US" dirty="0"/>
+                    </a:p>
+                  </a:txBody>
+                  <a:tcPr anchor="ctr"/>
+                </a:tc>
+                <a:extLst>
+                  <a:ext uri="{0D108BD9-81ED-4DB2-BD59-A6C34878D82A}">
+                    <a16:rowId xmlns:a16="http://schemas.microsoft.com/office/drawing/2014/main" val="1009266926"/>
+                  </a:ext>
+                </a:extLst>
+              </a:tr>
+              <a:tr h="450188">
+                <a:tc vMerge="1">
+                  <a:txBody>
+                    <a:bodyPr/>
+                    <a:lstStyle/>
+                    <a:p>
+                      <a:pPr marL="0" marR="0" indent="0" algn="ctr" defTabSz="767822" rtl="0" eaLnBrk="1" fontAlgn="auto" latinLnBrk="0" hangingPunct="1">
+                        <a:lnSpc>
+                          <a:spcPct val="100000"/>
+                        </a:lnSpc>
+                        <a:spcBef>
+                          <a:spcPts val="0"/>
+                        </a:spcBef>
+                        <a:spcAft>
+                          <a:spcPts val="0"/>
+                        </a:spcAft>
+                        <a:buClrTx/>
+                        <a:buSzTx/>
+                        <a:buFontTx/>
+                        <a:buNone/>
+                        <a:tabLst/>
+                        <a:defRPr/>
+                      </a:pPr>
+                      <a:endParaRPr lang="zh-TW" altLang="en-US" dirty="0" smtClean="0"/>
+                    </a:p>
+                  </a:txBody>
+                  <a:tcPr anchor="ctr"/>
+                </a:tc>
+                <a:tc>
+                  <a:txBody>
+                    <a:bodyPr/>
+                    <a:lstStyle/>
+                    <a:p>
+                      <a:pPr algn="ctr"/>
+                      <a:r>
+                        <a:rPr lang="zh-TW" altLang="en-US" dirty="0" smtClean="0"/>
+                        <a:t>決定係數</a:t>
+                      </a:r>
+                      <a:endParaRPr lang="zh-TW" altLang="en-US" dirty="0"/>
+                    </a:p>
+                  </a:txBody>
+                  <a:tcPr anchor="ctr"/>
+                </a:tc>
+                <a:tc>
+                  <a:txBody>
+                    <a:bodyPr/>
+                    <a:lstStyle/>
+                    <a:p>
+                      <a:pPr algn="r"/>
+                      <a:r>
+                        <a:rPr lang="en-US" altLang="zh-TW" dirty="0" smtClean="0"/>
+                        <a:t>n/a</a:t>
+                      </a:r>
+                      <a:endParaRPr lang="zh-TW" altLang="en-US" dirty="0"/>
+                    </a:p>
+                  </a:txBody>
+                  <a:tcPr anchor="ctr"/>
+                </a:tc>
+                <a:tc>
+                  <a:txBody>
+                    <a:bodyPr/>
+                    <a:lstStyle/>
+                    <a:p>
+                      <a:pPr algn="r"/>
+                      <a:r>
+                        <a:rPr lang="en-US" altLang="zh-TW" dirty="0" smtClean="0"/>
+                        <a:t>0.79</a:t>
+                      </a:r>
+                      <a:endParaRPr lang="zh-TW" altLang="en-US" dirty="0"/>
+                    </a:p>
+                  </a:txBody>
+                  <a:tcPr anchor="ctr"/>
+                </a:tc>
+                <a:extLst>
+                  <a:ext uri="{0D108BD9-81ED-4DB2-BD59-A6C34878D82A}">
+                    <a16:rowId xmlns:a16="http://schemas.microsoft.com/office/drawing/2014/main" val="444511800"/>
                   </a:ext>
                 </a:extLst>
               </a:tr>
@@ -24983,13 +25488,13 @@
           <p:nvPr>
             <p:extLst>
               <p:ext uri="{D42A27DB-BD31-4B8C-83A1-F6EECF244321}">
-                <p14:modId xmlns:p14="http://schemas.microsoft.com/office/powerpoint/2010/main" val="3145065648"/>
+                <p14:modId xmlns:p14="http://schemas.microsoft.com/office/powerpoint/2010/main" val="344638845"/>
               </p:ext>
             </p:extLst>
           </p:nvPr>
         </p:nvGraphicFramePr>
         <p:xfrm>
-          <a:off x="971600" y="4612107"/>
+          <a:off x="971600" y="5196204"/>
           <a:ext cx="6350965" cy="1112520"/>
         </p:xfrm>
         <a:graphic>
@@ -25357,7 +25862,7 @@
 </p:sld>
 </file>
 
-<file path=ppt/slides/slide38.xml><?xml version="1.0" encoding="utf-8"?>
+<file path=ppt/slides/slide39.xml><?xml version="1.0" encoding="utf-8"?>
 <p:sld xmlns:a="http://schemas.openxmlformats.org/drawingml/2006/main" xmlns:r="http://schemas.openxmlformats.org/officeDocument/2006/relationships" xmlns:p="http://schemas.openxmlformats.org/presentationml/2006/main">
   <p:cSld>
     <p:spTree>
@@ -28454,297 +28959,6 @@
 </p:sld>
 </file>
 
-<file path=ppt/slides/slide39.xml><?xml version="1.0" encoding="utf-8"?>
-<p:sld xmlns:a="http://schemas.openxmlformats.org/drawingml/2006/main" xmlns:r="http://schemas.openxmlformats.org/officeDocument/2006/relationships" xmlns:p="http://schemas.openxmlformats.org/presentationml/2006/main" showMasterSp="0">
-  <p:cSld>
-    <p:bg>
-      <p:bgPr>
-        <a:blipFill dpi="0" rotWithShape="0">
-          <a:blip r:embed="rId2"/>
-          <a:srcRect/>
-          <a:stretch>
-            <a:fillRect/>
-          </a:stretch>
-        </a:blipFill>
-        <a:effectLst/>
-      </p:bgPr>
-    </p:bg>
-    <p:spTree>
-      <p:nvGrpSpPr>
-        <p:cNvPr id="1" name=""/>
-        <p:cNvGrpSpPr/>
-        <p:nvPr/>
-      </p:nvGrpSpPr>
-      <p:grpSpPr>
-        <a:xfrm>
-          <a:off x="0" y="0"/>
-          <a:ext cx="0" cy="0"/>
-          <a:chOff x="0" y="0"/>
-          <a:chExt cx="0" cy="0"/>
-        </a:xfrm>
-      </p:grpSpPr>
-      <p:sp>
-        <p:nvSpPr>
-          <p:cNvPr id="68610" name="內容版面配置區 5"/>
-          <p:cNvSpPr>
-            <a:spLocks noGrp="1"/>
-          </p:cNvSpPr>
-          <p:nvPr>
-            <p:ph idx="4294967295"/>
-          </p:nvPr>
-        </p:nvSpPr>
-        <p:spPr bwMode="auto">
-          <a:xfrm>
-            <a:off x="1187450" y="1557338"/>
-            <a:ext cx="6559550" cy="3546475"/>
-          </a:xfrm>
-          <a:prstGeom prst="rect">
-            <a:avLst/>
-          </a:prstGeom>
-          <a:noFill/>
-          <a:extLst>
-            <a:ext uri="{909E8E84-426E-40DD-AFC4-6F175D3DCCD1}">
-              <a14:hiddenFill xmlns:a14="http://schemas.microsoft.com/office/drawing/2010/main">
-                <a:solidFill>
-                  <a:srgbClr val="FFFFFF"/>
-                </a:solidFill>
-              </a14:hiddenFill>
-            </a:ext>
-            <a:ext uri="{91240B29-F687-4F45-9708-019B960494DF}">
-              <a14:hiddenLine xmlns:a14="http://schemas.microsoft.com/office/drawing/2010/main" w="9525">
-                <a:solidFill>
-                  <a:srgbClr val="000000"/>
-                </a:solidFill>
-                <a:miter lim="800000"/>
-                <a:headEnd/>
-                <a:tailEnd/>
-              </a14:hiddenLine>
-            </a:ext>
-          </a:extLst>
-        </p:spPr>
-        <p:txBody>
-          <a:bodyPr lIns="76782" tIns="38391" rIns="76782" bIns="38391" anchor="ctr"/>
-          <a:lstStyle/>
-          <a:p>
-            <a:pPr marL="0" indent="0" algn="ctr">
-              <a:lnSpc>
-                <a:spcPct val="150000"/>
-              </a:lnSpc>
-              <a:spcBef>
-                <a:spcPct val="0"/>
-              </a:spcBef>
-              <a:spcAft>
-                <a:spcPts val="500"/>
-              </a:spcAft>
-              <a:buFontTx/>
-              <a:buNone/>
-            </a:pPr>
-            <a:r>
-              <a:rPr lang="zh-TW" altLang="en-US" sz="3600" b="1" dirty="0" smtClean="0"/>
-              <a:t>未來展望</a:t>
-            </a:r>
-          </a:p>
-        </p:txBody>
-      </p:sp>
-      <p:sp>
-        <p:nvSpPr>
-          <p:cNvPr id="68611" name="頁尾版面配置區 1"/>
-          <p:cNvSpPr>
-            <a:spLocks noGrp="1"/>
-          </p:cNvSpPr>
-          <p:nvPr>
-            <p:ph type="ftr" sz="quarter" idx="11"/>
-          </p:nvPr>
-        </p:nvSpPr>
-        <p:spPr bwMode="auto">
-          <a:xfrm>
-            <a:off x="604838" y="6310313"/>
-            <a:ext cx="6783387" cy="287337"/>
-          </a:xfrm>
-          <a:noFill/>
-          <a:extLst>
-            <a:ext uri="{909E8E84-426E-40DD-AFC4-6F175D3DCCD1}">
-              <a14:hiddenFill xmlns:a14="http://schemas.microsoft.com/office/drawing/2010/main">
-                <a:solidFill>
-                  <a:srgbClr val="FFFFFF"/>
-                </a:solidFill>
-              </a14:hiddenFill>
-            </a:ext>
-            <a:ext uri="{91240B29-F687-4F45-9708-019B960494DF}">
-              <a14:hiddenLine xmlns:a14="http://schemas.microsoft.com/office/drawing/2010/main" w="9525">
-                <a:solidFill>
-                  <a:srgbClr val="000000"/>
-                </a:solidFill>
-                <a:miter lim="800000"/>
-                <a:headEnd/>
-                <a:tailEnd/>
-              </a14:hiddenLine>
-            </a:ext>
-          </a:extLst>
-        </p:spPr>
-        <p:txBody>
-          <a:bodyPr lIns="91440" tIns="45720" rIns="91440" bIns="45720"/>
-          <a:lstStyle>
-            <a:lvl1pPr>
-              <a:defRPr kumimoji="1" sz="2400" u="sng">
-                <a:solidFill>
-                  <a:schemeClr val="tx1"/>
-                </a:solidFill>
-                <a:latin typeface="Times New Roman" panose="02020603050405020304" pitchFamily="18" charset="0"/>
-                <a:ea typeface="新細明體" panose="02020500000000000000" pitchFamily="18" charset="-120"/>
-              </a:defRPr>
-            </a:lvl1pPr>
-            <a:lvl2pPr marL="742950" indent="-285750">
-              <a:defRPr kumimoji="1" sz="2400" u="sng">
-                <a:solidFill>
-                  <a:schemeClr val="tx1"/>
-                </a:solidFill>
-                <a:latin typeface="Times New Roman" panose="02020603050405020304" pitchFamily="18" charset="0"/>
-                <a:ea typeface="新細明體" panose="02020500000000000000" pitchFamily="18" charset="-120"/>
-              </a:defRPr>
-            </a:lvl2pPr>
-            <a:lvl3pPr marL="1143000" indent="-228600">
-              <a:defRPr kumimoji="1" sz="2400" u="sng">
-                <a:solidFill>
-                  <a:schemeClr val="tx1"/>
-                </a:solidFill>
-                <a:latin typeface="Times New Roman" panose="02020603050405020304" pitchFamily="18" charset="0"/>
-                <a:ea typeface="新細明體" panose="02020500000000000000" pitchFamily="18" charset="-120"/>
-              </a:defRPr>
-            </a:lvl3pPr>
-            <a:lvl4pPr marL="1600200" indent="-228600">
-              <a:defRPr kumimoji="1" sz="2400" u="sng">
-                <a:solidFill>
-                  <a:schemeClr val="tx1"/>
-                </a:solidFill>
-                <a:latin typeface="Times New Roman" panose="02020603050405020304" pitchFamily="18" charset="0"/>
-                <a:ea typeface="新細明體" panose="02020500000000000000" pitchFamily="18" charset="-120"/>
-              </a:defRPr>
-            </a:lvl4pPr>
-            <a:lvl5pPr marL="2057400" indent="-228600">
-              <a:defRPr kumimoji="1" sz="2400" u="sng">
-                <a:solidFill>
-                  <a:schemeClr val="tx1"/>
-                </a:solidFill>
-                <a:latin typeface="Times New Roman" panose="02020603050405020304" pitchFamily="18" charset="0"/>
-                <a:ea typeface="新細明體" panose="02020500000000000000" pitchFamily="18" charset="-120"/>
-              </a:defRPr>
-            </a:lvl5pPr>
-            <a:lvl6pPr marL="2514600" indent="-228600" eaLnBrk="0" fontAlgn="base" hangingPunct="0">
-              <a:spcBef>
-                <a:spcPct val="0"/>
-              </a:spcBef>
-              <a:spcAft>
-                <a:spcPct val="0"/>
-              </a:spcAft>
-              <a:defRPr kumimoji="1" sz="2400" u="sng">
-                <a:solidFill>
-                  <a:schemeClr val="tx1"/>
-                </a:solidFill>
-                <a:latin typeface="Times New Roman" panose="02020603050405020304" pitchFamily="18" charset="0"/>
-                <a:ea typeface="新細明體" panose="02020500000000000000" pitchFamily="18" charset="-120"/>
-              </a:defRPr>
-            </a:lvl6pPr>
-            <a:lvl7pPr marL="2971800" indent="-228600" eaLnBrk="0" fontAlgn="base" hangingPunct="0">
-              <a:spcBef>
-                <a:spcPct val="0"/>
-              </a:spcBef>
-              <a:spcAft>
-                <a:spcPct val="0"/>
-              </a:spcAft>
-              <a:defRPr kumimoji="1" sz="2400" u="sng">
-                <a:solidFill>
-                  <a:schemeClr val="tx1"/>
-                </a:solidFill>
-                <a:latin typeface="Times New Roman" panose="02020603050405020304" pitchFamily="18" charset="0"/>
-                <a:ea typeface="新細明體" panose="02020500000000000000" pitchFamily="18" charset="-120"/>
-              </a:defRPr>
-            </a:lvl7pPr>
-            <a:lvl8pPr marL="3429000" indent="-228600" eaLnBrk="0" fontAlgn="base" hangingPunct="0">
-              <a:spcBef>
-                <a:spcPct val="0"/>
-              </a:spcBef>
-              <a:spcAft>
-                <a:spcPct val="0"/>
-              </a:spcAft>
-              <a:defRPr kumimoji="1" sz="2400" u="sng">
-                <a:solidFill>
-                  <a:schemeClr val="tx1"/>
-                </a:solidFill>
-                <a:latin typeface="Times New Roman" panose="02020603050405020304" pitchFamily="18" charset="0"/>
-                <a:ea typeface="新細明體" panose="02020500000000000000" pitchFamily="18" charset="-120"/>
-              </a:defRPr>
-            </a:lvl8pPr>
-            <a:lvl9pPr marL="3886200" indent="-228600" eaLnBrk="0" fontAlgn="base" hangingPunct="0">
-              <a:spcBef>
-                <a:spcPct val="0"/>
-              </a:spcBef>
-              <a:spcAft>
-                <a:spcPct val="0"/>
-              </a:spcAft>
-              <a:defRPr kumimoji="1" sz="2400" u="sng">
-                <a:solidFill>
-                  <a:schemeClr val="tx1"/>
-                </a:solidFill>
-                <a:latin typeface="Times New Roman" panose="02020603050405020304" pitchFamily="18" charset="0"/>
-                <a:ea typeface="新細明體" panose="02020500000000000000" pitchFamily="18" charset="-120"/>
-              </a:defRPr>
-            </a:lvl9pPr>
-          </a:lstStyle>
-          <a:p>
-            <a:pPr eaLnBrk="0" hangingPunct="0">
-              <a:lnSpc>
-                <a:spcPct val="100000"/>
-              </a:lnSpc>
-              <a:spcBef>
-                <a:spcPct val="0"/>
-              </a:spcBef>
-            </a:pPr>
-            <a:r>
-              <a:rPr lang="zh-TW" altLang="en-US" sz="900" u="none" smtClean="0">
-                <a:solidFill>
-                  <a:schemeClr val="bg1"/>
-                </a:solidFill>
-                <a:latin typeface="微軟正黑體" panose="020B0604030504040204" pitchFamily="34" charset="-120"/>
-                <a:ea typeface="微軟正黑體" panose="020B0604030504040204" pitchFamily="34" charset="-120"/>
-              </a:rPr>
-              <a:t>機密等級：密            日期：</a:t>
-            </a:r>
-            <a:r>
-              <a:rPr lang="en-US" altLang="zh-TW" sz="900" u="none" smtClean="0">
-                <a:solidFill>
-                  <a:schemeClr val="bg1"/>
-                </a:solidFill>
-                <a:latin typeface="微軟正黑體" panose="020B0604030504040204" pitchFamily="34" charset="-120"/>
-                <a:ea typeface="微軟正黑體" panose="020B0604030504040204" pitchFamily="34" charset="-120"/>
-              </a:rPr>
-              <a:t>2020/07/22</a:t>
-            </a:r>
-            <a:endParaRPr lang="zh-TW" altLang="en-US" sz="900" u="none" smtClean="0">
-              <a:solidFill>
-                <a:schemeClr val="bg1"/>
-              </a:solidFill>
-              <a:latin typeface="微軟正黑體" panose="020B0604030504040204" pitchFamily="34" charset="-120"/>
-              <a:ea typeface="微軟正黑體" panose="020B0604030504040204" pitchFamily="34" charset="-120"/>
-            </a:endParaRPr>
-          </a:p>
-        </p:txBody>
-      </p:sp>
-    </p:spTree>
-  </p:cSld>
-  <p:clrMapOvr>
-    <a:masterClrMapping/>
-  </p:clrMapOvr>
-  <p:timing>
-    <p:tnLst>
-      <p:par>
-        <p:cTn id="1" dur="indefinite" restart="never" nodeType="tmRoot"/>
-      </p:par>
-    </p:tnLst>
-  </p:timing>
-</p:sld>
-</file>
-
 <file path=ppt/slides/slide4.xml><?xml version="1.0" encoding="utf-8"?>
 <p:sld xmlns:a="http://schemas.openxmlformats.org/drawingml/2006/main" xmlns:r="http://schemas.openxmlformats.org/officeDocument/2006/relationships" xmlns:p="http://schemas.openxmlformats.org/presentationml/2006/main">
   <p:cSld>
@@ -36240,6 +36454,297 @@
 </file>
 
 <file path=ppt/slides/slide40.xml><?xml version="1.0" encoding="utf-8"?>
+<p:sld xmlns:a="http://schemas.openxmlformats.org/drawingml/2006/main" xmlns:r="http://schemas.openxmlformats.org/officeDocument/2006/relationships" xmlns:p="http://schemas.openxmlformats.org/presentationml/2006/main" showMasterSp="0">
+  <p:cSld>
+    <p:bg>
+      <p:bgPr>
+        <a:blipFill dpi="0" rotWithShape="0">
+          <a:blip r:embed="rId2"/>
+          <a:srcRect/>
+          <a:stretch>
+            <a:fillRect/>
+          </a:stretch>
+        </a:blipFill>
+        <a:effectLst/>
+      </p:bgPr>
+    </p:bg>
+    <p:spTree>
+      <p:nvGrpSpPr>
+        <p:cNvPr id="1" name=""/>
+        <p:cNvGrpSpPr/>
+        <p:nvPr/>
+      </p:nvGrpSpPr>
+      <p:grpSpPr>
+        <a:xfrm>
+          <a:off x="0" y="0"/>
+          <a:ext cx="0" cy="0"/>
+          <a:chOff x="0" y="0"/>
+          <a:chExt cx="0" cy="0"/>
+        </a:xfrm>
+      </p:grpSpPr>
+      <p:sp>
+        <p:nvSpPr>
+          <p:cNvPr id="68610" name="內容版面配置區 5"/>
+          <p:cNvSpPr>
+            <a:spLocks noGrp="1"/>
+          </p:cNvSpPr>
+          <p:nvPr>
+            <p:ph idx="4294967295"/>
+          </p:nvPr>
+        </p:nvSpPr>
+        <p:spPr bwMode="auto">
+          <a:xfrm>
+            <a:off x="1187450" y="1557338"/>
+            <a:ext cx="6559550" cy="3546475"/>
+          </a:xfrm>
+          <a:prstGeom prst="rect">
+            <a:avLst/>
+          </a:prstGeom>
+          <a:noFill/>
+          <a:extLst>
+            <a:ext uri="{909E8E84-426E-40DD-AFC4-6F175D3DCCD1}">
+              <a14:hiddenFill xmlns:a14="http://schemas.microsoft.com/office/drawing/2010/main">
+                <a:solidFill>
+                  <a:srgbClr val="FFFFFF"/>
+                </a:solidFill>
+              </a14:hiddenFill>
+            </a:ext>
+            <a:ext uri="{91240B29-F687-4F45-9708-019B960494DF}">
+              <a14:hiddenLine xmlns:a14="http://schemas.microsoft.com/office/drawing/2010/main" w="9525">
+                <a:solidFill>
+                  <a:srgbClr val="000000"/>
+                </a:solidFill>
+                <a:miter lim="800000"/>
+                <a:headEnd/>
+                <a:tailEnd/>
+              </a14:hiddenLine>
+            </a:ext>
+          </a:extLst>
+        </p:spPr>
+        <p:txBody>
+          <a:bodyPr lIns="76782" tIns="38391" rIns="76782" bIns="38391" anchor="ctr"/>
+          <a:lstStyle/>
+          <a:p>
+            <a:pPr marL="0" indent="0" algn="ctr">
+              <a:lnSpc>
+                <a:spcPct val="150000"/>
+              </a:lnSpc>
+              <a:spcBef>
+                <a:spcPct val="0"/>
+              </a:spcBef>
+              <a:spcAft>
+                <a:spcPts val="500"/>
+              </a:spcAft>
+              <a:buFontTx/>
+              <a:buNone/>
+            </a:pPr>
+            <a:r>
+              <a:rPr lang="zh-TW" altLang="en-US" sz="3600" b="1" dirty="0" smtClean="0"/>
+              <a:t>未來展望</a:t>
+            </a:r>
+          </a:p>
+        </p:txBody>
+      </p:sp>
+      <p:sp>
+        <p:nvSpPr>
+          <p:cNvPr id="68611" name="頁尾版面配置區 1"/>
+          <p:cNvSpPr>
+            <a:spLocks noGrp="1"/>
+          </p:cNvSpPr>
+          <p:nvPr>
+            <p:ph type="ftr" sz="quarter" idx="11"/>
+          </p:nvPr>
+        </p:nvSpPr>
+        <p:spPr bwMode="auto">
+          <a:xfrm>
+            <a:off x="604838" y="6310313"/>
+            <a:ext cx="6783387" cy="287337"/>
+          </a:xfrm>
+          <a:noFill/>
+          <a:extLst>
+            <a:ext uri="{909E8E84-426E-40DD-AFC4-6F175D3DCCD1}">
+              <a14:hiddenFill xmlns:a14="http://schemas.microsoft.com/office/drawing/2010/main">
+                <a:solidFill>
+                  <a:srgbClr val="FFFFFF"/>
+                </a:solidFill>
+              </a14:hiddenFill>
+            </a:ext>
+            <a:ext uri="{91240B29-F687-4F45-9708-019B960494DF}">
+              <a14:hiddenLine xmlns:a14="http://schemas.microsoft.com/office/drawing/2010/main" w="9525">
+                <a:solidFill>
+                  <a:srgbClr val="000000"/>
+                </a:solidFill>
+                <a:miter lim="800000"/>
+                <a:headEnd/>
+                <a:tailEnd/>
+              </a14:hiddenLine>
+            </a:ext>
+          </a:extLst>
+        </p:spPr>
+        <p:txBody>
+          <a:bodyPr lIns="91440" tIns="45720" rIns="91440" bIns="45720"/>
+          <a:lstStyle>
+            <a:lvl1pPr>
+              <a:defRPr kumimoji="1" sz="2400" u="sng">
+                <a:solidFill>
+                  <a:schemeClr val="tx1"/>
+                </a:solidFill>
+                <a:latin typeface="Times New Roman" panose="02020603050405020304" pitchFamily="18" charset="0"/>
+                <a:ea typeface="新細明體" panose="02020500000000000000" pitchFamily="18" charset="-120"/>
+              </a:defRPr>
+            </a:lvl1pPr>
+            <a:lvl2pPr marL="742950" indent="-285750">
+              <a:defRPr kumimoji="1" sz="2400" u="sng">
+                <a:solidFill>
+                  <a:schemeClr val="tx1"/>
+                </a:solidFill>
+                <a:latin typeface="Times New Roman" panose="02020603050405020304" pitchFamily="18" charset="0"/>
+                <a:ea typeface="新細明體" panose="02020500000000000000" pitchFamily="18" charset="-120"/>
+              </a:defRPr>
+            </a:lvl2pPr>
+            <a:lvl3pPr marL="1143000" indent="-228600">
+              <a:defRPr kumimoji="1" sz="2400" u="sng">
+                <a:solidFill>
+                  <a:schemeClr val="tx1"/>
+                </a:solidFill>
+                <a:latin typeface="Times New Roman" panose="02020603050405020304" pitchFamily="18" charset="0"/>
+                <a:ea typeface="新細明體" panose="02020500000000000000" pitchFamily="18" charset="-120"/>
+              </a:defRPr>
+            </a:lvl3pPr>
+            <a:lvl4pPr marL="1600200" indent="-228600">
+              <a:defRPr kumimoji="1" sz="2400" u="sng">
+                <a:solidFill>
+                  <a:schemeClr val="tx1"/>
+                </a:solidFill>
+                <a:latin typeface="Times New Roman" panose="02020603050405020304" pitchFamily="18" charset="0"/>
+                <a:ea typeface="新細明體" panose="02020500000000000000" pitchFamily="18" charset="-120"/>
+              </a:defRPr>
+            </a:lvl4pPr>
+            <a:lvl5pPr marL="2057400" indent="-228600">
+              <a:defRPr kumimoji="1" sz="2400" u="sng">
+                <a:solidFill>
+                  <a:schemeClr val="tx1"/>
+                </a:solidFill>
+                <a:latin typeface="Times New Roman" panose="02020603050405020304" pitchFamily="18" charset="0"/>
+                <a:ea typeface="新細明體" panose="02020500000000000000" pitchFamily="18" charset="-120"/>
+              </a:defRPr>
+            </a:lvl5pPr>
+            <a:lvl6pPr marL="2514600" indent="-228600" eaLnBrk="0" fontAlgn="base" hangingPunct="0">
+              <a:spcBef>
+                <a:spcPct val="0"/>
+              </a:spcBef>
+              <a:spcAft>
+                <a:spcPct val="0"/>
+              </a:spcAft>
+              <a:defRPr kumimoji="1" sz="2400" u="sng">
+                <a:solidFill>
+                  <a:schemeClr val="tx1"/>
+                </a:solidFill>
+                <a:latin typeface="Times New Roman" panose="02020603050405020304" pitchFamily="18" charset="0"/>
+                <a:ea typeface="新細明體" panose="02020500000000000000" pitchFamily="18" charset="-120"/>
+              </a:defRPr>
+            </a:lvl6pPr>
+            <a:lvl7pPr marL="2971800" indent="-228600" eaLnBrk="0" fontAlgn="base" hangingPunct="0">
+              <a:spcBef>
+                <a:spcPct val="0"/>
+              </a:spcBef>
+              <a:spcAft>
+                <a:spcPct val="0"/>
+              </a:spcAft>
+              <a:defRPr kumimoji="1" sz="2400" u="sng">
+                <a:solidFill>
+                  <a:schemeClr val="tx1"/>
+                </a:solidFill>
+                <a:latin typeface="Times New Roman" panose="02020603050405020304" pitchFamily="18" charset="0"/>
+                <a:ea typeface="新細明體" panose="02020500000000000000" pitchFamily="18" charset="-120"/>
+              </a:defRPr>
+            </a:lvl7pPr>
+            <a:lvl8pPr marL="3429000" indent="-228600" eaLnBrk="0" fontAlgn="base" hangingPunct="0">
+              <a:spcBef>
+                <a:spcPct val="0"/>
+              </a:spcBef>
+              <a:spcAft>
+                <a:spcPct val="0"/>
+              </a:spcAft>
+              <a:defRPr kumimoji="1" sz="2400" u="sng">
+                <a:solidFill>
+                  <a:schemeClr val="tx1"/>
+                </a:solidFill>
+                <a:latin typeface="Times New Roman" panose="02020603050405020304" pitchFamily="18" charset="0"/>
+                <a:ea typeface="新細明體" panose="02020500000000000000" pitchFamily="18" charset="-120"/>
+              </a:defRPr>
+            </a:lvl8pPr>
+            <a:lvl9pPr marL="3886200" indent="-228600" eaLnBrk="0" fontAlgn="base" hangingPunct="0">
+              <a:spcBef>
+                <a:spcPct val="0"/>
+              </a:spcBef>
+              <a:spcAft>
+                <a:spcPct val="0"/>
+              </a:spcAft>
+              <a:defRPr kumimoji="1" sz="2400" u="sng">
+                <a:solidFill>
+                  <a:schemeClr val="tx1"/>
+                </a:solidFill>
+                <a:latin typeface="Times New Roman" panose="02020603050405020304" pitchFamily="18" charset="0"/>
+                <a:ea typeface="新細明體" panose="02020500000000000000" pitchFamily="18" charset="-120"/>
+              </a:defRPr>
+            </a:lvl9pPr>
+          </a:lstStyle>
+          <a:p>
+            <a:pPr eaLnBrk="0" hangingPunct="0">
+              <a:lnSpc>
+                <a:spcPct val="100000"/>
+              </a:lnSpc>
+              <a:spcBef>
+                <a:spcPct val="0"/>
+              </a:spcBef>
+            </a:pPr>
+            <a:r>
+              <a:rPr lang="zh-TW" altLang="en-US" sz="900" u="none" smtClean="0">
+                <a:solidFill>
+                  <a:schemeClr val="bg1"/>
+                </a:solidFill>
+                <a:latin typeface="微軟正黑體" panose="020B0604030504040204" pitchFamily="34" charset="-120"/>
+                <a:ea typeface="微軟正黑體" panose="020B0604030504040204" pitchFamily="34" charset="-120"/>
+              </a:rPr>
+              <a:t>機密等級：密            日期：</a:t>
+            </a:r>
+            <a:r>
+              <a:rPr lang="en-US" altLang="zh-TW" sz="900" u="none" smtClean="0">
+                <a:solidFill>
+                  <a:schemeClr val="bg1"/>
+                </a:solidFill>
+                <a:latin typeface="微軟正黑體" panose="020B0604030504040204" pitchFamily="34" charset="-120"/>
+                <a:ea typeface="微軟正黑體" panose="020B0604030504040204" pitchFamily="34" charset="-120"/>
+              </a:rPr>
+              <a:t>2020/07/22</a:t>
+            </a:r>
+            <a:endParaRPr lang="zh-TW" altLang="en-US" sz="900" u="none" smtClean="0">
+              <a:solidFill>
+                <a:schemeClr val="bg1"/>
+              </a:solidFill>
+              <a:latin typeface="微軟正黑體" panose="020B0604030504040204" pitchFamily="34" charset="-120"/>
+              <a:ea typeface="微軟正黑體" panose="020B0604030504040204" pitchFamily="34" charset="-120"/>
+            </a:endParaRPr>
+          </a:p>
+        </p:txBody>
+      </p:sp>
+    </p:spTree>
+  </p:cSld>
+  <p:clrMapOvr>
+    <a:masterClrMapping/>
+  </p:clrMapOvr>
+  <p:timing>
+    <p:tnLst>
+      <p:par>
+        <p:cTn id="1" dur="indefinite" restart="never" nodeType="tmRoot"/>
+      </p:par>
+    </p:tnLst>
+  </p:timing>
+</p:sld>
+</file>
+
+<file path=ppt/slides/slide41.xml><?xml version="1.0" encoding="utf-8"?>
 <p:sld xmlns:a="http://schemas.openxmlformats.org/drawingml/2006/main" xmlns:r="http://schemas.openxmlformats.org/officeDocument/2006/relationships" xmlns:p="http://schemas.openxmlformats.org/presentationml/2006/main">
   <p:cSld>
     <p:spTree>
@@ -36658,7 +37163,7 @@
 </p:sld>
 </file>
 
-<file path=ppt/slides/slide41.xml><?xml version="1.0" encoding="utf-8"?>
+<file path=ppt/slides/slide42.xml><?xml version="1.0" encoding="utf-8"?>
 <p:sld xmlns:a="http://schemas.openxmlformats.org/drawingml/2006/main" xmlns:r="http://schemas.openxmlformats.org/officeDocument/2006/relationships" xmlns:p="http://schemas.openxmlformats.org/presentationml/2006/main" showMasterSp="0">
   <p:cSld>
     <p:bg>
@@ -41702,15 +42207,6 @@
 </file>
 
 <file path=customXml/item1.xml><?xml version="1.0" encoding="utf-8"?>
-<?mso-contentType ?>
-<FormTemplates xmlns="http://schemas.microsoft.com/sharepoint/v3/contenttype/forms">
-  <Display>DocumentLibraryForm</Display>
-  <Edit>DocumentLibraryForm</Edit>
-  <New>DocumentLibraryForm</New>
-</FormTemplates>
-</file>
-
-<file path=customXml/item2.xml><?xml version="1.0" encoding="utf-8"?>
 <ct:contentTypeSchema xmlns:ct="http://schemas.microsoft.com/office/2006/metadata/contentType" xmlns:ma="http://schemas.microsoft.com/office/2006/metadata/properties/metaAttributes" ct:_="" ma:_="" ma:contentTypeName="文件" ma:contentTypeID="0x0101002F834950E6E8EC4987003F88DFC9B5CE" ma:contentTypeVersion="" ma:contentTypeDescription="建立新的文件。" ma:contentTypeScope="" ma:versionID="f8649297cceefdfdcd508960509e4249">
   <xsd:schema xmlns:xsd="http://www.w3.org/2001/XMLSchema" xmlns:xs="http://www.w3.org/2001/XMLSchema" xmlns:p="http://schemas.microsoft.com/office/2006/metadata/properties" targetNamespace="http://schemas.microsoft.com/office/2006/metadata/properties" ma:root="true" ma:fieldsID="684b3c36135c6fbac31a56fab451a81a">
     <xsd:element name="properties">
@@ -41824,21 +42320,22 @@
 </ct:contentTypeSchema>
 </file>
 
-<file path=customXml/item3.xml><?xml version="1.0" encoding="utf-8"?>
+<file path=customXml/item2.xml><?xml version="1.0" encoding="utf-8"?>
 <p:properties xmlns:p="http://schemas.microsoft.com/office/2006/metadata/properties" xmlns:xsi="http://www.w3.org/2001/XMLSchema-instance" xmlns:pc="http://schemas.microsoft.com/office/infopath/2007/PartnerControls">
   <documentManagement/>
 </p:properties>
 </file>
 
-<file path=customXml/itemProps1.xml><?xml version="1.0" encoding="utf-8"?>
-<ds:datastoreItem xmlns:ds="http://schemas.openxmlformats.org/officeDocument/2006/customXml" ds:itemID="{1A161D03-AEAF-454A-9930-BDD74521DECA}">
-  <ds:schemaRefs>
-    <ds:schemaRef ds:uri="http://schemas.microsoft.com/sharepoint/v3/contenttype/forms"/>
-  </ds:schemaRefs>
-</ds:datastoreItem>
+<file path=customXml/item3.xml><?xml version="1.0" encoding="utf-8"?>
+<?mso-contentType ?>
+<FormTemplates xmlns="http://schemas.microsoft.com/sharepoint/v3/contenttype/forms">
+  <Display>DocumentLibraryForm</Display>
+  <Edit>DocumentLibraryForm</Edit>
+  <New>DocumentLibraryForm</New>
+</FormTemplates>
 </file>
 
-<file path=customXml/itemProps2.xml><?xml version="1.0" encoding="utf-8"?>
+<file path=customXml/itemProps1.xml><?xml version="1.0" encoding="utf-8"?>
 <ds:datastoreItem xmlns:ds="http://schemas.openxmlformats.org/officeDocument/2006/customXml" ds:itemID="{DAA5427F-1FCE-4ABC-BDEE-5B390CA5416C}">
   <ds:schemaRefs>
     <ds:schemaRef ds:uri="http://schemas.microsoft.com/office/2006/metadata/contentType"/>
@@ -41854,7 +42351,7 @@
 </ds:datastoreItem>
 </file>
 
-<file path=customXml/itemProps3.xml><?xml version="1.0" encoding="utf-8"?>
+<file path=customXml/itemProps2.xml><?xml version="1.0" encoding="utf-8"?>
 <ds:datastoreItem xmlns:ds="http://schemas.openxmlformats.org/officeDocument/2006/customXml" ds:itemID="{2644028D-06C8-4BE5-961F-162173EF2CF0}">
   <ds:schemaRefs>
     <ds:schemaRef ds:uri="http://schemas.microsoft.com/office/2006/documentManagement/types"/>
@@ -41867,4 +42364,12 @@
     <ds:schemaRef ds:uri="http://schemas.microsoft.com/office/2006/metadata/properties"/>
   </ds:schemaRefs>
 </ds:datastoreItem>
+</file>
+
+<file path=customXml/itemProps3.xml><?xml version="1.0" encoding="utf-8"?>
+<ds:datastoreItem xmlns:ds="http://schemas.openxmlformats.org/officeDocument/2006/customXml" ds:itemID="{1A161D03-AEAF-454A-9930-BDD74521DECA}">
+  <ds:schemaRefs>
+    <ds:schemaRef ds:uri="http://schemas.microsoft.com/sharepoint/v3/contenttype/forms"/>
+  </ds:schemaRefs>
+</ds:datastoreItem>
 </file>
--- a/AI_Report/AI應用-不動產價格預測.pptx
+++ b/AI_Report/AI應用-不動產價格預測.pptx
@@ -9123,14 +9123,6 @@
           <a:p>
             <a:r>
               <a:rPr lang="zh-TW" altLang="en-US" dirty="0" smtClean="0"/>
-              <a:t>算法思想</a:t>
-            </a:r>
-            <a:r>
-              <a:rPr lang="en-US" altLang="zh-TW" dirty="0" smtClean="0"/>
-              <a:t>:</a:t>
-            </a:r>
-            <a:r>
-              <a:rPr lang="zh-TW" altLang="en-US" dirty="0" smtClean="0"/>
               <a:t>在預測新樣本時，每棵樹都會有一個輸出值，將這些輸出值相加，即得到樣本最終的預測值。</a:t>
             </a:r>
             <a:endParaRPr lang="en-US" altLang="zh-TW" dirty="0" smtClean="0"/>
@@ -9236,6 +9228,8 @@
                 <a:solidFill>
                   <a:srgbClr val="FF0000"/>
                 </a:solidFill>
+                <a:latin typeface="微軟正黑體" panose="020B0604030504040204" pitchFamily="34" charset="-120"/>
+                <a:ea typeface="微軟正黑體" panose="020B0604030504040204" pitchFamily="34" charset="-120"/>
               </a:rPr>
               <a:t>第</a:t>
             </a:r>
@@ -9244,6 +9238,8 @@
                 <a:solidFill>
                   <a:srgbClr val="FF0000"/>
                 </a:solidFill>
+                <a:latin typeface="微軟正黑體" panose="020B0604030504040204" pitchFamily="34" charset="-120"/>
+                <a:ea typeface="微軟正黑體" panose="020B0604030504040204" pitchFamily="34" charset="-120"/>
               </a:rPr>
               <a:t>t</a:t>
             </a:r>
@@ -9252,6 +9248,8 @@
                 <a:solidFill>
                   <a:srgbClr val="FF0000"/>
                 </a:solidFill>
+                <a:latin typeface="微軟正黑體" panose="020B0604030504040204" pitchFamily="34" charset="-120"/>
+                <a:ea typeface="微軟正黑體" panose="020B0604030504040204" pitchFamily="34" charset="-120"/>
               </a:rPr>
               <a:t>輪模型</a:t>
             </a:r>
@@ -9260,6 +9258,8 @@
                 <a:solidFill>
                   <a:srgbClr val="FF0000"/>
                 </a:solidFill>
+                <a:latin typeface="微軟正黑體" panose="020B0604030504040204" pitchFamily="34" charset="-120"/>
+                <a:ea typeface="微軟正黑體" panose="020B0604030504040204" pitchFamily="34" charset="-120"/>
               </a:rPr>
               <a:t>預測</a:t>
             </a:r>
@@ -9293,6 +9293,8 @@
                 <a:solidFill>
                   <a:srgbClr val="FF0000"/>
                 </a:solidFill>
+                <a:latin typeface="微軟正黑體" panose="020B0604030504040204" pitchFamily="34" charset="-120"/>
+                <a:ea typeface="微軟正黑體" panose="020B0604030504040204" pitchFamily="34" charset="-120"/>
               </a:rPr>
               <a:t>保留前面</a:t>
             </a:r>
@@ -9301,6 +9303,8 @@
                 <a:solidFill>
                   <a:srgbClr val="FF0000"/>
                 </a:solidFill>
+                <a:latin typeface="微軟正黑體" panose="020B0604030504040204" pitchFamily="34" charset="-120"/>
+                <a:ea typeface="微軟正黑體" panose="020B0604030504040204" pitchFamily="34" charset="-120"/>
               </a:rPr>
               <a:t>t-1</a:t>
             </a:r>
@@ -9309,6 +9313,8 @@
                 <a:solidFill>
                   <a:srgbClr val="FF0000"/>
                 </a:solidFill>
+                <a:latin typeface="微軟正黑體" panose="020B0604030504040204" pitchFamily="34" charset="-120"/>
+                <a:ea typeface="微軟正黑體" panose="020B0604030504040204" pitchFamily="34" charset="-120"/>
               </a:rPr>
               <a:t>輪的模型預測</a:t>
             </a:r>
@@ -9316,6 +9322,8 @@
               <a:solidFill>
                 <a:srgbClr val="FF0000"/>
               </a:solidFill>
+              <a:latin typeface="微軟正黑體" panose="020B0604030504040204" pitchFamily="34" charset="-120"/>
+              <a:ea typeface="微軟正黑體" panose="020B0604030504040204" pitchFamily="34" charset="-120"/>
             </a:endParaRPr>
           </a:p>
         </p:txBody>
@@ -9347,6 +9355,8 @@
                 <a:solidFill>
                   <a:srgbClr val="FF0000"/>
                 </a:solidFill>
+                <a:latin typeface="微軟正黑體" panose="020B0604030504040204" pitchFamily="34" charset="-120"/>
+                <a:ea typeface="微軟正黑體" panose="020B0604030504040204" pitchFamily="34" charset="-120"/>
               </a:rPr>
               <a:t>加入一個新的函數</a:t>
             </a:r>
@@ -9354,6 +9364,8 @@
               <a:solidFill>
                 <a:srgbClr val="FF0000"/>
               </a:solidFill>
+              <a:latin typeface="微軟正黑體" panose="020B0604030504040204" pitchFamily="34" charset="-120"/>
+              <a:ea typeface="微軟正黑體" panose="020B0604030504040204" pitchFamily="34" charset="-120"/>
             </a:endParaRPr>
           </a:p>
         </p:txBody>
@@ -9775,10 +9787,18 @@
               <a:defRPr/>
             </a:pPr>
             <a:r>
-              <a:rPr lang="zh-TW" altLang="en-US" dirty="0" smtClean="0"/>
+              <a:rPr lang="zh-TW" altLang="en-US" dirty="0" smtClean="0">
+                <a:solidFill>
+                  <a:srgbClr val="0070C0"/>
+                </a:solidFill>
+              </a:rPr>
               <a:t>流程圖</a:t>
             </a:r>
-            <a:endParaRPr lang="en-US" altLang="zh-TW" dirty="0" smtClean="0"/>
+            <a:endParaRPr lang="en-US" altLang="zh-TW" dirty="0" smtClean="0">
+              <a:solidFill>
+                <a:srgbClr val="0070C0"/>
+              </a:solidFill>
+            </a:endParaRPr>
           </a:p>
           <a:p>
             <a:pPr marL="287933" indent="-287933">
@@ -9796,10 +9816,18 @@
               <a:defRPr/>
             </a:pPr>
             <a:r>
-              <a:rPr lang="zh-TW" altLang="en-US" dirty="0" smtClean="0"/>
+              <a:rPr lang="zh-TW" altLang="en-US" dirty="0" smtClean="0">
+                <a:solidFill>
+                  <a:srgbClr val="0070C0"/>
+                </a:solidFill>
+              </a:rPr>
               <a:t>目標</a:t>
             </a:r>
-            <a:endParaRPr lang="en-US" altLang="zh-TW" dirty="0" smtClean="0"/>
+            <a:endParaRPr lang="en-US" altLang="zh-TW" dirty="0" smtClean="0">
+              <a:solidFill>
+                <a:srgbClr val="0070C0"/>
+              </a:solidFill>
+            </a:endParaRPr>
           </a:p>
           <a:p>
             <a:pPr marL="287933" indent="-287933">
@@ -9817,10 +9845,18 @@
               <a:defRPr/>
             </a:pPr>
             <a:r>
-              <a:rPr lang="zh-TW" altLang="en-US" dirty="0" smtClean="0"/>
+              <a:rPr lang="zh-TW" altLang="en-US" dirty="0" smtClean="0">
+                <a:solidFill>
+                  <a:srgbClr val="0070C0"/>
+                </a:solidFill>
+              </a:rPr>
               <a:t>模型評估指標</a:t>
             </a:r>
-            <a:endParaRPr lang="en-US" altLang="zh-TW" dirty="0" smtClean="0"/>
+            <a:endParaRPr lang="en-US" altLang="zh-TW" dirty="0" smtClean="0">
+              <a:solidFill>
+                <a:srgbClr val="0070C0"/>
+              </a:solidFill>
+            </a:endParaRPr>
           </a:p>
           <a:p>
             <a:pPr marL="287933" indent="-287933">
@@ -9838,14 +9874,26 @@
               <a:defRPr/>
             </a:pPr>
             <a:r>
-              <a:rPr lang="zh-TW" altLang="en-US" dirty="0"/>
+              <a:rPr lang="zh-TW" altLang="en-US" dirty="0">
+                <a:solidFill>
+                  <a:srgbClr val="0070C0"/>
+                </a:solidFill>
+              </a:rPr>
               <a:t>波士頓</a:t>
             </a:r>
             <a:r>
-              <a:rPr lang="zh-TW" altLang="en-US" dirty="0" smtClean="0"/>
+              <a:rPr lang="zh-TW" altLang="en-US" dirty="0" smtClean="0">
+                <a:solidFill>
+                  <a:srgbClr val="0070C0"/>
+                </a:solidFill>
+              </a:rPr>
               <a:t>房價</a:t>
             </a:r>
-            <a:endParaRPr lang="en-US" altLang="zh-TW" dirty="0" smtClean="0"/>
+            <a:endParaRPr lang="en-US" altLang="zh-TW" dirty="0" smtClean="0">
+              <a:solidFill>
+                <a:srgbClr val="0070C0"/>
+              </a:solidFill>
+            </a:endParaRPr>
           </a:p>
           <a:p>
             <a:pPr marL="287933" indent="-287933">
@@ -9863,10 +9911,18 @@
               <a:defRPr/>
             </a:pPr>
             <a:r>
-              <a:rPr lang="zh-TW" altLang="en-US" dirty="0" smtClean="0"/>
+              <a:rPr lang="zh-TW" altLang="en-US" dirty="0" smtClean="0">
+                <a:solidFill>
+                  <a:srgbClr val="0070C0"/>
+                </a:solidFill>
+              </a:rPr>
               <a:t>放款資料</a:t>
             </a:r>
-            <a:endParaRPr lang="en-US" altLang="zh-TW" dirty="0" smtClean="0"/>
+            <a:endParaRPr lang="en-US" altLang="zh-TW" dirty="0" smtClean="0">
+              <a:solidFill>
+                <a:srgbClr val="0070C0"/>
+              </a:solidFill>
+            </a:endParaRPr>
           </a:p>
         </p:txBody>
       </p:sp>
@@ -11659,70 +11715,121 @@
           <a:p>
             <a:pPr lvl="1"/>
             <a:r>
-              <a:rPr lang="zh-TW" altLang="en-US" sz="1600" dirty="0" smtClean="0"/>
+              <a:rPr lang="zh-TW" altLang="en-US" sz="1600" dirty="0" smtClean="0">
+                <a:latin typeface="微軟正黑體" panose="020B0604030504040204" pitchFamily="34" charset="-120"/>
+                <a:ea typeface="微軟正黑體" panose="020B0604030504040204" pitchFamily="34" charset="-120"/>
+              </a:rPr>
               <a:t>均</a:t>
             </a:r>
             <a:r>
-              <a:rPr lang="zh-TW" altLang="en-US" sz="1600" dirty="0"/>
+              <a:rPr lang="zh-TW" altLang="en-US" sz="1600" dirty="0">
+                <a:latin typeface="微軟正黑體" panose="020B0604030504040204" pitchFamily="34" charset="-120"/>
+                <a:ea typeface="微軟正黑體" panose="020B0604030504040204" pitchFamily="34" charset="-120"/>
+              </a:rPr>
               <a:t>方</a:t>
             </a:r>
             <a:r>
-              <a:rPr lang="zh-TW" altLang="en-US" sz="1600" dirty="0" smtClean="0"/>
+              <a:rPr lang="zh-TW" altLang="en-US" sz="1600" dirty="0" smtClean="0">
+                <a:latin typeface="微軟正黑體" panose="020B0604030504040204" pitchFamily="34" charset="-120"/>
+                <a:ea typeface="微軟正黑體" panose="020B0604030504040204" pitchFamily="34" charset="-120"/>
+              </a:rPr>
               <a:t>誤差</a:t>
             </a:r>
             <a:r>
-              <a:rPr lang="en-US" altLang="zh-TW" sz="1600" dirty="0" smtClean="0"/>
+              <a:rPr lang="en-US" altLang="zh-TW" sz="1600" dirty="0" smtClean="0">
+                <a:latin typeface="微軟正黑體" panose="020B0604030504040204" pitchFamily="34" charset="-120"/>
+                <a:ea typeface="微軟正黑體" panose="020B0604030504040204" pitchFamily="34" charset="-120"/>
+              </a:rPr>
               <a:t>(MSE):</a:t>
             </a:r>
             <a:r>
-              <a:rPr lang="zh-TW" altLang="en-US" sz="1600" dirty="0" smtClean="0"/>
+              <a:rPr lang="zh-TW" altLang="en-US" sz="1600" dirty="0" smtClean="0">
+                <a:latin typeface="微軟正黑體" panose="020B0604030504040204" pitchFamily="34" charset="-120"/>
+                <a:ea typeface="微軟正黑體" panose="020B0604030504040204" pitchFamily="34" charset="-120"/>
+              </a:rPr>
               <a:t>用真實</a:t>
             </a:r>
             <a:r>
-              <a:rPr lang="zh-TW" altLang="en-US" sz="1600" dirty="0"/>
+              <a:rPr lang="zh-TW" altLang="en-US" sz="1600" dirty="0">
+                <a:latin typeface="微軟正黑體" panose="020B0604030504040204" pitchFamily="34" charset="-120"/>
+                <a:ea typeface="微軟正黑體" panose="020B0604030504040204" pitchFamily="34" charset="-120"/>
+              </a:rPr>
               <a:t>值</a:t>
             </a:r>
             <a:r>
-              <a:rPr lang="en-US" altLang="zh-TW" sz="1600" dirty="0"/>
+              <a:rPr lang="en-US" altLang="zh-TW" sz="1600" dirty="0">
+                <a:latin typeface="微軟正黑體" panose="020B0604030504040204" pitchFamily="34" charset="-120"/>
+                <a:ea typeface="微軟正黑體" panose="020B0604030504040204" pitchFamily="34" charset="-120"/>
+              </a:rPr>
               <a:t>-</a:t>
             </a:r>
             <a:r>
-              <a:rPr lang="zh-TW" altLang="en-US" sz="1600" dirty="0"/>
+              <a:rPr lang="zh-TW" altLang="en-US" sz="1600" dirty="0">
+                <a:latin typeface="微軟正黑體" panose="020B0604030504040204" pitchFamily="34" charset="-120"/>
+                <a:ea typeface="微軟正黑體" panose="020B0604030504040204" pitchFamily="34" charset="-120"/>
+              </a:rPr>
               <a:t>預測</a:t>
             </a:r>
             <a:r>
-              <a:rPr lang="zh-TW" altLang="en-US" sz="1600" dirty="0" smtClean="0"/>
+              <a:rPr lang="zh-TW" altLang="en-US" sz="1600" dirty="0" smtClean="0">
+                <a:latin typeface="微軟正黑體" panose="020B0604030504040204" pitchFamily="34" charset="-120"/>
+                <a:ea typeface="微軟正黑體" panose="020B0604030504040204" pitchFamily="34" charset="-120"/>
+              </a:rPr>
               <a:t>值，然後</a:t>
             </a:r>
             <a:r>
-              <a:rPr lang="zh-TW" altLang="en-US" sz="1600" dirty="0"/>
+              <a:rPr lang="zh-TW" altLang="en-US" sz="1600" dirty="0">
+                <a:latin typeface="微軟正黑體" panose="020B0604030504040204" pitchFamily="34" charset="-120"/>
+                <a:ea typeface="微軟正黑體" panose="020B0604030504040204" pitchFamily="34" charset="-120"/>
+              </a:rPr>
               <a:t>平方之後求和</a:t>
             </a:r>
             <a:r>
-              <a:rPr lang="zh-TW" altLang="en-US" sz="1600" dirty="0" smtClean="0"/>
+              <a:rPr lang="zh-TW" altLang="en-US" sz="1600" dirty="0" smtClean="0">
+                <a:latin typeface="微軟正黑體" panose="020B0604030504040204" pitchFamily="34" charset="-120"/>
+                <a:ea typeface="微軟正黑體" panose="020B0604030504040204" pitchFamily="34" charset="-120"/>
+              </a:rPr>
               <a:t>平均，計算</a:t>
             </a:r>
             <a:r>
-              <a:rPr lang="zh-TW" altLang="en-US" sz="1600" dirty="0"/>
+              <a:rPr lang="zh-TW" altLang="en-US" sz="1600" dirty="0">
+                <a:latin typeface="微軟正黑體" panose="020B0604030504040204" pitchFamily="34" charset="-120"/>
+                <a:ea typeface="微軟正黑體" panose="020B0604030504040204" pitchFamily="34" charset="-120"/>
+              </a:rPr>
               <a:t>損失值</a:t>
             </a:r>
             <a:r>
-              <a:rPr lang="zh-TW" altLang="en-US" sz="1600" dirty="0" smtClean="0"/>
+              <a:rPr lang="zh-TW" altLang="en-US" sz="1600" dirty="0" smtClean="0">
+                <a:latin typeface="微軟正黑體" panose="020B0604030504040204" pitchFamily="34" charset="-120"/>
+                <a:ea typeface="微軟正黑體" panose="020B0604030504040204" pitchFamily="34" charset="-120"/>
+              </a:rPr>
               <a:t>。</a:t>
             </a:r>
-            <a:endParaRPr lang="en-US" altLang="zh-TW" sz="1600" dirty="0" smtClean="0"/>
+            <a:endParaRPr lang="en-US" altLang="zh-TW" sz="1600" dirty="0" smtClean="0">
+              <a:latin typeface="微軟正黑體" panose="020B0604030504040204" pitchFamily="34" charset="-120"/>
+              <a:ea typeface="微軟正黑體" panose="020B0604030504040204" pitchFamily="34" charset="-120"/>
+            </a:endParaRPr>
           </a:p>
           <a:p>
             <a:pPr lvl="1"/>
-            <a:endParaRPr lang="en-US" altLang="zh-TW" dirty="0"/>
+            <a:endParaRPr lang="en-US" altLang="zh-TW" dirty="0">
+              <a:latin typeface="微軟正黑體" panose="020B0604030504040204" pitchFamily="34" charset="-120"/>
+              <a:ea typeface="微軟正黑體" panose="020B0604030504040204" pitchFamily="34" charset="-120"/>
+            </a:endParaRPr>
           </a:p>
           <a:p>
             <a:pPr lvl="1"/>
-            <a:endParaRPr lang="en-US" altLang="zh-TW" dirty="0" smtClean="0"/>
+            <a:endParaRPr lang="en-US" altLang="zh-TW" dirty="0" smtClean="0">
+              <a:latin typeface="微軟正黑體" panose="020B0604030504040204" pitchFamily="34" charset="-120"/>
+              <a:ea typeface="微軟正黑體" panose="020B0604030504040204" pitchFamily="34" charset="-120"/>
+            </a:endParaRPr>
           </a:p>
           <a:p>
             <a:pPr lvl="1"/>
-            <a:endParaRPr lang="en-US" altLang="zh-TW" dirty="0"/>
+            <a:endParaRPr lang="en-US" altLang="zh-TW" dirty="0">
+              <a:latin typeface="微軟正黑體" panose="020B0604030504040204" pitchFamily="34" charset="-120"/>
+              <a:ea typeface="微軟正黑體" panose="020B0604030504040204" pitchFamily="34" charset="-120"/>
+            </a:endParaRPr>
           </a:p>
           <a:p>
             <a:pPr lvl="1"/>
@@ -11731,6 +11838,8 @@
                 <a:solidFill>
                   <a:srgbClr val="FF0000"/>
                 </a:solidFill>
+                <a:latin typeface="微軟正黑體" panose="020B0604030504040204" pitchFamily="34" charset="-120"/>
+                <a:ea typeface="微軟正黑體" panose="020B0604030504040204" pitchFamily="34" charset="-120"/>
               </a:rPr>
               <a:t>均方根誤差</a:t>
             </a:r>
@@ -11739,6 +11848,8 @@
                 <a:solidFill>
                   <a:srgbClr val="FF0000"/>
                 </a:solidFill>
+                <a:latin typeface="微軟正黑體" panose="020B0604030504040204" pitchFamily="34" charset="-120"/>
+                <a:ea typeface="微軟正黑體" panose="020B0604030504040204" pitchFamily="34" charset="-120"/>
               </a:rPr>
               <a:t>(</a:t>
             </a:r>
@@ -11747,38 +11858,64 @@
                 <a:solidFill>
                   <a:srgbClr val="FF0000"/>
                 </a:solidFill>
+                <a:latin typeface="微軟正黑體" panose="020B0604030504040204" pitchFamily="34" charset="-120"/>
+                <a:ea typeface="微軟正黑體" panose="020B0604030504040204" pitchFamily="34" charset="-120"/>
               </a:rPr>
               <a:t>RMSE):</a:t>
             </a:r>
             <a:r>
-              <a:rPr lang="en-US" altLang="zh-TW" sz="1600" dirty="0" smtClean="0"/>
+              <a:rPr lang="en-US" altLang="zh-TW" sz="1600" dirty="0" smtClean="0">
+                <a:latin typeface="微軟正黑體" panose="020B0604030504040204" pitchFamily="34" charset="-120"/>
+                <a:ea typeface="微軟正黑體" panose="020B0604030504040204" pitchFamily="34" charset="-120"/>
+              </a:rPr>
               <a:t>MSE</a:t>
             </a:r>
             <a:r>
-              <a:rPr lang="zh-TW" altLang="en-US" sz="1600" dirty="0" smtClean="0"/>
+              <a:rPr lang="zh-TW" altLang="en-US" sz="1600" dirty="0" smtClean="0">
+                <a:latin typeface="微軟正黑體" panose="020B0604030504040204" pitchFamily="34" charset="-120"/>
+                <a:ea typeface="微軟正黑體" panose="020B0604030504040204" pitchFamily="34" charset="-120"/>
+              </a:rPr>
               <a:t>開根號，使得與預測結果同一級別。</a:t>
             </a:r>
-            <a:endParaRPr lang="en-US" altLang="zh-TW" sz="1600" dirty="0" smtClean="0"/>
+            <a:endParaRPr lang="en-US" altLang="zh-TW" sz="1600" dirty="0" smtClean="0">
+              <a:latin typeface="微軟正黑體" panose="020B0604030504040204" pitchFamily="34" charset="-120"/>
+              <a:ea typeface="微軟正黑體" panose="020B0604030504040204" pitchFamily="34" charset="-120"/>
+            </a:endParaRPr>
           </a:p>
           <a:p>
             <a:pPr lvl="1"/>
-            <a:endParaRPr lang="en-US" altLang="zh-TW" sz="1600" dirty="0"/>
+            <a:endParaRPr lang="en-US" altLang="zh-TW" sz="1600" dirty="0">
+              <a:latin typeface="微軟正黑體" panose="020B0604030504040204" pitchFamily="34" charset="-120"/>
+              <a:ea typeface="微軟正黑體" panose="020B0604030504040204" pitchFamily="34" charset="-120"/>
+            </a:endParaRPr>
           </a:p>
           <a:p>
             <a:pPr lvl="1"/>
-            <a:endParaRPr lang="en-US" altLang="zh-TW" sz="1600" dirty="0" smtClean="0"/>
+            <a:endParaRPr lang="en-US" altLang="zh-TW" sz="1600" dirty="0" smtClean="0">
+              <a:latin typeface="微軟正黑體" panose="020B0604030504040204" pitchFamily="34" charset="-120"/>
+              <a:ea typeface="微軟正黑體" panose="020B0604030504040204" pitchFamily="34" charset="-120"/>
+            </a:endParaRPr>
           </a:p>
           <a:p>
             <a:pPr lvl="1"/>
-            <a:endParaRPr lang="en-US" altLang="zh-TW" sz="1600" dirty="0"/>
+            <a:endParaRPr lang="en-US" altLang="zh-TW" sz="1600" dirty="0">
+              <a:latin typeface="微軟正黑體" panose="020B0604030504040204" pitchFamily="34" charset="-120"/>
+              <a:ea typeface="微軟正黑體" panose="020B0604030504040204" pitchFamily="34" charset="-120"/>
+            </a:endParaRPr>
           </a:p>
           <a:p>
             <a:pPr lvl="1"/>
-            <a:endParaRPr lang="en-US" altLang="zh-TW" sz="1600" dirty="0" smtClean="0"/>
+            <a:endParaRPr lang="en-US" altLang="zh-TW" sz="1600" dirty="0" smtClean="0">
+              <a:latin typeface="微軟正黑體" panose="020B0604030504040204" pitchFamily="34" charset="-120"/>
+              <a:ea typeface="微軟正黑體" panose="020B0604030504040204" pitchFamily="34" charset="-120"/>
+            </a:endParaRPr>
           </a:p>
           <a:p>
             <a:pPr lvl="1"/>
-            <a:endParaRPr lang="en-US" altLang="zh-TW" sz="1600" dirty="0"/>
+            <a:endParaRPr lang="en-US" altLang="zh-TW" sz="1600" dirty="0">
+              <a:latin typeface="微軟正黑體" panose="020B0604030504040204" pitchFamily="34" charset="-120"/>
+              <a:ea typeface="微軟正黑體" panose="020B0604030504040204" pitchFamily="34" charset="-120"/>
+            </a:endParaRPr>
           </a:p>
           <a:p>
             <a:pPr lvl="1"/>
@@ -11787,6 +11924,8 @@
                 <a:solidFill>
                   <a:srgbClr val="FF0000"/>
                 </a:solidFill>
+                <a:latin typeface="微軟正黑體" panose="020B0604030504040204" pitchFamily="34" charset="-120"/>
+                <a:ea typeface="微軟正黑體" panose="020B0604030504040204" pitchFamily="34" charset="-120"/>
               </a:rPr>
               <a:t>決定係數</a:t>
             </a:r>
@@ -11795,6 +11934,8 @@
                 <a:solidFill>
                   <a:srgbClr val="FF0000"/>
                 </a:solidFill>
+                <a:latin typeface="微軟正黑體" panose="020B0604030504040204" pitchFamily="34" charset="-120"/>
+                <a:ea typeface="微軟正黑體" panose="020B0604030504040204" pitchFamily="34" charset="-120"/>
               </a:rPr>
               <a:t>(</a:t>
             </a:r>
@@ -11803,69 +11944,116 @@
                 <a:solidFill>
                   <a:srgbClr val="FF0000"/>
                 </a:solidFill>
+                <a:latin typeface="微軟正黑體" panose="020B0604030504040204" pitchFamily="34" charset="-120"/>
+                <a:ea typeface="微軟正黑體" panose="020B0604030504040204" pitchFamily="34" charset="-120"/>
               </a:rPr>
               <a:t>R Squared):</a:t>
             </a:r>
             <a:r>
-              <a:rPr lang="zh-TW" altLang="en-US" sz="1600" dirty="0" smtClean="0"/>
+              <a:rPr lang="zh-TW" altLang="en-US" sz="1600" dirty="0" smtClean="0">
+                <a:latin typeface="微軟正黑體" panose="020B0604030504040204" pitchFamily="34" charset="-120"/>
+                <a:ea typeface="微軟正黑體" panose="020B0604030504040204" pitchFamily="34" charset="-120"/>
+              </a:rPr>
               <a:t>主要作用是評估模型對因變量</a:t>
             </a:r>
             <a:r>
-              <a:rPr lang="en-US" altLang="zh-TW" sz="1600" dirty="0" smtClean="0"/>
+              <a:rPr lang="en-US" altLang="zh-TW" sz="1600" dirty="0" smtClean="0">
+                <a:latin typeface="微軟正黑體" panose="020B0604030504040204" pitchFamily="34" charset="-120"/>
+                <a:ea typeface="微軟正黑體" panose="020B0604030504040204" pitchFamily="34" charset="-120"/>
+              </a:rPr>
               <a:t>y</a:t>
             </a:r>
             <a:r>
-              <a:rPr lang="zh-TW" altLang="en-US" sz="1600" dirty="0" smtClean="0"/>
+              <a:rPr lang="zh-TW" altLang="en-US" sz="1600" dirty="0" smtClean="0">
+                <a:latin typeface="微軟正黑體" panose="020B0604030504040204" pitchFamily="34" charset="-120"/>
+                <a:ea typeface="微軟正黑體" panose="020B0604030504040204" pitchFamily="34" charset="-120"/>
+              </a:rPr>
               <a:t>產生變化的解釋程度，取值範圍為</a:t>
             </a:r>
             <a:r>
-              <a:rPr lang="en-US" altLang="zh-TW" sz="1600" dirty="0" smtClean="0"/>
+              <a:rPr lang="en-US" altLang="zh-TW" sz="1600" dirty="0" smtClean="0">
+                <a:latin typeface="微軟正黑體" panose="020B0604030504040204" pitchFamily="34" charset="-120"/>
+                <a:ea typeface="微軟正黑體" panose="020B0604030504040204" pitchFamily="34" charset="-120"/>
+              </a:rPr>
               <a:t>0~1</a:t>
             </a:r>
             <a:r>
-              <a:rPr lang="zh-TW" altLang="en-US" sz="1600" dirty="0" smtClean="0"/>
+              <a:rPr lang="zh-TW" altLang="en-US" sz="1600" dirty="0" smtClean="0">
+                <a:latin typeface="微軟正黑體" panose="020B0604030504040204" pitchFamily="34" charset="-120"/>
+                <a:ea typeface="微軟正黑體" panose="020B0604030504040204" pitchFamily="34" charset="-120"/>
+              </a:rPr>
               <a:t>，愈接近</a:t>
             </a:r>
             <a:r>
-              <a:rPr lang="en-US" altLang="zh-TW" sz="1600" dirty="0" smtClean="0"/>
+              <a:rPr lang="en-US" altLang="zh-TW" sz="1600" dirty="0" smtClean="0">
+                <a:latin typeface="微軟正黑體" panose="020B0604030504040204" pitchFamily="34" charset="-120"/>
+                <a:ea typeface="微軟正黑體" panose="020B0604030504040204" pitchFamily="34" charset="-120"/>
+              </a:rPr>
               <a:t>1</a:t>
             </a:r>
             <a:r>
-              <a:rPr lang="zh-TW" altLang="en-US" sz="1600" dirty="0" smtClean="0"/>
+              <a:rPr lang="zh-TW" altLang="en-US" sz="1600" dirty="0" smtClean="0">
+                <a:latin typeface="微軟正黑體" panose="020B0604030504040204" pitchFamily="34" charset="-120"/>
+                <a:ea typeface="微軟正黑體" panose="020B0604030504040204" pitchFamily="34" charset="-120"/>
+              </a:rPr>
               <a:t>，代表此模型愈有解釋能力。</a:t>
             </a:r>
           </a:p>
           <a:p>
             <a:pPr lvl="1"/>
-            <a:endParaRPr lang="zh-TW" altLang="en-US" sz="1600" dirty="0" smtClean="0"/>
+            <a:endParaRPr lang="zh-TW" altLang="en-US" sz="1600" dirty="0" smtClean="0">
+              <a:latin typeface="微軟正黑體" panose="020B0604030504040204" pitchFamily="34" charset="-120"/>
+              <a:ea typeface="微軟正黑體" panose="020B0604030504040204" pitchFamily="34" charset="-120"/>
+            </a:endParaRPr>
           </a:p>
           <a:p>
             <a:pPr lvl="1"/>
-            <a:endParaRPr lang="en-US" altLang="zh-TW" sz="1600" dirty="0"/>
+            <a:endParaRPr lang="en-US" altLang="zh-TW" sz="1600" dirty="0">
+              <a:latin typeface="微軟正黑體" panose="020B0604030504040204" pitchFamily="34" charset="-120"/>
+              <a:ea typeface="微軟正黑體" panose="020B0604030504040204" pitchFamily="34" charset="-120"/>
+            </a:endParaRPr>
           </a:p>
           <a:p>
             <a:pPr lvl="1"/>
-            <a:endParaRPr lang="en-US" altLang="zh-TW" sz="1600" dirty="0" smtClean="0"/>
+            <a:endParaRPr lang="en-US" altLang="zh-TW" sz="1600" dirty="0" smtClean="0">
+              <a:latin typeface="微軟正黑體" panose="020B0604030504040204" pitchFamily="34" charset="-120"/>
+              <a:ea typeface="微軟正黑體" panose="020B0604030504040204" pitchFamily="34" charset="-120"/>
+            </a:endParaRPr>
           </a:p>
           <a:p>
             <a:pPr lvl="1"/>
-            <a:endParaRPr lang="en-US" altLang="zh-TW" sz="1600" dirty="0"/>
+            <a:endParaRPr lang="en-US" altLang="zh-TW" sz="1600" dirty="0">
+              <a:latin typeface="微軟正黑體" panose="020B0604030504040204" pitchFamily="34" charset="-120"/>
+              <a:ea typeface="微軟正黑體" panose="020B0604030504040204" pitchFamily="34" charset="-120"/>
+            </a:endParaRPr>
           </a:p>
           <a:p>
             <a:pPr lvl="1"/>
-            <a:endParaRPr lang="en-US" altLang="zh-TW" sz="1600" dirty="0" smtClean="0"/>
+            <a:endParaRPr lang="en-US" altLang="zh-TW" sz="1600" dirty="0" smtClean="0">
+              <a:latin typeface="微軟正黑體" panose="020B0604030504040204" pitchFamily="34" charset="-120"/>
+              <a:ea typeface="微軟正黑體" panose="020B0604030504040204" pitchFamily="34" charset="-120"/>
+            </a:endParaRPr>
           </a:p>
           <a:p>
             <a:pPr lvl="1"/>
-            <a:endParaRPr lang="en-US" altLang="zh-TW" sz="1600" dirty="0"/>
+            <a:endParaRPr lang="en-US" altLang="zh-TW" sz="1600" dirty="0">
+              <a:latin typeface="微軟正黑體" panose="020B0604030504040204" pitchFamily="34" charset="-120"/>
+              <a:ea typeface="微軟正黑體" panose="020B0604030504040204" pitchFamily="34" charset="-120"/>
+            </a:endParaRPr>
           </a:p>
           <a:p>
             <a:pPr lvl="1"/>
-            <a:endParaRPr lang="en-US" altLang="zh-TW" sz="1600" dirty="0" smtClean="0"/>
+            <a:endParaRPr lang="en-US" altLang="zh-TW" sz="1600" dirty="0" smtClean="0">
+              <a:latin typeface="微軟正黑體" panose="020B0604030504040204" pitchFamily="34" charset="-120"/>
+              <a:ea typeface="微軟正黑體" panose="020B0604030504040204" pitchFamily="34" charset="-120"/>
+            </a:endParaRPr>
           </a:p>
           <a:p>
             <a:pPr lvl="1"/>
-            <a:endParaRPr lang="zh-TW" altLang="en-US" dirty="0"/>
+            <a:endParaRPr lang="zh-TW" altLang="en-US" dirty="0">
+              <a:latin typeface="微軟正黑體" panose="020B0604030504040204" pitchFamily="34" charset="-120"/>
+              <a:ea typeface="微軟正黑體" panose="020B0604030504040204" pitchFamily="34" charset="-120"/>
+            </a:endParaRPr>
           </a:p>
         </p:txBody>
       </p:sp>
@@ -12491,18 +12679,30 @@
               <a:buChar char="Ø"/>
             </a:pPr>
             <a:r>
-              <a:rPr lang="zh-TW" altLang="en-US" sz="1600" dirty="0" smtClean="0"/>
+              <a:rPr lang="zh-TW" altLang="en-US" sz="1600" dirty="0" smtClean="0">
+                <a:latin typeface="微軟正黑體" panose="020B0604030504040204" pitchFamily="34" charset="-120"/>
+                <a:ea typeface="微軟正黑體" panose="020B0604030504040204" pitchFamily="34" charset="-120"/>
+              </a:rPr>
               <a:t>波士頓房價</a:t>
             </a:r>
             <a:r>
-              <a:rPr lang="en-US" altLang="zh-TW" sz="1600" dirty="0" smtClean="0"/>
+              <a:rPr lang="en-US" altLang="zh-TW" sz="1600" dirty="0" smtClean="0">
+                <a:latin typeface="微軟正黑體" panose="020B0604030504040204" pitchFamily="34" charset="-120"/>
+                <a:ea typeface="微軟正黑體" panose="020B0604030504040204" pitchFamily="34" charset="-120"/>
+              </a:rPr>
               <a:t>vs</a:t>
             </a:r>
             <a:r>
-              <a:rPr lang="zh-TW" altLang="en-US" sz="1600" dirty="0" smtClean="0"/>
+              <a:rPr lang="zh-TW" altLang="en-US" sz="1600" dirty="0" smtClean="0">
+                <a:latin typeface="微軟正黑體" panose="020B0604030504040204" pitchFamily="34" charset="-120"/>
+                <a:ea typeface="微軟正黑體" panose="020B0604030504040204" pitchFamily="34" charset="-120"/>
+              </a:rPr>
               <a:t>放款資料</a:t>
             </a:r>
-            <a:endParaRPr lang="en-US" altLang="zh-TW" sz="1600" dirty="0" smtClean="0"/>
+            <a:endParaRPr lang="en-US" altLang="zh-TW" sz="1600" dirty="0" smtClean="0">
+              <a:latin typeface="微軟正黑體" panose="020B0604030504040204" pitchFamily="34" charset="-120"/>
+              <a:ea typeface="微軟正黑體" panose="020B0604030504040204" pitchFamily="34" charset="-120"/>
+            </a:endParaRPr>
           </a:p>
           <a:p>
             <a:pPr lvl="1">
@@ -12510,14 +12710,23 @@
               <a:buChar char="Ø"/>
             </a:pPr>
             <a:r>
-              <a:rPr lang="zh-TW" altLang="en-US" sz="1600" dirty="0" smtClean="0"/>
+              <a:rPr lang="zh-TW" altLang="en-US" sz="1600" dirty="0" smtClean="0">
+                <a:latin typeface="微軟正黑體" panose="020B0604030504040204" pitchFamily="34" charset="-120"/>
+                <a:ea typeface="微軟正黑體" panose="020B0604030504040204" pitchFamily="34" charset="-120"/>
+              </a:rPr>
               <a:t>總</a:t>
             </a:r>
             <a:r>
-              <a:rPr lang="zh-TW" altLang="en-US" sz="1600" dirty="0"/>
+              <a:rPr lang="zh-TW" altLang="en-US" sz="1600" dirty="0">
+                <a:latin typeface="微軟正黑體" panose="020B0604030504040204" pitchFamily="34" charset="-120"/>
+                <a:ea typeface="微軟正黑體" panose="020B0604030504040204" pitchFamily="34" charset="-120"/>
+              </a:rPr>
               <a:t>結</a:t>
             </a:r>
-            <a:endParaRPr lang="en-US" altLang="zh-TW" sz="1600" dirty="0" smtClean="0"/>
+            <a:endParaRPr lang="en-US" altLang="zh-TW" sz="1600" dirty="0" smtClean="0">
+              <a:latin typeface="微軟正黑體" panose="020B0604030504040204" pitchFamily="34" charset="-120"/>
+              <a:ea typeface="微軟正黑體" panose="020B0604030504040204" pitchFamily="34" charset="-120"/>
+            </a:endParaRPr>
           </a:p>
           <a:p>
             <a:pPr>
@@ -12898,306 +13107,6 @@
           <a:chExt cx="0" cy="0"/>
         </a:xfrm>
       </p:grpSpPr>
-      <p:sp>
-        <p:nvSpPr>
-          <p:cNvPr id="11266" name="標題 1"/>
-          <p:cNvSpPr>
-            <a:spLocks noGrp="1"/>
-          </p:cNvSpPr>
-          <p:nvPr>
-            <p:ph type="title"/>
-          </p:nvPr>
-        </p:nvSpPr>
-        <p:spPr>
-          <a:xfrm>
-            <a:off x="2109788" y="155575"/>
-            <a:ext cx="6246812" cy="538163"/>
-          </a:xfrm>
-          <a:noFill/>
-          <a:ln/>
-          <a:extLst>
-            <a:ext uri="{909E8E84-426E-40DD-AFC4-6F175D3DCCD1}">
-              <a14:hiddenFill xmlns:a14="http://schemas.microsoft.com/office/drawing/2010/main">
-                <a:solidFill>
-                  <a:srgbClr val="FFFFFF"/>
-                </a:solidFill>
-              </a14:hiddenFill>
-            </a:ext>
-            <a:ext uri="{91240B29-F687-4F45-9708-019B960494DF}">
-              <a14:hiddenLine xmlns:a14="http://schemas.microsoft.com/office/drawing/2010/main" w="9525">
-                <a:solidFill>
-                  <a:srgbClr val="000000"/>
-                </a:solidFill>
-                <a:miter lim="800000"/>
-                <a:headEnd/>
-                <a:tailEnd/>
-              </a14:hiddenLine>
-            </a:ext>
-          </a:extLst>
-        </p:spPr>
-        <p:txBody>
-          <a:bodyPr vert="horz" wrap="square" lIns="91440" tIns="45720" rIns="91440" bIns="45720" numCol="1" anchor="t" anchorCtr="0" compatLnSpc="1">
-            <a:prstTxWarp prst="textNoShape">
-              <a:avLst/>
-            </a:prstTxWarp>
-          </a:bodyPr>
-          <a:lstStyle/>
-          <a:p>
-            <a:pPr algn="ctr"/>
-            <a:r>
-              <a:rPr lang="zh-TW" altLang="en-US" b="1" dirty="0" smtClean="0"/>
-              <a:t>波士頓房價</a:t>
-            </a:r>
-            <a:r>
-              <a:rPr lang="en-US" altLang="zh-TW" b="1" dirty="0" smtClean="0"/>
-              <a:t>-</a:t>
-            </a:r>
-            <a:r>
-              <a:rPr lang="zh-TW" altLang="en-US" b="1" dirty="0" smtClean="0"/>
-              <a:t>資料來源</a:t>
-            </a:r>
-          </a:p>
-        </p:txBody>
-      </p:sp>
-      <p:sp>
-        <p:nvSpPr>
-          <p:cNvPr id="11267" name="內容版面配置區 2"/>
-          <p:cNvSpPr>
-            <a:spLocks noGrp="1"/>
-          </p:cNvSpPr>
-          <p:nvPr>
-            <p:ph sz="quarter" idx="10"/>
-          </p:nvPr>
-        </p:nvSpPr>
-        <p:spPr bwMode="auto">
-          <a:xfrm>
-            <a:off x="601663" y="1196975"/>
-            <a:ext cx="7993062" cy="5111750"/>
-          </a:xfrm>
-          <a:noFill/>
-          <a:extLst>
-            <a:ext uri="{909E8E84-426E-40DD-AFC4-6F175D3DCCD1}">
-              <a14:hiddenFill xmlns:a14="http://schemas.microsoft.com/office/drawing/2010/main">
-                <a:solidFill>
-                  <a:srgbClr val="FFFFFF"/>
-                </a:solidFill>
-              </a14:hiddenFill>
-            </a:ext>
-            <a:ext uri="{91240B29-F687-4F45-9708-019B960494DF}">
-              <a14:hiddenLine xmlns:a14="http://schemas.microsoft.com/office/drawing/2010/main" w="9525">
-                <a:solidFill>
-                  <a:srgbClr val="000000"/>
-                </a:solidFill>
-                <a:miter lim="800000"/>
-                <a:headEnd/>
-                <a:tailEnd/>
-              </a14:hiddenLine>
-            </a:ext>
-          </a:extLst>
-        </p:spPr>
-        <p:txBody>
-          <a:bodyPr vert="horz" wrap="square" lIns="91440" tIns="45720" rIns="91440" bIns="45720" numCol="1" anchor="t" anchorCtr="0" compatLnSpc="1">
-            <a:prstTxWarp prst="textNoShape">
-              <a:avLst/>
-            </a:prstTxWarp>
-          </a:bodyPr>
-          <a:lstStyle/>
-          <a:p>
-            <a:r>
-              <a:rPr lang="en-US" altLang="zh-TW" dirty="0" err="1" smtClean="0"/>
-              <a:t>Kaggle</a:t>
-            </a:r>
-            <a:r>
-              <a:rPr lang="zh-TW" altLang="en-US" dirty="0" smtClean="0"/>
-              <a:t>是一個數據建模和數據分析競賽平台。</a:t>
-            </a:r>
-          </a:p>
-          <a:p>
-            <a:r>
-              <a:rPr lang="zh-TW" altLang="en-US" dirty="0" smtClean="0"/>
-              <a:t>可依據上面的資料進行學習。</a:t>
-            </a:r>
-            <a:endParaRPr lang="en-US" altLang="zh-TW" dirty="0" smtClean="0"/>
-          </a:p>
-          <a:p>
-            <a:r>
-              <a:rPr lang="zh-TW" altLang="en-US" dirty="0" smtClean="0"/>
-              <a:t>利用</a:t>
-            </a:r>
-            <a:r>
-              <a:rPr lang="en-US" altLang="zh-TW" dirty="0" err="1" smtClean="0"/>
-              <a:t>Kaggle</a:t>
-            </a:r>
-            <a:r>
-              <a:rPr lang="zh-TW" altLang="en-US" dirty="0" smtClean="0"/>
-              <a:t>上面的美國波士頓房價資料進行預測。</a:t>
-            </a:r>
-          </a:p>
-        </p:txBody>
-      </p:sp>
-      <p:sp>
-        <p:nvSpPr>
-          <p:cNvPr id="11268" name="頁尾版面配置區 3"/>
-          <p:cNvSpPr>
-            <a:spLocks noGrp="1"/>
-          </p:cNvSpPr>
-          <p:nvPr>
-            <p:ph type="ftr" sz="quarter" idx="11"/>
-          </p:nvPr>
-        </p:nvSpPr>
-        <p:spPr bwMode="auto">
-          <a:noFill/>
-          <a:extLst>
-            <a:ext uri="{909E8E84-426E-40DD-AFC4-6F175D3DCCD1}">
-              <a14:hiddenFill xmlns:a14="http://schemas.microsoft.com/office/drawing/2010/main">
-                <a:solidFill>
-                  <a:srgbClr val="FFFFFF"/>
-                </a:solidFill>
-              </a14:hiddenFill>
-            </a:ext>
-            <a:ext uri="{91240B29-F687-4F45-9708-019B960494DF}">
-              <a14:hiddenLine xmlns:a14="http://schemas.microsoft.com/office/drawing/2010/main" w="9525">
-                <a:solidFill>
-                  <a:srgbClr val="000000"/>
-                </a:solidFill>
-                <a:miter lim="800000"/>
-                <a:headEnd/>
-                <a:tailEnd/>
-              </a14:hiddenLine>
-            </a:ext>
-          </a:extLst>
-        </p:spPr>
-        <p:txBody>
-          <a:bodyPr/>
-          <a:lstStyle>
-            <a:lvl1pPr>
-              <a:defRPr kumimoji="1" sz="2400" u="sng">
-                <a:solidFill>
-                  <a:schemeClr val="tx1"/>
-                </a:solidFill>
-                <a:latin typeface="Times New Roman" panose="02020603050405020304" pitchFamily="18" charset="0"/>
-                <a:ea typeface="新細明體" panose="02020500000000000000" pitchFamily="18" charset="-120"/>
-              </a:defRPr>
-            </a:lvl1pPr>
-            <a:lvl2pPr marL="742950" indent="-285750">
-              <a:defRPr kumimoji="1" sz="2400" u="sng">
-                <a:solidFill>
-                  <a:schemeClr val="tx1"/>
-                </a:solidFill>
-                <a:latin typeface="Times New Roman" panose="02020603050405020304" pitchFamily="18" charset="0"/>
-                <a:ea typeface="新細明體" panose="02020500000000000000" pitchFamily="18" charset="-120"/>
-              </a:defRPr>
-            </a:lvl2pPr>
-            <a:lvl3pPr marL="1143000" indent="-228600">
-              <a:defRPr kumimoji="1" sz="2400" u="sng">
-                <a:solidFill>
-                  <a:schemeClr val="tx1"/>
-                </a:solidFill>
-                <a:latin typeface="Times New Roman" panose="02020603050405020304" pitchFamily="18" charset="0"/>
-                <a:ea typeface="新細明體" panose="02020500000000000000" pitchFamily="18" charset="-120"/>
-              </a:defRPr>
-            </a:lvl3pPr>
-            <a:lvl4pPr marL="1600200" indent="-228600">
-              <a:defRPr kumimoji="1" sz="2400" u="sng">
-                <a:solidFill>
-                  <a:schemeClr val="tx1"/>
-                </a:solidFill>
-                <a:latin typeface="Times New Roman" panose="02020603050405020304" pitchFamily="18" charset="0"/>
-                <a:ea typeface="新細明體" panose="02020500000000000000" pitchFamily="18" charset="-120"/>
-              </a:defRPr>
-            </a:lvl4pPr>
-            <a:lvl5pPr marL="2057400" indent="-228600">
-              <a:defRPr kumimoji="1" sz="2400" u="sng">
-                <a:solidFill>
-                  <a:schemeClr val="tx1"/>
-                </a:solidFill>
-                <a:latin typeface="Times New Roman" panose="02020603050405020304" pitchFamily="18" charset="0"/>
-                <a:ea typeface="新細明體" panose="02020500000000000000" pitchFamily="18" charset="-120"/>
-              </a:defRPr>
-            </a:lvl5pPr>
-            <a:lvl6pPr marL="2514600" indent="-228600" eaLnBrk="0" fontAlgn="base" hangingPunct="0">
-              <a:spcBef>
-                <a:spcPct val="0"/>
-              </a:spcBef>
-              <a:spcAft>
-                <a:spcPct val="0"/>
-              </a:spcAft>
-              <a:defRPr kumimoji="1" sz="2400" u="sng">
-                <a:solidFill>
-                  <a:schemeClr val="tx1"/>
-                </a:solidFill>
-                <a:latin typeface="Times New Roman" panose="02020603050405020304" pitchFamily="18" charset="0"/>
-                <a:ea typeface="新細明體" panose="02020500000000000000" pitchFamily="18" charset="-120"/>
-              </a:defRPr>
-            </a:lvl6pPr>
-            <a:lvl7pPr marL="2971800" indent="-228600" eaLnBrk="0" fontAlgn="base" hangingPunct="0">
-              <a:spcBef>
-                <a:spcPct val="0"/>
-              </a:spcBef>
-              <a:spcAft>
-                <a:spcPct val="0"/>
-              </a:spcAft>
-              <a:defRPr kumimoji="1" sz="2400" u="sng">
-                <a:solidFill>
-                  <a:schemeClr val="tx1"/>
-                </a:solidFill>
-                <a:latin typeface="Times New Roman" panose="02020603050405020304" pitchFamily="18" charset="0"/>
-                <a:ea typeface="新細明體" panose="02020500000000000000" pitchFamily="18" charset="-120"/>
-              </a:defRPr>
-            </a:lvl7pPr>
-            <a:lvl8pPr marL="3429000" indent="-228600" eaLnBrk="0" fontAlgn="base" hangingPunct="0">
-              <a:spcBef>
-                <a:spcPct val="0"/>
-              </a:spcBef>
-              <a:spcAft>
-                <a:spcPct val="0"/>
-              </a:spcAft>
-              <a:defRPr kumimoji="1" sz="2400" u="sng">
-                <a:solidFill>
-                  <a:schemeClr val="tx1"/>
-                </a:solidFill>
-                <a:latin typeface="Times New Roman" panose="02020603050405020304" pitchFamily="18" charset="0"/>
-                <a:ea typeface="新細明體" panose="02020500000000000000" pitchFamily="18" charset="-120"/>
-              </a:defRPr>
-            </a:lvl8pPr>
-            <a:lvl9pPr marL="3886200" indent="-228600" eaLnBrk="0" fontAlgn="base" hangingPunct="0">
-              <a:spcBef>
-                <a:spcPct val="0"/>
-              </a:spcBef>
-              <a:spcAft>
-                <a:spcPct val="0"/>
-              </a:spcAft>
-              <a:defRPr kumimoji="1" sz="2400" u="sng">
-                <a:solidFill>
-                  <a:schemeClr val="tx1"/>
-                </a:solidFill>
-                <a:latin typeface="Times New Roman" panose="02020603050405020304" pitchFamily="18" charset="0"/>
-                <a:ea typeface="新細明體" panose="02020500000000000000" pitchFamily="18" charset="-120"/>
-              </a:defRPr>
-            </a:lvl9pPr>
-          </a:lstStyle>
-          <a:p>
-            <a:r>
-              <a:rPr lang="zh-TW" altLang="en-US" sz="900" u="none" smtClean="0">
-                <a:latin typeface="微軟正黑體" panose="020B0604030504040204" pitchFamily="34" charset="-120"/>
-                <a:ea typeface="微軟正黑體" panose="020B0604030504040204" pitchFamily="34" charset="-120"/>
-              </a:rPr>
-              <a:t>機密等級：密            日期：</a:t>
-            </a:r>
-            <a:r>
-              <a:rPr lang="en-US" altLang="zh-TW" sz="900" u="none" smtClean="0">
-                <a:latin typeface="微軟正黑體" panose="020B0604030504040204" pitchFamily="34" charset="-120"/>
-                <a:ea typeface="微軟正黑體" panose="020B0604030504040204" pitchFamily="34" charset="-120"/>
-              </a:rPr>
-              <a:t>2020/07/22</a:t>
-            </a:r>
-            <a:endParaRPr lang="zh-TW" altLang="en-US" sz="900" u="none" smtClean="0">
-              <a:latin typeface="微軟正黑體" panose="020B0604030504040204" pitchFamily="34" charset="-120"/>
-              <a:ea typeface="微軟正黑體" panose="020B0604030504040204" pitchFamily="34" charset="-120"/>
-            </a:endParaRPr>
-          </a:p>
-        </p:txBody>
-      </p:sp>
       <p:pic>
         <p:nvPicPr>
           <p:cNvPr id="11269" name="圖片 4"/>
@@ -13221,8 +13130,8 @@
         </p:blipFill>
         <p:spPr bwMode="auto">
           <a:xfrm>
-            <a:off x="1084263" y="2133650"/>
-            <a:ext cx="7272337" cy="4175075"/>
+            <a:off x="1084263" y="2205658"/>
+            <a:ext cx="7272337" cy="4103067"/>
           </a:xfrm>
           <a:prstGeom prst="rect">
             <a:avLst/>
@@ -13252,6 +13161,322 @@
           </a:extLst>
         </p:spPr>
       </p:pic>
+      <p:sp>
+        <p:nvSpPr>
+          <p:cNvPr id="11266" name="標題 1"/>
+          <p:cNvSpPr>
+            <a:spLocks noGrp="1"/>
+          </p:cNvSpPr>
+          <p:nvPr>
+            <p:ph type="title"/>
+          </p:nvPr>
+        </p:nvSpPr>
+        <p:spPr>
+          <a:xfrm>
+            <a:off x="2109788" y="155575"/>
+            <a:ext cx="6246812" cy="538163"/>
+          </a:xfrm>
+          <a:noFill/>
+          <a:ln/>
+          <a:extLst>
+            <a:ext uri="{909E8E84-426E-40DD-AFC4-6F175D3DCCD1}">
+              <a14:hiddenFill xmlns:a14="http://schemas.microsoft.com/office/drawing/2010/main">
+                <a:solidFill>
+                  <a:srgbClr val="FFFFFF"/>
+                </a:solidFill>
+              </a14:hiddenFill>
+            </a:ext>
+            <a:ext uri="{91240B29-F687-4F45-9708-019B960494DF}">
+              <a14:hiddenLine xmlns:a14="http://schemas.microsoft.com/office/drawing/2010/main" w="9525">
+                <a:solidFill>
+                  <a:srgbClr val="000000"/>
+                </a:solidFill>
+                <a:miter lim="800000"/>
+                <a:headEnd/>
+                <a:tailEnd/>
+              </a14:hiddenLine>
+            </a:ext>
+          </a:extLst>
+        </p:spPr>
+        <p:txBody>
+          <a:bodyPr vert="horz" wrap="square" lIns="91440" tIns="45720" rIns="91440" bIns="45720" numCol="1" anchor="t" anchorCtr="0" compatLnSpc="1">
+            <a:prstTxWarp prst="textNoShape">
+              <a:avLst/>
+            </a:prstTxWarp>
+          </a:bodyPr>
+          <a:lstStyle/>
+          <a:p>
+            <a:pPr algn="ctr"/>
+            <a:r>
+              <a:rPr lang="zh-TW" altLang="en-US" b="1" dirty="0" smtClean="0"/>
+              <a:t>波士頓房價</a:t>
+            </a:r>
+            <a:r>
+              <a:rPr lang="en-US" altLang="zh-TW" b="1" dirty="0" smtClean="0"/>
+              <a:t>-</a:t>
+            </a:r>
+            <a:r>
+              <a:rPr lang="zh-TW" altLang="en-US" b="1" dirty="0" smtClean="0"/>
+              <a:t>資料來源</a:t>
+            </a:r>
+          </a:p>
+        </p:txBody>
+      </p:sp>
+      <p:sp>
+        <p:nvSpPr>
+          <p:cNvPr id="11267" name="內容版面配置區 2"/>
+          <p:cNvSpPr>
+            <a:spLocks noGrp="1"/>
+          </p:cNvSpPr>
+          <p:nvPr>
+            <p:ph sz="quarter" idx="10"/>
+          </p:nvPr>
+        </p:nvSpPr>
+        <p:spPr bwMode="auto">
+          <a:xfrm>
+            <a:off x="601663" y="1196975"/>
+            <a:ext cx="7993062" cy="5111750"/>
+          </a:xfrm>
+          <a:noFill/>
+          <a:extLst>
+            <a:ext uri="{909E8E84-426E-40DD-AFC4-6F175D3DCCD1}">
+              <a14:hiddenFill xmlns:a14="http://schemas.microsoft.com/office/drawing/2010/main">
+                <a:solidFill>
+                  <a:srgbClr val="FFFFFF"/>
+                </a:solidFill>
+              </a14:hiddenFill>
+            </a:ext>
+            <a:ext uri="{91240B29-F687-4F45-9708-019B960494DF}">
+              <a14:hiddenLine xmlns:a14="http://schemas.microsoft.com/office/drawing/2010/main" w="9525">
+                <a:solidFill>
+                  <a:srgbClr val="000000"/>
+                </a:solidFill>
+                <a:miter lim="800000"/>
+                <a:headEnd/>
+                <a:tailEnd/>
+              </a14:hiddenLine>
+            </a:ext>
+          </a:extLst>
+        </p:spPr>
+        <p:txBody>
+          <a:bodyPr vert="horz" wrap="square" lIns="91440" tIns="45720" rIns="91440" bIns="45720" numCol="1" anchor="t" anchorCtr="0" compatLnSpc="1">
+            <a:prstTxWarp prst="textNoShape">
+              <a:avLst/>
+            </a:prstTxWarp>
+          </a:bodyPr>
+          <a:lstStyle/>
+          <a:p>
+            <a:r>
+              <a:rPr lang="en-US" altLang="zh-TW" dirty="0" err="1" smtClean="0"/>
+              <a:t>Kaggle</a:t>
+            </a:r>
+            <a:r>
+              <a:rPr lang="zh-TW" altLang="en-US" dirty="0" smtClean="0"/>
+              <a:t>是</a:t>
+            </a:r>
+            <a:r>
+              <a:rPr lang="zh-TW" altLang="en-US" dirty="0" smtClean="0"/>
+              <a:t>一個</a:t>
+            </a:r>
+            <a:r>
+              <a:rPr lang="zh-TW" altLang="en-US" dirty="0" smtClean="0"/>
+              <a:t>資料分析與建模的</a:t>
+            </a:r>
+            <a:r>
+              <a:rPr lang="zh-TW" altLang="en-US" dirty="0" smtClean="0"/>
+              <a:t>競賽</a:t>
+            </a:r>
+            <a:r>
+              <a:rPr lang="zh-TW" altLang="en-US" dirty="0" smtClean="0"/>
+              <a:t>平台。</a:t>
+            </a:r>
+          </a:p>
+          <a:p>
+            <a:r>
+              <a:rPr lang="zh-TW" altLang="en-US" dirty="0" smtClean="0"/>
+              <a:t>可依據上面的資料進行學習。</a:t>
+            </a:r>
+            <a:endParaRPr lang="en-US" altLang="zh-TW" dirty="0" smtClean="0"/>
+          </a:p>
+          <a:p>
+            <a:r>
+              <a:rPr lang="zh-TW" altLang="en-US" dirty="0" smtClean="0"/>
+              <a:t>利用</a:t>
+            </a:r>
+            <a:r>
+              <a:rPr lang="en-US" altLang="zh-TW" dirty="0" err="1" smtClean="0"/>
+              <a:t>Kaggle</a:t>
+            </a:r>
+            <a:r>
+              <a:rPr lang="zh-TW" altLang="en-US" dirty="0" smtClean="0"/>
+              <a:t>上面的美國波士頓房價資料進行預測。</a:t>
+            </a:r>
+          </a:p>
+        </p:txBody>
+      </p:sp>
+      <p:sp>
+        <p:nvSpPr>
+          <p:cNvPr id="11268" name="頁尾版面配置區 3"/>
+          <p:cNvSpPr>
+            <a:spLocks noGrp="1"/>
+          </p:cNvSpPr>
+          <p:nvPr>
+            <p:ph type="ftr" sz="quarter" idx="11"/>
+          </p:nvPr>
+        </p:nvSpPr>
+        <p:spPr bwMode="auto">
+          <a:noFill/>
+          <a:extLst>
+            <a:ext uri="{909E8E84-426E-40DD-AFC4-6F175D3DCCD1}">
+              <a14:hiddenFill xmlns:a14="http://schemas.microsoft.com/office/drawing/2010/main">
+                <a:solidFill>
+                  <a:srgbClr val="FFFFFF"/>
+                </a:solidFill>
+              </a14:hiddenFill>
+            </a:ext>
+            <a:ext uri="{91240B29-F687-4F45-9708-019B960494DF}">
+              <a14:hiddenLine xmlns:a14="http://schemas.microsoft.com/office/drawing/2010/main" w="9525">
+                <a:solidFill>
+                  <a:srgbClr val="000000"/>
+                </a:solidFill>
+                <a:miter lim="800000"/>
+                <a:headEnd/>
+                <a:tailEnd/>
+              </a14:hiddenLine>
+            </a:ext>
+          </a:extLst>
+        </p:spPr>
+        <p:txBody>
+          <a:bodyPr/>
+          <a:lstStyle>
+            <a:lvl1pPr>
+              <a:defRPr kumimoji="1" sz="2400" u="sng">
+                <a:solidFill>
+                  <a:schemeClr val="tx1"/>
+                </a:solidFill>
+                <a:latin typeface="Times New Roman" panose="02020603050405020304" pitchFamily="18" charset="0"/>
+                <a:ea typeface="新細明體" panose="02020500000000000000" pitchFamily="18" charset="-120"/>
+              </a:defRPr>
+            </a:lvl1pPr>
+            <a:lvl2pPr marL="742950" indent="-285750">
+              <a:defRPr kumimoji="1" sz="2400" u="sng">
+                <a:solidFill>
+                  <a:schemeClr val="tx1"/>
+                </a:solidFill>
+                <a:latin typeface="Times New Roman" panose="02020603050405020304" pitchFamily="18" charset="0"/>
+                <a:ea typeface="新細明體" panose="02020500000000000000" pitchFamily="18" charset="-120"/>
+              </a:defRPr>
+            </a:lvl2pPr>
+            <a:lvl3pPr marL="1143000" indent="-228600">
+              <a:defRPr kumimoji="1" sz="2400" u="sng">
+                <a:solidFill>
+                  <a:schemeClr val="tx1"/>
+                </a:solidFill>
+                <a:latin typeface="Times New Roman" panose="02020603050405020304" pitchFamily="18" charset="0"/>
+                <a:ea typeface="新細明體" panose="02020500000000000000" pitchFamily="18" charset="-120"/>
+              </a:defRPr>
+            </a:lvl3pPr>
+            <a:lvl4pPr marL="1600200" indent="-228600">
+              <a:defRPr kumimoji="1" sz="2400" u="sng">
+                <a:solidFill>
+                  <a:schemeClr val="tx1"/>
+                </a:solidFill>
+                <a:latin typeface="Times New Roman" panose="02020603050405020304" pitchFamily="18" charset="0"/>
+                <a:ea typeface="新細明體" panose="02020500000000000000" pitchFamily="18" charset="-120"/>
+              </a:defRPr>
+            </a:lvl4pPr>
+            <a:lvl5pPr marL="2057400" indent="-228600">
+              <a:defRPr kumimoji="1" sz="2400" u="sng">
+                <a:solidFill>
+                  <a:schemeClr val="tx1"/>
+                </a:solidFill>
+                <a:latin typeface="Times New Roman" panose="02020603050405020304" pitchFamily="18" charset="0"/>
+                <a:ea typeface="新細明體" panose="02020500000000000000" pitchFamily="18" charset="-120"/>
+              </a:defRPr>
+            </a:lvl5pPr>
+            <a:lvl6pPr marL="2514600" indent="-228600" eaLnBrk="0" fontAlgn="base" hangingPunct="0">
+              <a:spcBef>
+                <a:spcPct val="0"/>
+              </a:spcBef>
+              <a:spcAft>
+                <a:spcPct val="0"/>
+              </a:spcAft>
+              <a:defRPr kumimoji="1" sz="2400" u="sng">
+                <a:solidFill>
+                  <a:schemeClr val="tx1"/>
+                </a:solidFill>
+                <a:latin typeface="Times New Roman" panose="02020603050405020304" pitchFamily="18" charset="0"/>
+                <a:ea typeface="新細明體" panose="02020500000000000000" pitchFamily="18" charset="-120"/>
+              </a:defRPr>
+            </a:lvl6pPr>
+            <a:lvl7pPr marL="2971800" indent="-228600" eaLnBrk="0" fontAlgn="base" hangingPunct="0">
+              <a:spcBef>
+                <a:spcPct val="0"/>
+              </a:spcBef>
+              <a:spcAft>
+                <a:spcPct val="0"/>
+              </a:spcAft>
+              <a:defRPr kumimoji="1" sz="2400" u="sng">
+                <a:solidFill>
+                  <a:schemeClr val="tx1"/>
+                </a:solidFill>
+                <a:latin typeface="Times New Roman" panose="02020603050405020304" pitchFamily="18" charset="0"/>
+                <a:ea typeface="新細明體" panose="02020500000000000000" pitchFamily="18" charset="-120"/>
+              </a:defRPr>
+            </a:lvl7pPr>
+            <a:lvl8pPr marL="3429000" indent="-228600" eaLnBrk="0" fontAlgn="base" hangingPunct="0">
+              <a:spcBef>
+                <a:spcPct val="0"/>
+              </a:spcBef>
+              <a:spcAft>
+                <a:spcPct val="0"/>
+              </a:spcAft>
+              <a:defRPr kumimoji="1" sz="2400" u="sng">
+                <a:solidFill>
+                  <a:schemeClr val="tx1"/>
+                </a:solidFill>
+                <a:latin typeface="Times New Roman" panose="02020603050405020304" pitchFamily="18" charset="0"/>
+                <a:ea typeface="新細明體" panose="02020500000000000000" pitchFamily="18" charset="-120"/>
+              </a:defRPr>
+            </a:lvl8pPr>
+            <a:lvl9pPr marL="3886200" indent="-228600" eaLnBrk="0" fontAlgn="base" hangingPunct="0">
+              <a:spcBef>
+                <a:spcPct val="0"/>
+              </a:spcBef>
+              <a:spcAft>
+                <a:spcPct val="0"/>
+              </a:spcAft>
+              <a:defRPr kumimoji="1" sz="2400" u="sng">
+                <a:solidFill>
+                  <a:schemeClr val="tx1"/>
+                </a:solidFill>
+                <a:latin typeface="Times New Roman" panose="02020603050405020304" pitchFamily="18" charset="0"/>
+                <a:ea typeface="新細明體" panose="02020500000000000000" pitchFamily="18" charset="-120"/>
+              </a:defRPr>
+            </a:lvl9pPr>
+          </a:lstStyle>
+          <a:p>
+            <a:r>
+              <a:rPr lang="zh-TW" altLang="en-US" sz="900" u="none" smtClean="0">
+                <a:latin typeface="微軟正黑體" panose="020B0604030504040204" pitchFamily="34" charset="-120"/>
+                <a:ea typeface="微軟正黑體" panose="020B0604030504040204" pitchFamily="34" charset="-120"/>
+              </a:rPr>
+              <a:t>機密等級：密            日期：</a:t>
+            </a:r>
+            <a:r>
+              <a:rPr lang="en-US" altLang="zh-TW" sz="900" u="none" smtClean="0">
+                <a:latin typeface="微軟正黑體" panose="020B0604030504040204" pitchFamily="34" charset="-120"/>
+                <a:ea typeface="微軟正黑體" panose="020B0604030504040204" pitchFamily="34" charset="-120"/>
+              </a:rPr>
+              <a:t>2020/07/22</a:t>
+            </a:r>
+            <a:endParaRPr lang="zh-TW" altLang="en-US" sz="900" u="none" smtClean="0">
+              <a:latin typeface="微軟正黑體" panose="020B0604030504040204" pitchFamily="34" charset="-120"/>
+              <a:ea typeface="微軟正黑體" panose="020B0604030504040204" pitchFamily="34" charset="-120"/>
+            </a:endParaRPr>
+          </a:p>
+        </p:txBody>
+      </p:sp>
     </p:spTree>
     <p:extLst>
       <p:ext uri="{BB962C8B-B14F-4D97-AF65-F5344CB8AC3E}">
@@ -15733,8 +15958,8 @@
                 <a:schemeClr val="tx1"/>
               </a:solidFill>
               <a:effectLst/>
-              <a:latin typeface="Times New Roman" pitchFamily="18" charset="0"/>
-              <a:ea typeface="新細明體" pitchFamily="18" charset="-120"/>
+              <a:latin typeface="微軟正黑體" panose="020B0604030504040204" pitchFamily="34" charset="-120"/>
+              <a:ea typeface="微軟正黑體" panose="020B0604030504040204" pitchFamily="34" charset="-120"/>
             </a:endParaRPr>
           </a:p>
         </p:txBody>
@@ -17315,11 +17540,17 @@
           <a:p>
             <a:pPr lvl="1"/>
             <a:r>
-              <a:rPr lang="zh-TW" altLang="en-US" sz="1600" dirty="0" smtClean="0"/>
+              <a:rPr lang="zh-TW" altLang="en-US" sz="1600" dirty="0" smtClean="0">
+                <a:latin typeface="微軟正黑體" panose="020B0604030504040204" pitchFamily="34" charset="-120"/>
+                <a:ea typeface="微軟正黑體" panose="020B0604030504040204" pitchFamily="34" charset="-120"/>
+              </a:rPr>
               <a:t>均方根誤差</a:t>
             </a:r>
             <a:r>
-              <a:rPr lang="en-US" altLang="zh-TW" sz="1600" dirty="0" smtClean="0"/>
+              <a:rPr lang="en-US" altLang="zh-TW" sz="1600" dirty="0" smtClean="0">
+                <a:latin typeface="微軟正黑體" panose="020B0604030504040204" pitchFamily="34" charset="-120"/>
+                <a:ea typeface="微軟正黑體" panose="020B0604030504040204" pitchFamily="34" charset="-120"/>
+              </a:rPr>
               <a:t>(RMSE):</a:t>
             </a:r>
             <a:r>
@@ -17327,6 +17558,8 @@
                 <a:solidFill>
                   <a:srgbClr val="FF0000"/>
                 </a:solidFill>
+                <a:latin typeface="微軟正黑體" panose="020B0604030504040204" pitchFamily="34" charset="-120"/>
+                <a:ea typeface="微軟正黑體" panose="020B0604030504040204" pitchFamily="34" charset="-120"/>
               </a:rPr>
               <a:t>35638</a:t>
             </a:r>
@@ -17334,11 +17567,17 @@
           <a:p>
             <a:pPr lvl="1"/>
             <a:r>
-              <a:rPr lang="zh-TW" altLang="en-US" sz="1600" dirty="0" smtClean="0"/>
+              <a:rPr lang="zh-TW" altLang="en-US" sz="1600" dirty="0" smtClean="0">
+                <a:latin typeface="微軟正黑體" panose="020B0604030504040204" pitchFamily="34" charset="-120"/>
+                <a:ea typeface="微軟正黑體" panose="020B0604030504040204" pitchFamily="34" charset="-120"/>
+              </a:rPr>
               <a:t>決定係數</a:t>
             </a:r>
             <a:r>
-              <a:rPr lang="en-US" altLang="zh-TW" sz="1600" dirty="0" smtClean="0"/>
+              <a:rPr lang="en-US" altLang="zh-TW" sz="1600" dirty="0" smtClean="0">
+                <a:latin typeface="微軟正黑體" panose="020B0604030504040204" pitchFamily="34" charset="-120"/>
+                <a:ea typeface="微軟正黑體" panose="020B0604030504040204" pitchFamily="34" charset="-120"/>
+              </a:rPr>
               <a:t>(R Squared):</a:t>
             </a:r>
             <a:r>
@@ -17346,10 +17585,15 @@
                 <a:solidFill>
                   <a:srgbClr val="FF0000"/>
                 </a:solidFill>
+                <a:latin typeface="微軟正黑體" panose="020B0604030504040204" pitchFamily="34" charset="-120"/>
+                <a:ea typeface="微軟正黑體" panose="020B0604030504040204" pitchFamily="34" charset="-120"/>
               </a:rPr>
               <a:t>0.82</a:t>
             </a:r>
-            <a:endParaRPr lang="en-US" altLang="zh-TW" dirty="0" smtClean="0"/>
+            <a:endParaRPr lang="en-US" altLang="zh-TW" dirty="0" smtClean="0">
+              <a:latin typeface="微軟正黑體" panose="020B0604030504040204" pitchFamily="34" charset="-120"/>
+              <a:ea typeface="微軟正黑體" panose="020B0604030504040204" pitchFamily="34" charset="-120"/>
+            </a:endParaRPr>
           </a:p>
           <a:p>
             <a:endParaRPr lang="en-US" altLang="zh-TW" dirty="0"/>
@@ -17589,11 +17833,17 @@
           <a:p>
             <a:pPr lvl="1"/>
             <a:r>
-              <a:rPr lang="zh-TW" altLang="en-US" sz="1600" dirty="0" smtClean="0"/>
+              <a:rPr lang="zh-TW" altLang="en-US" sz="1600" dirty="0" smtClean="0">
+                <a:latin typeface="微軟正黑體" panose="020B0604030504040204" pitchFamily="34" charset="-120"/>
+                <a:ea typeface="微軟正黑體" panose="020B0604030504040204" pitchFamily="34" charset="-120"/>
+              </a:rPr>
               <a:t>均方根誤差</a:t>
             </a:r>
             <a:r>
-              <a:rPr lang="en-US" altLang="zh-TW" sz="1600" dirty="0" smtClean="0"/>
+              <a:rPr lang="en-US" altLang="zh-TW" sz="1600" dirty="0" smtClean="0">
+                <a:latin typeface="微軟正黑體" panose="020B0604030504040204" pitchFamily="34" charset="-120"/>
+                <a:ea typeface="微軟正黑體" panose="020B0604030504040204" pitchFamily="34" charset="-120"/>
+              </a:rPr>
               <a:t>(RMSE):</a:t>
             </a:r>
             <a:r>
@@ -17601,6 +17851,8 @@
                 <a:solidFill>
                   <a:srgbClr val="FF0000"/>
                 </a:solidFill>
+                <a:latin typeface="微軟正黑體" panose="020B0604030504040204" pitchFamily="34" charset="-120"/>
+                <a:ea typeface="微軟正黑體" panose="020B0604030504040204" pitchFamily="34" charset="-120"/>
               </a:rPr>
               <a:t>30263</a:t>
             </a:r>
@@ -17608,11 +17860,17 @@
           <a:p>
             <a:pPr lvl="1"/>
             <a:r>
-              <a:rPr lang="zh-TW" altLang="en-US" sz="1600" dirty="0" smtClean="0"/>
+              <a:rPr lang="zh-TW" altLang="en-US" sz="1600" dirty="0" smtClean="0">
+                <a:latin typeface="微軟正黑體" panose="020B0604030504040204" pitchFamily="34" charset="-120"/>
+                <a:ea typeface="微軟正黑體" panose="020B0604030504040204" pitchFamily="34" charset="-120"/>
+              </a:rPr>
               <a:t>決定係數</a:t>
             </a:r>
             <a:r>
-              <a:rPr lang="en-US" altLang="zh-TW" sz="1600" dirty="0" smtClean="0"/>
+              <a:rPr lang="en-US" altLang="zh-TW" sz="1600" dirty="0" smtClean="0">
+                <a:latin typeface="微軟正黑體" panose="020B0604030504040204" pitchFamily="34" charset="-120"/>
+                <a:ea typeface="微軟正黑體" panose="020B0604030504040204" pitchFamily="34" charset="-120"/>
+              </a:rPr>
               <a:t>(R Squared):</a:t>
             </a:r>
             <a:r>
@@ -17620,10 +17878,15 @@
                 <a:solidFill>
                   <a:srgbClr val="FF0000"/>
                 </a:solidFill>
+                <a:latin typeface="微軟正黑體" panose="020B0604030504040204" pitchFamily="34" charset="-120"/>
+                <a:ea typeface="微軟正黑體" panose="020B0604030504040204" pitchFamily="34" charset="-120"/>
               </a:rPr>
               <a:t>0.87</a:t>
             </a:r>
-            <a:endParaRPr lang="en-US" altLang="zh-TW" dirty="0" smtClean="0"/>
+            <a:endParaRPr lang="en-US" altLang="zh-TW" dirty="0" smtClean="0">
+              <a:latin typeface="微軟正黑體" panose="020B0604030504040204" pitchFamily="34" charset="-120"/>
+              <a:ea typeface="微軟正黑體" panose="020B0604030504040204" pitchFamily="34" charset="-120"/>
+            </a:endParaRPr>
           </a:p>
         </p:txBody>
       </p:sp>
@@ -18036,8 +18299,8 @@
                 <a:schemeClr val="tx1"/>
               </a:solidFill>
               <a:effectLst/>
-              <a:latin typeface="Times New Roman" pitchFamily="18" charset="0"/>
-              <a:ea typeface="新細明體" pitchFamily="18" charset="-120"/>
+              <a:latin typeface="微軟正黑體" panose="020B0604030504040204" pitchFamily="34" charset="-120"/>
+              <a:ea typeface="微軟正黑體" panose="020B0604030504040204" pitchFamily="34" charset="-120"/>
             </a:endParaRPr>
           </a:p>
         </p:txBody>
@@ -18101,8 +18364,8 @@
                 <a:schemeClr val="tx1"/>
               </a:solidFill>
               <a:effectLst/>
-              <a:latin typeface="Times New Roman" pitchFamily="18" charset="0"/>
-              <a:ea typeface="新細明體" pitchFamily="18" charset="-120"/>
+              <a:latin typeface="微軟正黑體" panose="020B0604030504040204" pitchFamily="34" charset="-120"/>
+              <a:ea typeface="微軟正黑體" panose="020B0604030504040204" pitchFamily="34" charset="-120"/>
             </a:endParaRPr>
           </a:p>
         </p:txBody>
@@ -18598,53 +18861,89 @@
           <a:p>
             <a:pPr lvl="1"/>
             <a:r>
-              <a:rPr lang="zh-TW" altLang="en-US" sz="1600" dirty="0" smtClean="0"/>
+              <a:rPr lang="zh-TW" altLang="en-US" sz="1600" dirty="0" smtClean="0">
+                <a:latin typeface="微軟正黑體" panose="020B0604030504040204" pitchFamily="34" charset="-120"/>
+                <a:ea typeface="微軟正黑體" panose="020B0604030504040204" pitchFamily="34" charset="-120"/>
+              </a:rPr>
               <a:t>徵授信系統資料</a:t>
             </a:r>
             <a:r>
-              <a:rPr lang="en-US" altLang="zh-TW" sz="1600" dirty="0" smtClean="0"/>
+              <a:rPr lang="en-US" altLang="zh-TW" sz="1600" dirty="0" smtClean="0">
+                <a:latin typeface="微軟正黑體" panose="020B0604030504040204" pitchFamily="34" charset="-120"/>
+                <a:ea typeface="微軟正黑體" panose="020B0604030504040204" pitchFamily="34" charset="-120"/>
+              </a:rPr>
               <a:t>-</a:t>
             </a:r>
             <a:r>
-              <a:rPr lang="zh-TW" altLang="en-US" sz="1600" dirty="0" smtClean="0"/>
+              <a:rPr lang="zh-TW" altLang="en-US" sz="1600" dirty="0" smtClean="0">
+                <a:latin typeface="微軟正黑體" panose="020B0604030504040204" pitchFamily="34" charset="-120"/>
+                <a:ea typeface="微軟正黑體" panose="020B0604030504040204" pitchFamily="34" charset="-120"/>
+              </a:rPr>
               <a:t>不動產估價報告。</a:t>
             </a:r>
-            <a:endParaRPr lang="en-US" altLang="zh-TW" sz="1600" dirty="0" smtClean="0"/>
+            <a:endParaRPr lang="en-US" altLang="zh-TW" sz="1600" dirty="0" smtClean="0">
+              <a:latin typeface="微軟正黑體" panose="020B0604030504040204" pitchFamily="34" charset="-120"/>
+              <a:ea typeface="微軟正黑體" panose="020B0604030504040204" pitchFamily="34" charset="-120"/>
+            </a:endParaRPr>
           </a:p>
           <a:p>
             <a:pPr lvl="1"/>
             <a:r>
-              <a:rPr lang="zh-TW" altLang="en-US" sz="1600" dirty="0" smtClean="0"/>
+              <a:rPr lang="zh-TW" altLang="en-US" sz="1600" dirty="0" smtClean="0">
+                <a:latin typeface="微軟正黑體" panose="020B0604030504040204" pitchFamily="34" charset="-120"/>
+                <a:ea typeface="微軟正黑體" panose="020B0604030504040204" pitchFamily="34" charset="-120"/>
+              </a:rPr>
               <a:t>訓練資料</a:t>
             </a:r>
             <a:r>
-              <a:rPr lang="en-US" altLang="zh-TW" sz="1600" dirty="0" smtClean="0"/>
+              <a:rPr lang="en-US" altLang="zh-TW" sz="1600" dirty="0" smtClean="0">
+                <a:latin typeface="微軟正黑體" panose="020B0604030504040204" pitchFamily="34" charset="-120"/>
+                <a:ea typeface="微軟正黑體" panose="020B0604030504040204" pitchFamily="34" charset="-120"/>
+              </a:rPr>
               <a:t>:2017/07/01</a:t>
             </a:r>
             <a:r>
-              <a:rPr lang="zh-TW" altLang="en-US" sz="1600" dirty="0" smtClean="0"/>
+              <a:rPr lang="zh-TW" altLang="en-US" sz="1600" dirty="0" smtClean="0">
+                <a:latin typeface="微軟正黑體" panose="020B0604030504040204" pitchFamily="34" charset="-120"/>
+                <a:ea typeface="微軟正黑體" panose="020B0604030504040204" pitchFamily="34" charset="-120"/>
+              </a:rPr>
               <a:t>～</a:t>
             </a:r>
             <a:r>
-              <a:rPr lang="en-US" altLang="zh-TW" sz="1600" dirty="0" smtClean="0"/>
+              <a:rPr lang="en-US" altLang="zh-TW" sz="1600" dirty="0" smtClean="0">
+                <a:latin typeface="微軟正黑體" panose="020B0604030504040204" pitchFamily="34" charset="-120"/>
+                <a:ea typeface="微軟正黑體" panose="020B0604030504040204" pitchFamily="34" charset="-120"/>
+              </a:rPr>
               <a:t>2019/12/31</a:t>
             </a:r>
           </a:p>
           <a:p>
             <a:pPr lvl="1"/>
             <a:r>
-              <a:rPr lang="zh-TW" altLang="en-US" sz="1600" dirty="0" smtClean="0"/>
+              <a:rPr lang="zh-TW" altLang="en-US" sz="1600" dirty="0" smtClean="0">
+                <a:latin typeface="微軟正黑體" panose="020B0604030504040204" pitchFamily="34" charset="-120"/>
+                <a:ea typeface="微軟正黑體" panose="020B0604030504040204" pitchFamily="34" charset="-120"/>
+              </a:rPr>
               <a:t>測試資料</a:t>
             </a:r>
             <a:r>
-              <a:rPr lang="en-US" altLang="zh-TW" sz="1600" dirty="0" smtClean="0"/>
+              <a:rPr lang="en-US" altLang="zh-TW" sz="1600" dirty="0" smtClean="0">
+                <a:latin typeface="微軟正黑體" panose="020B0604030504040204" pitchFamily="34" charset="-120"/>
+                <a:ea typeface="微軟正黑體" panose="020B0604030504040204" pitchFamily="34" charset="-120"/>
+              </a:rPr>
               <a:t>:2020/01/01</a:t>
             </a:r>
             <a:r>
-              <a:rPr lang="zh-TW" altLang="en-US" sz="1600" dirty="0" smtClean="0"/>
+              <a:rPr lang="zh-TW" altLang="en-US" sz="1600" dirty="0" smtClean="0">
+                <a:latin typeface="微軟正黑體" panose="020B0604030504040204" pitchFamily="34" charset="-120"/>
+                <a:ea typeface="微軟正黑體" panose="020B0604030504040204" pitchFamily="34" charset="-120"/>
+              </a:rPr>
               <a:t> ～至今</a:t>
             </a:r>
-            <a:endParaRPr lang="en-US" altLang="zh-TW" sz="1600" dirty="0" smtClean="0"/>
+            <a:endParaRPr lang="en-US" altLang="zh-TW" sz="1600" dirty="0" smtClean="0">
+              <a:latin typeface="微軟正黑體" panose="020B0604030504040204" pitchFamily="34" charset="-120"/>
+              <a:ea typeface="微軟正黑體" panose="020B0604030504040204" pitchFamily="34" charset="-120"/>
+            </a:endParaRPr>
           </a:p>
           <a:p>
             <a:endParaRPr lang="zh-TW" altLang="en-US" dirty="0" smtClean="0"/>
@@ -21425,8 +21724,8 @@
                 <a:schemeClr val="tx1"/>
               </a:solidFill>
               <a:effectLst/>
-              <a:latin typeface="Times New Roman" pitchFamily="18" charset="0"/>
-              <a:ea typeface="新細明體" pitchFamily="18" charset="-120"/>
+              <a:latin typeface="微軟正黑體" panose="020B0604030504040204" pitchFamily="34" charset="-120"/>
+              <a:ea typeface="微軟正黑體" panose="020B0604030504040204" pitchFamily="34" charset="-120"/>
             </a:endParaRPr>
           </a:p>
         </p:txBody>
@@ -21490,8 +21789,8 @@
                 <a:schemeClr val="tx1"/>
               </a:solidFill>
               <a:effectLst/>
-              <a:latin typeface="Times New Roman" pitchFamily="18" charset="0"/>
-              <a:ea typeface="新細明體" pitchFamily="18" charset="-120"/>
+              <a:latin typeface="微軟正黑體" panose="020B0604030504040204" pitchFamily="34" charset="-120"/>
+              <a:ea typeface="微軟正黑體" panose="020B0604030504040204" pitchFamily="34" charset="-120"/>
             </a:endParaRPr>
           </a:p>
         </p:txBody>
@@ -23310,11 +23609,7 @@
           <a:p>
             <a:r>
               <a:rPr lang="zh-TW" altLang="en-US" dirty="0" smtClean="0"/>
-              <a:t>結果</a:t>
-            </a:r>
-            <a:r>
-              <a:rPr lang="zh-TW" altLang="en-US" dirty="0" smtClean="0"/>
-              <a:t>分析</a:t>
+              <a:t>結果分析</a:t>
             </a:r>
             <a:r>
               <a:rPr lang="en-US" altLang="zh-TW" dirty="0" smtClean="0"/>
@@ -23324,11 +23619,17 @@
           <a:p>
             <a:pPr lvl="1"/>
             <a:r>
-              <a:rPr lang="zh-TW" altLang="en-US" sz="1600" dirty="0" smtClean="0"/>
+              <a:rPr lang="zh-TW" altLang="en-US" sz="1600" dirty="0" smtClean="0">
+                <a:latin typeface="微軟正黑體" panose="020B0604030504040204" pitchFamily="34" charset="-120"/>
+                <a:ea typeface="微軟正黑體" panose="020B0604030504040204" pitchFamily="34" charset="-120"/>
+              </a:rPr>
               <a:t>均方根誤差</a:t>
             </a:r>
             <a:r>
-              <a:rPr lang="en-US" altLang="zh-TW" sz="1600" dirty="0" smtClean="0"/>
+              <a:rPr lang="en-US" altLang="zh-TW" sz="1600" dirty="0" smtClean="0">
+                <a:latin typeface="微軟正黑體" panose="020B0604030504040204" pitchFamily="34" charset="-120"/>
+                <a:ea typeface="微軟正黑體" panose="020B0604030504040204" pitchFamily="34" charset="-120"/>
+              </a:rPr>
               <a:t>(RMSE):</a:t>
             </a:r>
             <a:r>
@@ -23336,30 +23637,47 @@
                 <a:solidFill>
                   <a:srgbClr val="FF0000"/>
                 </a:solidFill>
+                <a:latin typeface="微軟正黑體" panose="020B0604030504040204" pitchFamily="34" charset="-120"/>
+                <a:ea typeface="微軟正黑體" panose="020B0604030504040204" pitchFamily="34" charset="-120"/>
               </a:rPr>
               <a:t>10353629</a:t>
             </a:r>
             <a:r>
-              <a:rPr lang="en-US" altLang="zh-TW" sz="1600" dirty="0" smtClean="0"/>
+              <a:rPr lang="en-US" altLang="zh-TW" sz="1600" dirty="0" smtClean="0">
+                <a:latin typeface="微軟正黑體" panose="020B0604030504040204" pitchFamily="34" charset="-120"/>
+                <a:ea typeface="微軟正黑體" panose="020B0604030504040204" pitchFamily="34" charset="-120"/>
+              </a:rPr>
               <a:t>(</a:t>
             </a:r>
             <a:r>
-              <a:rPr lang="zh-TW" altLang="en-US" sz="1600" dirty="0" smtClean="0"/>
+              <a:rPr lang="zh-TW" altLang="en-US" sz="1600" dirty="0" smtClean="0">
+                <a:latin typeface="微軟正黑體" panose="020B0604030504040204" pitchFamily="34" charset="-120"/>
+                <a:ea typeface="微軟正黑體" panose="020B0604030504040204" pitchFamily="34" charset="-120"/>
+              </a:rPr>
               <a:t>一千多萬</a:t>
             </a:r>
             <a:r>
-              <a:rPr lang="en-US" altLang="zh-TW" sz="1600" dirty="0" smtClean="0"/>
+              <a:rPr lang="en-US" altLang="zh-TW" sz="1600" dirty="0" smtClean="0">
+                <a:latin typeface="微軟正黑體" panose="020B0604030504040204" pitchFamily="34" charset="-120"/>
+                <a:ea typeface="微軟正黑體" panose="020B0604030504040204" pitchFamily="34" charset="-120"/>
+              </a:rPr>
               <a:t>)</a:t>
             </a:r>
           </a:p>
           <a:p>
             <a:pPr lvl="1"/>
             <a:r>
-              <a:rPr lang="zh-TW" altLang="en-US" sz="1600" dirty="0" smtClean="0"/>
+              <a:rPr lang="zh-TW" altLang="en-US" sz="1600" dirty="0" smtClean="0">
+                <a:latin typeface="微軟正黑體" panose="020B0604030504040204" pitchFamily="34" charset="-120"/>
+                <a:ea typeface="微軟正黑體" panose="020B0604030504040204" pitchFamily="34" charset="-120"/>
+              </a:rPr>
               <a:t>決定係數</a:t>
             </a:r>
             <a:r>
-              <a:rPr lang="en-US" altLang="zh-TW" sz="1600" dirty="0" smtClean="0"/>
+              <a:rPr lang="en-US" altLang="zh-TW" sz="1600" dirty="0" smtClean="0">
+                <a:latin typeface="微軟正黑體" panose="020B0604030504040204" pitchFamily="34" charset="-120"/>
+                <a:ea typeface="微軟正黑體" panose="020B0604030504040204" pitchFamily="34" charset="-120"/>
+              </a:rPr>
               <a:t>(R Squared):</a:t>
             </a:r>
             <a:r>
@@ -23367,10 +23685,15 @@
                 <a:solidFill>
                   <a:srgbClr val="FF0000"/>
                 </a:solidFill>
+                <a:latin typeface="微軟正黑體" panose="020B0604030504040204" pitchFamily="34" charset="-120"/>
+                <a:ea typeface="微軟正黑體" panose="020B0604030504040204" pitchFamily="34" charset="-120"/>
               </a:rPr>
               <a:t>0.35</a:t>
             </a:r>
-            <a:endParaRPr lang="zh-TW" altLang="en-US" dirty="0"/>
+            <a:endParaRPr lang="zh-TW" altLang="en-US" dirty="0">
+              <a:latin typeface="微軟正黑體" panose="020B0604030504040204" pitchFamily="34" charset="-120"/>
+              <a:ea typeface="微軟正黑體" panose="020B0604030504040204" pitchFamily="34" charset="-120"/>
+            </a:endParaRPr>
           </a:p>
         </p:txBody>
       </p:sp>
@@ -23588,11 +23911,17 @@
           <a:p>
             <a:pPr lvl="1"/>
             <a:r>
-              <a:rPr lang="zh-TW" altLang="en-US" sz="1600" dirty="0" smtClean="0"/>
+              <a:rPr lang="zh-TW" altLang="en-US" sz="1600" dirty="0" smtClean="0">
+                <a:latin typeface="微軟正黑體" panose="020B0604030504040204" pitchFamily="34" charset="-120"/>
+                <a:ea typeface="微軟正黑體" panose="020B0604030504040204" pitchFamily="34" charset="-120"/>
+              </a:rPr>
               <a:t>均方根誤差</a:t>
             </a:r>
             <a:r>
-              <a:rPr lang="en-US" altLang="zh-TW" sz="1600" dirty="0" smtClean="0"/>
+              <a:rPr lang="en-US" altLang="zh-TW" sz="1600" dirty="0" smtClean="0">
+                <a:latin typeface="微軟正黑體" panose="020B0604030504040204" pitchFamily="34" charset="-120"/>
+                <a:ea typeface="微軟正黑體" panose="020B0604030504040204" pitchFamily="34" charset="-120"/>
+              </a:rPr>
               <a:t>(RMSE):</a:t>
             </a:r>
             <a:r>
@@ -23600,30 +23929,47 @@
                 <a:solidFill>
                   <a:srgbClr val="FF0000"/>
                 </a:solidFill>
+                <a:latin typeface="微軟正黑體" panose="020B0604030504040204" pitchFamily="34" charset="-120"/>
+                <a:ea typeface="微軟正黑體" panose="020B0604030504040204" pitchFamily="34" charset="-120"/>
               </a:rPr>
               <a:t>6765913</a:t>
             </a:r>
             <a:r>
-              <a:rPr lang="en-US" altLang="zh-TW" sz="1600" dirty="0" smtClean="0"/>
+              <a:rPr lang="en-US" altLang="zh-TW" sz="1600" dirty="0" smtClean="0">
+                <a:latin typeface="微軟正黑體" panose="020B0604030504040204" pitchFamily="34" charset="-120"/>
+                <a:ea typeface="微軟正黑體" panose="020B0604030504040204" pitchFamily="34" charset="-120"/>
+              </a:rPr>
               <a:t>(</a:t>
             </a:r>
             <a:r>
-              <a:rPr lang="zh-TW" altLang="en-US" sz="1600" dirty="0" smtClean="0"/>
+              <a:rPr lang="zh-TW" altLang="en-US" sz="1600" dirty="0" smtClean="0">
+                <a:latin typeface="微軟正黑體" panose="020B0604030504040204" pitchFamily="34" charset="-120"/>
+                <a:ea typeface="微軟正黑體" panose="020B0604030504040204" pitchFamily="34" charset="-120"/>
+              </a:rPr>
               <a:t>六百萬多萬</a:t>
             </a:r>
             <a:r>
-              <a:rPr lang="en-US" altLang="zh-TW" sz="1600" dirty="0" smtClean="0"/>
+              <a:rPr lang="en-US" altLang="zh-TW" sz="1600" dirty="0" smtClean="0">
+                <a:latin typeface="微軟正黑體" panose="020B0604030504040204" pitchFamily="34" charset="-120"/>
+                <a:ea typeface="微軟正黑體" panose="020B0604030504040204" pitchFamily="34" charset="-120"/>
+              </a:rPr>
               <a:t>)</a:t>
             </a:r>
           </a:p>
           <a:p>
             <a:pPr lvl="1"/>
             <a:r>
-              <a:rPr lang="zh-TW" altLang="en-US" sz="1600" dirty="0" smtClean="0"/>
+              <a:rPr lang="zh-TW" altLang="en-US" sz="1600" dirty="0" smtClean="0">
+                <a:latin typeface="微軟正黑體" panose="020B0604030504040204" pitchFamily="34" charset="-120"/>
+                <a:ea typeface="微軟正黑體" panose="020B0604030504040204" pitchFamily="34" charset="-120"/>
+              </a:rPr>
               <a:t>決定係數</a:t>
             </a:r>
             <a:r>
-              <a:rPr lang="en-US" altLang="zh-TW" sz="1600" dirty="0" smtClean="0"/>
+              <a:rPr lang="en-US" altLang="zh-TW" sz="1600" dirty="0" smtClean="0">
+                <a:latin typeface="微軟正黑體" panose="020B0604030504040204" pitchFamily="34" charset="-120"/>
+                <a:ea typeface="微軟正黑體" panose="020B0604030504040204" pitchFamily="34" charset="-120"/>
+              </a:rPr>
               <a:t>(R Squared):</a:t>
             </a:r>
             <a:r>
@@ -23631,10 +23977,15 @@
                 <a:solidFill>
                   <a:srgbClr val="FF0000"/>
                 </a:solidFill>
+                <a:latin typeface="微軟正黑體" panose="020B0604030504040204" pitchFamily="34" charset="-120"/>
+                <a:ea typeface="微軟正黑體" panose="020B0604030504040204" pitchFamily="34" charset="-120"/>
               </a:rPr>
               <a:t>0.59</a:t>
             </a:r>
-            <a:endParaRPr lang="en-US" altLang="zh-TW" dirty="0" smtClean="0"/>
+            <a:endParaRPr lang="en-US" altLang="zh-TW" dirty="0" smtClean="0">
+              <a:latin typeface="微軟正黑體" panose="020B0604030504040204" pitchFamily="34" charset="-120"/>
+              <a:ea typeface="微軟正黑體" panose="020B0604030504040204" pitchFamily="34" charset="-120"/>
+            </a:endParaRPr>
           </a:p>
         </p:txBody>
       </p:sp>
@@ -23901,15 +24252,24 @@
           <a:p>
             <a:pPr lvl="1"/>
             <a:r>
-              <a:rPr lang="zh-TW" altLang="en-US" sz="1600" dirty="0"/>
+              <a:rPr lang="zh-TW" altLang="en-US" sz="1600" dirty="0">
+                <a:latin typeface="微軟正黑體" panose="020B0604030504040204" pitchFamily="34" charset="-120"/>
+                <a:ea typeface="微軟正黑體" panose="020B0604030504040204" pitchFamily="34" charset="-120"/>
+              </a:rPr>
               <a:t>均方根誤差</a:t>
             </a:r>
             <a:r>
-              <a:rPr lang="en-US" altLang="zh-TW" sz="1600" dirty="0"/>
+              <a:rPr lang="en-US" altLang="zh-TW" sz="1600" dirty="0">
+                <a:latin typeface="微軟正黑體" panose="020B0604030504040204" pitchFamily="34" charset="-120"/>
+                <a:ea typeface="微軟正黑體" panose="020B0604030504040204" pitchFamily="34" charset="-120"/>
+              </a:rPr>
               <a:t>(RMSE</a:t>
             </a:r>
             <a:r>
-              <a:rPr lang="en-US" altLang="zh-TW" sz="1600" dirty="0" smtClean="0"/>
+              <a:rPr lang="en-US" altLang="zh-TW" sz="1600" dirty="0" smtClean="0">
+                <a:latin typeface="微軟正黑體" panose="020B0604030504040204" pitchFamily="34" charset="-120"/>
+                <a:ea typeface="微軟正黑體" panose="020B0604030504040204" pitchFamily="34" charset="-120"/>
+              </a:rPr>
               <a:t>):</a:t>
             </a:r>
             <a:r>
@@ -23917,31 +24277,51 @@
                 <a:solidFill>
                   <a:srgbClr val="FF0000"/>
                 </a:solidFill>
+                <a:latin typeface="微軟正黑體" panose="020B0604030504040204" pitchFamily="34" charset="-120"/>
+                <a:ea typeface="微軟正黑體" panose="020B0604030504040204" pitchFamily="34" charset="-120"/>
               </a:rPr>
               <a:t>1244003</a:t>
             </a:r>
             <a:r>
-              <a:rPr lang="en-US" altLang="zh-TW" sz="1600" dirty="0" smtClean="0"/>
+              <a:rPr lang="en-US" altLang="zh-TW" sz="1600" dirty="0" smtClean="0">
+                <a:latin typeface="微軟正黑體" panose="020B0604030504040204" pitchFamily="34" charset="-120"/>
+                <a:ea typeface="微軟正黑體" panose="020B0604030504040204" pitchFamily="34" charset="-120"/>
+              </a:rPr>
               <a:t>(</a:t>
             </a:r>
             <a:r>
-              <a:rPr lang="zh-TW" altLang="en-US" sz="1600" dirty="0" smtClean="0"/>
+              <a:rPr lang="zh-TW" altLang="en-US" sz="1600" dirty="0" smtClean="0">
+                <a:latin typeface="微軟正黑體" panose="020B0604030504040204" pitchFamily="34" charset="-120"/>
+                <a:ea typeface="微軟正黑體" panose="020B0604030504040204" pitchFamily="34" charset="-120"/>
+              </a:rPr>
               <a:t>一百二十多萬</a:t>
             </a:r>
             <a:r>
-              <a:rPr lang="en-US" altLang="zh-TW" sz="1600" dirty="0" smtClean="0"/>
+              <a:rPr lang="en-US" altLang="zh-TW" sz="1600" dirty="0" smtClean="0">
+                <a:latin typeface="微軟正黑體" panose="020B0604030504040204" pitchFamily="34" charset="-120"/>
+                <a:ea typeface="微軟正黑體" panose="020B0604030504040204" pitchFamily="34" charset="-120"/>
+              </a:rPr>
               <a:t>)</a:t>
             </a:r>
-            <a:endParaRPr lang="en-US" altLang="zh-TW" sz="1600" dirty="0"/>
+            <a:endParaRPr lang="en-US" altLang="zh-TW" sz="1600" dirty="0">
+              <a:latin typeface="微軟正黑體" panose="020B0604030504040204" pitchFamily="34" charset="-120"/>
+              <a:ea typeface="微軟正黑體" panose="020B0604030504040204" pitchFamily="34" charset="-120"/>
+            </a:endParaRPr>
           </a:p>
           <a:p>
             <a:pPr lvl="1"/>
             <a:r>
-              <a:rPr lang="zh-TW" altLang="en-US" sz="1600" dirty="0"/>
+              <a:rPr lang="zh-TW" altLang="en-US" sz="1600" dirty="0">
+                <a:latin typeface="微軟正黑體" panose="020B0604030504040204" pitchFamily="34" charset="-120"/>
+                <a:ea typeface="微軟正黑體" panose="020B0604030504040204" pitchFamily="34" charset="-120"/>
+              </a:rPr>
               <a:t>決定係數</a:t>
             </a:r>
             <a:r>
-              <a:rPr lang="en-US" altLang="zh-TW" sz="1600" dirty="0"/>
+              <a:rPr lang="en-US" altLang="zh-TW" sz="1600" dirty="0">
+                <a:latin typeface="微軟正黑體" panose="020B0604030504040204" pitchFamily="34" charset="-120"/>
+                <a:ea typeface="微軟正黑體" panose="020B0604030504040204" pitchFamily="34" charset="-120"/>
+              </a:rPr>
               <a:t>(R Squared):</a:t>
             </a:r>
             <a:r>
@@ -23949,10 +24329,15 @@
                 <a:solidFill>
                   <a:srgbClr val="FF0000"/>
                 </a:solidFill>
+                <a:latin typeface="微軟正黑體" panose="020B0604030504040204" pitchFamily="34" charset="-120"/>
+                <a:ea typeface="微軟正黑體" panose="020B0604030504040204" pitchFamily="34" charset="-120"/>
               </a:rPr>
               <a:t>0.79</a:t>
             </a:r>
-            <a:endParaRPr lang="en-US" altLang="zh-TW" dirty="0"/>
+            <a:endParaRPr lang="en-US" altLang="zh-TW" dirty="0">
+              <a:latin typeface="微軟正黑體" panose="020B0604030504040204" pitchFamily="34" charset="-120"/>
+              <a:ea typeface="微軟正黑體" panose="020B0604030504040204" pitchFamily="34" charset="-120"/>
+            </a:endParaRPr>
           </a:p>
           <a:p>
             <a:endParaRPr lang="zh-TW" altLang="en-US" dirty="0"/>
@@ -23974,16 +24359,13 @@
           <a:bodyPr/>
           <a:lstStyle/>
           <a:p>
-            <a:pPr>
-              <a:defRPr/>
-            </a:pPr>
-            <a:r>
-              <a:rPr lang="zh-TW" altLang="en-US" smtClean="0"/>
+            <a:r>
+              <a:rPr lang="zh-TW" altLang="en-US" dirty="0"/>
               <a:t>機密等級：密            日期：</a:t>
             </a:r>
             <a:r>
-              <a:rPr lang="en-US" altLang="zh-TW" smtClean="0"/>
-              <a:t>2019/12/18</a:t>
+              <a:rPr lang="en-US" altLang="zh-TW" dirty="0"/>
+              <a:t>2020/07/22</a:t>
             </a:r>
             <a:endParaRPr lang="zh-TW" altLang="en-US" dirty="0"/>
           </a:p>
@@ -24166,15 +24548,79 @@
           <a:p>
             <a:pPr lvl="1"/>
             <a:r>
-              <a:rPr lang="zh-TW" altLang="en-US" sz="1600" dirty="0" smtClean="0"/>
+              <a:rPr lang="zh-TW" altLang="en-US" sz="1600" dirty="0" smtClean="0">
+                <a:latin typeface="微軟正黑體" panose="020B0604030504040204" pitchFamily="34" charset="-120"/>
+                <a:ea typeface="微軟正黑體" panose="020B0604030504040204" pitchFamily="34" charset="-120"/>
+              </a:rPr>
               <a:t>均方根誤差</a:t>
             </a:r>
             <a:r>
-              <a:rPr lang="en-US" altLang="zh-TW" sz="1600" dirty="0" smtClean="0"/>
-              <a:t>(RMSE</a:t>
-            </a:r>
-            <a:r>
-              <a:rPr lang="en-US" altLang="zh-TW" sz="1600" dirty="0" smtClean="0"/>
+              <a:rPr lang="en-US" altLang="zh-TW" sz="1600" dirty="0" smtClean="0">
+                <a:latin typeface="微軟正黑體" panose="020B0604030504040204" pitchFamily="34" charset="-120"/>
+                <a:ea typeface="微軟正黑體" panose="020B0604030504040204" pitchFamily="34" charset="-120"/>
+              </a:rPr>
+              <a:t>(RMSE):</a:t>
+            </a:r>
+            <a:r>
+              <a:rPr lang="en-US" altLang="zh-TW" sz="1600" dirty="0" smtClean="0">
+                <a:solidFill>
+                  <a:srgbClr val="FF0000"/>
+                </a:solidFill>
+                <a:latin typeface="微軟正黑體" panose="020B0604030504040204" pitchFamily="34" charset="-120"/>
+                <a:ea typeface="微軟正黑體" panose="020B0604030504040204" pitchFamily="34" charset="-120"/>
+              </a:rPr>
+              <a:t>1625863</a:t>
+            </a:r>
+            <a:r>
+              <a:rPr lang="en-US" altLang="zh-TW" sz="1600" dirty="0" smtClean="0">
+                <a:latin typeface="微軟正黑體" panose="020B0604030504040204" pitchFamily="34" charset="-120"/>
+                <a:ea typeface="微軟正黑體" panose="020B0604030504040204" pitchFamily="34" charset="-120"/>
+              </a:rPr>
+              <a:t>(</a:t>
+            </a:r>
+            <a:r>
+              <a:rPr lang="zh-TW" altLang="en-US" sz="1600" dirty="0" smtClean="0">
+                <a:latin typeface="微軟正黑體" panose="020B0604030504040204" pitchFamily="34" charset="-120"/>
+                <a:ea typeface="微軟正黑體" panose="020B0604030504040204" pitchFamily="34" charset="-120"/>
+              </a:rPr>
+              <a:t>一百六十多萬</a:t>
+            </a:r>
+            <a:r>
+              <a:rPr lang="en-US" altLang="zh-TW" sz="1600" dirty="0" smtClean="0">
+                <a:latin typeface="微軟正黑體" panose="020B0604030504040204" pitchFamily="34" charset="-120"/>
+                <a:ea typeface="微軟正黑體" panose="020B0604030504040204" pitchFamily="34" charset="-120"/>
+              </a:rPr>
+              <a:t>)</a:t>
+            </a:r>
+          </a:p>
+          <a:p>
+            <a:pPr lvl="1"/>
+            <a:r>
+              <a:rPr lang="zh-TW" altLang="en-US" sz="1600" dirty="0" smtClean="0">
+                <a:latin typeface="微軟正黑體" panose="020B0604030504040204" pitchFamily="34" charset="-120"/>
+                <a:ea typeface="微軟正黑體" panose="020B0604030504040204" pitchFamily="34" charset="-120"/>
+              </a:rPr>
+              <a:t>決定係數</a:t>
+            </a:r>
+            <a:r>
+              <a:rPr lang="en-US" altLang="zh-TW" sz="1600" dirty="0">
+                <a:latin typeface="微軟正黑體" panose="020B0604030504040204" pitchFamily="34" charset="-120"/>
+                <a:ea typeface="微軟正黑體" panose="020B0604030504040204" pitchFamily="34" charset="-120"/>
+              </a:rPr>
+              <a:t>(</a:t>
+            </a:r>
+            <a:r>
+              <a:rPr lang="en-US" altLang="zh-TW" sz="1600" dirty="0" smtClean="0">
+                <a:latin typeface="微軟正黑體" panose="020B0604030504040204" pitchFamily="34" charset="-120"/>
+                <a:ea typeface="微軟正黑體" panose="020B0604030504040204" pitchFamily="34" charset="-120"/>
+              </a:rPr>
+              <a:t>R Squared</a:t>
+            </a:r>
+            <a:r>
+              <a:rPr lang="en-US" altLang="zh-TW" sz="1600" dirty="0">
+                <a:latin typeface="微軟正黑體" panose="020B0604030504040204" pitchFamily="34" charset="-120"/>
+                <a:ea typeface="微軟正黑體" panose="020B0604030504040204" pitchFamily="34" charset="-120"/>
+              </a:rPr>
               <a:t>):</a:t>
             </a:r>
             <a:r>
@@ -24182,66 +24628,15 @@
                 <a:solidFill>
                   <a:srgbClr val="FF0000"/>
                 </a:solidFill>
-              </a:rPr>
-              <a:t>1</a:t>
-            </a:r>
-            <a:r>
-              <a:rPr lang="en-US" altLang="zh-TW" sz="1600" dirty="0" smtClean="0">
-                <a:solidFill>
-                  <a:srgbClr val="FF0000"/>
-                </a:solidFill>
-              </a:rPr>
-              <a:t>6</a:t>
-            </a:r>
-            <a:r>
-              <a:rPr lang="en-US" altLang="zh-TW" sz="1600" dirty="0" smtClean="0">
-                <a:solidFill>
-                  <a:srgbClr val="FF0000"/>
-                </a:solidFill>
-              </a:rPr>
-              <a:t>25863</a:t>
-            </a:r>
-            <a:r>
-              <a:rPr lang="en-US" altLang="zh-TW" sz="1600" dirty="0" smtClean="0"/>
-              <a:t>(</a:t>
-            </a:r>
-            <a:r>
-              <a:rPr lang="zh-TW" altLang="en-US" sz="1600" dirty="0" smtClean="0"/>
-              <a:t>一百六十多萬</a:t>
-            </a:r>
-            <a:r>
-              <a:rPr lang="en-US" altLang="zh-TW" sz="1600" dirty="0" smtClean="0"/>
-              <a:t>)</a:t>
-            </a:r>
-            <a:endParaRPr lang="en-US" altLang="zh-TW" sz="1600" dirty="0" smtClean="0"/>
-          </a:p>
-          <a:p>
-            <a:pPr lvl="1"/>
-            <a:r>
-              <a:rPr lang="zh-TW" altLang="en-US" sz="1600" dirty="0" smtClean="0"/>
-              <a:t>決定係數</a:t>
-            </a:r>
-            <a:r>
-              <a:rPr lang="en-US" altLang="zh-TW" sz="1600" dirty="0"/>
-              <a:t>(</a:t>
-            </a:r>
-            <a:r>
-              <a:rPr lang="en-US" altLang="zh-TW" sz="1600" dirty="0" smtClean="0"/>
-              <a:t>R Squared</a:t>
-            </a:r>
-            <a:r>
-              <a:rPr lang="en-US" altLang="zh-TW" sz="1600" dirty="0"/>
-              <a:t>):</a:t>
-            </a:r>
-            <a:r>
-              <a:rPr lang="en-US" altLang="zh-TW" sz="1600" dirty="0" smtClean="0">
-                <a:solidFill>
-                  <a:srgbClr val="FF0000"/>
-                </a:solidFill>
+                <a:latin typeface="微軟正黑體" panose="020B0604030504040204" pitchFamily="34" charset="-120"/>
+                <a:ea typeface="微軟正黑體" panose="020B0604030504040204" pitchFamily="34" charset="-120"/>
               </a:rPr>
               <a:t>0.77</a:t>
             </a:r>
-            <a:endParaRPr lang="en-US" altLang="zh-TW" dirty="0"/>
+            <a:endParaRPr lang="en-US" altLang="zh-TW" dirty="0">
+              <a:latin typeface="微軟正黑體" panose="020B0604030504040204" pitchFamily="34" charset="-120"/>
+              <a:ea typeface="微軟正黑體" panose="020B0604030504040204" pitchFamily="34" charset="-120"/>
+            </a:endParaRPr>
           </a:p>
           <a:p>
             <a:endParaRPr lang="zh-TW" altLang="en-US" dirty="0"/>
@@ -24450,22 +24845,42 @@
               <a:defRPr/>
             </a:pPr>
             <a:r>
-              <a:rPr lang="zh-TW" altLang="en-US" dirty="0"/>
+              <a:rPr lang="zh-TW" altLang="en-US" dirty="0">
+                <a:solidFill>
+                  <a:srgbClr val="0070C0"/>
+                </a:solidFill>
+              </a:rPr>
               <a:t>波士頓房價</a:t>
             </a:r>
             <a:r>
-              <a:rPr lang="en-US" altLang="zh-TW" dirty="0"/>
+              <a:rPr lang="en-US" altLang="zh-TW" dirty="0">
+                <a:solidFill>
+                  <a:srgbClr val="0070C0"/>
+                </a:solidFill>
+              </a:rPr>
               <a:t>vs</a:t>
             </a:r>
             <a:r>
-              <a:rPr lang="zh-TW" altLang="en-US" dirty="0"/>
+              <a:rPr lang="zh-TW" altLang="en-US" dirty="0">
+                <a:solidFill>
+                  <a:srgbClr val="0070C0"/>
+                </a:solidFill>
+              </a:rPr>
               <a:t>放款</a:t>
             </a:r>
             <a:r>
-              <a:rPr lang="zh-TW" altLang="en-US" dirty="0" smtClean="0"/>
+              <a:rPr lang="zh-TW" altLang="en-US" dirty="0" smtClean="0">
+                <a:solidFill>
+                  <a:srgbClr val="0070C0"/>
+                </a:solidFill>
+              </a:rPr>
               <a:t>資料</a:t>
             </a:r>
-            <a:endParaRPr lang="en-US" altLang="zh-TW" dirty="0" smtClean="0"/>
+            <a:endParaRPr lang="en-US" altLang="zh-TW" dirty="0" smtClean="0">
+              <a:solidFill>
+                <a:srgbClr val="0070C0"/>
+              </a:solidFill>
+            </a:endParaRPr>
           </a:p>
           <a:p>
             <a:pPr marL="287933" indent="-287933">
@@ -24483,10 +24898,18 @@
               <a:defRPr/>
             </a:pPr>
             <a:r>
-              <a:rPr lang="zh-TW" altLang="en-US" dirty="0" smtClean="0"/>
+              <a:rPr lang="zh-TW" altLang="en-US" dirty="0" smtClean="0">
+                <a:solidFill>
+                  <a:srgbClr val="0070C0"/>
+                </a:solidFill>
+              </a:rPr>
               <a:t>總結</a:t>
             </a:r>
-            <a:endParaRPr lang="en-US" altLang="zh-TW" dirty="0" smtClean="0"/>
+            <a:endParaRPr lang="en-US" altLang="zh-TW" dirty="0" smtClean="0">
+              <a:solidFill>
+                <a:srgbClr val="0070C0"/>
+              </a:solidFill>
+            </a:endParaRPr>
           </a:p>
         </p:txBody>
       </p:sp>
@@ -24854,11 +25277,7 @@
           <a:p>
             <a:r>
               <a:rPr lang="zh-TW" altLang="en-US" dirty="0" smtClean="0"/>
-              <a:t>特徵值</a:t>
-            </a:r>
-            <a:r>
-              <a:rPr lang="zh-TW" altLang="en-US" dirty="0" smtClean="0"/>
-              <a:t>比較</a:t>
+              <a:t>特徵值比較</a:t>
             </a:r>
             <a:r>
               <a:rPr lang="en-US" altLang="zh-TW" dirty="0" smtClean="0"/>
@@ -24918,7 +25337,7 @@
           <p:nvPr>
             <p:extLst>
               <p:ext uri="{D42A27DB-BD31-4B8C-83A1-F6EECF244321}">
-                <p14:modId xmlns:p14="http://schemas.microsoft.com/office/powerpoint/2010/main" val="3802560467"/>
+                <p14:modId xmlns:p14="http://schemas.microsoft.com/office/powerpoint/2010/main" val="2935812358"/>
               </p:ext>
             </p:extLst>
           </p:nvPr>
@@ -24971,18 +25390,30 @@
                     <a:p>
                       <a:pPr algn="ctr"/>
                       <a:r>
-                        <a:rPr lang="zh-TW" altLang="en-US" dirty="0" smtClean="0"/>
+                        <a:rPr lang="zh-TW" altLang="en-US" sz="1600" dirty="0" smtClean="0">
+                          <a:latin typeface="微軟正黑體" panose="020B0604030504040204" pitchFamily="34" charset="-120"/>
+                          <a:ea typeface="微軟正黑體" panose="020B0604030504040204" pitchFamily="34" charset="-120"/>
+                        </a:rPr>
                         <a:t>調整</a:t>
                       </a:r>
                       <a:r>
-                        <a:rPr lang="en-US" altLang="zh-TW" dirty="0" smtClean="0"/>
+                        <a:rPr lang="en-US" altLang="zh-TW" sz="1600" dirty="0" smtClean="0">
+                          <a:latin typeface="微軟正黑體" panose="020B0604030504040204" pitchFamily="34" charset="-120"/>
+                          <a:ea typeface="微軟正黑體" panose="020B0604030504040204" pitchFamily="34" charset="-120"/>
+                        </a:rPr>
                         <a:t>&amp;</a:t>
                       </a:r>
                       <a:r>
-                        <a:rPr lang="zh-TW" altLang="en-US" dirty="0" smtClean="0"/>
+                        <a:rPr lang="zh-TW" altLang="en-US" sz="1600" dirty="0" smtClean="0">
+                          <a:latin typeface="微軟正黑體" panose="020B0604030504040204" pitchFamily="34" charset="-120"/>
+                          <a:ea typeface="微軟正黑體" panose="020B0604030504040204" pitchFamily="34" charset="-120"/>
+                        </a:rPr>
                         <a:t>模型</a:t>
                       </a:r>
-                      <a:endParaRPr lang="zh-TW" altLang="en-US" dirty="0"/>
+                      <a:endParaRPr lang="zh-TW" altLang="en-US" sz="1600" dirty="0">
+                        <a:latin typeface="微軟正黑體" panose="020B0604030504040204" pitchFamily="34" charset="-120"/>
+                        <a:ea typeface="微軟正黑體" panose="020B0604030504040204" pitchFamily="34" charset="-120"/>
+                      </a:endParaRPr>
                     </a:p>
                   </a:txBody>
                   <a:tcPr anchor="ctr"/>
@@ -24994,10 +25425,16 @@
                     <a:p>
                       <a:pPr algn="ctr"/>
                       <a:r>
-                        <a:rPr lang="zh-TW" altLang="en-US" dirty="0" smtClean="0"/>
+                        <a:rPr lang="zh-TW" altLang="en-US" sz="1600" dirty="0" smtClean="0">
+                          <a:latin typeface="微軟正黑體" panose="020B0604030504040204" pitchFamily="34" charset="-120"/>
+                          <a:ea typeface="微軟正黑體" panose="020B0604030504040204" pitchFamily="34" charset="-120"/>
+                        </a:rPr>
                         <a:t>評估方式</a:t>
                       </a:r>
-                      <a:endParaRPr lang="zh-TW" altLang="en-US" dirty="0"/>
+                      <a:endParaRPr lang="zh-TW" altLang="en-US" sz="1600" dirty="0">
+                        <a:latin typeface="微軟正黑體" panose="020B0604030504040204" pitchFamily="34" charset="-120"/>
+                        <a:ea typeface="微軟正黑體" panose="020B0604030504040204" pitchFamily="34" charset="-120"/>
+                      </a:endParaRPr>
                     </a:p>
                   </a:txBody>
                   <a:tcPr anchor="ctr"/>
@@ -25009,10 +25446,16 @@
                     <a:p>
                       <a:pPr algn="ctr"/>
                       <a:r>
-                        <a:rPr lang="zh-TW" altLang="en-US" dirty="0" smtClean="0"/>
+                        <a:rPr lang="zh-TW" altLang="en-US" sz="1600" dirty="0" smtClean="0">
+                          <a:latin typeface="微軟正黑體" panose="020B0604030504040204" pitchFamily="34" charset="-120"/>
+                          <a:ea typeface="微軟正黑體" panose="020B0604030504040204" pitchFamily="34" charset="-120"/>
+                        </a:rPr>
                         <a:t>波士頓房價</a:t>
                       </a:r>
-                      <a:endParaRPr lang="zh-TW" altLang="en-US" dirty="0"/>
+                      <a:endParaRPr lang="zh-TW" altLang="en-US" sz="1600" dirty="0">
+                        <a:latin typeface="微軟正黑體" panose="020B0604030504040204" pitchFamily="34" charset="-120"/>
+                        <a:ea typeface="微軟正黑體" panose="020B0604030504040204" pitchFamily="34" charset="-120"/>
+                      </a:endParaRPr>
                     </a:p>
                   </a:txBody>
                   <a:tcPr anchor="ctr"/>
@@ -25024,10 +25467,16 @@
                     <a:p>
                       <a:pPr algn="ctr"/>
                       <a:r>
-                        <a:rPr lang="zh-TW" altLang="en-US" dirty="0" smtClean="0"/>
+                        <a:rPr lang="zh-TW" altLang="en-US" sz="1600" dirty="0" smtClean="0">
+                          <a:latin typeface="微軟正黑體" panose="020B0604030504040204" pitchFamily="34" charset="-120"/>
+                          <a:ea typeface="微軟正黑體" panose="020B0604030504040204" pitchFamily="34" charset="-120"/>
+                        </a:rPr>
                         <a:t>放款資料</a:t>
                       </a:r>
-                      <a:endParaRPr lang="zh-TW" altLang="en-US" dirty="0"/>
+                      <a:endParaRPr lang="zh-TW" altLang="en-US" sz="1600" dirty="0">
+                        <a:latin typeface="微軟正黑體" panose="020B0604030504040204" pitchFamily="34" charset="-120"/>
+                        <a:ea typeface="微軟正黑體" panose="020B0604030504040204" pitchFamily="34" charset="-120"/>
+                      </a:endParaRPr>
                     </a:p>
                   </a:txBody>
                   <a:tcPr anchor="ctr"/>
@@ -25046,10 +25495,16 @@
                     <a:p>
                       <a:pPr algn="ctr"/>
                       <a:r>
-                        <a:rPr lang="zh-TW" altLang="en-US" dirty="0" smtClean="0"/>
+                        <a:rPr lang="zh-TW" altLang="en-US" sz="1600" dirty="0" smtClean="0">
+                          <a:latin typeface="微軟正黑體" panose="020B0604030504040204" pitchFamily="34" charset="-120"/>
+                          <a:ea typeface="微軟正黑體" panose="020B0604030504040204" pitchFamily="34" charset="-120"/>
+                        </a:rPr>
                         <a:t>線性回歸</a:t>
                       </a:r>
-                      <a:endParaRPr lang="zh-TW" altLang="en-US" dirty="0"/>
+                      <a:endParaRPr lang="zh-TW" altLang="en-US" sz="1600" dirty="0">
+                        <a:latin typeface="微軟正黑體" panose="020B0604030504040204" pitchFamily="34" charset="-120"/>
+                        <a:ea typeface="微軟正黑體" panose="020B0604030504040204" pitchFamily="34" charset="-120"/>
+                      </a:endParaRPr>
                     </a:p>
                   </a:txBody>
                   <a:tcPr anchor="ctr"/>
@@ -25061,10 +25516,16 @@
                     <a:p>
                       <a:pPr algn="ctr"/>
                       <a:r>
-                        <a:rPr lang="zh-TW" altLang="en-US" sz="1400" dirty="0" smtClean="0"/>
+                        <a:rPr lang="zh-TW" altLang="en-US" sz="1400" dirty="0" smtClean="0">
+                          <a:latin typeface="微軟正黑體" panose="020B0604030504040204" pitchFamily="34" charset="-120"/>
+                          <a:ea typeface="微軟正黑體" panose="020B0604030504040204" pitchFamily="34" charset="-120"/>
+                        </a:rPr>
                         <a:t>均方根誤差</a:t>
                       </a:r>
-                      <a:endParaRPr lang="zh-TW" altLang="en-US" dirty="0"/>
+                      <a:endParaRPr lang="zh-TW" altLang="en-US" sz="1400" dirty="0">
+                        <a:latin typeface="微軟正黑體" panose="020B0604030504040204" pitchFamily="34" charset="-120"/>
+                        <a:ea typeface="微軟正黑體" panose="020B0604030504040204" pitchFamily="34" charset="-120"/>
+                      </a:endParaRPr>
                     </a:p>
                   </a:txBody>
                   <a:tcPr anchor="ctr"/>
@@ -25076,10 +25537,16 @@
                     <a:p>
                       <a:pPr algn="r"/>
                       <a:r>
-                        <a:rPr lang="en-US" altLang="zh-TW" dirty="0" smtClean="0"/>
+                        <a:rPr lang="en-US" altLang="zh-TW" sz="1400" dirty="0" smtClean="0">
+                          <a:latin typeface="微軟正黑體" panose="020B0604030504040204" pitchFamily="34" charset="-120"/>
+                          <a:ea typeface="微軟正黑體" panose="020B0604030504040204" pitchFamily="34" charset="-120"/>
+                        </a:rPr>
                         <a:t>35638</a:t>
                       </a:r>
-                      <a:endParaRPr lang="zh-TW" altLang="en-US" dirty="0"/>
+                      <a:endParaRPr lang="zh-TW" altLang="en-US" sz="1400" dirty="0">
+                        <a:latin typeface="微軟正黑體" panose="020B0604030504040204" pitchFamily="34" charset="-120"/>
+                        <a:ea typeface="微軟正黑體" panose="020B0604030504040204" pitchFamily="34" charset="-120"/>
+                      </a:endParaRPr>
                     </a:p>
                   </a:txBody>
                   <a:tcPr anchor="ctr"/>
@@ -25091,10 +25558,16 @@
                     <a:p>
                       <a:pPr algn="r"/>
                       <a:r>
-                        <a:rPr lang="en-US" altLang="zh-TW" dirty="0" smtClean="0"/>
+                        <a:rPr lang="en-US" altLang="zh-TW" sz="1400" dirty="0" smtClean="0">
+                          <a:latin typeface="微軟正黑體" panose="020B0604030504040204" pitchFamily="34" charset="-120"/>
+                          <a:ea typeface="微軟正黑體" panose="020B0604030504040204" pitchFamily="34" charset="-120"/>
+                        </a:rPr>
                         <a:t>10353629</a:t>
                       </a:r>
-                      <a:endParaRPr lang="zh-TW" altLang="en-US" dirty="0"/>
+                      <a:endParaRPr lang="zh-TW" altLang="en-US" sz="1400" dirty="0">
+                        <a:latin typeface="微軟正黑體" panose="020B0604030504040204" pitchFamily="34" charset="-120"/>
+                        <a:ea typeface="微軟正黑體" panose="020B0604030504040204" pitchFamily="34" charset="-120"/>
+                      </a:endParaRPr>
                     </a:p>
                   </a:txBody>
                   <a:tcPr anchor="ctr"/>
@@ -25124,10 +25597,16 @@
                     <a:p>
                       <a:pPr algn="ctr"/>
                       <a:r>
-                        <a:rPr lang="zh-TW" altLang="en-US" dirty="0" smtClean="0"/>
+                        <a:rPr lang="zh-TW" altLang="en-US" sz="1400" dirty="0" smtClean="0">
+                          <a:latin typeface="微軟正黑體" panose="020B0604030504040204" pitchFamily="34" charset="-120"/>
+                          <a:ea typeface="微軟正黑體" panose="020B0604030504040204" pitchFamily="34" charset="-120"/>
+                        </a:rPr>
                         <a:t>決定係數</a:t>
                       </a:r>
-                      <a:endParaRPr lang="zh-TW" altLang="en-US" dirty="0"/>
+                      <a:endParaRPr lang="zh-TW" altLang="en-US" sz="1400" dirty="0">
+                        <a:latin typeface="微軟正黑體" panose="020B0604030504040204" pitchFamily="34" charset="-120"/>
+                        <a:ea typeface="微軟正黑體" panose="020B0604030504040204" pitchFamily="34" charset="-120"/>
+                      </a:endParaRPr>
                     </a:p>
                   </a:txBody>
                   <a:tcPr anchor="ctr"/>
@@ -25139,10 +25618,16 @@
                     <a:p>
                       <a:pPr algn="r"/>
                       <a:r>
-                        <a:rPr lang="en-US" altLang="zh-TW" dirty="0" smtClean="0"/>
+                        <a:rPr lang="en-US" altLang="zh-TW" sz="1400" dirty="0" smtClean="0">
+                          <a:latin typeface="微軟正黑體" panose="020B0604030504040204" pitchFamily="34" charset="-120"/>
+                          <a:ea typeface="微軟正黑體" panose="020B0604030504040204" pitchFamily="34" charset="-120"/>
+                        </a:rPr>
                         <a:t>0.82</a:t>
                       </a:r>
-                      <a:endParaRPr lang="zh-TW" altLang="en-US" dirty="0"/>
+                      <a:endParaRPr lang="zh-TW" altLang="en-US" sz="1400" dirty="0">
+                        <a:latin typeface="微軟正黑體" panose="020B0604030504040204" pitchFamily="34" charset="-120"/>
+                        <a:ea typeface="微軟正黑體" panose="020B0604030504040204" pitchFamily="34" charset="-120"/>
+                      </a:endParaRPr>
                     </a:p>
                   </a:txBody>
                   <a:tcPr anchor="ctr"/>
@@ -25154,10 +25639,16 @@
                     <a:p>
                       <a:pPr algn="r"/>
                       <a:r>
-                        <a:rPr lang="en-US" altLang="zh-TW" dirty="0" smtClean="0"/>
+                        <a:rPr lang="en-US" altLang="zh-TW" sz="1400" dirty="0" smtClean="0">
+                          <a:latin typeface="微軟正黑體" panose="020B0604030504040204" pitchFamily="34" charset="-120"/>
+                          <a:ea typeface="微軟正黑體" panose="020B0604030504040204" pitchFamily="34" charset="-120"/>
+                        </a:rPr>
                         <a:t>0.35</a:t>
                       </a:r>
-                      <a:endParaRPr lang="zh-TW" altLang="en-US" dirty="0"/>
+                      <a:endParaRPr lang="zh-TW" altLang="en-US" sz="1400" dirty="0">
+                        <a:latin typeface="微軟正黑體" panose="020B0604030504040204" pitchFamily="34" charset="-120"/>
+                        <a:ea typeface="微軟正黑體" panose="020B0604030504040204" pitchFamily="34" charset="-120"/>
+                      </a:endParaRPr>
                     </a:p>
                   </a:txBody>
                   <a:tcPr anchor="ctr"/>
@@ -25192,10 +25683,16 @@
                         <a:defRPr/>
                       </a:pPr>
                       <a:r>
-                        <a:rPr lang="en-US" altLang="zh-TW" dirty="0" err="1" smtClean="0"/>
+                        <a:rPr lang="en-US" altLang="zh-TW" sz="1600" dirty="0" err="1" smtClean="0">
+                          <a:latin typeface="微軟正黑體" panose="020B0604030504040204" pitchFamily="34" charset="-120"/>
+                          <a:ea typeface="微軟正黑體" panose="020B0604030504040204" pitchFamily="34" charset="-120"/>
+                        </a:rPr>
                         <a:t>XGBoost</a:t>
                       </a:r>
-                      <a:endParaRPr lang="zh-TW" altLang="en-US" dirty="0" smtClean="0"/>
+                      <a:endParaRPr lang="zh-TW" altLang="en-US" sz="1600" dirty="0" smtClean="0">
+                        <a:latin typeface="微軟正黑體" panose="020B0604030504040204" pitchFamily="34" charset="-120"/>
+                        <a:ea typeface="微軟正黑體" panose="020B0604030504040204" pitchFamily="34" charset="-120"/>
+                      </a:endParaRPr>
                     </a:p>
                   </a:txBody>
                   <a:tcPr anchor="ctr"/>
@@ -25207,10 +25704,16 @@
                     <a:p>
                       <a:pPr algn="ctr"/>
                       <a:r>
-                        <a:rPr lang="zh-TW" altLang="en-US" sz="1400" dirty="0" smtClean="0"/>
+                        <a:rPr lang="zh-TW" altLang="en-US" sz="1400" dirty="0" smtClean="0">
+                          <a:latin typeface="微軟正黑體" panose="020B0604030504040204" pitchFamily="34" charset="-120"/>
+                          <a:ea typeface="微軟正黑體" panose="020B0604030504040204" pitchFamily="34" charset="-120"/>
+                        </a:rPr>
                         <a:t>均方根誤差</a:t>
                       </a:r>
-                      <a:endParaRPr lang="zh-TW" altLang="en-US" dirty="0"/>
+                      <a:endParaRPr lang="zh-TW" altLang="en-US" sz="1400" dirty="0">
+                        <a:latin typeface="微軟正黑體" panose="020B0604030504040204" pitchFamily="34" charset="-120"/>
+                        <a:ea typeface="微軟正黑體" panose="020B0604030504040204" pitchFamily="34" charset="-120"/>
+                      </a:endParaRPr>
                     </a:p>
                   </a:txBody>
                   <a:tcPr anchor="ctr"/>
@@ -25222,10 +25725,16 @@
                     <a:p>
                       <a:pPr algn="r"/>
                       <a:r>
-                        <a:rPr lang="en-US" altLang="zh-TW" dirty="0" smtClean="0"/>
+                        <a:rPr lang="en-US" altLang="zh-TW" sz="1400" dirty="0" smtClean="0">
+                          <a:latin typeface="微軟正黑體" panose="020B0604030504040204" pitchFamily="34" charset="-120"/>
+                          <a:ea typeface="微軟正黑體" panose="020B0604030504040204" pitchFamily="34" charset="-120"/>
+                        </a:rPr>
                         <a:t>30263</a:t>
                       </a:r>
-                      <a:endParaRPr lang="zh-TW" altLang="en-US" dirty="0"/>
+                      <a:endParaRPr lang="zh-TW" altLang="en-US" sz="1400" dirty="0">
+                        <a:latin typeface="微軟正黑體" panose="020B0604030504040204" pitchFamily="34" charset="-120"/>
+                        <a:ea typeface="微軟正黑體" panose="020B0604030504040204" pitchFamily="34" charset="-120"/>
+                      </a:endParaRPr>
                     </a:p>
                   </a:txBody>
                   <a:tcPr anchor="ctr"/>
@@ -25237,7 +25746,10 @@
                     <a:p>
                       <a:pPr algn="r"/>
                       <a:r>
-                        <a:rPr lang="en-US" altLang="zh-TW" dirty="0" smtClean="0"/>
+                        <a:rPr lang="en-US" altLang="zh-TW" sz="1400" dirty="0" smtClean="0">
+                          <a:latin typeface="微軟正黑體" panose="020B0604030504040204" pitchFamily="34" charset="-120"/>
+                          <a:ea typeface="微軟正黑體" panose="020B0604030504040204" pitchFamily="34" charset="-120"/>
+                        </a:rPr>
                         <a:t>6765913</a:t>
                       </a:r>
                     </a:p>
@@ -25269,10 +25781,16 @@
                     <a:p>
                       <a:pPr algn="ctr"/>
                       <a:r>
-                        <a:rPr lang="zh-TW" altLang="en-US" dirty="0" smtClean="0"/>
+                        <a:rPr lang="zh-TW" altLang="en-US" sz="1400" dirty="0" smtClean="0">
+                          <a:latin typeface="微軟正黑體" panose="020B0604030504040204" pitchFamily="34" charset="-120"/>
+                          <a:ea typeface="微軟正黑體" panose="020B0604030504040204" pitchFamily="34" charset="-120"/>
+                        </a:rPr>
                         <a:t>決定係數</a:t>
                       </a:r>
-                      <a:endParaRPr lang="zh-TW" altLang="en-US" dirty="0"/>
+                      <a:endParaRPr lang="zh-TW" altLang="en-US" sz="1400" dirty="0">
+                        <a:latin typeface="微軟正黑體" panose="020B0604030504040204" pitchFamily="34" charset="-120"/>
+                        <a:ea typeface="微軟正黑體" panose="020B0604030504040204" pitchFamily="34" charset="-120"/>
+                      </a:endParaRPr>
                     </a:p>
                   </a:txBody>
                   <a:tcPr anchor="ctr"/>
@@ -25284,10 +25802,16 @@
                     <a:p>
                       <a:pPr algn="r"/>
                       <a:r>
-                        <a:rPr lang="en-US" altLang="zh-TW" dirty="0" smtClean="0"/>
+                        <a:rPr lang="en-US" altLang="zh-TW" sz="1400" dirty="0" smtClean="0">
+                          <a:latin typeface="微軟正黑體" panose="020B0604030504040204" pitchFamily="34" charset="-120"/>
+                          <a:ea typeface="微軟正黑體" panose="020B0604030504040204" pitchFamily="34" charset="-120"/>
+                        </a:rPr>
                         <a:t>0.87</a:t>
                       </a:r>
-                      <a:endParaRPr lang="zh-TW" altLang="en-US" dirty="0"/>
+                      <a:endParaRPr lang="zh-TW" altLang="en-US" sz="1400" dirty="0">
+                        <a:latin typeface="微軟正黑體" panose="020B0604030504040204" pitchFamily="34" charset="-120"/>
+                        <a:ea typeface="微軟正黑體" panose="020B0604030504040204" pitchFamily="34" charset="-120"/>
+                      </a:endParaRPr>
                     </a:p>
                   </a:txBody>
                   <a:tcPr anchor="ctr"/>
@@ -25299,10 +25823,16 @@
                     <a:p>
                       <a:pPr algn="r"/>
                       <a:r>
-                        <a:rPr lang="en-US" altLang="zh-TW" dirty="0" smtClean="0"/>
+                        <a:rPr lang="en-US" altLang="zh-TW" sz="1400" dirty="0" smtClean="0">
+                          <a:latin typeface="微軟正黑體" panose="020B0604030504040204" pitchFamily="34" charset="-120"/>
+                          <a:ea typeface="微軟正黑體" panose="020B0604030504040204" pitchFamily="34" charset="-120"/>
+                        </a:rPr>
                         <a:t>0.59</a:t>
                       </a:r>
-                      <a:endParaRPr lang="zh-TW" altLang="en-US" dirty="0"/>
+                      <a:endParaRPr lang="zh-TW" altLang="en-US" sz="1400" dirty="0">
+                        <a:latin typeface="微軟正黑體" panose="020B0604030504040204" pitchFamily="34" charset="-120"/>
+                        <a:ea typeface="微軟正黑體" panose="020B0604030504040204" pitchFamily="34" charset="-120"/>
+                      </a:endParaRPr>
                     </a:p>
                   </a:txBody>
                   <a:tcPr anchor="ctr"/>
@@ -25337,10 +25867,12 @@
                         <a:defRPr/>
                       </a:pPr>
                       <a:r>
-                        <a:rPr lang="zh-TW" altLang="en-US" dirty="0" smtClean="0"/>
+                        <a:rPr lang="zh-TW" altLang="en-US" sz="1600" dirty="0" smtClean="0">
+                          <a:latin typeface="微軟正黑體" panose="020B0604030504040204" pitchFamily="34" charset="-120"/>
+                          <a:ea typeface="微軟正黑體" panose="020B0604030504040204" pitchFamily="34" charset="-120"/>
+                        </a:rPr>
                         <a:t>調整資料</a:t>
                       </a:r>
-                      <a:endParaRPr lang="zh-TW" altLang="en-US" dirty="0" smtClean="0"/>
                     </a:p>
                   </a:txBody>
                   <a:tcPr anchor="ctr"/>
@@ -25352,10 +25884,16 @@
                     <a:p>
                       <a:pPr algn="ctr"/>
                       <a:r>
-                        <a:rPr lang="zh-TW" altLang="en-US" sz="1400" dirty="0" smtClean="0"/>
+                        <a:rPr lang="zh-TW" altLang="en-US" sz="1400" dirty="0" smtClean="0">
+                          <a:latin typeface="微軟正黑體" panose="020B0604030504040204" pitchFamily="34" charset="-120"/>
+                          <a:ea typeface="微軟正黑體" panose="020B0604030504040204" pitchFamily="34" charset="-120"/>
+                        </a:rPr>
                         <a:t>均方根誤差</a:t>
                       </a:r>
-                      <a:endParaRPr lang="zh-TW" altLang="en-US" dirty="0"/>
+                      <a:endParaRPr lang="zh-TW" altLang="en-US" sz="1400" dirty="0">
+                        <a:latin typeface="微軟正黑體" panose="020B0604030504040204" pitchFamily="34" charset="-120"/>
+                        <a:ea typeface="微軟正黑體" panose="020B0604030504040204" pitchFamily="34" charset="-120"/>
+                      </a:endParaRPr>
                     </a:p>
                   </a:txBody>
                   <a:tcPr anchor="ctr"/>
@@ -25367,10 +25905,16 @@
                     <a:p>
                       <a:pPr algn="r"/>
                       <a:r>
-                        <a:rPr lang="en-US" altLang="zh-TW" dirty="0" smtClean="0"/>
+                        <a:rPr lang="en-US" altLang="zh-TW" sz="1400" dirty="0" smtClean="0">
+                          <a:latin typeface="微軟正黑體" panose="020B0604030504040204" pitchFamily="34" charset="-120"/>
+                          <a:ea typeface="微軟正黑體" panose="020B0604030504040204" pitchFamily="34" charset="-120"/>
+                        </a:rPr>
                         <a:t>n/a</a:t>
                       </a:r>
-                      <a:endParaRPr lang="zh-TW" altLang="en-US" dirty="0"/>
+                      <a:endParaRPr lang="zh-TW" altLang="en-US" sz="1400" dirty="0">
+                        <a:latin typeface="微軟正黑體" panose="020B0604030504040204" pitchFamily="34" charset="-120"/>
+                        <a:ea typeface="微軟正黑體" panose="020B0604030504040204" pitchFamily="34" charset="-120"/>
+                      </a:endParaRPr>
                     </a:p>
                   </a:txBody>
                   <a:tcPr anchor="ctr"/>
@@ -25382,10 +25926,16 @@
                     <a:p>
                       <a:pPr algn="r"/>
                       <a:r>
-                        <a:rPr lang="en-US" altLang="zh-TW" dirty="0" smtClean="0"/>
+                        <a:rPr lang="en-US" altLang="zh-TW" sz="1400" dirty="0" smtClean="0">
+                          <a:latin typeface="微軟正黑體" panose="020B0604030504040204" pitchFamily="34" charset="-120"/>
+                          <a:ea typeface="微軟正黑體" panose="020B0604030504040204" pitchFamily="34" charset="-120"/>
+                        </a:rPr>
                         <a:t>1244003</a:t>
                       </a:r>
-                      <a:endParaRPr lang="zh-TW" altLang="en-US" dirty="0"/>
+                      <a:endParaRPr lang="zh-TW" altLang="en-US" sz="1400" dirty="0">
+                        <a:latin typeface="微軟正黑體" panose="020B0604030504040204" pitchFamily="34" charset="-120"/>
+                        <a:ea typeface="微軟正黑體" panose="020B0604030504040204" pitchFamily="34" charset="-120"/>
+                      </a:endParaRPr>
                     </a:p>
                   </a:txBody>
                   <a:tcPr anchor="ctr"/>
@@ -25431,10 +25981,16 @@
                     <a:p>
                       <a:pPr algn="ctr"/>
                       <a:r>
-                        <a:rPr lang="zh-TW" altLang="en-US" dirty="0" smtClean="0"/>
+                        <a:rPr lang="zh-TW" altLang="en-US" sz="1400" dirty="0" smtClean="0">
+                          <a:latin typeface="微軟正黑體" panose="020B0604030504040204" pitchFamily="34" charset="-120"/>
+                          <a:ea typeface="微軟正黑體" panose="020B0604030504040204" pitchFamily="34" charset="-120"/>
+                        </a:rPr>
                         <a:t>決定係數</a:t>
                       </a:r>
-                      <a:endParaRPr lang="zh-TW" altLang="en-US" dirty="0"/>
+                      <a:endParaRPr lang="zh-TW" altLang="en-US" sz="1400" dirty="0">
+                        <a:latin typeface="微軟正黑體" panose="020B0604030504040204" pitchFamily="34" charset="-120"/>
+                        <a:ea typeface="微軟正黑體" panose="020B0604030504040204" pitchFamily="34" charset="-120"/>
+                      </a:endParaRPr>
                     </a:p>
                   </a:txBody>
                   <a:tcPr anchor="ctr"/>
@@ -25446,10 +26002,16 @@
                     <a:p>
                       <a:pPr algn="r"/>
                       <a:r>
-                        <a:rPr lang="en-US" altLang="zh-TW" dirty="0" smtClean="0"/>
+                        <a:rPr lang="en-US" altLang="zh-TW" sz="1400" dirty="0" smtClean="0">
+                          <a:latin typeface="微軟正黑體" panose="020B0604030504040204" pitchFamily="34" charset="-120"/>
+                          <a:ea typeface="微軟正黑體" panose="020B0604030504040204" pitchFamily="34" charset="-120"/>
+                        </a:rPr>
                         <a:t>n/a</a:t>
                       </a:r>
-                      <a:endParaRPr lang="zh-TW" altLang="en-US" dirty="0"/>
+                      <a:endParaRPr lang="zh-TW" altLang="en-US" sz="1400" dirty="0">
+                        <a:latin typeface="微軟正黑體" panose="020B0604030504040204" pitchFamily="34" charset="-120"/>
+                        <a:ea typeface="微軟正黑體" panose="020B0604030504040204" pitchFamily="34" charset="-120"/>
+                      </a:endParaRPr>
                     </a:p>
                   </a:txBody>
                   <a:tcPr anchor="ctr"/>
@@ -25461,10 +26023,16 @@
                     <a:p>
                       <a:pPr algn="r"/>
                       <a:r>
-                        <a:rPr lang="en-US" altLang="zh-TW" dirty="0" smtClean="0"/>
+                        <a:rPr lang="en-US" altLang="zh-TW" sz="1400" dirty="0" smtClean="0">
+                          <a:latin typeface="微軟正黑體" panose="020B0604030504040204" pitchFamily="34" charset="-120"/>
+                          <a:ea typeface="微軟正黑體" panose="020B0604030504040204" pitchFamily="34" charset="-120"/>
+                        </a:rPr>
                         <a:t>0.79</a:t>
                       </a:r>
-                      <a:endParaRPr lang="zh-TW" altLang="en-US" dirty="0"/>
+                      <a:endParaRPr lang="zh-TW" altLang="en-US" sz="1400" dirty="0">
+                        <a:latin typeface="微軟正黑體" panose="020B0604030504040204" pitchFamily="34" charset="-120"/>
+                        <a:ea typeface="微軟正黑體" panose="020B0604030504040204" pitchFamily="34" charset="-120"/>
+                      </a:endParaRPr>
                     </a:p>
                   </a:txBody>
                   <a:tcPr anchor="ctr"/>
@@ -25488,7 +26056,7 @@
           <p:nvPr>
             <p:extLst>
               <p:ext uri="{D42A27DB-BD31-4B8C-83A1-F6EECF244321}">
-                <p14:modId xmlns:p14="http://schemas.microsoft.com/office/powerpoint/2010/main" val="344638845"/>
+                <p14:modId xmlns:p14="http://schemas.microsoft.com/office/powerpoint/2010/main" val="1509164758"/>
               </p:ext>
             </p:extLst>
           </p:nvPr>
@@ -25546,7 +26114,10 @@
                     <a:bodyPr/>
                     <a:lstStyle/>
                     <a:p>
-                      <a:endParaRPr lang="zh-TW" altLang="en-US" dirty="0"/>
+                      <a:endParaRPr lang="zh-TW" altLang="en-US" dirty="0">
+                        <a:latin typeface="微軟正黑體" panose="020B0604030504040204" pitchFamily="34" charset="-120"/>
+                        <a:ea typeface="微軟正黑體" panose="020B0604030504040204" pitchFamily="34" charset="-120"/>
+                      </a:endParaRPr>
                     </a:p>
                   </a:txBody>
                   <a:tcPr anchor="ctr"/>
@@ -25558,10 +26129,16 @@
                     <a:p>
                       <a:pPr algn="ctr"/>
                       <a:r>
-                        <a:rPr lang="zh-TW" altLang="en-US" dirty="0" smtClean="0"/>
+                        <a:rPr lang="zh-TW" altLang="en-US" sz="1600" dirty="0" smtClean="0">
+                          <a:latin typeface="微軟正黑體" panose="020B0604030504040204" pitchFamily="34" charset="-120"/>
+                          <a:ea typeface="微軟正黑體" panose="020B0604030504040204" pitchFamily="34" charset="-120"/>
+                        </a:rPr>
                         <a:t>資料筆數</a:t>
                       </a:r>
-                      <a:endParaRPr lang="zh-TW" altLang="en-US" dirty="0"/>
+                      <a:endParaRPr lang="zh-TW" altLang="en-US" sz="1600" dirty="0">
+                        <a:latin typeface="微軟正黑體" panose="020B0604030504040204" pitchFamily="34" charset="-120"/>
+                        <a:ea typeface="微軟正黑體" panose="020B0604030504040204" pitchFamily="34" charset="-120"/>
+                      </a:endParaRPr>
                     </a:p>
                   </a:txBody>
                   <a:tcPr anchor="ctr"/>
@@ -25589,7 +26166,10 @@
                         <a:defRPr/>
                       </a:pPr>
                       <a:r>
-                        <a:rPr lang="zh-TW" altLang="en-US" dirty="0" smtClean="0"/>
+                        <a:rPr lang="zh-TW" altLang="en-US" sz="1600" dirty="0" smtClean="0">
+                          <a:latin typeface="微軟正黑體" panose="020B0604030504040204" pitchFamily="34" charset="-120"/>
+                          <a:ea typeface="微軟正黑體" panose="020B0604030504040204" pitchFamily="34" charset="-120"/>
+                        </a:rPr>
                         <a:t>特徵值數量</a:t>
                       </a:r>
                     </a:p>
@@ -25603,10 +26183,16 @@
                     <a:p>
                       <a:pPr algn="ctr"/>
                       <a:r>
-                        <a:rPr lang="zh-TW" altLang="en-US" dirty="0" smtClean="0"/>
+                        <a:rPr lang="zh-TW" altLang="en-US" sz="1600" dirty="0" smtClean="0">
+                          <a:latin typeface="微軟正黑體" panose="020B0604030504040204" pitchFamily="34" charset="-120"/>
+                          <a:ea typeface="微軟正黑體" panose="020B0604030504040204" pitchFamily="34" charset="-120"/>
+                        </a:rPr>
                         <a:t>最高相關性</a:t>
                       </a:r>
-                      <a:endParaRPr lang="zh-TW" altLang="en-US" dirty="0"/>
+                      <a:endParaRPr lang="zh-TW" altLang="en-US" sz="1600" dirty="0">
+                        <a:latin typeface="微軟正黑體" panose="020B0604030504040204" pitchFamily="34" charset="-120"/>
+                        <a:ea typeface="微軟正黑體" panose="020B0604030504040204" pitchFamily="34" charset="-120"/>
+                      </a:endParaRPr>
                     </a:p>
                   </a:txBody>
                   <a:tcPr anchor="ctr"/>
@@ -25618,14 +26204,23 @@
                     <a:p>
                       <a:pPr algn="ctr"/>
                       <a:r>
-                        <a:rPr lang="zh-TW" altLang="en-US" dirty="0" smtClean="0"/>
+                        <a:rPr lang="zh-TW" altLang="en-US" sz="1600" dirty="0" smtClean="0">
+                          <a:latin typeface="微軟正黑體" panose="020B0604030504040204" pitchFamily="34" charset="-120"/>
+                          <a:ea typeface="微軟正黑體" panose="020B0604030504040204" pitchFamily="34" charset="-120"/>
+                        </a:rPr>
                         <a:t>相關性</a:t>
                       </a:r>
                       <a:r>
-                        <a:rPr lang="en-US" altLang="zh-TW" dirty="0" smtClean="0"/>
+                        <a:rPr lang="en-US" altLang="zh-TW" sz="1600" dirty="0" smtClean="0">
+                          <a:latin typeface="微軟正黑體" panose="020B0604030504040204" pitchFamily="34" charset="-120"/>
+                          <a:ea typeface="微軟正黑體" panose="020B0604030504040204" pitchFamily="34" charset="-120"/>
+                        </a:rPr>
                         <a:t>&gt;0.5</a:t>
                       </a:r>
-                      <a:endParaRPr lang="zh-TW" altLang="en-US" dirty="0"/>
+                      <a:endParaRPr lang="zh-TW" altLang="en-US" sz="1600" dirty="0">
+                        <a:latin typeface="微軟正黑體" panose="020B0604030504040204" pitchFamily="34" charset="-120"/>
+                        <a:ea typeface="微軟正黑體" panose="020B0604030504040204" pitchFamily="34" charset="-120"/>
+                      </a:endParaRPr>
                     </a:p>
                   </a:txBody>
                   <a:tcPr anchor="ctr"/>
@@ -25660,7 +26255,10 @@
                         <a:defRPr/>
                       </a:pPr>
                       <a:r>
-                        <a:rPr lang="zh-TW" altLang="en-US" dirty="0" smtClean="0"/>
+                        <a:rPr lang="zh-TW" altLang="en-US" sz="1600" dirty="0" smtClean="0">
+                          <a:latin typeface="微軟正黑體" panose="020B0604030504040204" pitchFamily="34" charset="-120"/>
+                          <a:ea typeface="微軟正黑體" panose="020B0604030504040204" pitchFamily="34" charset="-120"/>
+                        </a:rPr>
                         <a:t>波士頓房價</a:t>
                       </a:r>
                     </a:p>
@@ -25674,10 +26272,16 @@
                     <a:p>
                       <a:pPr algn="r"/>
                       <a:r>
-                        <a:rPr lang="en-US" altLang="zh-TW" dirty="0" smtClean="0"/>
+                        <a:rPr lang="en-US" altLang="zh-TW" dirty="0" smtClean="0">
+                          <a:latin typeface="微軟正黑體" panose="020B0604030504040204" pitchFamily="34" charset="-120"/>
+                          <a:ea typeface="微軟正黑體" panose="020B0604030504040204" pitchFamily="34" charset="-120"/>
+                        </a:rPr>
                         <a:t>1460</a:t>
                       </a:r>
-                      <a:endParaRPr lang="zh-TW" altLang="en-US" dirty="0"/>
+                      <a:endParaRPr lang="zh-TW" altLang="en-US" dirty="0">
+                        <a:latin typeface="微軟正黑體" panose="020B0604030504040204" pitchFamily="34" charset="-120"/>
+                        <a:ea typeface="微軟正黑體" panose="020B0604030504040204" pitchFamily="34" charset="-120"/>
+                      </a:endParaRPr>
                     </a:p>
                   </a:txBody>
                   <a:tcPr anchor="ctr"/>
@@ -25694,13 +26298,16 @@
                             <a:schemeClr val="dk1"/>
                           </a:solidFill>
                           <a:effectLst/>
-                          <a:latin typeface="+mn-lt"/>
-                          <a:ea typeface="+mn-ea"/>
+                          <a:latin typeface="微軟正黑體" panose="020B0604030504040204" pitchFamily="34" charset="-120"/>
+                          <a:ea typeface="微軟正黑體" panose="020B0604030504040204" pitchFamily="34" charset="-120"/>
                           <a:cs typeface="+mn-cs"/>
                         </a:rPr>
                         <a:t>81</a:t>
                       </a:r>
-                      <a:endParaRPr lang="zh-TW" altLang="en-US" dirty="0"/>
+                      <a:endParaRPr lang="zh-TW" altLang="en-US" dirty="0">
+                        <a:latin typeface="微軟正黑體" panose="020B0604030504040204" pitchFamily="34" charset="-120"/>
+                        <a:ea typeface="微軟正黑體" panose="020B0604030504040204" pitchFamily="34" charset="-120"/>
+                      </a:endParaRPr>
                     </a:p>
                   </a:txBody>
                   <a:tcPr anchor="ctr"/>
@@ -25712,10 +26319,16 @@
                     <a:p>
                       <a:pPr algn="r"/>
                       <a:r>
-                        <a:rPr lang="en-US" altLang="zh-TW" dirty="0" smtClean="0"/>
+                        <a:rPr lang="en-US" altLang="zh-TW" dirty="0" smtClean="0">
+                          <a:latin typeface="微軟正黑體" panose="020B0604030504040204" pitchFamily="34" charset="-120"/>
+                          <a:ea typeface="微軟正黑體" panose="020B0604030504040204" pitchFamily="34" charset="-120"/>
+                        </a:rPr>
                         <a:t>0.84</a:t>
                       </a:r>
-                      <a:endParaRPr lang="zh-TW" altLang="en-US" dirty="0"/>
+                      <a:endParaRPr lang="zh-TW" altLang="en-US" dirty="0">
+                        <a:latin typeface="微軟正黑體" panose="020B0604030504040204" pitchFamily="34" charset="-120"/>
+                        <a:ea typeface="微軟正黑體" panose="020B0604030504040204" pitchFamily="34" charset="-120"/>
+                      </a:endParaRPr>
                     </a:p>
                   </a:txBody>
                   <a:tcPr anchor="ctr"/>
@@ -25727,10 +26340,16 @@
                     <a:p>
                       <a:pPr algn="r"/>
                       <a:r>
-                        <a:rPr lang="en-US" altLang="zh-TW" dirty="0" smtClean="0"/>
+                        <a:rPr lang="en-US" altLang="zh-TW" dirty="0" smtClean="0">
+                          <a:latin typeface="微軟正黑體" panose="020B0604030504040204" pitchFamily="34" charset="-120"/>
+                          <a:ea typeface="微軟正黑體" panose="020B0604030504040204" pitchFamily="34" charset="-120"/>
+                        </a:rPr>
                         <a:t>10</a:t>
                       </a:r>
-                      <a:endParaRPr lang="zh-TW" altLang="en-US" dirty="0"/>
+                      <a:endParaRPr lang="zh-TW" altLang="en-US" dirty="0">
+                        <a:latin typeface="微軟正黑體" panose="020B0604030504040204" pitchFamily="34" charset="-120"/>
+                        <a:ea typeface="微軟正黑體" panose="020B0604030504040204" pitchFamily="34" charset="-120"/>
+                      </a:endParaRPr>
                     </a:p>
                   </a:txBody>
                   <a:tcPr anchor="ctr"/>
@@ -25765,7 +26384,10 @@
                         <a:defRPr/>
                       </a:pPr>
                       <a:r>
-                        <a:rPr lang="zh-TW" altLang="en-US" dirty="0" smtClean="0"/>
+                        <a:rPr lang="zh-TW" altLang="en-US" sz="1600" dirty="0" smtClean="0">
+                          <a:latin typeface="微軟正黑體" panose="020B0604030504040204" pitchFamily="34" charset="-120"/>
+                          <a:ea typeface="微軟正黑體" panose="020B0604030504040204" pitchFamily="34" charset="-120"/>
+                        </a:rPr>
                         <a:t>放款資料</a:t>
                       </a:r>
                     </a:p>
@@ -25779,10 +26401,16 @@
                     <a:p>
                       <a:pPr algn="r"/>
                       <a:r>
-                        <a:rPr lang="en-US" altLang="zh-TW" dirty="0" smtClean="0"/>
+                        <a:rPr lang="en-US" altLang="zh-TW" dirty="0" smtClean="0">
+                          <a:latin typeface="微軟正黑體" panose="020B0604030504040204" pitchFamily="34" charset="-120"/>
+                          <a:ea typeface="微軟正黑體" panose="020B0604030504040204" pitchFamily="34" charset="-120"/>
+                        </a:rPr>
                         <a:t>4413</a:t>
                       </a:r>
-                      <a:endParaRPr lang="zh-TW" altLang="en-US" dirty="0"/>
+                      <a:endParaRPr lang="zh-TW" altLang="en-US" dirty="0">
+                        <a:latin typeface="微軟正黑體" panose="020B0604030504040204" pitchFamily="34" charset="-120"/>
+                        <a:ea typeface="微軟正黑體" panose="020B0604030504040204" pitchFamily="34" charset="-120"/>
+                      </a:endParaRPr>
                     </a:p>
                   </a:txBody>
                   <a:tcPr anchor="ctr"/>
@@ -25794,10 +26422,16 @@
                     <a:p>
                       <a:pPr algn="r"/>
                       <a:r>
-                        <a:rPr lang="en-US" altLang="zh-TW" dirty="0" smtClean="0"/>
+                        <a:rPr lang="en-US" altLang="zh-TW" dirty="0" smtClean="0">
+                          <a:latin typeface="微軟正黑體" panose="020B0604030504040204" pitchFamily="34" charset="-120"/>
+                          <a:ea typeface="微軟正黑體" panose="020B0604030504040204" pitchFamily="34" charset="-120"/>
+                        </a:rPr>
                         <a:t>21</a:t>
                       </a:r>
-                      <a:endParaRPr lang="zh-TW" altLang="en-US" dirty="0"/>
+                      <a:endParaRPr lang="zh-TW" altLang="en-US" dirty="0">
+                        <a:latin typeface="微軟正黑體" panose="020B0604030504040204" pitchFamily="34" charset="-120"/>
+                        <a:ea typeface="微軟正黑體" panose="020B0604030504040204" pitchFamily="34" charset="-120"/>
+                      </a:endParaRPr>
                     </a:p>
                   </a:txBody>
                   <a:tcPr anchor="ctr"/>
@@ -25809,10 +26443,16 @@
                     <a:p>
                       <a:pPr algn="r"/>
                       <a:r>
-                        <a:rPr lang="en-US" altLang="zh-TW" dirty="0" smtClean="0"/>
+                        <a:rPr lang="en-US" altLang="zh-TW" dirty="0" smtClean="0">
+                          <a:latin typeface="微軟正黑體" panose="020B0604030504040204" pitchFamily="34" charset="-120"/>
+                          <a:ea typeface="微軟正黑體" panose="020B0604030504040204" pitchFamily="34" charset="-120"/>
+                        </a:rPr>
                         <a:t>0.55</a:t>
                       </a:r>
-                      <a:endParaRPr lang="zh-TW" altLang="en-US" dirty="0"/>
+                      <a:endParaRPr lang="zh-TW" altLang="en-US" dirty="0">
+                        <a:latin typeface="微軟正黑體" panose="020B0604030504040204" pitchFamily="34" charset="-120"/>
+                        <a:ea typeface="微軟正黑體" panose="020B0604030504040204" pitchFamily="34" charset="-120"/>
+                      </a:endParaRPr>
                     </a:p>
                   </a:txBody>
                   <a:tcPr anchor="ctr"/>
@@ -25824,10 +26464,16 @@
                     <a:p>
                       <a:pPr algn="r"/>
                       <a:r>
-                        <a:rPr lang="en-US" altLang="zh-TW" dirty="0" smtClean="0"/>
+                        <a:rPr lang="en-US" altLang="zh-TW" dirty="0" smtClean="0">
+                          <a:latin typeface="微軟正黑體" panose="020B0604030504040204" pitchFamily="34" charset="-120"/>
+                          <a:ea typeface="微軟正黑體" panose="020B0604030504040204" pitchFamily="34" charset="-120"/>
+                        </a:rPr>
                         <a:t>1</a:t>
                       </a:r>
-                      <a:endParaRPr lang="zh-TW" altLang="en-US" dirty="0"/>
+                      <a:endParaRPr lang="zh-TW" altLang="en-US" dirty="0">
+                        <a:latin typeface="微軟正黑體" panose="020B0604030504040204" pitchFamily="34" charset="-120"/>
+                        <a:ea typeface="微軟正黑體" panose="020B0604030504040204" pitchFamily="34" charset="-120"/>
+                      </a:endParaRPr>
                     </a:p>
                   </a:txBody>
                   <a:tcPr anchor="ctr"/>
@@ -26054,7 +26700,10 @@
             </a:bodyPr>
             <a:lstStyle/>
             <a:p>
-              <a:endParaRPr lang="zh-CN" altLang="en-US"/>
+              <a:endParaRPr lang="zh-CN" altLang="en-US">
+                <a:latin typeface="微軟正黑體" panose="020B0604030504040204" pitchFamily="34" charset="-120"/>
+                <a:ea typeface="微軟正黑體" panose="020B0604030504040204" pitchFamily="34" charset="-120"/>
+              </a:endParaRPr>
             </a:p>
           </p:txBody>
         </p:sp>
@@ -26195,7 +26844,10 @@
             </a:bodyPr>
             <a:lstStyle/>
             <a:p>
-              <a:endParaRPr lang="zh-CN" altLang="en-US"/>
+              <a:endParaRPr lang="zh-CN" altLang="en-US">
+                <a:latin typeface="微軟正黑體" panose="020B0604030504040204" pitchFamily="34" charset="-120"/>
+                <a:ea typeface="微軟正黑體" panose="020B0604030504040204" pitchFamily="34" charset="-120"/>
+              </a:endParaRPr>
             </a:p>
           </p:txBody>
         </p:sp>
@@ -26336,7 +26988,10 @@
             </a:bodyPr>
             <a:lstStyle/>
             <a:p>
-              <a:endParaRPr lang="zh-CN" altLang="en-US"/>
+              <a:endParaRPr lang="zh-CN" altLang="en-US">
+                <a:latin typeface="微軟正黑體" panose="020B0604030504040204" pitchFamily="34" charset="-120"/>
+                <a:ea typeface="微軟正黑體" panose="020B0604030504040204" pitchFamily="34" charset="-120"/>
+              </a:endParaRPr>
             </a:p>
           </p:txBody>
         </p:sp>
@@ -26477,7 +27132,10 @@
             </a:bodyPr>
             <a:lstStyle/>
             <a:p>
-              <a:endParaRPr lang="zh-CN" altLang="en-US"/>
+              <a:endParaRPr lang="zh-CN" altLang="en-US">
+                <a:latin typeface="微軟正黑體" panose="020B0604030504040204" pitchFamily="34" charset="-120"/>
+                <a:ea typeface="微軟正黑體" panose="020B0604030504040204" pitchFamily="34" charset="-120"/>
+              </a:endParaRPr>
             </a:p>
           </p:txBody>
         </p:sp>
@@ -26618,7 +27276,10 @@
             </a:bodyPr>
             <a:lstStyle/>
             <a:p>
-              <a:endParaRPr lang="zh-CN" altLang="en-US"/>
+              <a:endParaRPr lang="zh-CN" altLang="en-US">
+                <a:latin typeface="微軟正黑體" panose="020B0604030504040204" pitchFamily="34" charset="-120"/>
+                <a:ea typeface="微軟正黑體" panose="020B0604030504040204" pitchFamily="34" charset="-120"/>
+              </a:endParaRPr>
             </a:p>
           </p:txBody>
         </p:sp>
@@ -26759,7 +27420,10 @@
             </a:bodyPr>
             <a:lstStyle/>
             <a:p>
-              <a:endParaRPr lang="zh-CN" altLang="en-US"/>
+              <a:endParaRPr lang="zh-CN" altLang="en-US">
+                <a:latin typeface="微軟正黑體" panose="020B0604030504040204" pitchFamily="34" charset="-120"/>
+                <a:ea typeface="微軟正黑體" panose="020B0604030504040204" pitchFamily="34" charset="-120"/>
+              </a:endParaRPr>
             </a:p>
           </p:txBody>
         </p:sp>
@@ -26900,7 +27564,10 @@
             </a:bodyPr>
             <a:lstStyle/>
             <a:p>
-              <a:endParaRPr lang="zh-CN" altLang="en-US"/>
+              <a:endParaRPr lang="zh-CN" altLang="en-US">
+                <a:latin typeface="微軟正黑體" panose="020B0604030504040204" pitchFamily="34" charset="-120"/>
+                <a:ea typeface="微軟正黑體" panose="020B0604030504040204" pitchFamily="34" charset="-120"/>
+              </a:endParaRPr>
             </a:p>
           </p:txBody>
         </p:sp>
@@ -26935,7 +27602,10 @@
             </a:bodyPr>
             <a:lstStyle/>
             <a:p>
-              <a:endParaRPr lang="zh-CN" altLang="en-US"/>
+              <a:endParaRPr lang="zh-CN" altLang="en-US">
+                <a:latin typeface="微軟正黑體" panose="020B0604030504040204" pitchFamily="34" charset="-120"/>
+                <a:ea typeface="微軟正黑體" panose="020B0604030504040204" pitchFamily="34" charset="-120"/>
+              </a:endParaRPr>
             </a:p>
           </p:txBody>
         </p:sp>
@@ -27135,7 +27805,10 @@
             </a:bodyPr>
             <a:lstStyle/>
             <a:p>
-              <a:endParaRPr lang="zh-CN" altLang="en-US"/>
+              <a:endParaRPr lang="zh-CN" altLang="en-US">
+                <a:latin typeface="微軟正黑體" panose="020B0604030504040204" pitchFamily="34" charset="-120"/>
+                <a:ea typeface="微軟正黑體" panose="020B0604030504040204" pitchFamily="34" charset="-120"/>
+              </a:endParaRPr>
             </a:p>
           </p:txBody>
         </p:sp>
@@ -27340,7 +28013,10 @@
             </a:bodyPr>
             <a:lstStyle/>
             <a:p>
-              <a:endParaRPr lang="zh-CN" altLang="en-US"/>
+              <a:endParaRPr lang="zh-CN" altLang="en-US">
+                <a:latin typeface="微軟正黑體" panose="020B0604030504040204" pitchFamily="34" charset="-120"/>
+                <a:ea typeface="微軟正黑體" panose="020B0604030504040204" pitchFamily="34" charset="-120"/>
+              </a:endParaRPr>
             </a:p>
           </p:txBody>
         </p:sp>
@@ -27545,7 +28221,10 @@
             </a:bodyPr>
             <a:lstStyle/>
             <a:p>
-              <a:endParaRPr lang="zh-CN" altLang="en-US"/>
+              <a:endParaRPr lang="zh-CN" altLang="en-US">
+                <a:latin typeface="微軟正黑體" panose="020B0604030504040204" pitchFamily="34" charset="-120"/>
+                <a:ea typeface="微軟正黑體" panose="020B0604030504040204" pitchFamily="34" charset="-120"/>
+              </a:endParaRPr>
             </a:p>
           </p:txBody>
         </p:sp>
@@ -27760,7 +28439,10 @@
             </a:bodyPr>
             <a:lstStyle/>
             <a:p>
-              <a:endParaRPr lang="zh-CN" altLang="en-US"/>
+              <a:endParaRPr lang="zh-CN" altLang="en-US">
+                <a:latin typeface="微軟正黑體" panose="020B0604030504040204" pitchFamily="34" charset="-120"/>
+                <a:ea typeface="微軟正黑體" panose="020B0604030504040204" pitchFamily="34" charset="-120"/>
+              </a:endParaRPr>
             </a:p>
           </p:txBody>
         </p:sp>
@@ -27965,7 +28647,10 @@
             </a:bodyPr>
             <a:lstStyle/>
             <a:p>
-              <a:endParaRPr lang="zh-CN" altLang="en-US"/>
+              <a:endParaRPr lang="zh-CN" altLang="en-US">
+                <a:latin typeface="微軟正黑體" panose="020B0604030504040204" pitchFamily="34" charset="-120"/>
+                <a:ea typeface="微軟正黑體" panose="020B0604030504040204" pitchFamily="34" charset="-120"/>
+              </a:endParaRPr>
             </a:p>
           </p:txBody>
         </p:sp>
@@ -28612,6 +29297,8 @@
                 <a:solidFill>
                   <a:schemeClr val="bg1"/>
                 </a:solidFill>
+                <a:latin typeface="微軟正黑體" panose="020B0604030504040204" pitchFamily="34" charset="-120"/>
+                <a:ea typeface="微軟正黑體" panose="020B0604030504040204" pitchFamily="34" charset="-120"/>
               </a:endParaRPr>
             </a:p>
           </p:txBody>
@@ -28780,6 +29467,8 @@
                 <a:solidFill>
                   <a:schemeClr val="bg1"/>
                 </a:solidFill>
+                <a:latin typeface="微軟正黑體" panose="020B0604030504040204" pitchFamily="34" charset="-120"/>
+                <a:ea typeface="微軟正黑體" panose="020B0604030504040204" pitchFamily="34" charset="-120"/>
               </a:endParaRPr>
             </a:p>
           </p:txBody>
@@ -29178,7 +29867,10 @@
             </a:bodyPr>
             <a:lstStyle/>
             <a:p>
-              <a:endParaRPr lang="zh-CN" altLang="en-US"/>
+              <a:endParaRPr lang="zh-CN" altLang="en-US">
+                <a:latin typeface="微軟正黑體" panose="020B0604030504040204" pitchFamily="34" charset="-120"/>
+                <a:ea typeface="微軟正黑體" panose="020B0604030504040204" pitchFamily="34" charset="-120"/>
+              </a:endParaRPr>
             </a:p>
           </p:txBody>
         </p:sp>
@@ -29328,7 +30020,10 @@
               </a:bodyPr>
               <a:lstStyle/>
               <a:p>
-                <a:endParaRPr lang="zh-CN" altLang="en-US"/>
+                <a:endParaRPr lang="zh-CN" altLang="en-US">
+                  <a:latin typeface="微軟正黑體" panose="020B0604030504040204" pitchFamily="34" charset="-120"/>
+                  <a:ea typeface="微軟正黑體" panose="020B0604030504040204" pitchFamily="34" charset="-120"/>
+                </a:endParaRPr>
               </a:p>
             </p:txBody>
           </p:sp>
@@ -29464,7 +30159,10 @@
               </a:bodyPr>
               <a:lstStyle/>
               <a:p>
-                <a:endParaRPr lang="zh-CN" altLang="en-US"/>
+                <a:endParaRPr lang="zh-CN" altLang="en-US">
+                  <a:latin typeface="微軟正黑體" panose="020B0604030504040204" pitchFamily="34" charset="-120"/>
+                  <a:ea typeface="微軟正黑體" panose="020B0604030504040204" pitchFamily="34" charset="-120"/>
+                </a:endParaRPr>
               </a:p>
             </p:txBody>
           </p:sp>
@@ -29600,7 +30298,10 @@
               </a:bodyPr>
               <a:lstStyle/>
               <a:p>
-                <a:endParaRPr lang="zh-CN" altLang="en-US"/>
+                <a:endParaRPr lang="zh-CN" altLang="en-US">
+                  <a:latin typeface="微軟正黑體" panose="020B0604030504040204" pitchFamily="34" charset="-120"/>
+                  <a:ea typeface="微軟正黑體" panose="020B0604030504040204" pitchFamily="34" charset="-120"/>
+                </a:endParaRPr>
               </a:p>
             </p:txBody>
           </p:sp>
@@ -29736,7 +30437,10 @@
               </a:bodyPr>
               <a:lstStyle/>
               <a:p>
-                <a:endParaRPr lang="zh-CN" altLang="en-US"/>
+                <a:endParaRPr lang="zh-CN" altLang="en-US">
+                  <a:latin typeface="微軟正黑體" panose="020B0604030504040204" pitchFamily="34" charset="-120"/>
+                  <a:ea typeface="微軟正黑體" panose="020B0604030504040204" pitchFamily="34" charset="-120"/>
+                </a:endParaRPr>
               </a:p>
             </p:txBody>
           </p:sp>
@@ -29850,7 +30554,10 @@
               </a:bodyPr>
               <a:lstStyle/>
               <a:p>
-                <a:endParaRPr lang="zh-CN" altLang="en-US"/>
+                <a:endParaRPr lang="zh-CN" altLang="en-US">
+                  <a:latin typeface="微軟正黑體" panose="020B0604030504040204" pitchFamily="34" charset="-120"/>
+                  <a:ea typeface="微軟正黑體" panose="020B0604030504040204" pitchFamily="34" charset="-120"/>
+                </a:endParaRPr>
               </a:p>
             </p:txBody>
           </p:sp>
@@ -30405,7 +31112,10 @@
               </a:bodyPr>
               <a:lstStyle/>
               <a:p>
-                <a:endParaRPr lang="zh-CN" altLang="en-US"/>
+                <a:endParaRPr lang="zh-CN" altLang="en-US">
+                  <a:latin typeface="微軟正黑體" panose="020B0604030504040204" pitchFamily="34" charset="-120"/>
+                  <a:ea typeface="微軟正黑體" panose="020B0604030504040204" pitchFamily="34" charset="-120"/>
+                </a:endParaRPr>
               </a:p>
             </p:txBody>
           </p:sp>
@@ -30719,7 +31429,10 @@
               </a:bodyPr>
               <a:lstStyle/>
               <a:p>
-                <a:endParaRPr lang="zh-CN" altLang="en-US"/>
+                <a:endParaRPr lang="zh-CN" altLang="en-US">
+                  <a:latin typeface="微軟正黑體" panose="020B0604030504040204" pitchFamily="34" charset="-120"/>
+                  <a:ea typeface="微軟正黑體" panose="020B0604030504040204" pitchFamily="34" charset="-120"/>
+                </a:endParaRPr>
               </a:p>
             </p:txBody>
           </p:sp>
@@ -31274,7 +31987,10 @@
               </a:bodyPr>
               <a:lstStyle/>
               <a:p>
-                <a:endParaRPr lang="zh-CN" altLang="en-US"/>
+                <a:endParaRPr lang="zh-CN" altLang="en-US">
+                  <a:latin typeface="微軟正黑體" panose="020B0604030504040204" pitchFamily="34" charset="-120"/>
+                  <a:ea typeface="微軟正黑體" panose="020B0604030504040204" pitchFamily="34" charset="-120"/>
+                </a:endParaRPr>
               </a:p>
             </p:txBody>
           </p:sp>
@@ -31860,7 +32576,10 @@
               </a:bodyPr>
               <a:lstStyle/>
               <a:p>
-                <a:endParaRPr lang="zh-CN" altLang="en-US"/>
+                <a:endParaRPr lang="zh-CN" altLang="en-US">
+                  <a:latin typeface="微軟正黑體" panose="020B0604030504040204" pitchFamily="34" charset="-120"/>
+                  <a:ea typeface="微軟正黑體" panose="020B0604030504040204" pitchFamily="34" charset="-120"/>
+                </a:endParaRPr>
               </a:p>
             </p:txBody>
           </p:sp>
@@ -32415,7 +33134,10 @@
               </a:bodyPr>
               <a:lstStyle/>
               <a:p>
-                <a:endParaRPr lang="zh-CN" altLang="en-US"/>
+                <a:endParaRPr lang="zh-CN" altLang="en-US">
+                  <a:latin typeface="微軟正黑體" panose="020B0604030504040204" pitchFamily="34" charset="-120"/>
+                  <a:ea typeface="微軟正黑體" panose="020B0604030504040204" pitchFamily="34" charset="-120"/>
+                </a:endParaRPr>
               </a:p>
             </p:txBody>
           </p:sp>
@@ -32994,7 +33716,10 @@
               </a:bodyPr>
               <a:lstStyle/>
               <a:p>
-                <a:endParaRPr lang="zh-CN" altLang="en-US"/>
+                <a:endParaRPr lang="zh-CN" altLang="en-US">
+                  <a:latin typeface="微軟正黑體" panose="020B0604030504040204" pitchFamily="34" charset="-120"/>
+                  <a:ea typeface="微軟正黑體" panose="020B0604030504040204" pitchFamily="34" charset="-120"/>
+                </a:endParaRPr>
               </a:p>
             </p:txBody>
           </p:sp>
@@ -33549,7 +34274,10 @@
               </a:bodyPr>
               <a:lstStyle/>
               <a:p>
-                <a:endParaRPr lang="zh-CN" altLang="en-US"/>
+                <a:endParaRPr lang="zh-CN" altLang="en-US">
+                  <a:latin typeface="微軟正黑體" panose="020B0604030504040204" pitchFamily="34" charset="-120"/>
+                  <a:ea typeface="微軟正黑體" panose="020B0604030504040204" pitchFamily="34" charset="-120"/>
+                </a:endParaRPr>
               </a:p>
             </p:txBody>
           </p:sp>
@@ -33980,7 +34708,10 @@
               </a:bodyPr>
               <a:lstStyle/>
               <a:p>
-                <a:endParaRPr lang="zh-CN" altLang="en-US"/>
+                <a:endParaRPr lang="zh-CN" altLang="en-US">
+                  <a:latin typeface="微軟正黑體" panose="020B0604030504040204" pitchFamily="34" charset="-120"/>
+                  <a:ea typeface="微軟正黑體" panose="020B0604030504040204" pitchFamily="34" charset="-120"/>
+                </a:endParaRPr>
               </a:p>
             </p:txBody>
           </p:sp>
@@ -34535,7 +35266,10 @@
               </a:bodyPr>
               <a:lstStyle/>
               <a:p>
-                <a:endParaRPr lang="zh-CN" altLang="en-US"/>
+                <a:endParaRPr lang="zh-CN" altLang="en-US">
+                  <a:latin typeface="微軟正黑體" panose="020B0604030504040204" pitchFamily="34" charset="-120"/>
+                  <a:ea typeface="微軟正黑體" panose="020B0604030504040204" pitchFamily="34" charset="-120"/>
+                </a:endParaRPr>
               </a:p>
             </p:txBody>
           </p:sp>
@@ -35139,7 +35873,10 @@
               </a:bodyPr>
               <a:lstStyle/>
               <a:p>
-                <a:endParaRPr lang="zh-CN" altLang="en-US"/>
+                <a:endParaRPr lang="zh-CN" altLang="en-US">
+                  <a:latin typeface="微軟正黑體" panose="020B0604030504040204" pitchFamily="34" charset="-120"/>
+                  <a:ea typeface="微軟正黑體" panose="020B0604030504040204" pitchFamily="34" charset="-120"/>
+                </a:endParaRPr>
               </a:p>
             </p:txBody>
           </p:sp>
@@ -35291,7 +36028,10 @@
           </a:bodyPr>
           <a:lstStyle/>
           <a:p>
-            <a:endParaRPr lang="zh-CN" altLang="en-US"/>
+            <a:endParaRPr lang="zh-CN" altLang="en-US">
+              <a:latin typeface="微軟正黑體" panose="020B0604030504040204" pitchFamily="34" charset="-120"/>
+              <a:ea typeface="微軟正黑體" panose="020B0604030504040204" pitchFamily="34" charset="-120"/>
+            </a:endParaRPr>
           </a:p>
         </p:txBody>
       </p:sp>
@@ -35394,7 +36134,10 @@
           </a:bodyPr>
           <a:lstStyle/>
           <a:p>
-            <a:endParaRPr lang="zh-CN" altLang="en-US"/>
+            <a:endParaRPr lang="zh-CN" altLang="en-US">
+              <a:latin typeface="微軟正黑體" panose="020B0604030504040204" pitchFamily="34" charset="-120"/>
+              <a:ea typeface="微軟正黑體" panose="020B0604030504040204" pitchFamily="34" charset="-120"/>
+            </a:endParaRPr>
           </a:p>
         </p:txBody>
       </p:sp>
@@ -35566,6 +36309,8 @@
               <a:solidFill>
                 <a:srgbClr val="CC4209"/>
               </a:solidFill>
+              <a:latin typeface="微軟正黑體" panose="020B0604030504040204" pitchFamily="34" charset="-120"/>
+              <a:ea typeface="微軟正黑體" panose="020B0604030504040204" pitchFamily="34" charset="-120"/>
             </a:endParaRPr>
           </a:p>
         </p:txBody>
@@ -35710,6 +36455,8 @@
               <a:solidFill>
                 <a:srgbClr val="CC4209"/>
               </a:solidFill>
+              <a:latin typeface="微軟正黑體" panose="020B0604030504040204" pitchFamily="34" charset="-120"/>
+              <a:ea typeface="微軟正黑體" panose="020B0604030504040204" pitchFamily="34" charset="-120"/>
             </a:endParaRPr>
           </a:p>
         </p:txBody>
@@ -35850,7 +36597,10 @@
           </a:bodyPr>
           <a:lstStyle/>
           <a:p>
-            <a:endParaRPr lang="zh-CN" altLang="en-US"/>
+            <a:endParaRPr lang="zh-CN" altLang="en-US">
+              <a:latin typeface="微軟正黑體" panose="020B0604030504040204" pitchFamily="34" charset="-120"/>
+              <a:ea typeface="微軟正黑體" panose="020B0604030504040204" pitchFamily="34" charset="-120"/>
+            </a:endParaRPr>
           </a:p>
         </p:txBody>
       </p:sp>
@@ -36436,7 +37186,10 @@
           </a:bodyPr>
           <a:lstStyle/>
           <a:p>
-            <a:endParaRPr lang="zh-CN" altLang="en-US"/>
+            <a:endParaRPr lang="zh-CN" altLang="en-US">
+              <a:latin typeface="微軟正黑體" panose="020B0604030504040204" pitchFamily="34" charset="-120"/>
+              <a:ea typeface="微軟正黑體" panose="020B0604030504040204" pitchFamily="34" charset="-120"/>
+            </a:endParaRPr>
           </a:p>
         </p:txBody>
       </p:sp>
@@ -37654,10 +38407,18 @@
               <a:defRPr/>
             </a:pPr>
             <a:r>
-              <a:rPr lang="zh-TW" altLang="en-US" dirty="0" smtClean="0"/>
+              <a:rPr lang="zh-TW" altLang="en-US" dirty="0" smtClean="0">
+                <a:solidFill>
+                  <a:srgbClr val="0070C0"/>
+                </a:solidFill>
+              </a:rPr>
               <a:t>機器學習</a:t>
             </a:r>
-            <a:endParaRPr lang="en-US" altLang="zh-TW" dirty="0" smtClean="0"/>
+            <a:endParaRPr lang="en-US" altLang="zh-TW" dirty="0" smtClean="0">
+              <a:solidFill>
+                <a:srgbClr val="0070C0"/>
+              </a:solidFill>
+            </a:endParaRPr>
           </a:p>
           <a:p>
             <a:pPr marL="287933" indent="-287933">
@@ -37675,10 +38436,18 @@
               <a:defRPr/>
             </a:pPr>
             <a:r>
-              <a:rPr lang="zh-TW" altLang="en-US" dirty="0" smtClean="0"/>
+              <a:rPr lang="zh-TW" altLang="en-US" dirty="0" smtClean="0">
+                <a:solidFill>
+                  <a:srgbClr val="0070C0"/>
+                </a:solidFill>
+              </a:rPr>
               <a:t>線性回歸介紹</a:t>
             </a:r>
-            <a:endParaRPr lang="en-US" altLang="zh-TW" dirty="0" smtClean="0"/>
+            <a:endParaRPr lang="en-US" altLang="zh-TW" dirty="0" smtClean="0">
+              <a:solidFill>
+                <a:srgbClr val="0070C0"/>
+              </a:solidFill>
+            </a:endParaRPr>
           </a:p>
           <a:p>
             <a:pPr marL="287933" indent="-287933">
@@ -37696,14 +38465,26 @@
               <a:defRPr/>
             </a:pPr>
             <a:r>
-              <a:rPr lang="en-US" altLang="zh-TW" dirty="0" err="1" smtClean="0"/>
+              <a:rPr lang="en-US" altLang="zh-TW" dirty="0" err="1" smtClean="0">
+                <a:solidFill>
+                  <a:srgbClr val="0070C0"/>
+                </a:solidFill>
+              </a:rPr>
               <a:t>XGBoost</a:t>
             </a:r>
             <a:r>
-              <a:rPr lang="zh-TW" altLang="en-US" dirty="0" smtClean="0"/>
+              <a:rPr lang="zh-TW" altLang="en-US" dirty="0" smtClean="0">
+                <a:solidFill>
+                  <a:srgbClr val="0070C0"/>
+                </a:solidFill>
+              </a:rPr>
               <a:t>介紹</a:t>
             </a:r>
-            <a:endParaRPr lang="en-US" altLang="zh-TW" dirty="0"/>
+            <a:endParaRPr lang="en-US" altLang="zh-TW" dirty="0">
+              <a:solidFill>
+                <a:srgbClr val="0070C0"/>
+              </a:solidFill>
+            </a:endParaRPr>
           </a:p>
           <a:p>
             <a:pPr marL="287933" indent="-287933">
@@ -38322,38 +39103,6 @@
                 <a:latin typeface="微軟正黑體" panose="020B0604030504040204" pitchFamily="34" charset="-120"/>
                 <a:ea typeface="微軟正黑體" panose="020B0604030504040204" pitchFamily="34" charset="-120"/>
               </a:rPr>
-              <a:t>決策</a:t>
-            </a:r>
-            <a:r>
-              <a:rPr lang="zh-TW" altLang="en-US" sz="1400" b="1" u="none" dirty="0">
-                <a:solidFill>
-                  <a:srgbClr val="00B050"/>
-                </a:solidFill>
-                <a:latin typeface="微軟正黑體" panose="020B0604030504040204" pitchFamily="34" charset="-120"/>
-                <a:ea typeface="微軟正黑體" panose="020B0604030504040204" pitchFamily="34" charset="-120"/>
-              </a:rPr>
-              <a:t>樹 </a:t>
-            </a:r>
-            <a:r>
-              <a:rPr lang="en-US" altLang="zh-TW" sz="1400" b="1" u="none" dirty="0">
-                <a:solidFill>
-                  <a:srgbClr val="00B050"/>
-                </a:solidFill>
-                <a:latin typeface="微軟正黑體" panose="020B0604030504040204" pitchFamily="34" charset="-120"/>
-                <a:ea typeface="微軟正黑體" panose="020B0604030504040204" pitchFamily="34" charset="-120"/>
-              </a:rPr>
-              <a:t>(Decision Tree)</a:t>
-            </a:r>
-          </a:p>
-          <a:p>
-            <a:r>
-              <a:rPr lang="zh-TW" altLang="en-US" sz="1400" b="1" u="none" dirty="0" smtClean="0">
-                <a:solidFill>
-                  <a:srgbClr val="00B050"/>
-                </a:solidFill>
-                <a:latin typeface="微軟正黑體" panose="020B0604030504040204" pitchFamily="34" charset="-120"/>
-                <a:ea typeface="微軟正黑體" panose="020B0604030504040204" pitchFamily="34" charset="-120"/>
-              </a:rPr>
               <a:t>回歸</a:t>
             </a:r>
             <a:r>
@@ -38425,6 +39174,38 @@
               <a:latin typeface="微軟正黑體" panose="020B0604030504040204" pitchFamily="34" charset="-120"/>
               <a:ea typeface="微軟正黑體" panose="020B0604030504040204" pitchFamily="34" charset="-120"/>
             </a:endParaRPr>
+          </a:p>
+          <a:p>
+            <a:r>
+              <a:rPr lang="zh-TW" altLang="en-US" sz="1400" b="1" u="none" dirty="0">
+                <a:solidFill>
+                  <a:srgbClr val="00B050"/>
+                </a:solidFill>
+                <a:latin typeface="微軟正黑體" panose="020B0604030504040204" pitchFamily="34" charset="-120"/>
+                <a:ea typeface="微軟正黑體" panose="020B0604030504040204" pitchFamily="34" charset="-120"/>
+              </a:rPr>
+              <a:t>決策樹 </a:t>
+            </a:r>
+            <a:r>
+              <a:rPr lang="en-US" altLang="zh-TW" sz="1400" b="1" u="none" dirty="0">
+                <a:solidFill>
+                  <a:srgbClr val="00B050"/>
+                </a:solidFill>
+                <a:latin typeface="微軟正黑體" panose="020B0604030504040204" pitchFamily="34" charset="-120"/>
+                <a:ea typeface="微軟正黑體" panose="020B0604030504040204" pitchFamily="34" charset="-120"/>
+              </a:rPr>
+              <a:t>(Decision Tree</a:t>
+            </a:r>
+            <a:r>
+              <a:rPr lang="en-US" altLang="zh-TW" sz="1400" b="1" u="none" dirty="0" smtClean="0">
+                <a:solidFill>
+                  <a:srgbClr val="00B050"/>
+                </a:solidFill>
+                <a:latin typeface="微軟正黑體" panose="020B0604030504040204" pitchFamily="34" charset="-120"/>
+                <a:ea typeface="微軟正黑體" panose="020B0604030504040204" pitchFamily="34" charset="-120"/>
+              </a:rPr>
+              <a:t>)</a:t>
+            </a:r>
           </a:p>
           <a:p>
             <a:r>
@@ -42207,6 +42988,21 @@
 </file>
 
 <file path=customXml/item1.xml><?xml version="1.0" encoding="utf-8"?>
+<?mso-contentType ?>
+<FormTemplates xmlns="http://schemas.microsoft.com/sharepoint/v3/contenttype/forms">
+  <Display>DocumentLibraryForm</Display>
+  <Edit>DocumentLibraryForm</Edit>
+  <New>DocumentLibraryForm</New>
+</FormTemplates>
+</file>
+
+<file path=customXml/item2.xml><?xml version="1.0" encoding="utf-8"?>
+<p:properties xmlns:p="http://schemas.microsoft.com/office/2006/metadata/properties" xmlns:xsi="http://www.w3.org/2001/XMLSchema-instance" xmlns:pc="http://schemas.microsoft.com/office/infopath/2007/PartnerControls">
+  <documentManagement/>
+</p:properties>
+</file>
+
+<file path=customXml/item3.xml><?xml version="1.0" encoding="utf-8"?>
 <ct:contentTypeSchema xmlns:ct="http://schemas.microsoft.com/office/2006/metadata/contentType" xmlns:ma="http://schemas.microsoft.com/office/2006/metadata/properties/metaAttributes" ct:_="" ma:_="" ma:contentTypeName="文件" ma:contentTypeID="0x0101002F834950E6E8EC4987003F88DFC9B5CE" ma:contentTypeVersion="" ma:contentTypeDescription="建立新的文件。" ma:contentTypeScope="" ma:versionID="f8649297cceefdfdcd508960509e4249">
   <xsd:schema xmlns:xsd="http://www.w3.org/2001/XMLSchema" xmlns:xs="http://www.w3.org/2001/XMLSchema" xmlns:p="http://schemas.microsoft.com/office/2006/metadata/properties" targetNamespace="http://schemas.microsoft.com/office/2006/metadata/properties" ma:root="true" ma:fieldsID="684b3c36135c6fbac31a56fab451a81a">
     <xsd:element name="properties">
@@ -42320,33 +43116,10 @@
 </ct:contentTypeSchema>
 </file>
 
-<file path=customXml/item2.xml><?xml version="1.0" encoding="utf-8"?>
-<p:properties xmlns:p="http://schemas.microsoft.com/office/2006/metadata/properties" xmlns:xsi="http://www.w3.org/2001/XMLSchema-instance" xmlns:pc="http://schemas.microsoft.com/office/infopath/2007/PartnerControls">
-  <documentManagement/>
-</p:properties>
-</file>
-
-<file path=customXml/item3.xml><?xml version="1.0" encoding="utf-8"?>
-<?mso-contentType ?>
-<FormTemplates xmlns="http://schemas.microsoft.com/sharepoint/v3/contenttype/forms">
-  <Display>DocumentLibraryForm</Display>
-  <Edit>DocumentLibraryForm</Edit>
-  <New>DocumentLibraryForm</New>
-</FormTemplates>
-</file>
-
 <file path=customXml/itemProps1.xml><?xml version="1.0" encoding="utf-8"?>
-<ds:datastoreItem xmlns:ds="http://schemas.openxmlformats.org/officeDocument/2006/customXml" ds:itemID="{DAA5427F-1FCE-4ABC-BDEE-5B390CA5416C}">
+<ds:datastoreItem xmlns:ds="http://schemas.openxmlformats.org/officeDocument/2006/customXml" ds:itemID="{1A161D03-AEAF-454A-9930-BDD74521DECA}">
   <ds:schemaRefs>
-    <ds:schemaRef ds:uri="http://schemas.microsoft.com/office/2006/metadata/contentType"/>
-    <ds:schemaRef ds:uri="http://schemas.microsoft.com/office/2006/metadata/properties/metaAttributes"/>
-    <ds:schemaRef ds:uri="http://www.w3.org/2001/XMLSchema"/>
-    <ds:schemaRef ds:uri="http://schemas.microsoft.com/office/2006/metadata/properties"/>
-    <ds:schemaRef ds:uri="http://schemas.openxmlformats.org/package/2006/metadata/core-properties"/>
-    <ds:schemaRef ds:uri="http://purl.org/dc/elements/1.1/"/>
-    <ds:schemaRef ds:uri="http://purl.org/dc/terms/"/>
-    <ds:schemaRef ds:uri="http://schemas.microsoft.com/internal/obd"/>
-    <ds:schemaRef ds:uri="http://schemas.microsoft.com/office/infopath/2007/PartnerControls"/>
+    <ds:schemaRef ds:uri="http://schemas.microsoft.com/sharepoint/v3/contenttype/forms"/>
   </ds:schemaRefs>
 </ds:datastoreItem>
 </file>
@@ -42367,9 +43140,17 @@
 </file>
 
 <file path=customXml/itemProps3.xml><?xml version="1.0" encoding="utf-8"?>
-<ds:datastoreItem xmlns:ds="http://schemas.openxmlformats.org/officeDocument/2006/customXml" ds:itemID="{1A161D03-AEAF-454A-9930-BDD74521DECA}">
+<ds:datastoreItem xmlns:ds="http://schemas.openxmlformats.org/officeDocument/2006/customXml" ds:itemID="{DAA5427F-1FCE-4ABC-BDEE-5B390CA5416C}">
   <ds:schemaRefs>
-    <ds:schemaRef ds:uri="http://schemas.microsoft.com/sharepoint/v3/contenttype/forms"/>
+    <ds:schemaRef ds:uri="http://schemas.microsoft.com/office/2006/metadata/contentType"/>
+    <ds:schemaRef ds:uri="http://schemas.microsoft.com/office/2006/metadata/properties/metaAttributes"/>
+    <ds:schemaRef ds:uri="http://www.w3.org/2001/XMLSchema"/>
+    <ds:schemaRef ds:uri="http://schemas.microsoft.com/office/2006/metadata/properties"/>
+    <ds:schemaRef ds:uri="http://schemas.openxmlformats.org/package/2006/metadata/core-properties"/>
+    <ds:schemaRef ds:uri="http://purl.org/dc/elements/1.1/"/>
+    <ds:schemaRef ds:uri="http://purl.org/dc/terms/"/>
+    <ds:schemaRef ds:uri="http://schemas.microsoft.com/internal/obd"/>
+    <ds:schemaRef ds:uri="http://schemas.microsoft.com/office/infopath/2007/PartnerControls"/>
   </ds:schemaRefs>
 </ds:datastoreItem>
 </file>